--- a/powerpoint/An Introduction to GIT.pptx
+++ b/powerpoint/An Introduction to GIT.pptx
@@ -5,7 +5,7 @@
     <p:sldMasterId id="2147483648" r:id="rId1"/>
   </p:sldMasterIdLst>
   <p:notesMasterIdLst>
-    <p:notesMasterId r:id="rId18"/>
+    <p:notesMasterId r:id="rId29"/>
   </p:notesMasterIdLst>
   <p:sldIdLst>
     <p:sldId id="256" r:id="rId2"/>
@@ -24,6 +24,17 @@
     <p:sldId id="269" r:id="rId15"/>
     <p:sldId id="270" r:id="rId16"/>
     <p:sldId id="271" r:id="rId17"/>
+    <p:sldId id="272" r:id="rId18"/>
+    <p:sldId id="274" r:id="rId19"/>
+    <p:sldId id="273" r:id="rId20"/>
+    <p:sldId id="275" r:id="rId21"/>
+    <p:sldId id="276" r:id="rId22"/>
+    <p:sldId id="277" r:id="rId23"/>
+    <p:sldId id="278" r:id="rId24"/>
+    <p:sldId id="279" r:id="rId25"/>
+    <p:sldId id="280" r:id="rId26"/>
+    <p:sldId id="282" r:id="rId27"/>
+    <p:sldId id="281" r:id="rId28"/>
   </p:sldIdLst>
   <p:sldSz cx="9144000" cy="6858000" type="screen4x3"/>
   <p:notesSz cx="6858000" cy="9144000"/>
@@ -519,93 +530,28 @@
           <a:bodyPr/>
           <a:lstStyle/>
           <a:p>
-            <a:pPr marL="0" marR="0" indent="0" algn="l" defTabSz="914400" rtl="0" eaLnBrk="1" fontAlgn="auto" latinLnBrk="0" hangingPunct="1">
-              <a:lnSpc>
-                <a:spcPct val="100000"/>
-              </a:lnSpc>
-              <a:spcBef>
-                <a:spcPts val="0"/>
-              </a:spcBef>
-              <a:spcAft>
-                <a:spcPts val="0"/>
-              </a:spcAft>
-              <a:buClrTx/>
-              <a:buSzTx/>
-              <a:buFontTx/>
-              <a:buNone/>
-              <a:tabLst/>
-              <a:defRPr/>
-            </a:pPr>
-            <a:r>
-              <a:rPr lang="en-CA" baseline="0" dirty="0" err="1" smtClean="0"/>
-              <a:t>ClearCase</a:t>
+            <a:r>
+              <a:rPr lang="en-CA" dirty="0" smtClean="0"/>
+              <a:t>This is me discussing GIT: how I see it, how I understand it. A lot of this is the result of me struggling with it. A lot of this is stuff I wish someone had told me when I myself was learning it.</a:t>
+            </a:r>
+          </a:p>
+          <a:p>
+            <a:endParaRPr lang="en-CA" dirty="0" smtClean="0"/>
+          </a:p>
+          <a:p>
+            <a:r>
+              <a:rPr lang="en-CA" dirty="0" smtClean="0"/>
+              <a:t>I don’t claim</a:t>
             </a:r>
             <a:r>
               <a:rPr lang="en-CA" baseline="0" dirty="0" smtClean="0"/>
-              <a:t> is built for the enterprise: it is there to make sure you follow the rules of the enterprise. It assumes certain workflow and then tries to impose it on you: follow the process, or else. This is why it is so successful for waterfall development.</a:t>
-            </a:r>
-            <a:endParaRPr lang="en-CA" dirty="0" smtClean="0"/>
-          </a:p>
-          <a:p>
-            <a:pPr marL="0" marR="0" indent="0" algn="l" defTabSz="914400" rtl="0" eaLnBrk="1" fontAlgn="auto" latinLnBrk="0" hangingPunct="1">
-              <a:lnSpc>
-                <a:spcPct val="100000"/>
-              </a:lnSpc>
-              <a:spcBef>
-                <a:spcPts val="0"/>
-              </a:spcBef>
-              <a:spcAft>
-                <a:spcPts val="0"/>
-              </a:spcAft>
-              <a:buClrTx/>
-              <a:buSzTx/>
-              <a:buFontTx/>
-              <a:buNone/>
-              <a:tabLst/>
-              <a:defRPr/>
-            </a:pPr>
-            <a:endParaRPr lang="en-CA" dirty="0" smtClean="0"/>
-          </a:p>
-          <a:p>
-            <a:pPr marL="0" marR="0" indent="0" algn="l" defTabSz="914400" rtl="0" eaLnBrk="1" fontAlgn="auto" latinLnBrk="0" hangingPunct="1">
-              <a:lnSpc>
-                <a:spcPct val="100000"/>
-              </a:lnSpc>
-              <a:spcBef>
-                <a:spcPts val="0"/>
-              </a:spcBef>
-              <a:spcAft>
-                <a:spcPts val="0"/>
-              </a:spcAft>
-              <a:buClrTx/>
-              <a:buSzTx/>
-              <a:buFontTx/>
-              <a:buNone/>
-              <a:tabLst/>
-              <a:defRPr/>
-            </a:pPr>
-            <a:r>
-              <a:rPr lang="en-CA" dirty="0" smtClean="0"/>
-              <a:t>GIT, on the other hand, is built for loosely-organized</a:t>
-            </a:r>
-            <a:r>
-              <a:rPr lang="en-CA" baseline="0" dirty="0" smtClean="0"/>
-              <a:t> </a:t>
-            </a:r>
-            <a:r>
-              <a:rPr lang="en-CA" dirty="0" smtClean="0"/>
-              <a:t>teams of developers working on a single piece of code. It does not impose constraints on how these developers work as there isn’t a single rulebook everyone must obey. It</a:t>
-            </a:r>
-            <a:r>
-              <a:rPr lang="en-CA" baseline="0" dirty="0" smtClean="0"/>
-              <a:t> is there to enable you to do anything you may need to do, up until you try to merge your code. This is where most of the governance happens. This is very appropriate for open source projects, where there is often no single person “in charge” and developers are very loosely organized and scattered all over the world.</a:t>
-            </a:r>
-          </a:p>
-          <a:p>
-            <a:endParaRPr lang="en-CA" baseline="0" dirty="0" smtClean="0"/>
-          </a:p>
-          <a:p>
-            <a:endParaRPr lang="en-CA" baseline="0" dirty="0" smtClean="0"/>
+              <a:t> to be </a:t>
+            </a:r>
+            <a:r>
+              <a:rPr lang="en-CA" baseline="0" smtClean="0"/>
+              <a:t>an expert.</a:t>
+            </a:r>
+            <a:endParaRPr lang="en-CA" dirty="0"/>
           </a:p>
         </p:txBody>
       </p:sp>
@@ -626,7 +572,7 @@
           <a:p>
             <a:fld id="{CB55E3E3-40A9-4EFD-94DF-114BB2F8C3AE}" type="slidenum">
               <a:rPr lang="en-CA" smtClean="0"/>
-              <a:t>4</a:t>
+              <a:t>1</a:t>
             </a:fld>
             <a:endParaRPr lang="en-CA"/>
           </a:p>
@@ -635,7 +581,7 @@
     </p:spTree>
     <p:extLst>
       <p:ext uri="{BB962C8B-B14F-4D97-AF65-F5344CB8AC3E}">
-        <p14:creationId xmlns:p14="http://schemas.microsoft.com/office/powerpoint/2010/main" val="202790416"/>
+        <p14:creationId xmlns:p14="http://schemas.microsoft.com/office/powerpoint/2010/main" val="2743473215"/>
       </p:ext>
     </p:extLst>
   </p:cSld>
@@ -691,11 +637,44 @@
           <a:p>
             <a:r>
               <a:rPr lang="en-CA" dirty="0" smtClean="0"/>
-              <a:t>Lots</a:t>
+              <a:t>Some standard GIT terminology finally:</a:t>
+            </a:r>
+          </a:p>
+          <a:p>
+            <a:endParaRPr lang="en-CA" dirty="0" smtClean="0"/>
+          </a:p>
+          <a:p>
+            <a:r>
+              <a:rPr lang="en-CA" dirty="0" smtClean="0"/>
+              <a:t>When I “checkout” at certain </a:t>
+            </a:r>
+            <a:r>
+              <a:rPr lang="en-CA" dirty="0" err="1" smtClean="0"/>
+              <a:t>changeset</a:t>
+            </a:r>
+            <a:r>
+              <a:rPr lang="en-CA" dirty="0" smtClean="0"/>
+              <a:t> (or HEAD),</a:t>
             </a:r>
             <a:r>
               <a:rPr lang="en-CA" baseline="0" dirty="0" smtClean="0"/>
-              <a:t> of tools out there, most of which I find confusing and/or inadequate for all but the most trivial use. </a:t>
+              <a:t> I ask GIT to parse the </a:t>
+            </a:r>
+            <a:r>
+              <a:rPr lang="en-CA" baseline="0" dirty="0" err="1" smtClean="0"/>
+              <a:t>changesets</a:t>
+            </a:r>
+            <a:r>
+              <a:rPr lang="en-CA" baseline="0" dirty="0" smtClean="0"/>
+              <a:t> all the way from the creation of the repository and give me the state of my code after the </a:t>
+            </a:r>
+            <a:r>
+              <a:rPr lang="en-CA" baseline="0" dirty="0" err="1" smtClean="0"/>
+              <a:t>changeset</a:t>
+            </a:r>
+            <a:r>
+              <a:rPr lang="en-CA" baseline="0" dirty="0" smtClean="0"/>
+              <a:t> I am checking out.</a:t>
             </a:r>
           </a:p>
           <a:p>
@@ -704,7 +683,23 @@
           <a:p>
             <a:r>
               <a:rPr lang="en-CA" baseline="0" dirty="0" smtClean="0"/>
-              <a:t>A lot of the more “advanced” tools attempt to simplify things for you by trying to do some of the thinking for you. Problem with that is, GIT is very well thought-out and there is always a very good reason why GIT exposes the level of granularity it does: these “advanced” tools typically don’t have a clue what it is you are trying to accomplish and tend to get you in trouble sooner or later, leaving a horrible mess behind. Furthermore, they shield you from what is really going on behind the scenes, making it even harder to learn GIT.</a:t>
+              <a:t>When I “add” a file I have modified, it becomes part of a </a:t>
+            </a:r>
+            <a:r>
+              <a:rPr lang="en-CA" baseline="0" dirty="0" err="1" smtClean="0"/>
+              <a:t>changeset</a:t>
+            </a:r>
+            <a:r>
+              <a:rPr lang="en-CA" baseline="0" dirty="0" smtClean="0"/>
+              <a:t> I am staging for commit. The </a:t>
+            </a:r>
+            <a:r>
+              <a:rPr lang="en-CA" baseline="0" dirty="0" err="1" smtClean="0"/>
+              <a:t>changeset</a:t>
+            </a:r>
+            <a:r>
+              <a:rPr lang="en-CA" baseline="0" dirty="0" smtClean="0"/>
+              <a:t> can change at this point: files can be added or removed. Only files that have been modified, created or deleted can be added to the staging area. If GIT refuses to add a file to the Staging area, that is usually why.</a:t>
             </a:r>
           </a:p>
           <a:p>
@@ -713,7 +708,79 @@
           <a:p>
             <a:r>
               <a:rPr lang="en-CA" baseline="0" dirty="0" smtClean="0"/>
-              <a:t>The most successful tools for GIT that I have seen tend to be little more than thin wrappers around GIT itself, allowing you to interact with GIT faster and presenting a more usable interface to it, but otherwise presenting the same level of granularity. Doing anything tends to take several clicks of the mouse, but everything you see translates directly to a GIT operation you can easily wrap your head around.</a:t>
+              <a:t>When I “commit”, everything in the staging area is being cast into a brand new </a:t>
+            </a:r>
+            <a:r>
+              <a:rPr lang="en-CA" baseline="0" dirty="0" err="1" smtClean="0"/>
+              <a:t>changeset</a:t>
+            </a:r>
+            <a:r>
+              <a:rPr lang="en-CA" baseline="0" dirty="0" smtClean="0"/>
+              <a:t> and it is added in the local </a:t>
+            </a:r>
+            <a:r>
+              <a:rPr lang="en-CA" baseline="0" dirty="0" err="1" smtClean="0"/>
+              <a:t>changeset</a:t>
+            </a:r>
+            <a:r>
+              <a:rPr lang="en-CA" baseline="0" dirty="0" smtClean="0"/>
+              <a:t> database. At this point the </a:t>
+            </a:r>
+            <a:r>
+              <a:rPr lang="en-CA" baseline="0" dirty="0" err="1" smtClean="0"/>
+              <a:t>changeset</a:t>
+            </a:r>
+            <a:r>
+              <a:rPr lang="en-CA" baseline="0" dirty="0" smtClean="0"/>
+              <a:t> GUID gets created. It is impossible to change a </a:t>
+            </a:r>
+            <a:r>
+              <a:rPr lang="en-CA" baseline="0" dirty="0" err="1" smtClean="0"/>
+              <a:t>changeset</a:t>
+            </a:r>
+            <a:r>
+              <a:rPr lang="en-CA" baseline="0" dirty="0" smtClean="0"/>
+              <a:t> once </a:t>
+            </a:r>
+            <a:r>
+              <a:rPr lang="en-CA" baseline="0" dirty="0" err="1" smtClean="0"/>
+              <a:t>commited</a:t>
+            </a:r>
+            <a:r>
+              <a:rPr lang="en-CA" baseline="0" dirty="0" smtClean="0"/>
+              <a:t>. With a few special-case exceptions a </a:t>
+            </a:r>
+            <a:r>
+              <a:rPr lang="en-CA" baseline="0" dirty="0" err="1" smtClean="0"/>
+              <a:t>changeset</a:t>
+            </a:r>
+            <a:r>
+              <a:rPr lang="en-CA" baseline="0" dirty="0" smtClean="0"/>
+              <a:t> can be deleted,  thus rewriting the history of your repository, squashed with other </a:t>
+            </a:r>
+            <a:r>
+              <a:rPr lang="en-CA" baseline="0" dirty="0" err="1" smtClean="0"/>
+              <a:t>changesets</a:t>
+            </a:r>
+            <a:r>
+              <a:rPr lang="en-CA" baseline="0" dirty="0" smtClean="0"/>
+              <a:t>, but not modified. Everyone must agree on a </a:t>
+            </a:r>
+            <a:r>
+              <a:rPr lang="en-CA" baseline="0" dirty="0" err="1" smtClean="0"/>
+              <a:t>changeset</a:t>
+            </a:r>
+            <a:r>
+              <a:rPr lang="en-CA" baseline="0" dirty="0" smtClean="0"/>
+              <a:t> GUID representing a certain change, so </a:t>
+            </a:r>
+            <a:r>
+              <a:rPr lang="en-CA" baseline="0" dirty="0" err="1" smtClean="0"/>
+              <a:t>changesets</a:t>
+            </a:r>
+            <a:r>
+              <a:rPr lang="en-CA" baseline="0" dirty="0" smtClean="0"/>
+              <a:t> themselves can never be versioned.</a:t>
             </a:r>
           </a:p>
           <a:p>
@@ -721,9 +788,18 @@
           </a:p>
           <a:p>
             <a:r>
-              <a:rPr lang="en-CA" baseline="0" dirty="0" smtClean="0"/>
-              <a:t>The pure GIT is, of course, strictly command-line. There is a learning curve, but believe it or not you will learn GIT very fast if you choose to go this route.</a:t>
-            </a:r>
+              <a:rPr lang="en-CA" b="1" baseline="0" dirty="0" smtClean="0"/>
+              <a:t>And now one of the major differences with </a:t>
+            </a:r>
+            <a:r>
+              <a:rPr lang="en-CA" b="1" baseline="0" dirty="0" err="1" smtClean="0"/>
+              <a:t>ClearCase</a:t>
+            </a:r>
+            <a:r>
+              <a:rPr lang="en-CA" b="1" baseline="0" dirty="0" smtClean="0"/>
+              <a:t>: after all this, changes are still sitting on your computer. If your hard drive crashes, your changes will be gone.</a:t>
+            </a:r>
+            <a:endParaRPr lang="en-CA" b="1" dirty="0"/>
           </a:p>
         </p:txBody>
       </p:sp>
@@ -744,7 +820,7 @@
           <a:p>
             <a:fld id="{CB55E3E3-40A9-4EFD-94DF-114BB2F8C3AE}" type="slidenum">
               <a:rPr lang="en-CA" smtClean="0"/>
-              <a:t>14</a:t>
+              <a:t>11</a:t>
             </a:fld>
             <a:endParaRPr lang="en-CA"/>
           </a:p>
@@ -753,7 +829,7 @@
     </p:spTree>
     <p:extLst>
       <p:ext uri="{BB962C8B-B14F-4D97-AF65-F5344CB8AC3E}">
-        <p14:creationId xmlns:p14="http://schemas.microsoft.com/office/powerpoint/2010/main" val="1528579364"/>
+        <p14:creationId xmlns:p14="http://schemas.microsoft.com/office/powerpoint/2010/main" val="2848719048"/>
       </p:ext>
     </p:extLst>
   </p:cSld>
@@ -809,55 +885,95 @@
           <a:p>
             <a:r>
               <a:rPr lang="en-CA" dirty="0" smtClean="0"/>
-              <a:t>GIT for Windows is exactly what it sounds like: a command-line GIT for Windows. I</a:t>
+              <a:t>You can’t change a remote repository directly. You always change your local repository first and then synchronize</a:t>
             </a:r>
             <a:r>
               <a:rPr lang="en-CA" baseline="0" dirty="0" smtClean="0"/>
-              <a:t> still have not found a better way to use GIT.</a:t>
-            </a:r>
-          </a:p>
-          <a:p>
+              <a:t> your changes by pushing and/or pulling. Always.</a:t>
+            </a:r>
+          </a:p>
+          <a:p>
+            <a:endParaRPr lang="en-CA" baseline="0" dirty="0" smtClean="0"/>
+          </a:p>
+          <a:p>
+            <a:r>
+              <a:rPr lang="en-CA" baseline="0" dirty="0" smtClean="0"/>
+              <a:t>Pushing attempts to merge any additional </a:t>
+            </a:r>
             <a:r>
               <a:rPr lang="en-CA" baseline="0" dirty="0" err="1" smtClean="0"/>
-              <a:t>TortoiseGIT</a:t>
+              <a:t>changesets</a:t>
             </a:r>
             <a:r>
               <a:rPr lang="en-CA" baseline="0" dirty="0" smtClean="0"/>
-              <a:t> is the best GIT client for Windows. This is a very simple wrapper for GIT exposing a lot of the same operations at a click of a mouse. I wish there were a Mac/Linux version. Highly recommend.</a:t>
-            </a:r>
-          </a:p>
-          <a:p>
+              <a:t> you have created to the remote repository. The remote repository will attempt to merge your changes, however if it contains </a:t>
+            </a:r>
             <a:r>
               <a:rPr lang="en-CA" baseline="0" dirty="0" err="1" smtClean="0"/>
-              <a:t>eGIT</a:t>
+              <a:t>changesets</a:t>
             </a:r>
             <a:r>
               <a:rPr lang="en-CA" baseline="0" dirty="0" smtClean="0"/>
-              <a:t> is an Eclipse plugin, which integrates GIT right into Eclipse. I personally find it difficult to use, but always have it installed.</a:t>
-            </a:r>
+              <a:t> you do not have, it will ask you to pull first. Remember, your local repository has to agree on the entire history of the remote repository up to the last sync point.</a:t>
+            </a:r>
+          </a:p>
+          <a:p>
+            <a:endParaRPr lang="en-CA" baseline="0" dirty="0" smtClean="0"/>
           </a:p>
           <a:p>
             <a:r>
               <a:rPr lang="en-CA" baseline="0" dirty="0" smtClean="0"/>
-              <a:t>GIT-TF works with GIT for Windows to allow integration of native TFS repositories with GIT. It works surprisingly well!</a:t>
-            </a:r>
-          </a:p>
-          <a:p>
+              <a:t>Pulling attempts to bring in any </a:t>
+            </a:r>
             <a:r>
               <a:rPr lang="en-CA" baseline="0" dirty="0" err="1" smtClean="0"/>
-              <a:t>Atlassan</a:t>
+              <a:t>changesets</a:t>
             </a:r>
             <a:r>
               <a:rPr lang="en-CA" baseline="0" dirty="0" smtClean="0"/>
-              <a:t> </a:t>
+              <a:t> the remote repository has that have been pushed to it after you pulled last/cloned. These are </a:t>
             </a:r>
             <a:r>
               <a:rPr lang="en-CA" baseline="0" dirty="0" err="1" smtClean="0"/>
-              <a:t>SourceTree</a:t>
+              <a:t>changesets</a:t>
             </a:r>
             <a:r>
               <a:rPr lang="en-CA" baseline="0" dirty="0" smtClean="0"/>
-              <a:t> is the best-looking and most advanced GIT client that I know of. It is loved by many people, but I personally find it more trouble than it is worth. Beware of bugs.</a:t>
+              <a:t> you do not have that other people have pushed. It is at this stage merge conflicts usually occur. GIT will do its best to merge changes, but may flag conflicts for you to manually merge in case there is a problem.</a:t>
+            </a:r>
+          </a:p>
+          <a:p>
+            <a:endParaRPr lang="en-CA" baseline="0" dirty="0" smtClean="0"/>
+          </a:p>
+          <a:p>
+            <a:r>
+              <a:rPr lang="en-CA" baseline="0" dirty="0" smtClean="0"/>
+              <a:t>Some places such as GitHub allow you to do a sort of two-step pushing to a remote repository, which is often used by open-source projects for code reviews. In general, you clone a repository under your user at GitHub, you modify it by adding your </a:t>
+            </a:r>
+            <a:r>
+              <a:rPr lang="en-CA" baseline="0" dirty="0" err="1" smtClean="0"/>
+              <a:t>changesets</a:t>
+            </a:r>
+            <a:r>
+              <a:rPr lang="en-CA" baseline="0" dirty="0" smtClean="0"/>
+              <a:t> on top, and then send a “pull request” to the owners of the original repository. Your changes are made available for review, but are not part of their original repository yet. It is up to those reviewers to look through your changes and “pull” them into their repository if they are happy with them, hence the term “pull request”. This is where tools such as GERRIT come into play.</a:t>
+            </a:r>
+          </a:p>
+          <a:p>
+            <a:endParaRPr lang="en-CA" baseline="0" dirty="0" smtClean="0"/>
+          </a:p>
+          <a:p>
+            <a:r>
+              <a:rPr lang="en-CA" baseline="0" dirty="0" smtClean="0"/>
+              <a:t>Scrum agile as implemented at TELUS often suffers from code quality problems and it is THIS type of process that would help fix that. Many teams have an informal code review process, but many do not. Also, it is often very </a:t>
+            </a:r>
+            <a:r>
+              <a:rPr lang="en-CA" baseline="0" dirty="0" err="1" smtClean="0"/>
+              <a:t>VERY</a:t>
+            </a:r>
+            <a:r>
+              <a:rPr lang="en-CA" baseline="0" dirty="0" smtClean="0"/>
+              <a:t> difficult to contribute code to components owned by other team: the silos are not yet fully broken.</a:t>
             </a:r>
             <a:endParaRPr lang="en-CA" dirty="0"/>
           </a:p>
@@ -880,7 +996,7 @@
           <a:p>
             <a:fld id="{CB55E3E3-40A9-4EFD-94DF-114BB2F8C3AE}" type="slidenum">
               <a:rPr lang="en-CA" smtClean="0"/>
-              <a:t>15</a:t>
+              <a:t>12</a:t>
             </a:fld>
             <a:endParaRPr lang="en-CA"/>
           </a:p>
@@ -889,7 +1005,7 @@
     </p:spTree>
     <p:extLst>
       <p:ext uri="{BB962C8B-B14F-4D97-AF65-F5344CB8AC3E}">
-        <p14:creationId xmlns:p14="http://schemas.microsoft.com/office/powerpoint/2010/main" val="792159487"/>
+        <p14:creationId xmlns:p14="http://schemas.microsoft.com/office/powerpoint/2010/main" val="1156002518"/>
       </p:ext>
     </p:extLst>
   </p:cSld>
@@ -945,13 +1061,535 @@
           <a:p>
             <a:r>
               <a:rPr lang="en-CA" dirty="0" smtClean="0"/>
-              <a:t>Demo</a:t>
+              <a:t>Lots</a:t>
             </a:r>
             <a:r>
               <a:rPr lang="en-CA" baseline="0" dirty="0" smtClean="0"/>
-              <a:t> it.</a:t>
+              <a:t> of tools out there, most of which I find confusing and/or inadequate for all but the most trivial use. </a:t>
+            </a:r>
+          </a:p>
+          <a:p>
+            <a:endParaRPr lang="en-CA" baseline="0" dirty="0" smtClean="0"/>
+          </a:p>
+          <a:p>
+            <a:r>
+              <a:rPr lang="en-CA" baseline="0" dirty="0" smtClean="0"/>
+              <a:t>A lot of the more “advanced” tools attempt to simplify things for you by trying to do some of the thinking for you. Problem with that is, GIT is very well thought-out and there is always a very good reason why GIT exposes the level of granularity it does: these “advanced” tools typically don’t have a clue what it is you are trying to accomplish and tend to get you in trouble sooner or later, leaving a horrible mess behind. Furthermore, they shield you from what is really going on behind the scenes, making it even harder to learn GIT.</a:t>
+            </a:r>
+          </a:p>
+          <a:p>
+            <a:endParaRPr lang="en-CA" baseline="0" dirty="0" smtClean="0"/>
+          </a:p>
+          <a:p>
+            <a:r>
+              <a:rPr lang="en-CA" baseline="0" dirty="0" smtClean="0"/>
+              <a:t>The most successful tools for GIT that I have seen tend to be little more than thin wrappers around GIT itself, allowing you to interact with GIT faster and presenting a more usable interface to it, but otherwise presenting the same level of granularity. Doing anything tends to take several clicks of the mouse, but everything you see translates directly to a GIT operation you can easily wrap your head around.</a:t>
+            </a:r>
+          </a:p>
+          <a:p>
+            <a:endParaRPr lang="en-CA" baseline="0" dirty="0" smtClean="0"/>
+          </a:p>
+          <a:p>
+            <a:r>
+              <a:rPr lang="en-CA" baseline="0" dirty="0" smtClean="0"/>
+              <a:t>The pure GIT is, of course, strictly command-line. There is a learning curve, but believe it or not you will learn GIT very fast if you choose to go this route.</a:t>
+            </a:r>
+          </a:p>
+        </p:txBody>
+      </p:sp>
+      <p:sp>
+        <p:nvSpPr>
+          <p:cNvPr id="4" name="Slide Number Placeholder 3"/>
+          <p:cNvSpPr>
+            <a:spLocks noGrp="1"/>
+          </p:cNvSpPr>
+          <p:nvPr>
+            <p:ph type="sldNum" sz="quarter" idx="10"/>
+          </p:nvPr>
+        </p:nvSpPr>
+        <p:spPr/>
+        <p:txBody>
+          <a:bodyPr/>
+          <a:lstStyle/>
+          <a:p>
+            <a:fld id="{CB55E3E3-40A9-4EFD-94DF-114BB2F8C3AE}" type="slidenum">
+              <a:rPr lang="en-CA" smtClean="0"/>
+              <a:t>14</a:t>
+            </a:fld>
+            <a:endParaRPr lang="en-CA"/>
+          </a:p>
+        </p:txBody>
+      </p:sp>
+    </p:spTree>
+    <p:extLst>
+      <p:ext uri="{BB962C8B-B14F-4D97-AF65-F5344CB8AC3E}">
+        <p14:creationId xmlns:p14="http://schemas.microsoft.com/office/powerpoint/2010/main" val="1528579364"/>
+      </p:ext>
+    </p:extLst>
+  </p:cSld>
+  <p:clrMapOvr>
+    <a:masterClrMapping/>
+  </p:clrMapOvr>
+</p:notes>
+</file>
+
+<file path=ppt/notesSlides/notesSlide13.xml><?xml version="1.0" encoding="utf-8"?>
+<p:notes xmlns:a="http://schemas.openxmlformats.org/drawingml/2006/main" xmlns:r="http://schemas.openxmlformats.org/officeDocument/2006/relationships" xmlns:p="http://schemas.openxmlformats.org/presentationml/2006/main">
+  <p:cSld>
+    <p:spTree>
+      <p:nvGrpSpPr>
+        <p:cNvPr id="1" name=""/>
+        <p:cNvGrpSpPr/>
+        <p:nvPr/>
+      </p:nvGrpSpPr>
+      <p:grpSpPr>
+        <a:xfrm>
+          <a:off x="0" y="0"/>
+          <a:ext cx="0" cy="0"/>
+          <a:chOff x="0" y="0"/>
+          <a:chExt cx="0" cy="0"/>
+        </a:xfrm>
+      </p:grpSpPr>
+      <p:sp>
+        <p:nvSpPr>
+          <p:cNvPr id="2" name="Slide Image Placeholder 1"/>
+          <p:cNvSpPr>
+            <a:spLocks noGrp="1" noRot="1" noChangeAspect="1"/>
+          </p:cNvSpPr>
+          <p:nvPr>
+            <p:ph type="sldImg"/>
+          </p:nvPr>
+        </p:nvSpPr>
+        <p:spPr/>
+      </p:sp>
+      <p:sp>
+        <p:nvSpPr>
+          <p:cNvPr id="3" name="Notes Placeholder 2"/>
+          <p:cNvSpPr>
+            <a:spLocks noGrp="1"/>
+          </p:cNvSpPr>
+          <p:nvPr>
+            <p:ph type="body" idx="1"/>
+          </p:nvPr>
+        </p:nvSpPr>
+        <p:spPr/>
+        <p:txBody>
+          <a:bodyPr/>
+          <a:lstStyle/>
+          <a:p>
+            <a:r>
+              <a:rPr lang="en-CA" dirty="0" smtClean="0"/>
+              <a:t>GIT for Windows is exactly what it sounds like: a command-line GIT for Windows. I</a:t>
+            </a:r>
+            <a:r>
+              <a:rPr lang="en-CA" baseline="0" dirty="0" smtClean="0"/>
+              <a:t> still have not found a better way to use GIT</a:t>
+            </a:r>
+            <a:r>
+              <a:rPr lang="en-CA" baseline="0" dirty="0" smtClean="0"/>
+              <a:t>.</a:t>
+            </a:r>
+          </a:p>
+          <a:p>
+            <a:r>
+              <a:rPr lang="en-CA" baseline="0" dirty="0" smtClean="0"/>
+              <a:t>GIT Extensions is a UI for GIT for </a:t>
+            </a:r>
+            <a:endParaRPr lang="en-CA" baseline="0" dirty="0" smtClean="0"/>
+          </a:p>
+          <a:p>
+            <a:r>
+              <a:rPr lang="en-CA" baseline="0" dirty="0" err="1" smtClean="0"/>
+              <a:t>TortoiseGIT</a:t>
+            </a:r>
+            <a:r>
+              <a:rPr lang="en-CA" baseline="0" dirty="0" smtClean="0"/>
+              <a:t> is the best GIT client for Windows. This is a very simple wrapper for GIT exposing a lot of the same operations at a click of a mouse. I wish there were a Mac/Linux version. Highly recommend.</a:t>
+            </a:r>
+          </a:p>
+          <a:p>
+            <a:r>
+              <a:rPr lang="en-CA" baseline="0" dirty="0" err="1" smtClean="0"/>
+              <a:t>eGIT</a:t>
+            </a:r>
+            <a:r>
+              <a:rPr lang="en-CA" baseline="0" dirty="0" smtClean="0"/>
+              <a:t> is an Eclipse plugin, which integrates GIT right into Eclipse. I personally find it difficult to use, but always have it installed.</a:t>
+            </a:r>
+          </a:p>
+          <a:p>
+            <a:r>
+              <a:rPr lang="en-CA" baseline="0" dirty="0" smtClean="0"/>
+              <a:t>GIT-TF works with GIT for Windows to allow integration of native TFS repositories with GIT. It works surprisingly well!</a:t>
+            </a:r>
+          </a:p>
+          <a:p>
+            <a:r>
+              <a:rPr lang="en-CA" baseline="0" dirty="0" err="1" smtClean="0"/>
+              <a:t>Atlassan</a:t>
+            </a:r>
+            <a:r>
+              <a:rPr lang="en-CA" baseline="0" dirty="0" smtClean="0"/>
+              <a:t> </a:t>
+            </a:r>
+            <a:r>
+              <a:rPr lang="en-CA" baseline="0" dirty="0" err="1" smtClean="0"/>
+              <a:t>SourceTree</a:t>
+            </a:r>
+            <a:r>
+              <a:rPr lang="en-CA" baseline="0" dirty="0" smtClean="0"/>
+              <a:t> is the best-looking and most advanced GIT client that I know of. It is loved by many people, but I personally find it more trouble than it is worth. Beware of bugs.</a:t>
             </a:r>
             <a:endParaRPr lang="en-CA" dirty="0"/>
+          </a:p>
+        </p:txBody>
+      </p:sp>
+      <p:sp>
+        <p:nvSpPr>
+          <p:cNvPr id="4" name="Slide Number Placeholder 3"/>
+          <p:cNvSpPr>
+            <a:spLocks noGrp="1"/>
+          </p:cNvSpPr>
+          <p:nvPr>
+            <p:ph type="sldNum" sz="quarter" idx="10"/>
+          </p:nvPr>
+        </p:nvSpPr>
+        <p:spPr/>
+        <p:txBody>
+          <a:bodyPr/>
+          <a:lstStyle/>
+          <a:p>
+            <a:fld id="{CB55E3E3-40A9-4EFD-94DF-114BB2F8C3AE}" type="slidenum">
+              <a:rPr lang="en-CA" smtClean="0"/>
+              <a:t>15</a:t>
+            </a:fld>
+            <a:endParaRPr lang="en-CA"/>
+          </a:p>
+        </p:txBody>
+      </p:sp>
+    </p:spTree>
+    <p:extLst>
+      <p:ext uri="{BB962C8B-B14F-4D97-AF65-F5344CB8AC3E}">
+        <p14:creationId xmlns:p14="http://schemas.microsoft.com/office/powerpoint/2010/main" val="792159487"/>
+      </p:ext>
+    </p:extLst>
+  </p:cSld>
+  <p:clrMapOvr>
+    <a:masterClrMapping/>
+  </p:clrMapOvr>
+</p:notes>
+</file>
+
+<file path=ppt/notesSlides/notesSlide14.xml><?xml version="1.0" encoding="utf-8"?>
+<p:notes xmlns:a="http://schemas.openxmlformats.org/drawingml/2006/main" xmlns:r="http://schemas.openxmlformats.org/officeDocument/2006/relationships" xmlns:p="http://schemas.openxmlformats.org/presentationml/2006/main">
+  <p:cSld>
+    <p:spTree>
+      <p:nvGrpSpPr>
+        <p:cNvPr id="1" name=""/>
+        <p:cNvGrpSpPr/>
+        <p:nvPr/>
+      </p:nvGrpSpPr>
+      <p:grpSpPr>
+        <a:xfrm>
+          <a:off x="0" y="0"/>
+          <a:ext cx="0" cy="0"/>
+          <a:chOff x="0" y="0"/>
+          <a:chExt cx="0" cy="0"/>
+        </a:xfrm>
+      </p:grpSpPr>
+      <p:sp>
+        <p:nvSpPr>
+          <p:cNvPr id="2" name="Slide Image Placeholder 1"/>
+          <p:cNvSpPr>
+            <a:spLocks noGrp="1" noRot="1" noChangeAspect="1"/>
+          </p:cNvSpPr>
+          <p:nvPr>
+            <p:ph type="sldImg"/>
+          </p:nvPr>
+        </p:nvSpPr>
+        <p:spPr/>
+      </p:sp>
+      <p:sp>
+        <p:nvSpPr>
+          <p:cNvPr id="3" name="Notes Placeholder 2"/>
+          <p:cNvSpPr>
+            <a:spLocks noGrp="1"/>
+          </p:cNvSpPr>
+          <p:nvPr>
+            <p:ph type="body" idx="1"/>
+          </p:nvPr>
+        </p:nvSpPr>
+        <p:spPr/>
+        <p:txBody>
+          <a:bodyPr/>
+          <a:lstStyle/>
+          <a:p>
+            <a:r>
+              <a:rPr lang="en-CA" dirty="0" smtClean="0"/>
+              <a:t>INIT:</a:t>
+            </a:r>
+          </a:p>
+          <a:p>
+            <a:endParaRPr lang="en-CA" dirty="0" smtClean="0"/>
+          </a:p>
+          <a:p>
+            <a:r>
+              <a:rPr lang="en-CA" dirty="0" smtClean="0"/>
+              <a:t>G:\gitdemoinit&gt;git </a:t>
+            </a:r>
+            <a:r>
+              <a:rPr lang="en-CA" dirty="0" err="1" smtClean="0"/>
+              <a:t>init</a:t>
+            </a:r>
+            <a:endParaRPr lang="en-CA" dirty="0" smtClean="0"/>
+          </a:p>
+          <a:p>
+            <a:r>
+              <a:rPr lang="en-CA" dirty="0" smtClean="0"/>
+              <a:t>	Initialized empty Git repository in G:/gitdemoinit/.git/</a:t>
+            </a:r>
+          </a:p>
+          <a:p>
+            <a:r>
+              <a:rPr lang="en-CA" dirty="0" smtClean="0"/>
+              <a:t>G:\gitdemoinit&gt;ls -la</a:t>
+            </a:r>
+          </a:p>
+          <a:p>
+            <a:r>
+              <a:rPr lang="en-CA" dirty="0" smtClean="0"/>
+              <a:t>	</a:t>
+            </a:r>
+            <a:r>
+              <a:rPr lang="en-CA" dirty="0" err="1" smtClean="0"/>
+              <a:t>drwxr</a:t>
+            </a:r>
+            <a:r>
+              <a:rPr lang="en-CA" dirty="0" smtClean="0"/>
+              <a:t>-</a:t>
+            </a:r>
+            <a:r>
+              <a:rPr lang="en-CA" dirty="0" err="1" smtClean="0"/>
+              <a:t>xr</a:t>
+            </a:r>
+            <a:r>
+              <a:rPr lang="en-CA" dirty="0" smtClean="0"/>
+              <a:t>-x    9 x110277  </a:t>
+            </a:r>
+            <a:r>
+              <a:rPr lang="en-CA" dirty="0" err="1" smtClean="0"/>
+              <a:t>Administ</a:t>
+            </a:r>
+            <a:r>
+              <a:rPr lang="en-CA" dirty="0" smtClean="0"/>
+              <a:t>     4096 Apr 24 13:46 .git    </a:t>
+            </a:r>
+            <a:r>
+              <a:rPr lang="en-CA" dirty="0" smtClean="0">
+                <a:sym typeface="Wingdings" panose="05000000000000000000" pitchFamily="2" charset="2"/>
+              </a:rPr>
+              <a:t> this</a:t>
+            </a:r>
+            <a:r>
+              <a:rPr lang="en-CA" baseline="0" dirty="0" smtClean="0">
+                <a:sym typeface="Wingdings" panose="05000000000000000000" pitchFamily="2" charset="2"/>
+              </a:rPr>
+              <a:t> is where all the GIT repo information lives.</a:t>
+            </a:r>
+          </a:p>
+          <a:p>
+            <a:r>
+              <a:rPr lang="en-CA" dirty="0" smtClean="0"/>
+              <a:t>G:\gitdemoinit&gt;echo "test" &gt; newfile.txt</a:t>
+            </a:r>
+          </a:p>
+          <a:p>
+            <a:r>
+              <a:rPr lang="en-CA" dirty="0" smtClean="0"/>
+              <a:t>G:\gitdemoinit&gt;git add newfile.txt </a:t>
+            </a:r>
+            <a:r>
+              <a:rPr lang="en-CA" dirty="0" smtClean="0">
+                <a:sym typeface="Wingdings" panose="05000000000000000000" pitchFamily="2" charset="2"/>
+              </a:rPr>
+              <a:t> file is now part of the </a:t>
+            </a:r>
+            <a:r>
+              <a:rPr lang="en-CA" dirty="0" err="1" smtClean="0">
+                <a:sym typeface="Wingdings" panose="05000000000000000000" pitchFamily="2" charset="2"/>
+              </a:rPr>
+              <a:t>changeset</a:t>
+            </a:r>
+            <a:r>
+              <a:rPr lang="en-CA" dirty="0" smtClean="0">
+                <a:sym typeface="Wingdings" panose="05000000000000000000" pitchFamily="2" charset="2"/>
+              </a:rPr>
+              <a:t> to be </a:t>
+            </a:r>
+            <a:r>
+              <a:rPr lang="en-CA" dirty="0" err="1" smtClean="0">
+                <a:sym typeface="Wingdings" panose="05000000000000000000" pitchFamily="2" charset="2"/>
+              </a:rPr>
+              <a:t>commited</a:t>
+            </a:r>
+            <a:endParaRPr lang="en-CA" dirty="0" smtClean="0"/>
+          </a:p>
+          <a:p>
+            <a:r>
+              <a:rPr lang="en-CA" dirty="0" smtClean="0"/>
+              <a:t>G:\gitdemoinit&gt;ls -la</a:t>
+            </a:r>
+          </a:p>
+          <a:p>
+            <a:r>
+              <a:rPr lang="en-CA" dirty="0" smtClean="0"/>
+              <a:t>	-</a:t>
+            </a:r>
+            <a:r>
+              <a:rPr lang="en-CA" dirty="0" err="1" smtClean="0"/>
+              <a:t>rw</a:t>
+            </a:r>
+            <a:r>
+              <a:rPr lang="en-CA" dirty="0" smtClean="0"/>
+              <a:t>-r--r--    1 x110277  </a:t>
+            </a:r>
+            <a:r>
+              <a:rPr lang="en-CA" dirty="0" err="1" smtClean="0"/>
+              <a:t>Administ</a:t>
+            </a:r>
+            <a:r>
+              <a:rPr lang="en-CA" dirty="0" smtClean="0"/>
+              <a:t>        9 Apr 24 13:48 newfile.txt</a:t>
+            </a:r>
+          </a:p>
+          <a:p>
+            <a:r>
+              <a:rPr lang="en-CA" dirty="0" smtClean="0"/>
+              <a:t>G:\gitdemoinit&gt;git status</a:t>
+            </a:r>
+          </a:p>
+          <a:p>
+            <a:r>
+              <a:rPr lang="en-CA" dirty="0" smtClean="0"/>
+              <a:t>G:\gitdemoinit&gt;git commit</a:t>
+            </a:r>
+          </a:p>
+          <a:p>
+            <a:r>
+              <a:rPr lang="en-CA" dirty="0" smtClean="0"/>
+              <a:t>G:\gitdemoinit&gt;git log </a:t>
+            </a:r>
+            <a:r>
+              <a:rPr lang="en-CA" dirty="0" smtClean="0">
+                <a:sym typeface="Wingdings" panose="05000000000000000000" pitchFamily="2" charset="2"/>
+              </a:rPr>
+              <a:t> show the commit being part of the repository.</a:t>
+            </a:r>
+          </a:p>
+          <a:p>
+            <a:endParaRPr lang="en-CA" dirty="0" smtClean="0">
+              <a:sym typeface="Wingdings" panose="05000000000000000000" pitchFamily="2" charset="2"/>
+            </a:endParaRPr>
+          </a:p>
+          <a:p>
+            <a:r>
+              <a:rPr lang="en-CA" dirty="0" smtClean="0">
+                <a:sym typeface="Wingdings" panose="05000000000000000000" pitchFamily="2" charset="2"/>
+              </a:rPr>
+              <a:t>CLONE:</a:t>
+            </a:r>
+          </a:p>
+          <a:p>
+            <a:endParaRPr lang="en-CA" dirty="0" smtClean="0">
+              <a:sym typeface="Wingdings" panose="05000000000000000000" pitchFamily="2" charset="2"/>
+            </a:endParaRPr>
+          </a:p>
+          <a:p>
+            <a:r>
+              <a:rPr lang="en-CA" dirty="0" smtClean="0"/>
+              <a:t>G:\temp&gt;git clone </a:t>
+            </a:r>
+            <a:r>
+              <a:rPr lang="en-CA" dirty="0" err="1" smtClean="0"/>
+              <a:t>git@github.com:kangelov</a:t>
+            </a:r>
+            <a:r>
+              <a:rPr lang="en-CA" dirty="0" smtClean="0"/>
+              <a:t>/</a:t>
+            </a:r>
+            <a:r>
+              <a:rPr lang="en-CA" dirty="0" err="1" smtClean="0"/>
+              <a:t>gitdemo.git</a:t>
+            </a:r>
+            <a:r>
+              <a:rPr lang="en-CA" dirty="0" smtClean="0"/>
+              <a:t>     </a:t>
+            </a:r>
+            <a:r>
+              <a:rPr lang="en-CA" dirty="0" smtClean="0">
+                <a:sym typeface="Wingdings" panose="05000000000000000000" pitchFamily="2" charset="2"/>
+              </a:rPr>
+              <a:t> there are multiple ways to do this</a:t>
+            </a:r>
+            <a:endParaRPr lang="en-CA" dirty="0" smtClean="0"/>
+          </a:p>
+          <a:p>
+            <a:r>
+              <a:rPr lang="en-CA" dirty="0" smtClean="0"/>
+              <a:t>Cloning into '</a:t>
+            </a:r>
+            <a:r>
+              <a:rPr lang="en-CA" dirty="0" err="1" smtClean="0"/>
+              <a:t>gitdemo</a:t>
+            </a:r>
+            <a:r>
+              <a:rPr lang="en-CA" dirty="0" smtClean="0"/>
+              <a:t>'...</a:t>
+            </a:r>
+          </a:p>
+          <a:p>
+            <a:r>
+              <a:rPr lang="en-CA" dirty="0" smtClean="0"/>
+              <a:t>G:\temp&gt;cd </a:t>
+            </a:r>
+            <a:r>
+              <a:rPr lang="en-CA" dirty="0" err="1" smtClean="0"/>
+              <a:t>gitdemo</a:t>
+            </a:r>
+            <a:endParaRPr lang="en-CA" dirty="0" smtClean="0"/>
+          </a:p>
+          <a:p>
+            <a:r>
+              <a:rPr lang="en-CA" dirty="0" smtClean="0"/>
+              <a:t>G:\temp\gitdemo&gt;ls –la</a:t>
+            </a:r>
+          </a:p>
+          <a:p>
+            <a:r>
+              <a:rPr lang="en-CA" dirty="0" smtClean="0"/>
+              <a:t>G:\temp\gitdemo&gt;echo "Test" &gt; test.txt</a:t>
+            </a:r>
+          </a:p>
+          <a:p>
+            <a:r>
+              <a:rPr lang="en-CA" dirty="0" smtClean="0"/>
+              <a:t>G:\temp\gitdemo&gt;git add test.txt</a:t>
+            </a:r>
+          </a:p>
+          <a:p>
+            <a:r>
+              <a:rPr lang="en-CA" dirty="0" smtClean="0"/>
+              <a:t>G:\temp\gitdemo&gt;git commit</a:t>
+            </a:r>
+          </a:p>
+          <a:p>
+            <a:endParaRPr lang="en-CA" dirty="0" smtClean="0"/>
+          </a:p>
+          <a:p>
+            <a:endParaRPr lang="en-CA" dirty="0" smtClean="0"/>
+          </a:p>
+          <a:p>
+            <a:endParaRPr lang="en-CA" dirty="0" smtClean="0"/>
           </a:p>
         </p:txBody>
       </p:sp>
@@ -982,6 +1620,770 @@
     <p:extLst>
       <p:ext uri="{BB962C8B-B14F-4D97-AF65-F5344CB8AC3E}">
         <p14:creationId xmlns:p14="http://schemas.microsoft.com/office/powerpoint/2010/main" val="857936746"/>
+      </p:ext>
+    </p:extLst>
+  </p:cSld>
+  <p:clrMapOvr>
+    <a:masterClrMapping/>
+  </p:clrMapOvr>
+</p:notes>
+</file>
+
+<file path=ppt/notesSlides/notesSlide15.xml><?xml version="1.0" encoding="utf-8"?>
+<p:notes xmlns:a="http://schemas.openxmlformats.org/drawingml/2006/main" xmlns:r="http://schemas.openxmlformats.org/officeDocument/2006/relationships" xmlns:p="http://schemas.openxmlformats.org/presentationml/2006/main">
+  <p:cSld>
+    <p:spTree>
+      <p:nvGrpSpPr>
+        <p:cNvPr id="1" name=""/>
+        <p:cNvGrpSpPr/>
+        <p:nvPr/>
+      </p:nvGrpSpPr>
+      <p:grpSpPr>
+        <a:xfrm>
+          <a:off x="0" y="0"/>
+          <a:ext cx="0" cy="0"/>
+          <a:chOff x="0" y="0"/>
+          <a:chExt cx="0" cy="0"/>
+        </a:xfrm>
+      </p:grpSpPr>
+      <p:sp>
+        <p:nvSpPr>
+          <p:cNvPr id="2" name="Slide Image Placeholder 1"/>
+          <p:cNvSpPr>
+            <a:spLocks noGrp="1" noRot="1" noChangeAspect="1"/>
+          </p:cNvSpPr>
+          <p:nvPr>
+            <p:ph type="sldImg"/>
+          </p:nvPr>
+        </p:nvSpPr>
+        <p:spPr/>
+      </p:sp>
+      <p:sp>
+        <p:nvSpPr>
+          <p:cNvPr id="3" name="Notes Placeholder 2"/>
+          <p:cNvSpPr>
+            <a:spLocks noGrp="1"/>
+          </p:cNvSpPr>
+          <p:nvPr>
+            <p:ph type="body" idx="1"/>
+          </p:nvPr>
+        </p:nvSpPr>
+        <p:spPr/>
+        <p:txBody>
+          <a:bodyPr/>
+          <a:lstStyle/>
+          <a:p>
+            <a:pPr marL="0" marR="0" indent="0" algn="l" defTabSz="914400" rtl="0" eaLnBrk="1" fontAlgn="auto" latinLnBrk="0" hangingPunct="1">
+              <a:lnSpc>
+                <a:spcPct val="100000"/>
+              </a:lnSpc>
+              <a:spcBef>
+                <a:spcPts val="0"/>
+              </a:spcBef>
+              <a:spcAft>
+                <a:spcPts val="0"/>
+              </a:spcAft>
+              <a:buClrTx/>
+              <a:buSzTx/>
+              <a:buFontTx/>
+              <a:buNone/>
+              <a:tabLst/>
+              <a:defRPr/>
+            </a:pPr>
+            <a:r>
+              <a:rPr lang="en-CA" dirty="0" smtClean="0"/>
+              <a:t>G:\temp\gitdemo&gt;git push</a:t>
+            </a:r>
+          </a:p>
+          <a:p>
+            <a:endParaRPr lang="en-CA" dirty="0" smtClean="0"/>
+          </a:p>
+          <a:p>
+            <a:r>
+              <a:rPr lang="en-CA" dirty="0" smtClean="0"/>
+              <a:t>What happens when you push over someone else’s incompatible changes?</a:t>
+            </a:r>
+          </a:p>
+          <a:p>
+            <a:endParaRPr lang="en-CA" dirty="0" smtClean="0"/>
+          </a:p>
+          <a:p>
+            <a:r>
+              <a:rPr lang="en-CA" baseline="0" dirty="0" smtClean="0"/>
+              <a:t>G:\gitdemo&gt;vim test.txt</a:t>
+            </a:r>
+          </a:p>
+          <a:p>
+            <a:r>
+              <a:rPr lang="en-CA" baseline="0" dirty="0" smtClean="0"/>
+              <a:t>G:\gitdemo&gt;git add test.txt</a:t>
+            </a:r>
+          </a:p>
+          <a:p>
+            <a:r>
+              <a:rPr lang="en-CA" baseline="0" dirty="0" smtClean="0"/>
+              <a:t>G:\gitdemo&gt;git commit</a:t>
+            </a:r>
+          </a:p>
+          <a:p>
+            <a:r>
+              <a:rPr lang="en-CA" baseline="0" dirty="0" smtClean="0"/>
+              <a:t>G:\gitdemo&gt;git push</a:t>
+            </a:r>
+          </a:p>
+          <a:p>
+            <a:endParaRPr lang="en-CA" baseline="0" dirty="0" smtClean="0"/>
+          </a:p>
+          <a:p>
+            <a:r>
+              <a:rPr lang="en-CA" baseline="0" dirty="0" smtClean="0"/>
+              <a:t>In my other repo:</a:t>
+            </a:r>
+          </a:p>
+          <a:p>
+            <a:endParaRPr lang="en-CA" baseline="0" dirty="0" smtClean="0"/>
+          </a:p>
+          <a:p>
+            <a:r>
+              <a:rPr lang="en-CA" baseline="0" dirty="0" smtClean="0"/>
+              <a:t>G:\temp\gitdemo&gt;vim test.txt</a:t>
+            </a:r>
+          </a:p>
+          <a:p>
+            <a:r>
+              <a:rPr lang="en-CA" baseline="0" dirty="0" smtClean="0"/>
+              <a:t>G:\temp\gitdemo&gt;git add test.txt</a:t>
+            </a:r>
+          </a:p>
+          <a:p>
+            <a:r>
+              <a:rPr lang="en-CA" baseline="0" dirty="0" smtClean="0"/>
+              <a:t>G:\temp\gitdemo&gt;git commit</a:t>
+            </a:r>
+          </a:p>
+          <a:p>
+            <a:r>
+              <a:rPr lang="en-CA" baseline="0" dirty="0" smtClean="0"/>
+              <a:t>G:\temp\gitdemo&gt;git push</a:t>
+            </a:r>
+          </a:p>
+          <a:p>
+            <a:r>
+              <a:rPr lang="en-CA" baseline="0" dirty="0" smtClean="0"/>
+              <a:t>To </a:t>
+            </a:r>
+            <a:r>
+              <a:rPr lang="en-CA" baseline="0" dirty="0" err="1" smtClean="0"/>
+              <a:t>git@github.com:kangelov</a:t>
+            </a:r>
+            <a:r>
+              <a:rPr lang="en-CA" baseline="0" dirty="0" smtClean="0"/>
+              <a:t>/</a:t>
+            </a:r>
+            <a:r>
+              <a:rPr lang="en-CA" baseline="0" dirty="0" err="1" smtClean="0"/>
+              <a:t>gitdemo.git</a:t>
+            </a:r>
+            <a:endParaRPr lang="en-CA" baseline="0" dirty="0" smtClean="0"/>
+          </a:p>
+          <a:p>
+            <a:r>
+              <a:rPr lang="en-CA" baseline="0" dirty="0" smtClean="0"/>
+              <a:t> ! [rejected]        test -&gt; test (fetch first)</a:t>
+            </a:r>
+          </a:p>
+          <a:p>
+            <a:r>
+              <a:rPr lang="en-CA" baseline="0" dirty="0" smtClean="0"/>
+              <a:t>error: failed to push some refs to '</a:t>
+            </a:r>
+            <a:r>
+              <a:rPr lang="en-CA" baseline="0" dirty="0" err="1" smtClean="0"/>
+              <a:t>git@github.com:kangelov</a:t>
+            </a:r>
+            <a:r>
+              <a:rPr lang="en-CA" baseline="0" dirty="0" smtClean="0"/>
+              <a:t>/</a:t>
+            </a:r>
+            <a:r>
+              <a:rPr lang="en-CA" baseline="0" dirty="0" err="1" smtClean="0"/>
+              <a:t>gitdemo.git</a:t>
+            </a:r>
+            <a:r>
+              <a:rPr lang="en-CA" baseline="0" dirty="0" smtClean="0"/>
+              <a:t>'</a:t>
+            </a:r>
+          </a:p>
+          <a:p>
+            <a:r>
+              <a:rPr lang="en-CA" baseline="0" dirty="0" smtClean="0"/>
+              <a:t>hint: Updates were rejected because the remote contains work that you do</a:t>
+            </a:r>
+          </a:p>
+          <a:p>
+            <a:r>
+              <a:rPr lang="en-CA" baseline="0" dirty="0" smtClean="0"/>
+              <a:t>hint: not have locally. This is usually caused by another repository pushing</a:t>
+            </a:r>
+          </a:p>
+          <a:p>
+            <a:r>
+              <a:rPr lang="en-CA" baseline="0" dirty="0" smtClean="0"/>
+              <a:t>hint: to the same ref. You may want to first integrate the remote changes</a:t>
+            </a:r>
+          </a:p>
+          <a:p>
+            <a:r>
+              <a:rPr lang="en-CA" baseline="0" dirty="0" smtClean="0"/>
+              <a:t>hint: (e.g., 'git pull ...') before pushing again.</a:t>
+            </a:r>
+          </a:p>
+          <a:p>
+            <a:r>
+              <a:rPr lang="en-CA" baseline="0" dirty="0" smtClean="0"/>
+              <a:t>hint: See the 'Note about fast-forwards' in 'git push --help' for details.</a:t>
+            </a:r>
+          </a:p>
+        </p:txBody>
+      </p:sp>
+      <p:sp>
+        <p:nvSpPr>
+          <p:cNvPr id="4" name="Slide Number Placeholder 3"/>
+          <p:cNvSpPr>
+            <a:spLocks noGrp="1"/>
+          </p:cNvSpPr>
+          <p:nvPr>
+            <p:ph type="sldNum" sz="quarter" idx="10"/>
+          </p:nvPr>
+        </p:nvSpPr>
+        <p:spPr/>
+        <p:txBody>
+          <a:bodyPr/>
+          <a:lstStyle/>
+          <a:p>
+            <a:fld id="{CB55E3E3-40A9-4EFD-94DF-114BB2F8C3AE}" type="slidenum">
+              <a:rPr lang="en-CA" smtClean="0"/>
+              <a:t>17</a:t>
+            </a:fld>
+            <a:endParaRPr lang="en-CA"/>
+          </a:p>
+        </p:txBody>
+      </p:sp>
+    </p:spTree>
+    <p:extLst>
+      <p:ext uri="{BB962C8B-B14F-4D97-AF65-F5344CB8AC3E}">
+        <p14:creationId xmlns:p14="http://schemas.microsoft.com/office/powerpoint/2010/main" val="702348923"/>
+      </p:ext>
+    </p:extLst>
+  </p:cSld>
+  <p:clrMapOvr>
+    <a:masterClrMapping/>
+  </p:clrMapOvr>
+</p:notes>
+</file>
+
+<file path=ppt/notesSlides/notesSlide16.xml><?xml version="1.0" encoding="utf-8"?>
+<p:notes xmlns:a="http://schemas.openxmlformats.org/drawingml/2006/main" xmlns:r="http://schemas.openxmlformats.org/officeDocument/2006/relationships" xmlns:p="http://schemas.openxmlformats.org/presentationml/2006/main">
+  <p:cSld>
+    <p:spTree>
+      <p:nvGrpSpPr>
+        <p:cNvPr id="1" name=""/>
+        <p:cNvGrpSpPr/>
+        <p:nvPr/>
+      </p:nvGrpSpPr>
+      <p:grpSpPr>
+        <a:xfrm>
+          <a:off x="0" y="0"/>
+          <a:ext cx="0" cy="0"/>
+          <a:chOff x="0" y="0"/>
+          <a:chExt cx="0" cy="0"/>
+        </a:xfrm>
+      </p:grpSpPr>
+      <p:sp>
+        <p:nvSpPr>
+          <p:cNvPr id="2" name="Slide Image Placeholder 1"/>
+          <p:cNvSpPr>
+            <a:spLocks noGrp="1" noRot="1" noChangeAspect="1"/>
+          </p:cNvSpPr>
+          <p:nvPr>
+            <p:ph type="sldImg"/>
+          </p:nvPr>
+        </p:nvSpPr>
+        <p:spPr/>
+      </p:sp>
+      <p:sp>
+        <p:nvSpPr>
+          <p:cNvPr id="3" name="Notes Placeholder 2"/>
+          <p:cNvSpPr>
+            <a:spLocks noGrp="1"/>
+          </p:cNvSpPr>
+          <p:nvPr>
+            <p:ph type="body" idx="1"/>
+          </p:nvPr>
+        </p:nvSpPr>
+        <p:spPr/>
+        <p:txBody>
+          <a:bodyPr/>
+          <a:lstStyle/>
+          <a:p>
+            <a:r>
+              <a:rPr lang="en-CA" baseline="0" dirty="0" smtClean="0"/>
+              <a:t>G:\temp\gitdemo&gt;git pull</a:t>
+            </a:r>
+          </a:p>
+          <a:p>
+            <a:r>
+              <a:rPr lang="en-CA" baseline="0" dirty="0" smtClean="0"/>
+              <a:t>From </a:t>
+            </a:r>
+            <a:r>
+              <a:rPr lang="en-CA" baseline="0" dirty="0" err="1" smtClean="0"/>
+              <a:t>github.com:kangelov</a:t>
+            </a:r>
+            <a:r>
+              <a:rPr lang="en-CA" baseline="0" dirty="0" smtClean="0"/>
+              <a:t>/</a:t>
+            </a:r>
+            <a:r>
+              <a:rPr lang="en-CA" baseline="0" dirty="0" err="1" smtClean="0"/>
+              <a:t>gitdemo</a:t>
+            </a:r>
+            <a:endParaRPr lang="en-CA" baseline="0" dirty="0" smtClean="0"/>
+          </a:p>
+          <a:p>
+            <a:r>
+              <a:rPr lang="en-CA" baseline="0" dirty="0" smtClean="0"/>
+              <a:t> * branch            test       -&gt; FETCH_HEAD</a:t>
+            </a:r>
+          </a:p>
+          <a:p>
+            <a:r>
+              <a:rPr lang="en-CA" baseline="0" dirty="0" smtClean="0"/>
+              <a:t>Auto-merging test.txt</a:t>
+            </a:r>
+          </a:p>
+          <a:p>
+            <a:r>
+              <a:rPr lang="en-CA" baseline="0" dirty="0" smtClean="0"/>
+              <a:t>CONFLICT (content): Merge conflict in test.txt</a:t>
+            </a:r>
+          </a:p>
+          <a:p>
+            <a:r>
+              <a:rPr lang="en-CA" baseline="0" dirty="0" smtClean="0"/>
+              <a:t>Automatic merge failed; fix conflicts and then commit the result.</a:t>
+            </a:r>
+          </a:p>
+          <a:p>
+            <a:endParaRPr lang="en-CA" dirty="0"/>
+          </a:p>
+        </p:txBody>
+      </p:sp>
+      <p:sp>
+        <p:nvSpPr>
+          <p:cNvPr id="4" name="Slide Number Placeholder 3"/>
+          <p:cNvSpPr>
+            <a:spLocks noGrp="1"/>
+          </p:cNvSpPr>
+          <p:nvPr>
+            <p:ph type="sldNum" sz="quarter" idx="10"/>
+          </p:nvPr>
+        </p:nvSpPr>
+        <p:spPr/>
+        <p:txBody>
+          <a:bodyPr/>
+          <a:lstStyle/>
+          <a:p>
+            <a:fld id="{CB55E3E3-40A9-4EFD-94DF-114BB2F8C3AE}" type="slidenum">
+              <a:rPr lang="en-CA" smtClean="0"/>
+              <a:t>19</a:t>
+            </a:fld>
+            <a:endParaRPr lang="en-CA"/>
+          </a:p>
+        </p:txBody>
+      </p:sp>
+    </p:spTree>
+    <p:extLst>
+      <p:ext uri="{BB962C8B-B14F-4D97-AF65-F5344CB8AC3E}">
+        <p14:creationId xmlns:p14="http://schemas.microsoft.com/office/powerpoint/2010/main" val="1064836512"/>
+      </p:ext>
+    </p:extLst>
+  </p:cSld>
+  <p:clrMapOvr>
+    <a:masterClrMapping/>
+  </p:clrMapOvr>
+</p:notes>
+</file>
+
+<file path=ppt/notesSlides/notesSlide17.xml><?xml version="1.0" encoding="utf-8"?>
+<p:notes xmlns:a="http://schemas.openxmlformats.org/drawingml/2006/main" xmlns:r="http://schemas.openxmlformats.org/officeDocument/2006/relationships" xmlns:p="http://schemas.openxmlformats.org/presentationml/2006/main">
+  <p:cSld>
+    <p:spTree>
+      <p:nvGrpSpPr>
+        <p:cNvPr id="1" name=""/>
+        <p:cNvGrpSpPr/>
+        <p:nvPr/>
+      </p:nvGrpSpPr>
+      <p:grpSpPr>
+        <a:xfrm>
+          <a:off x="0" y="0"/>
+          <a:ext cx="0" cy="0"/>
+          <a:chOff x="0" y="0"/>
+          <a:chExt cx="0" cy="0"/>
+        </a:xfrm>
+      </p:grpSpPr>
+      <p:sp>
+        <p:nvSpPr>
+          <p:cNvPr id="2" name="Slide Image Placeholder 1"/>
+          <p:cNvSpPr>
+            <a:spLocks noGrp="1" noRot="1" noChangeAspect="1"/>
+          </p:cNvSpPr>
+          <p:nvPr>
+            <p:ph type="sldImg"/>
+          </p:nvPr>
+        </p:nvSpPr>
+        <p:spPr/>
+      </p:sp>
+      <p:sp>
+        <p:nvSpPr>
+          <p:cNvPr id="3" name="Notes Placeholder 2"/>
+          <p:cNvSpPr>
+            <a:spLocks noGrp="1"/>
+          </p:cNvSpPr>
+          <p:nvPr>
+            <p:ph type="body" idx="1"/>
+          </p:nvPr>
+        </p:nvSpPr>
+        <p:spPr/>
+        <p:txBody>
+          <a:bodyPr/>
+          <a:lstStyle/>
+          <a:p>
+            <a:r>
+              <a:rPr lang="en-CA" dirty="0" smtClean="0"/>
+              <a:t>This is what the conflict looks like in a</a:t>
+            </a:r>
+            <a:r>
+              <a:rPr lang="en-CA" baseline="0" dirty="0" smtClean="0"/>
+              <a:t> file. Edit any way you like, removing the conflict markers. Anything you edit this file to, including something completely different, gets recorded as the merged file.</a:t>
+            </a:r>
+          </a:p>
+          <a:p>
+            <a:endParaRPr lang="en-CA" baseline="0" dirty="0" smtClean="0"/>
+          </a:p>
+          <a:p>
+            <a:r>
+              <a:rPr lang="en-CA" baseline="0" dirty="0" smtClean="0"/>
+              <a:t>&gt;&gt;&gt; Perform the merge, commit and push.</a:t>
+            </a:r>
+          </a:p>
+        </p:txBody>
+      </p:sp>
+      <p:sp>
+        <p:nvSpPr>
+          <p:cNvPr id="4" name="Slide Number Placeholder 3"/>
+          <p:cNvSpPr>
+            <a:spLocks noGrp="1"/>
+          </p:cNvSpPr>
+          <p:nvPr>
+            <p:ph type="sldNum" sz="quarter" idx="10"/>
+          </p:nvPr>
+        </p:nvSpPr>
+        <p:spPr/>
+        <p:txBody>
+          <a:bodyPr/>
+          <a:lstStyle/>
+          <a:p>
+            <a:fld id="{CB55E3E3-40A9-4EFD-94DF-114BB2F8C3AE}" type="slidenum">
+              <a:rPr lang="en-CA" smtClean="0"/>
+              <a:t>20</a:t>
+            </a:fld>
+            <a:endParaRPr lang="en-CA"/>
+          </a:p>
+        </p:txBody>
+      </p:sp>
+    </p:spTree>
+    <p:extLst>
+      <p:ext uri="{BB962C8B-B14F-4D97-AF65-F5344CB8AC3E}">
+        <p14:creationId xmlns:p14="http://schemas.microsoft.com/office/powerpoint/2010/main" val="4134439526"/>
+      </p:ext>
+    </p:extLst>
+  </p:cSld>
+  <p:clrMapOvr>
+    <a:masterClrMapping/>
+  </p:clrMapOvr>
+</p:notes>
+</file>
+
+<file path=ppt/notesSlides/notesSlide18.xml><?xml version="1.0" encoding="utf-8"?>
+<p:notes xmlns:a="http://schemas.openxmlformats.org/drawingml/2006/main" xmlns:r="http://schemas.openxmlformats.org/officeDocument/2006/relationships" xmlns:p="http://schemas.openxmlformats.org/presentationml/2006/main">
+  <p:cSld>
+    <p:spTree>
+      <p:nvGrpSpPr>
+        <p:cNvPr id="1" name=""/>
+        <p:cNvGrpSpPr/>
+        <p:nvPr/>
+      </p:nvGrpSpPr>
+      <p:grpSpPr>
+        <a:xfrm>
+          <a:off x="0" y="0"/>
+          <a:ext cx="0" cy="0"/>
+          <a:chOff x="0" y="0"/>
+          <a:chExt cx="0" cy="0"/>
+        </a:xfrm>
+      </p:grpSpPr>
+      <p:sp>
+        <p:nvSpPr>
+          <p:cNvPr id="2" name="Slide Image Placeholder 1"/>
+          <p:cNvSpPr>
+            <a:spLocks noGrp="1" noRot="1" noChangeAspect="1"/>
+          </p:cNvSpPr>
+          <p:nvPr>
+            <p:ph type="sldImg"/>
+          </p:nvPr>
+        </p:nvSpPr>
+        <p:spPr/>
+      </p:sp>
+      <p:sp>
+        <p:nvSpPr>
+          <p:cNvPr id="3" name="Notes Placeholder 2"/>
+          <p:cNvSpPr>
+            <a:spLocks noGrp="1"/>
+          </p:cNvSpPr>
+          <p:nvPr>
+            <p:ph type="body" idx="1"/>
+          </p:nvPr>
+        </p:nvSpPr>
+        <p:spPr/>
+        <p:txBody>
+          <a:bodyPr/>
+          <a:lstStyle/>
+          <a:p>
+            <a:r>
+              <a:rPr lang="en-CA" dirty="0" smtClean="0"/>
+              <a:t>The beauty</a:t>
+            </a:r>
+            <a:r>
+              <a:rPr lang="en-CA" baseline="0" dirty="0" smtClean="0"/>
+              <a:t> of all these tools is that they all operate on the same repository and agree on its structure. You can change tools and even switch between them at will without fear of causing a mess. Every tool picks up the state of the repository and works from there.</a:t>
+            </a:r>
+            <a:endParaRPr lang="en-CA" dirty="0"/>
+          </a:p>
+        </p:txBody>
+      </p:sp>
+      <p:sp>
+        <p:nvSpPr>
+          <p:cNvPr id="4" name="Slide Number Placeholder 3"/>
+          <p:cNvSpPr>
+            <a:spLocks noGrp="1"/>
+          </p:cNvSpPr>
+          <p:nvPr>
+            <p:ph type="sldNum" sz="quarter" idx="10"/>
+          </p:nvPr>
+        </p:nvSpPr>
+        <p:spPr/>
+        <p:txBody>
+          <a:bodyPr/>
+          <a:lstStyle/>
+          <a:p>
+            <a:fld id="{CB55E3E3-40A9-4EFD-94DF-114BB2F8C3AE}" type="slidenum">
+              <a:rPr lang="en-CA" smtClean="0"/>
+              <a:t>21</a:t>
+            </a:fld>
+            <a:endParaRPr lang="en-CA"/>
+          </a:p>
+        </p:txBody>
+      </p:sp>
+    </p:spTree>
+    <p:extLst>
+      <p:ext uri="{BB962C8B-B14F-4D97-AF65-F5344CB8AC3E}">
+        <p14:creationId xmlns:p14="http://schemas.microsoft.com/office/powerpoint/2010/main" val="2877866791"/>
+      </p:ext>
+    </p:extLst>
+  </p:cSld>
+  <p:clrMapOvr>
+    <a:masterClrMapping/>
+  </p:clrMapOvr>
+</p:notes>
+</file>
+
+<file path=ppt/notesSlides/notesSlide19.xml><?xml version="1.0" encoding="utf-8"?>
+<p:notes xmlns:a="http://schemas.openxmlformats.org/drawingml/2006/main" xmlns:r="http://schemas.openxmlformats.org/officeDocument/2006/relationships" xmlns:p="http://schemas.openxmlformats.org/presentationml/2006/main">
+  <p:cSld>
+    <p:spTree>
+      <p:nvGrpSpPr>
+        <p:cNvPr id="1" name=""/>
+        <p:cNvGrpSpPr/>
+        <p:nvPr/>
+      </p:nvGrpSpPr>
+      <p:grpSpPr>
+        <a:xfrm>
+          <a:off x="0" y="0"/>
+          <a:ext cx="0" cy="0"/>
+          <a:chOff x="0" y="0"/>
+          <a:chExt cx="0" cy="0"/>
+        </a:xfrm>
+      </p:grpSpPr>
+      <p:sp>
+        <p:nvSpPr>
+          <p:cNvPr id="2" name="Slide Image Placeholder 1"/>
+          <p:cNvSpPr>
+            <a:spLocks noGrp="1" noRot="1" noChangeAspect="1"/>
+          </p:cNvSpPr>
+          <p:nvPr>
+            <p:ph type="sldImg"/>
+          </p:nvPr>
+        </p:nvSpPr>
+        <p:spPr/>
+      </p:sp>
+      <p:sp>
+        <p:nvSpPr>
+          <p:cNvPr id="3" name="Notes Placeholder 2"/>
+          <p:cNvSpPr>
+            <a:spLocks noGrp="1"/>
+          </p:cNvSpPr>
+          <p:nvPr>
+            <p:ph type="body" idx="1"/>
+          </p:nvPr>
+        </p:nvSpPr>
+        <p:spPr/>
+        <p:txBody>
+          <a:bodyPr/>
+          <a:lstStyle/>
+          <a:p>
+            <a:r>
+              <a:rPr lang="en-CA" dirty="0" smtClean="0"/>
+              <a:t>Suppose we want to roll back the merge we just did:</a:t>
+            </a:r>
+          </a:p>
+          <a:p>
+            <a:endParaRPr lang="en-CA" dirty="0" smtClean="0"/>
+          </a:p>
+          <a:p>
+            <a:r>
+              <a:rPr lang="en-CA" dirty="0" smtClean="0"/>
+              <a:t>G:\temp\gitdemo&gt;git log</a:t>
+            </a:r>
+          </a:p>
+          <a:p>
+            <a:r>
+              <a:rPr lang="en-CA" dirty="0" smtClean="0"/>
+              <a:t>G:\temp\gitdemo&gt;git reset --hard 9c4bbb281a92db379fb48bc5a8d093e2a45c6785</a:t>
+            </a:r>
+          </a:p>
+          <a:p>
+            <a:r>
+              <a:rPr lang="en-CA" dirty="0" smtClean="0"/>
+              <a:t>HEAD is now at 9c4bbb2 an incompatible change</a:t>
+            </a:r>
+          </a:p>
+          <a:p>
+            <a:r>
+              <a:rPr lang="en-CA" dirty="0" smtClean="0"/>
+              <a:t>$ git push origin test</a:t>
+            </a:r>
+          </a:p>
+          <a:p>
+            <a:r>
+              <a:rPr lang="en-CA" dirty="0" smtClean="0"/>
+              <a:t>To </a:t>
+            </a:r>
+            <a:r>
+              <a:rPr lang="en-CA" dirty="0" err="1" smtClean="0"/>
+              <a:t>git@github.com:kangelov</a:t>
+            </a:r>
+            <a:r>
+              <a:rPr lang="en-CA" dirty="0" smtClean="0"/>
+              <a:t>/</a:t>
+            </a:r>
+            <a:r>
+              <a:rPr lang="en-CA" dirty="0" err="1" smtClean="0"/>
+              <a:t>gitdemo.git</a:t>
+            </a:r>
+            <a:endParaRPr lang="en-CA" dirty="0" smtClean="0"/>
+          </a:p>
+          <a:p>
+            <a:r>
+              <a:rPr lang="en-CA" dirty="0" smtClean="0"/>
+              <a:t> ! [rejected]        test -&gt; test (non-fast-forward)</a:t>
+            </a:r>
+          </a:p>
+          <a:p>
+            <a:r>
+              <a:rPr lang="en-CA" dirty="0" smtClean="0"/>
+              <a:t>$ git push --force origin test</a:t>
+            </a:r>
+          </a:p>
+          <a:p>
+            <a:r>
+              <a:rPr lang="en-CA" dirty="0" smtClean="0"/>
+              <a:t>Total 0 (delta 0), reused 0 (delta 0)</a:t>
+            </a:r>
+          </a:p>
+          <a:p>
+            <a:r>
+              <a:rPr lang="en-CA" dirty="0" smtClean="0"/>
+              <a:t>To </a:t>
+            </a:r>
+            <a:r>
+              <a:rPr lang="en-CA" dirty="0" err="1" smtClean="0"/>
+              <a:t>git@github.com:kangelov</a:t>
+            </a:r>
+            <a:r>
+              <a:rPr lang="en-CA" dirty="0" smtClean="0"/>
+              <a:t>/</a:t>
+            </a:r>
+            <a:r>
+              <a:rPr lang="en-CA" dirty="0" err="1" smtClean="0"/>
+              <a:t>gitdemo.git</a:t>
+            </a:r>
+            <a:endParaRPr lang="en-CA" dirty="0" smtClean="0"/>
+          </a:p>
+          <a:p>
+            <a:r>
+              <a:rPr lang="en-CA" dirty="0" smtClean="0"/>
+              <a:t> + 4fbd837...9c4bbb2 test -&gt; test (forced update)</a:t>
+            </a:r>
+          </a:p>
+          <a:p>
+            <a:endParaRPr lang="en-CA" dirty="0" smtClean="0"/>
+          </a:p>
+          <a:p>
+            <a:r>
+              <a:rPr lang="en-CA" dirty="0" smtClean="0"/>
+              <a:t>We just changed history!</a:t>
+            </a:r>
+            <a:endParaRPr lang="en-CA" dirty="0"/>
+          </a:p>
+        </p:txBody>
+      </p:sp>
+      <p:sp>
+        <p:nvSpPr>
+          <p:cNvPr id="4" name="Slide Number Placeholder 3"/>
+          <p:cNvSpPr>
+            <a:spLocks noGrp="1"/>
+          </p:cNvSpPr>
+          <p:nvPr>
+            <p:ph type="sldNum" sz="quarter" idx="10"/>
+          </p:nvPr>
+        </p:nvSpPr>
+        <p:spPr/>
+        <p:txBody>
+          <a:bodyPr/>
+          <a:lstStyle/>
+          <a:p>
+            <a:fld id="{CB55E3E3-40A9-4EFD-94DF-114BB2F8C3AE}" type="slidenum">
+              <a:rPr lang="en-CA" smtClean="0"/>
+              <a:t>22</a:t>
+            </a:fld>
+            <a:endParaRPr lang="en-CA"/>
+          </a:p>
+        </p:txBody>
+      </p:sp>
+    </p:spTree>
+    <p:extLst>
+      <p:ext uri="{BB962C8B-B14F-4D97-AF65-F5344CB8AC3E}">
+        <p14:creationId xmlns:p14="http://schemas.microsoft.com/office/powerpoint/2010/main" val="3476159573"/>
       </p:ext>
     </p:extLst>
   </p:cSld>
@@ -1035,28 +2437,7 @@
           <a:bodyPr/>
           <a:lstStyle/>
           <a:p>
-            <a:r>
-              <a:rPr lang="en-CA" baseline="0" dirty="0" smtClean="0"/>
-              <a:t>GIT imposes no constraints on how developers work. There is no “preferred workflow” everyone should follow. Developers can synchronize their code developer-to-developer directly, or even create a “feature master”, which then gets merged into “code master”. The merge operation is the gatekeeper: at that point conflicts and other merge issues are identified and are being resolved. Some open-source projects introduce a full-blown code review process at this time!</a:t>
-            </a:r>
-          </a:p>
-          <a:p>
-            <a:endParaRPr lang="en-CA" baseline="0" dirty="0" smtClean="0"/>
-          </a:p>
-          <a:p>
-            <a:r>
-              <a:rPr lang="en-CA" baseline="0" dirty="0" smtClean="0"/>
-              <a:t>The downside? With great power comes great responsibility.</a:t>
-            </a:r>
-          </a:p>
-          <a:p>
-            <a:endParaRPr lang="en-CA" baseline="0" dirty="0" smtClean="0"/>
-          </a:p>
-          <a:p>
-            <a:r>
-              <a:rPr lang="en-CA" baseline="0" dirty="0" smtClean="0"/>
-              <a:t>Does this sound like Scrum agile to anyone?</a:t>
-            </a:r>
+            <a:endParaRPr lang="en-CA" dirty="0"/>
           </a:p>
         </p:txBody>
       </p:sp>
@@ -1077,7 +2458,7 @@
           <a:p>
             <a:fld id="{CB55E3E3-40A9-4EFD-94DF-114BB2F8C3AE}" type="slidenum">
               <a:rPr lang="en-CA" smtClean="0"/>
-              <a:t>5</a:t>
+              <a:t>2</a:t>
             </a:fld>
             <a:endParaRPr lang="en-CA"/>
           </a:p>
@@ -1086,7 +2467,420 @@
     </p:spTree>
     <p:extLst>
       <p:ext uri="{BB962C8B-B14F-4D97-AF65-F5344CB8AC3E}">
-        <p14:creationId xmlns:p14="http://schemas.microsoft.com/office/powerpoint/2010/main" val="3012484770"/>
+        <p14:creationId xmlns:p14="http://schemas.microsoft.com/office/powerpoint/2010/main" val="3323465925"/>
+      </p:ext>
+    </p:extLst>
+  </p:cSld>
+  <p:clrMapOvr>
+    <a:masterClrMapping/>
+  </p:clrMapOvr>
+</p:notes>
+</file>
+
+<file path=ppt/notesSlides/notesSlide20.xml><?xml version="1.0" encoding="utf-8"?>
+<p:notes xmlns:a="http://schemas.openxmlformats.org/drawingml/2006/main" xmlns:r="http://schemas.openxmlformats.org/officeDocument/2006/relationships" xmlns:p="http://schemas.openxmlformats.org/presentationml/2006/main">
+  <p:cSld>
+    <p:spTree>
+      <p:nvGrpSpPr>
+        <p:cNvPr id="1" name=""/>
+        <p:cNvGrpSpPr/>
+        <p:nvPr/>
+      </p:nvGrpSpPr>
+      <p:grpSpPr>
+        <a:xfrm>
+          <a:off x="0" y="0"/>
+          <a:ext cx="0" cy="0"/>
+          <a:chOff x="0" y="0"/>
+          <a:chExt cx="0" cy="0"/>
+        </a:xfrm>
+      </p:grpSpPr>
+      <p:sp>
+        <p:nvSpPr>
+          <p:cNvPr id="2" name="Slide Image Placeholder 1"/>
+          <p:cNvSpPr>
+            <a:spLocks noGrp="1" noRot="1" noChangeAspect="1"/>
+          </p:cNvSpPr>
+          <p:nvPr>
+            <p:ph type="sldImg"/>
+          </p:nvPr>
+        </p:nvSpPr>
+        <p:spPr/>
+      </p:sp>
+      <p:sp>
+        <p:nvSpPr>
+          <p:cNvPr id="3" name="Notes Placeholder 2"/>
+          <p:cNvSpPr>
+            <a:spLocks noGrp="1"/>
+          </p:cNvSpPr>
+          <p:nvPr>
+            <p:ph type="body" idx="1"/>
+          </p:nvPr>
+        </p:nvSpPr>
+        <p:spPr/>
+        <p:txBody>
+          <a:bodyPr/>
+          <a:lstStyle/>
+          <a:p>
+            <a:r>
+              <a:rPr lang="en-CA" dirty="0" smtClean="0"/>
+              <a:t>A GIT branch is simply a development pointer to </a:t>
+            </a:r>
+            <a:r>
+              <a:rPr lang="en-CA" dirty="0" err="1" smtClean="0"/>
+              <a:t>changesets</a:t>
+            </a:r>
+            <a:r>
+              <a:rPr lang="en-CA" dirty="0" smtClean="0"/>
+              <a:t> in the GIT repository (not necessarily the topmost one) where you can add additional </a:t>
+            </a:r>
+            <a:r>
+              <a:rPr lang="en-CA" dirty="0" err="1" smtClean="0"/>
+              <a:t>changesets</a:t>
+            </a:r>
+            <a:r>
+              <a:rPr lang="en-CA" dirty="0" smtClean="0"/>
+              <a:t>. </a:t>
+            </a:r>
+            <a:r>
+              <a:rPr lang="en-CA" baseline="0" dirty="0" smtClean="0"/>
+              <a:t>A GIT repository is a directed graph of </a:t>
+            </a:r>
+            <a:r>
+              <a:rPr lang="en-CA" baseline="0" dirty="0" err="1" smtClean="0"/>
+              <a:t>changesets</a:t>
+            </a:r>
+            <a:r>
+              <a:rPr lang="en-CA" baseline="0" dirty="0" smtClean="0"/>
+              <a:t>, not a list of </a:t>
+            </a:r>
+            <a:r>
+              <a:rPr lang="en-CA" baseline="0" dirty="0" err="1" smtClean="0"/>
+              <a:t>changesets</a:t>
+            </a:r>
+            <a:r>
+              <a:rPr lang="en-CA" baseline="0" dirty="0" smtClean="0"/>
+              <a:t>. This is where GIT really shines: branching is easy, fast, flexible and powerful. In general, you will use branches to track </a:t>
+            </a:r>
+            <a:r>
+              <a:rPr lang="en-CA" baseline="0" dirty="0" err="1" smtClean="0"/>
+              <a:t>changesets</a:t>
+            </a:r>
+            <a:r>
+              <a:rPr lang="en-CA" baseline="0" dirty="0" smtClean="0"/>
+              <a:t> for user stories you are working on, or features, or fixes. Upon completing a work unit, you merge the branch into its parent and move on to the next work item. </a:t>
+            </a:r>
+          </a:p>
+          <a:p>
+            <a:endParaRPr lang="en-CA" baseline="0" dirty="0" smtClean="0"/>
+          </a:p>
+          <a:p>
+            <a:r>
+              <a:rPr lang="en-CA" baseline="0" dirty="0" smtClean="0"/>
+              <a:t>Fundamentally the GIT branching concept is very much like </a:t>
+            </a:r>
+            <a:r>
+              <a:rPr lang="en-CA" baseline="0" dirty="0" err="1" smtClean="0"/>
+              <a:t>ClearCase’s</a:t>
+            </a:r>
+            <a:r>
+              <a:rPr lang="en-CA" baseline="0" dirty="0" smtClean="0"/>
+              <a:t>, though as you can see it is used very differently: with GIT you will be using branches to track your work items, not just entire projects. Rolling back a feature in this case is a simple exercise in locating the branch it was implemented in and rolling back the merge commit for it. One does not need to know what the change is, or even where it is, in order to undo it.</a:t>
+            </a:r>
+          </a:p>
+          <a:p>
+            <a:endParaRPr lang="en-CA" baseline="0" dirty="0" smtClean="0"/>
+          </a:p>
+          <a:p>
+            <a:r>
+              <a:rPr lang="en-CA" baseline="0" dirty="0" smtClean="0"/>
+              <a:t>What is the main branch? This is the branch your GIT repository is first created with. It is called “master”. What is special about it? Nothing, it was just the first branch created. There is nothing to say you have to always merge to it, though this is the accepted practice.</a:t>
+            </a:r>
+          </a:p>
+        </p:txBody>
+      </p:sp>
+      <p:sp>
+        <p:nvSpPr>
+          <p:cNvPr id="4" name="Slide Number Placeholder 3"/>
+          <p:cNvSpPr>
+            <a:spLocks noGrp="1"/>
+          </p:cNvSpPr>
+          <p:nvPr>
+            <p:ph type="sldNum" sz="quarter" idx="10"/>
+          </p:nvPr>
+        </p:nvSpPr>
+        <p:spPr/>
+        <p:txBody>
+          <a:bodyPr/>
+          <a:lstStyle/>
+          <a:p>
+            <a:fld id="{CB55E3E3-40A9-4EFD-94DF-114BB2F8C3AE}" type="slidenum">
+              <a:rPr lang="en-CA" smtClean="0"/>
+              <a:t>24</a:t>
+            </a:fld>
+            <a:endParaRPr lang="en-CA"/>
+          </a:p>
+        </p:txBody>
+      </p:sp>
+    </p:spTree>
+    <p:extLst>
+      <p:ext uri="{BB962C8B-B14F-4D97-AF65-F5344CB8AC3E}">
+        <p14:creationId xmlns:p14="http://schemas.microsoft.com/office/powerpoint/2010/main" val="3476159573"/>
+      </p:ext>
+    </p:extLst>
+  </p:cSld>
+  <p:clrMapOvr>
+    <a:masterClrMapping/>
+  </p:clrMapOvr>
+</p:notes>
+</file>
+
+<file path=ppt/notesSlides/notesSlide21.xml><?xml version="1.0" encoding="utf-8"?>
+<p:notes xmlns:a="http://schemas.openxmlformats.org/drawingml/2006/main" xmlns:r="http://schemas.openxmlformats.org/officeDocument/2006/relationships" xmlns:p="http://schemas.openxmlformats.org/presentationml/2006/main">
+  <p:cSld>
+    <p:spTree>
+      <p:nvGrpSpPr>
+        <p:cNvPr id="1" name=""/>
+        <p:cNvGrpSpPr/>
+        <p:nvPr/>
+      </p:nvGrpSpPr>
+      <p:grpSpPr>
+        <a:xfrm>
+          <a:off x="0" y="0"/>
+          <a:ext cx="0" cy="0"/>
+          <a:chOff x="0" y="0"/>
+          <a:chExt cx="0" cy="0"/>
+        </a:xfrm>
+      </p:grpSpPr>
+      <p:sp>
+        <p:nvSpPr>
+          <p:cNvPr id="2" name="Slide Image Placeholder 1"/>
+          <p:cNvSpPr>
+            <a:spLocks noGrp="1" noRot="1" noChangeAspect="1"/>
+          </p:cNvSpPr>
+          <p:nvPr>
+            <p:ph type="sldImg"/>
+          </p:nvPr>
+        </p:nvSpPr>
+        <p:spPr/>
+      </p:sp>
+      <p:sp>
+        <p:nvSpPr>
+          <p:cNvPr id="3" name="Notes Placeholder 2"/>
+          <p:cNvSpPr>
+            <a:spLocks noGrp="1"/>
+          </p:cNvSpPr>
+          <p:nvPr>
+            <p:ph type="body" idx="1"/>
+          </p:nvPr>
+        </p:nvSpPr>
+        <p:spPr/>
+        <p:txBody>
+          <a:bodyPr/>
+          <a:lstStyle/>
+          <a:p>
+            <a:r>
+              <a:rPr lang="en-CA" baseline="0" dirty="0" smtClean="0"/>
+              <a:t>I rolled back a merge before, which effectively deleted the commits performed after my branch’s sync point at the time. Ouch! What happens to the GIT repository that pushed them now? Nothing, it is fine and well, but an attempt to sync again yields something rather interesting.</a:t>
+            </a:r>
+          </a:p>
+          <a:p>
+            <a:endParaRPr lang="en-CA" baseline="0" dirty="0" smtClean="0"/>
+          </a:p>
+          <a:p>
+            <a:r>
+              <a:rPr lang="en-CA" dirty="0" smtClean="0"/>
+              <a:t>$ git push</a:t>
+            </a:r>
+          </a:p>
+          <a:p>
+            <a:r>
+              <a:rPr lang="en-CA" dirty="0" smtClean="0"/>
+              <a:t>To </a:t>
+            </a:r>
+            <a:r>
+              <a:rPr lang="en-CA" dirty="0" err="1" smtClean="0"/>
+              <a:t>git@github.com:kangelov</a:t>
+            </a:r>
+            <a:r>
+              <a:rPr lang="en-CA" dirty="0" smtClean="0"/>
+              <a:t>/</a:t>
+            </a:r>
+            <a:r>
+              <a:rPr lang="en-CA" dirty="0" err="1" smtClean="0"/>
+              <a:t>gitdemo.git</a:t>
+            </a:r>
+            <a:endParaRPr lang="en-CA" dirty="0" smtClean="0"/>
+          </a:p>
+          <a:p>
+            <a:r>
+              <a:rPr lang="en-CA" dirty="0" smtClean="0"/>
+              <a:t> ! [rejected]        test -&gt; test (fetch first)</a:t>
+            </a:r>
+          </a:p>
+          <a:p>
+            <a:endParaRPr lang="en-CA" dirty="0" smtClean="0"/>
+          </a:p>
+          <a:p>
+            <a:r>
+              <a:rPr lang="en-CA" dirty="0" smtClean="0"/>
+              <a:t>GIT wants to push those </a:t>
+            </a:r>
+            <a:r>
+              <a:rPr lang="en-CA" dirty="0" err="1" smtClean="0"/>
+              <a:t>changesets</a:t>
+            </a:r>
+            <a:r>
+              <a:rPr lang="en-CA" dirty="0" smtClean="0"/>
+              <a:t> AFTER now.</a:t>
+            </a:r>
+            <a:r>
+              <a:rPr lang="en-CA" baseline="0" dirty="0" smtClean="0"/>
+              <a:t> If I pull now there would be a conflict all over again. </a:t>
+            </a:r>
+          </a:p>
+          <a:p>
+            <a:endParaRPr lang="en-CA" baseline="0" dirty="0" smtClean="0"/>
+          </a:p>
+          <a:p>
+            <a:r>
+              <a:rPr lang="en-CA" baseline="0" dirty="0" smtClean="0"/>
+              <a:t>Rather than addressing the conflict right away, I can make myself a new branch:</a:t>
+            </a:r>
+          </a:p>
+          <a:p>
+            <a:endParaRPr lang="en-CA" baseline="0" dirty="0" smtClean="0"/>
+          </a:p>
+          <a:p>
+            <a:r>
+              <a:rPr lang="en-CA" dirty="0" smtClean="0"/>
+              <a:t>$ git checkout -b </a:t>
+            </a:r>
+            <a:r>
+              <a:rPr lang="en-CA" dirty="0" err="1" smtClean="0"/>
+              <a:t>testbranch</a:t>
+            </a:r>
+            <a:endParaRPr lang="en-CA" dirty="0" smtClean="0"/>
+          </a:p>
+          <a:p>
+            <a:r>
+              <a:rPr lang="en-CA" dirty="0" smtClean="0"/>
+              <a:t>To </a:t>
+            </a:r>
+            <a:r>
+              <a:rPr lang="en-CA" dirty="0" err="1" smtClean="0"/>
+              <a:t>git@github.com:kangelov</a:t>
+            </a:r>
+            <a:r>
+              <a:rPr lang="en-CA" dirty="0" smtClean="0"/>
+              <a:t>/</a:t>
+            </a:r>
+            <a:r>
+              <a:rPr lang="en-CA" dirty="0" err="1" smtClean="0"/>
+              <a:t>gitdemo.git</a:t>
+            </a:r>
+            <a:endParaRPr lang="en-CA" dirty="0" smtClean="0"/>
+          </a:p>
+          <a:p>
+            <a:r>
+              <a:rPr lang="en-CA" dirty="0" smtClean="0"/>
+              <a:t> * [new branch]      </a:t>
+            </a:r>
+            <a:r>
+              <a:rPr lang="en-CA" dirty="0" err="1" smtClean="0"/>
+              <a:t>testbranch</a:t>
+            </a:r>
+            <a:r>
+              <a:rPr lang="en-CA" dirty="0" smtClean="0"/>
+              <a:t> -&gt; </a:t>
+            </a:r>
+            <a:r>
+              <a:rPr lang="en-CA" dirty="0" err="1" smtClean="0"/>
+              <a:t>testbranch</a:t>
+            </a:r>
+            <a:endParaRPr lang="en-CA" dirty="0" smtClean="0"/>
+          </a:p>
+          <a:p>
+            <a:endParaRPr lang="en-CA" dirty="0" smtClean="0"/>
+          </a:p>
+          <a:p>
+            <a:r>
+              <a:rPr lang="en-CA" dirty="0" smtClean="0"/>
+              <a:t>I</a:t>
+            </a:r>
+            <a:r>
+              <a:rPr lang="en-CA" baseline="0" dirty="0" smtClean="0"/>
+              <a:t> have created a local branch. And this is how I push it to the world</a:t>
+            </a:r>
+          </a:p>
+          <a:p>
+            <a:endParaRPr lang="en-CA" baseline="0" dirty="0" smtClean="0"/>
+          </a:p>
+          <a:p>
+            <a:r>
+              <a:rPr lang="en-CA" dirty="0" smtClean="0"/>
+              <a:t>$ git push origin </a:t>
+            </a:r>
+            <a:r>
+              <a:rPr lang="en-CA" dirty="0" err="1" smtClean="0"/>
+              <a:t>testbranch</a:t>
+            </a:r>
+            <a:endParaRPr lang="en-CA" dirty="0" smtClean="0"/>
+          </a:p>
+          <a:p>
+            <a:endParaRPr lang="en-CA" dirty="0" smtClean="0"/>
+          </a:p>
+          <a:p>
+            <a:r>
+              <a:rPr lang="en-CA" dirty="0" smtClean="0"/>
+              <a:t>No conflict now. I haven’t avoided it, though,</a:t>
+            </a:r>
+            <a:r>
+              <a:rPr lang="en-CA" baseline="0" dirty="0" smtClean="0"/>
+              <a:t> I have simply created an alternative development flow. I am free to develop in my own separate branch, until I try to merge my branch to the master. That conflict will happen all over again then.</a:t>
+            </a:r>
+          </a:p>
+          <a:p>
+            <a:endParaRPr lang="en-CA" baseline="0" dirty="0" smtClean="0"/>
+          </a:p>
+          <a:p>
+            <a:r>
+              <a:rPr lang="en-CA" baseline="0" dirty="0" smtClean="0"/>
+              <a:t>Branches in GIT are not private: once you push it to the master repository it is visible to all. There is nothing stopping anyone from using it.</a:t>
+            </a:r>
+            <a:endParaRPr lang="en-CA" dirty="0" smtClean="0"/>
+          </a:p>
+          <a:p>
+            <a:endParaRPr lang="en-CA" dirty="0"/>
+          </a:p>
+        </p:txBody>
+      </p:sp>
+      <p:sp>
+        <p:nvSpPr>
+          <p:cNvPr id="4" name="Slide Number Placeholder 3"/>
+          <p:cNvSpPr>
+            <a:spLocks noGrp="1"/>
+          </p:cNvSpPr>
+          <p:nvPr>
+            <p:ph type="sldNum" sz="quarter" idx="10"/>
+          </p:nvPr>
+        </p:nvSpPr>
+        <p:spPr/>
+        <p:txBody>
+          <a:bodyPr/>
+          <a:lstStyle/>
+          <a:p>
+            <a:fld id="{CB55E3E3-40A9-4EFD-94DF-114BB2F8C3AE}" type="slidenum">
+              <a:rPr lang="en-CA" smtClean="0"/>
+              <a:t>25</a:t>
+            </a:fld>
+            <a:endParaRPr lang="en-CA"/>
+          </a:p>
+        </p:txBody>
+      </p:sp>
+    </p:spTree>
+    <p:extLst>
+      <p:ext uri="{BB962C8B-B14F-4D97-AF65-F5344CB8AC3E}">
+        <p14:creationId xmlns:p14="http://schemas.microsoft.com/office/powerpoint/2010/main" val="1268530261"/>
       </p:ext>
     </p:extLst>
   </p:cSld>
@@ -1140,200 +2934,93 @@
           <a:bodyPr/>
           <a:lstStyle/>
           <a:p>
-            <a:r>
-              <a:rPr lang="en-CA" dirty="0" smtClean="0"/>
-              <a:t>Think about </a:t>
-            </a:r>
-            <a:r>
-              <a:rPr lang="en-CA" dirty="0" err="1" smtClean="0"/>
-              <a:t>changesets</a:t>
-            </a:r>
-            <a:r>
-              <a:rPr lang="en-CA" dirty="0" smtClean="0"/>
-              <a:t> as transparencies stacked on top of each other, each containing some detail of a picture you are creating.</a:t>
-            </a:r>
-            <a:r>
-              <a:rPr lang="en-CA" baseline="0" dirty="0" smtClean="0"/>
-              <a:t> Depending on how many transparencies you have stacked on top of each other and in what order, you see your final picture in varying state of completion.</a:t>
-            </a:r>
-            <a:endParaRPr lang="en-CA" dirty="0" smtClean="0"/>
-          </a:p>
-          <a:p>
-            <a:endParaRPr lang="en-CA" dirty="0" smtClean="0"/>
-          </a:p>
-          <a:p>
-            <a:r>
-              <a:rPr lang="en-CA" dirty="0" smtClean="0"/>
-              <a:t>How does this manifest? Why is this important?</a:t>
-            </a:r>
-          </a:p>
-          <a:p>
-            <a:endParaRPr lang="en-CA" dirty="0" smtClean="0"/>
-          </a:p>
-          <a:p>
-            <a:r>
-              <a:rPr lang="en-CA" dirty="0" smtClean="0"/>
-              <a:t>Suppose we work on the</a:t>
-            </a:r>
-            <a:r>
-              <a:rPr lang="en-CA" baseline="0" dirty="0" smtClean="0"/>
-              <a:t> same view in </a:t>
-            </a:r>
+            <a:pPr marL="0" marR="0" indent="0" algn="l" defTabSz="914400" rtl="0" eaLnBrk="1" fontAlgn="auto" latinLnBrk="0" hangingPunct="1">
+              <a:lnSpc>
+                <a:spcPct val="100000"/>
+              </a:lnSpc>
+              <a:spcBef>
+                <a:spcPts val="0"/>
+              </a:spcBef>
+              <a:spcAft>
+                <a:spcPts val="0"/>
+              </a:spcAft>
+              <a:buClrTx/>
+              <a:buSzTx/>
+              <a:buFontTx/>
+              <a:buNone/>
+              <a:tabLst/>
+              <a:defRPr/>
+            </a:pPr>
             <a:r>
               <a:rPr lang="en-CA" baseline="0" dirty="0" err="1" smtClean="0"/>
               <a:t>ClearCase</a:t>
             </a:r>
             <a:r>
               <a:rPr lang="en-CA" baseline="0" dirty="0" smtClean="0"/>
-              <a:t>:</a:t>
-            </a:r>
-          </a:p>
-          <a:p>
+              <a:t> is built for the enterprise: it is there to make sure you follow the rules of the enterprise. It assumes certain workflow and then tries to impose it on you: follow the process, or else. This is why it is so successful for waterfall development.</a:t>
+            </a:r>
+            <a:endParaRPr lang="en-CA" dirty="0" smtClean="0"/>
+          </a:p>
+          <a:p>
+            <a:pPr marL="0" marR="0" indent="0" algn="l" defTabSz="914400" rtl="0" eaLnBrk="1" fontAlgn="auto" latinLnBrk="0" hangingPunct="1">
+              <a:lnSpc>
+                <a:spcPct val="100000"/>
+              </a:lnSpc>
+              <a:spcBef>
+                <a:spcPts val="0"/>
+              </a:spcBef>
+              <a:spcAft>
+                <a:spcPts val="0"/>
+              </a:spcAft>
+              <a:buClrTx/>
+              <a:buSzTx/>
+              <a:buFontTx/>
+              <a:buNone/>
+              <a:tabLst/>
+              <a:defRPr/>
+            </a:pPr>
+            <a:endParaRPr lang="en-CA" dirty="0" smtClean="0"/>
+          </a:p>
+          <a:p>
+            <a:pPr marL="0" marR="0" indent="0" algn="l" defTabSz="914400" rtl="0" eaLnBrk="1" fontAlgn="auto" latinLnBrk="0" hangingPunct="1">
+              <a:lnSpc>
+                <a:spcPct val="100000"/>
+              </a:lnSpc>
+              <a:spcBef>
+                <a:spcPts val="0"/>
+              </a:spcBef>
+              <a:spcAft>
+                <a:spcPts val="0"/>
+              </a:spcAft>
+              <a:buClrTx/>
+              <a:buSzTx/>
+              <a:buFontTx/>
+              <a:buNone/>
+              <a:tabLst/>
+              <a:defRPr/>
+            </a:pPr>
+            <a:r>
+              <a:rPr lang="en-CA" dirty="0" smtClean="0"/>
+              <a:t>GIT, on the other hand, is built for loosely-organized</a:t>
+            </a:r>
             <a:r>
               <a:rPr lang="en-CA" baseline="0" dirty="0" smtClean="0"/>
-              <a:t>You change a file.</a:t>
-            </a:r>
-          </a:p>
-          <a:p>
+              <a:t> </a:t>
+            </a:r>
+            <a:r>
+              <a:rPr lang="en-CA" dirty="0" smtClean="0"/>
+              <a:t>teams of developers working on a single piece of code. It does not impose constraints on how these developers work as there isn’t a single rulebook everyone must obey. It</a:t>
+            </a:r>
             <a:r>
               <a:rPr lang="en-CA" baseline="0" dirty="0" smtClean="0"/>
-              <a:t>I change a different file.</a:t>
-            </a:r>
-          </a:p>
-          <a:p>
-            <a:r>
-              <a:rPr lang="en-CA" baseline="0" dirty="0" smtClean="0"/>
-              <a:t>You check in. </a:t>
-            </a:r>
-          </a:p>
-          <a:p>
-            <a:r>
-              <a:rPr lang="en-CA" baseline="0" dirty="0" smtClean="0"/>
-              <a:t>I check in. </a:t>
-            </a:r>
-            <a:r>
-              <a:rPr lang="en-CA" baseline="0" dirty="0" err="1" smtClean="0"/>
-              <a:t>ClearCase</a:t>
-            </a:r>
-            <a:r>
-              <a:rPr lang="en-CA" baseline="0" dirty="0" smtClean="0"/>
-              <a:t> is happy to oblige as our changes are not in conflict.</a:t>
+              <a:t> is there to enable you to do anything you may need to do, up until you try to merge your code. This is where most of the governance happens. This is very appropriate for open source projects, where there is often no single person “in charge” and developers are very loosely organized and scattered all over the world.</a:t>
             </a:r>
           </a:p>
           <a:p>
             <a:endParaRPr lang="en-CA" baseline="0" dirty="0" smtClean="0"/>
           </a:p>
           <a:p>
-            <a:r>
-              <a:rPr lang="en-CA" baseline="0" dirty="0" smtClean="0"/>
-              <a:t>Suppose we do the same in GIT: remember, GIT keeps history on repository level.</a:t>
-            </a:r>
-          </a:p>
-          <a:p>
-            <a:r>
-              <a:rPr lang="en-CA" baseline="0" dirty="0" smtClean="0"/>
-              <a:t>You check in. Everything’s fine.</a:t>
-            </a:r>
-          </a:p>
-          <a:p>
-            <a:r>
-              <a:rPr lang="en-CA" baseline="0" dirty="0" smtClean="0"/>
-              <a:t>I check in. Everything’s still fine.</a:t>
-            </a:r>
-          </a:p>
-          <a:p>
-            <a:r>
-              <a:rPr lang="en-CA" baseline="0" dirty="0" smtClean="0"/>
-              <a:t>You sync with remote. No problems.</a:t>
-            </a:r>
-          </a:p>
-          <a:p>
-            <a:r>
-              <a:rPr lang="en-CA" baseline="0" dirty="0" smtClean="0"/>
-              <a:t>I sync with remote. GIT gives me an error. Something cryptic about fast-forward. </a:t>
-            </a:r>
-          </a:p>
-          <a:p>
             <a:endParaRPr lang="en-CA" baseline="0" dirty="0" smtClean="0"/>
-          </a:p>
-          <a:p>
-            <a:r>
-              <a:rPr lang="en-CA" baseline="0" dirty="0" smtClean="0"/>
-              <a:t>The conflict here isn’t our changes being incompatible, but which </a:t>
-            </a:r>
-            <a:r>
-              <a:rPr lang="en-CA" baseline="0" dirty="0" err="1" smtClean="0"/>
-              <a:t>changeset</a:t>
-            </a:r>
-            <a:r>
-              <a:rPr lang="en-CA" baseline="0" dirty="0" smtClean="0"/>
-              <a:t> comes first in the repository. Remember, </a:t>
-            </a:r>
-            <a:r>
-              <a:rPr lang="en-CA" baseline="0" dirty="0" err="1" smtClean="0"/>
-              <a:t>changesets</a:t>
-            </a:r>
-            <a:r>
-              <a:rPr lang="en-CA" baseline="0" dirty="0" smtClean="0"/>
-              <a:t> are repository-wide deltas. GIT repositories not only have to agree on </a:t>
-            </a:r>
-            <a:r>
-              <a:rPr lang="en-CA" baseline="0" dirty="0" err="1" smtClean="0"/>
-              <a:t>changesets</a:t>
-            </a:r>
-            <a:r>
-              <a:rPr lang="en-CA" baseline="0" dirty="0" smtClean="0"/>
-              <a:t>, but also on their order. My </a:t>
-            </a:r>
-            <a:r>
-              <a:rPr lang="en-CA" baseline="0" dirty="0" err="1" smtClean="0"/>
-              <a:t>changesets</a:t>
-            </a:r>
-            <a:r>
-              <a:rPr lang="en-CA" baseline="0" dirty="0" smtClean="0"/>
-              <a:t> wants to go in at the very spot your </a:t>
-            </a:r>
-            <a:r>
-              <a:rPr lang="en-CA" baseline="0" dirty="0" err="1" smtClean="0"/>
-              <a:t>changeset</a:t>
-            </a:r>
-            <a:r>
-              <a:rPr lang="en-CA" baseline="0" dirty="0" smtClean="0"/>
-              <a:t> occupies in the master repository. To fix this, I have to merge your </a:t>
-            </a:r>
-            <a:r>
-              <a:rPr lang="en-CA" baseline="0" dirty="0" err="1" smtClean="0"/>
-              <a:t>changeset</a:t>
-            </a:r>
-            <a:r>
-              <a:rPr lang="en-CA" baseline="0" dirty="0" smtClean="0"/>
-              <a:t> into my repository, thus pushing your change before mine, and then attempt to sync again. Alternatively, I have to get rid of your </a:t>
-            </a:r>
-            <a:r>
-              <a:rPr lang="en-CA" baseline="0" dirty="0" err="1" smtClean="0"/>
-              <a:t>changeset</a:t>
-            </a:r>
-            <a:r>
-              <a:rPr lang="en-CA" baseline="0" dirty="0" smtClean="0"/>
-              <a:t> from master, pushing my change in the place of yours. </a:t>
-            </a:r>
-          </a:p>
-          <a:p>
-            <a:endParaRPr lang="en-CA" baseline="0" dirty="0" smtClean="0"/>
-          </a:p>
-          <a:p>
-            <a:r>
-              <a:rPr lang="en-CA" baseline="0" dirty="0" smtClean="0"/>
-              <a:t>Needless to say a GIT repository with a very large code base stored inside would be very difficult to work with, something </a:t>
-            </a:r>
-            <a:r>
-              <a:rPr lang="en-CA" baseline="0" dirty="0" err="1" smtClean="0"/>
-              <a:t>ClearCase</a:t>
-            </a:r>
-            <a:r>
-              <a:rPr lang="en-CA" baseline="0" dirty="0" smtClean="0"/>
-              <a:t> has no trouble with.</a:t>
-            </a:r>
           </a:p>
         </p:txBody>
       </p:sp>
@@ -1354,7 +3041,7 @@
           <a:p>
             <a:fld id="{CB55E3E3-40A9-4EFD-94DF-114BB2F8C3AE}" type="slidenum">
               <a:rPr lang="en-CA" smtClean="0"/>
-              <a:t>6</a:t>
+              <a:t>4</a:t>
             </a:fld>
             <a:endParaRPr lang="en-CA"/>
           </a:p>
@@ -1363,7 +3050,7 @@
     </p:spTree>
     <p:extLst>
       <p:ext uri="{BB962C8B-B14F-4D97-AF65-F5344CB8AC3E}">
-        <p14:creationId xmlns:p14="http://schemas.microsoft.com/office/powerpoint/2010/main" val="1302681925"/>
+        <p14:creationId xmlns:p14="http://schemas.microsoft.com/office/powerpoint/2010/main" val="202790416"/>
       </p:ext>
     </p:extLst>
   </p:cSld>
@@ -1418,20 +3105,17 @@
           <a:lstStyle/>
           <a:p>
             <a:r>
-              <a:rPr lang="en-CA" dirty="0" smtClean="0"/>
-              <a:t>When I work on a shared repository, I clone it for my own use. I copy the entire repository, everything that ever was in it,</a:t>
-            </a:r>
-            <a:r>
               <a:rPr lang="en-CA" baseline="0" dirty="0" smtClean="0"/>
-              <a:t> in every version. This is equivalent to me walking into the server room and cloning the </a:t>
-            </a:r>
-            <a:r>
-              <a:rPr lang="en-CA" baseline="0" dirty="0" err="1" smtClean="0"/>
-              <a:t>ClearCase</a:t>
-            </a:r>
+              <a:t>GIT imposes no constraints on how developers work. There is no “preferred workflow” everyone should follow. Developers can synchronize their code developer-to-developer directly, or even create a “feature master”, which then gets merged into “code master”. The merge operation is the gatekeeper: at that point conflicts and other merge issues are identified and are being resolved. Some open-source projects introduce a full-blown code review process at this time!</a:t>
+            </a:r>
+          </a:p>
+          <a:p>
+            <a:endParaRPr lang="en-CA" baseline="0" dirty="0" smtClean="0"/>
+          </a:p>
+          <a:p>
             <a:r>
               <a:rPr lang="en-CA" baseline="0" dirty="0" smtClean="0"/>
-              <a:t> server’s hard drive. Needless to say GIT performs at its best when the individual repositories are kept very small.</a:t>
+              <a:t>The downside? With great power comes great responsibility.</a:t>
             </a:r>
           </a:p>
           <a:p>
@@ -1440,50 +3124,8 @@
           <a:p>
             <a:r>
               <a:rPr lang="en-CA" baseline="0" dirty="0" smtClean="0"/>
-              <a:t>** This is one reason you don’t want to have checked-in compiled artifacts in GIT. That file changes every time you build and the “deltas” often span the entire file. GIT then becomes very slow as a simple clone operation ends up downloading every </a:t>
-            </a:r>
-            <a:r>
-              <a:rPr lang="en-CA" baseline="0" dirty="0" err="1" smtClean="0"/>
-              <a:t>verison</a:t>
-            </a:r>
-            <a:r>
-              <a:rPr lang="en-CA" baseline="0" dirty="0" smtClean="0"/>
-              <a:t> of the file that ever was. Furthermore it does not recover even if I delete the checked-in artifact, since ultimately the file lives in the </a:t>
-            </a:r>
-            <a:r>
-              <a:rPr lang="en-CA" baseline="0" dirty="0" err="1" smtClean="0"/>
-              <a:t>changesets</a:t>
-            </a:r>
-            <a:r>
-              <a:rPr lang="en-CA" baseline="0" dirty="0" smtClean="0"/>
-              <a:t> that are already part of the history. I have to “squash” your </a:t>
-            </a:r>
-            <a:r>
-              <a:rPr lang="en-CA" baseline="0" dirty="0" err="1" smtClean="0"/>
-              <a:t>changesets</a:t>
-            </a:r>
-            <a:r>
-              <a:rPr lang="en-CA" baseline="0" dirty="0" smtClean="0"/>
-              <a:t> to fix this.</a:t>
-            </a:r>
-          </a:p>
-          <a:p>
-            <a:endParaRPr lang="en-CA" baseline="0" dirty="0" smtClean="0"/>
-          </a:p>
-          <a:p>
-            <a:r>
-              <a:rPr lang="en-CA" baseline="0" dirty="0" smtClean="0"/>
-              <a:t>I can work offline! I can keep working while riding on the subway! Good luck doing that with </a:t>
-            </a:r>
-            <a:r>
-              <a:rPr lang="en-CA" baseline="0" dirty="0" err="1" smtClean="0"/>
-              <a:t>ClearCase</a:t>
-            </a:r>
-            <a:r>
-              <a:rPr lang="en-CA" baseline="0" dirty="0" smtClean="0"/>
-              <a:t>.</a:t>
-            </a:r>
-            <a:endParaRPr lang="en-CA" dirty="0"/>
+              <a:t>Does this sound like Scrum agile to anyone?</a:t>
+            </a:r>
           </a:p>
         </p:txBody>
       </p:sp>
@@ -1504,7 +3146,7 @@
           <a:p>
             <a:fld id="{CB55E3E3-40A9-4EFD-94DF-114BB2F8C3AE}" type="slidenum">
               <a:rPr lang="en-CA" smtClean="0"/>
-              <a:t>7</a:t>
+              <a:t>5</a:t>
             </a:fld>
             <a:endParaRPr lang="en-CA"/>
           </a:p>
@@ -1513,7 +3155,7 @@
     </p:spTree>
     <p:extLst>
       <p:ext uri="{BB962C8B-B14F-4D97-AF65-F5344CB8AC3E}">
-        <p14:creationId xmlns:p14="http://schemas.microsoft.com/office/powerpoint/2010/main" val="1855440469"/>
+        <p14:creationId xmlns:p14="http://schemas.microsoft.com/office/powerpoint/2010/main" val="3012484770"/>
       </p:ext>
     </p:extLst>
   </p:cSld>
@@ -1569,48 +3211,82 @@
           <a:p>
             <a:r>
               <a:rPr lang="en-CA" dirty="0" smtClean="0"/>
-              <a:t>GIT, being distributed, cannot control who changes what in a real-time centralized fashion as </a:t>
+              <a:t>Think about </a:t>
             </a:r>
             <a:r>
               <a:rPr lang="en-CA" dirty="0" err="1" smtClean="0"/>
-              <a:t>ClearCase</a:t>
-            </a:r>
-            <a:r>
-              <a:rPr lang="en-CA" dirty="0" smtClean="0"/>
-              <a:t> does. Conflicts can and</a:t>
+              <a:t>changesets</a:t>
+            </a:r>
+            <a:r>
+              <a:rPr lang="en-CA" dirty="0" smtClean="0"/>
+              <a:t> as transparencies stacked on top of each other, each containing some detail of a picture you are creating.</a:t>
             </a:r>
             <a:r>
               <a:rPr lang="en-CA" baseline="0" dirty="0" smtClean="0"/>
-              <a:t> do happen.</a:t>
-            </a:r>
-            <a:r>
-              <a:rPr lang="en-CA" dirty="0" smtClean="0"/>
-              <a:t> To address them, GIT takes an “optimistic” approach: it lets you do anything you want, but if that runs into a problem when merging</a:t>
+              <a:t> Depending on how many transparencies you have stacked on top of each other and in what order, you see your final picture in varying state of completion.</a:t>
+            </a:r>
+            <a:endParaRPr lang="en-CA" dirty="0" smtClean="0"/>
+          </a:p>
+          <a:p>
+            <a:endParaRPr lang="en-CA" dirty="0" smtClean="0"/>
+          </a:p>
+          <a:p>
+            <a:r>
+              <a:rPr lang="en-CA" dirty="0" smtClean="0"/>
+              <a:t>How does this manifest? Why is this important?</a:t>
+            </a:r>
+          </a:p>
+          <a:p>
+            <a:endParaRPr lang="en-CA" dirty="0" smtClean="0"/>
+          </a:p>
+          <a:p>
+            <a:r>
+              <a:rPr lang="en-CA" dirty="0" smtClean="0"/>
+              <a:t>Suppose we work on the</a:t>
             </a:r>
             <a:r>
               <a:rPr lang="en-CA" baseline="0" dirty="0" smtClean="0"/>
-              <a:t> with a remote repository</a:t>
-            </a:r>
-            <a:r>
-              <a:rPr lang="en-CA" dirty="0" smtClean="0"/>
-              <a:t>, it will ask you to manually merge conflicts</a:t>
-            </a:r>
-            <a:r>
-              <a:rPr lang="en-CA" baseline="0" dirty="0" smtClean="0"/>
-              <a:t> it cannot resolve by itself.</a:t>
-            </a:r>
-          </a:p>
-          <a:p>
-            <a:endParaRPr lang="en-CA" baseline="0" dirty="0" smtClean="0"/>
-          </a:p>
-          <a:p>
+              <a:t> same view in </a:t>
+            </a:r>
             <a:r>
               <a:rPr lang="en-CA" baseline="0" dirty="0" err="1" smtClean="0"/>
               <a:t>ClearCase</a:t>
             </a:r>
             <a:r>
               <a:rPr lang="en-CA" baseline="0" dirty="0" smtClean="0"/>
-              <a:t>, in comparison, does a lot of its “policing” upfront: you can’t touch file “file 1” because someone else is editing it. Take your turn. GIT does its “policing” when merging with a remote repository, which is where all the problems usually happen. GIT will stay out of your way, letting you do whatever you want, until you try to merge.</a:t>
+              <a:t>:</a:t>
+            </a:r>
+          </a:p>
+          <a:p>
+            <a:r>
+              <a:rPr lang="en-CA" baseline="0" dirty="0" smtClean="0"/>
+              <a:t>You change a file.</a:t>
+            </a:r>
+          </a:p>
+          <a:p>
+            <a:r>
+              <a:rPr lang="en-CA" baseline="0" dirty="0" smtClean="0"/>
+              <a:t>I change a different file.</a:t>
+            </a:r>
+          </a:p>
+          <a:p>
+            <a:r>
+              <a:rPr lang="en-CA" baseline="0" dirty="0" smtClean="0"/>
+              <a:t>You check in. </a:t>
+            </a:r>
+          </a:p>
+          <a:p>
+            <a:r>
+              <a:rPr lang="en-CA" baseline="0" dirty="0" smtClean="0"/>
+              <a:t>I check in. </a:t>
+            </a:r>
+            <a:r>
+              <a:rPr lang="en-CA" baseline="0" dirty="0" err="1" smtClean="0"/>
+              <a:t>ClearCase</a:t>
+            </a:r>
+            <a:r>
+              <a:rPr lang="en-CA" baseline="0" dirty="0" smtClean="0"/>
+              <a:t> is happy to oblige as our changes are not in conflict.</a:t>
             </a:r>
           </a:p>
           <a:p>
@@ -1619,28 +3295,114 @@
           <a:p>
             <a:r>
               <a:rPr lang="en-CA" baseline="0" dirty="0" smtClean="0"/>
-              <a:t>This is how most open-source projects police their code as well: example </a:t>
+              <a:t>Suppose we do the same in GIT: remember, GIT keeps history on repository level.</a:t>
+            </a:r>
+          </a:p>
+          <a:p>
+            <a:r>
+              <a:rPr lang="en-CA" baseline="0" dirty="0" smtClean="0"/>
+              <a:t>You check in. Everything’s fine.</a:t>
+            </a:r>
+          </a:p>
+          <a:p>
+            <a:r>
+              <a:rPr lang="en-CA" baseline="0" dirty="0" smtClean="0"/>
+              <a:t>I check in. Everything’s still fine.</a:t>
+            </a:r>
+          </a:p>
+          <a:p>
+            <a:r>
+              <a:rPr lang="en-CA" baseline="0" dirty="0" smtClean="0"/>
+              <a:t>You sync with remote. No problems.</a:t>
+            </a:r>
+          </a:p>
+          <a:p>
+            <a:r>
+              <a:rPr lang="en-CA" baseline="0" dirty="0" smtClean="0"/>
+              <a:t>I sync with remote. GIT gives me an error. Something cryptic about fast-forward. </a:t>
+            </a:r>
+          </a:p>
+          <a:p>
+            <a:endParaRPr lang="en-CA" baseline="0" dirty="0" smtClean="0"/>
+          </a:p>
+          <a:p>
+            <a:r>
+              <a:rPr lang="en-CA" baseline="0" dirty="0" smtClean="0"/>
+              <a:t>The conflict here isn’t our changes being incompatible, but which </a:t>
             </a:r>
             <a:r>
               <a:rPr lang="en-CA" baseline="0" dirty="0" err="1" smtClean="0"/>
-              <a:t>CyanogenMod</a:t>
-            </a:r>
+              <a:t>changeset</a:t>
+            </a:r>
+            <a:r>
+              <a:rPr lang="en-CA" baseline="0" dirty="0" smtClean="0"/>
+              <a:t> comes first in the repository. Remember, </a:t>
+            </a:r>
+            <a:r>
+              <a:rPr lang="en-CA" baseline="0" dirty="0" err="1" smtClean="0"/>
+              <a:t>changesets</a:t>
+            </a:r>
+            <a:r>
+              <a:rPr lang="en-CA" baseline="0" dirty="0" smtClean="0"/>
+              <a:t> are repository-wide deltas. GIT repositories not only have to agree on </a:t>
+            </a:r>
+            <a:r>
+              <a:rPr lang="en-CA" baseline="0" dirty="0" err="1" smtClean="0"/>
+              <a:t>changesets</a:t>
+            </a:r>
+            <a:r>
+              <a:rPr lang="en-CA" baseline="0" dirty="0" smtClean="0"/>
+              <a:t>, but also on their order. My </a:t>
+            </a:r>
+            <a:r>
+              <a:rPr lang="en-CA" baseline="0" dirty="0" err="1" smtClean="0"/>
+              <a:t>changesets</a:t>
+            </a:r>
+            <a:r>
+              <a:rPr lang="en-CA" baseline="0" dirty="0" smtClean="0"/>
+              <a:t> wants to go in at the very spot your </a:t>
+            </a:r>
+            <a:r>
+              <a:rPr lang="en-CA" baseline="0" dirty="0" err="1" smtClean="0"/>
+              <a:t>changeset</a:t>
+            </a:r>
+            <a:r>
+              <a:rPr lang="en-CA" baseline="0" dirty="0" smtClean="0"/>
+              <a:t> occupies in the master repository. To fix this, I have to merge your </a:t>
+            </a:r>
+            <a:r>
+              <a:rPr lang="en-CA" baseline="0" dirty="0" err="1" smtClean="0"/>
+              <a:t>changeset</a:t>
+            </a:r>
+            <a:r>
+              <a:rPr lang="en-CA" baseline="0" dirty="0" smtClean="0"/>
+              <a:t> into my repository, thus pushing your change before mine, and then attempt to sync again. Alternatively, I have to get rid of your </a:t>
+            </a:r>
+            <a:r>
+              <a:rPr lang="en-CA" baseline="0" dirty="0" err="1" smtClean="0"/>
+              <a:t>changeset</a:t>
+            </a:r>
+            <a:r>
+              <a:rPr lang="en-CA" baseline="0" dirty="0" smtClean="0"/>
+              <a:t> from master, pushing my change in the place of yours. </a:t>
+            </a:r>
+          </a:p>
+          <a:p>
             <a:endParaRPr lang="en-CA" baseline="0" dirty="0" smtClean="0"/>
           </a:p>
           <a:p>
             <a:r>
               <a:rPr lang="en-CA" baseline="0" dirty="0" smtClean="0"/>
-              <a:t>https://github.com/CyanogenMod</a:t>
-            </a:r>
-          </a:p>
-          <a:p>
+              <a:t>Needless to say a GIT repository with a very large code base stored inside would be very difficult to work with, something </a:t>
+            </a:r>
+            <a:r>
+              <a:rPr lang="en-CA" baseline="0" dirty="0" err="1" smtClean="0"/>
+              <a:t>ClearCase</a:t>
+            </a:r>
             <a:r>
               <a:rPr lang="en-CA" baseline="0" dirty="0" smtClean="0"/>
-              <a:t>http://review.cyanogenmod.org/#/q/status:open</a:t>
-            </a:r>
-          </a:p>
-          <a:p>
-            <a:endParaRPr lang="en-CA" dirty="0"/>
+              <a:t> has no trouble with.</a:t>
+            </a:r>
           </a:p>
         </p:txBody>
       </p:sp>
@@ -1661,7 +3423,7 @@
           <a:p>
             <a:fld id="{CB55E3E3-40A9-4EFD-94DF-114BB2F8C3AE}" type="slidenum">
               <a:rPr lang="en-CA" smtClean="0"/>
-              <a:t>8</a:t>
+              <a:t>6</a:t>
             </a:fld>
             <a:endParaRPr lang="en-CA"/>
           </a:p>
@@ -1670,7 +3432,7 @@
     </p:spTree>
     <p:extLst>
       <p:ext uri="{BB962C8B-B14F-4D97-AF65-F5344CB8AC3E}">
-        <p14:creationId xmlns:p14="http://schemas.microsoft.com/office/powerpoint/2010/main" val="674871139"/>
+        <p14:creationId xmlns:p14="http://schemas.microsoft.com/office/powerpoint/2010/main" val="1302681925"/>
       </p:ext>
     </p:extLst>
   </p:cSld>
@@ -1726,11 +3488,36 @@
           <a:p>
             <a:r>
               <a:rPr lang="en-CA" dirty="0" smtClean="0"/>
-              <a:t>Two repositories are</a:t>
+              <a:t>When I work on a shared repository, I clone it for my own use. I copy the entire repository, everything that ever was in it,</a:t>
             </a:r>
             <a:r>
               <a:rPr lang="en-CA" baseline="0" dirty="0" smtClean="0"/>
-              <a:t> the same repository if they have identical </a:t>
+              <a:t> in every version. This is equivalent to me walking into the server room and cloning the </a:t>
+            </a:r>
+            <a:r>
+              <a:rPr lang="en-CA" baseline="0" dirty="0" err="1" smtClean="0"/>
+              <a:t>ClearCase</a:t>
+            </a:r>
+            <a:r>
+              <a:rPr lang="en-CA" baseline="0" dirty="0" smtClean="0"/>
+              <a:t> server’s hard drive. Needless to say GIT performs at its best when the individual repositories are kept very small.</a:t>
+            </a:r>
+          </a:p>
+          <a:p>
+            <a:endParaRPr lang="en-CA" baseline="0" dirty="0" smtClean="0"/>
+          </a:p>
+          <a:p>
+            <a:r>
+              <a:rPr lang="en-CA" baseline="0" dirty="0" smtClean="0"/>
+              <a:t>** This is one reason you don’t want to have checked-in compiled artifacts in GIT. That file changes every time you build and the “deltas” often span the entire file. GIT then becomes very slow as a simple clone operation ends up downloading every </a:t>
+            </a:r>
+            <a:r>
+              <a:rPr lang="en-CA" baseline="0" dirty="0" err="1" smtClean="0"/>
+              <a:t>verison</a:t>
+            </a:r>
+            <a:r>
+              <a:rPr lang="en-CA" baseline="0" dirty="0" smtClean="0"/>
+              <a:t> of the file that ever was. Furthermore it does not recover even if I delete the checked-in artifact, since ultimately the file lives in the </a:t>
             </a:r>
             <a:r>
               <a:rPr lang="en-CA" baseline="0" dirty="0" err="1" smtClean="0"/>
@@ -1738,15 +3525,7 @@
             </a:r>
             <a:r>
               <a:rPr lang="en-CA" baseline="0" dirty="0" smtClean="0"/>
-              <a:t>. Every </a:t>
-            </a:r>
-            <a:r>
-              <a:rPr lang="en-CA" baseline="0" dirty="0" err="1" smtClean="0"/>
-              <a:t>changeset</a:t>
-            </a:r>
-            <a:r>
-              <a:rPr lang="en-CA" baseline="0" dirty="0" smtClean="0"/>
-              <a:t> gets a GUID when it is created: a globally unique number that is highly unlikely to have ever been generated in the past, or to ever be generated again. If two repositories have </a:t>
+              <a:t> that are already part of the history. I have to “squash” your </a:t>
             </a:r>
             <a:r>
               <a:rPr lang="en-CA" baseline="0" dirty="0" err="1" smtClean="0"/>
@@ -1754,49 +3533,26 @@
             </a:r>
             <a:r>
               <a:rPr lang="en-CA" baseline="0" dirty="0" smtClean="0"/>
-              <a:t> with identical GUIDs up to a certain point, they are the same repository. So which version is the latest? They both are! Until they synchronize again, these are two divergent repositories.</a:t>
-            </a:r>
-            <a:endParaRPr lang="en-CA" dirty="0" smtClean="0"/>
-          </a:p>
-          <a:p>
-            <a:endParaRPr lang="en-CA" dirty="0" smtClean="0"/>
-          </a:p>
-          <a:p>
-            <a:r>
-              <a:rPr lang="en-CA" dirty="0" smtClean="0"/>
-              <a:t>Typical</a:t>
-            </a:r>
+              <a:t> to fix this.</a:t>
+            </a:r>
+          </a:p>
+          <a:p>
+            <a:endParaRPr lang="en-CA" baseline="0" dirty="0" smtClean="0"/>
+          </a:p>
+          <a:p>
             <a:r>
               <a:rPr lang="en-CA" baseline="0" dirty="0" smtClean="0"/>
-              <a:t> GIT workflow:</a:t>
-            </a:r>
-          </a:p>
-          <a:p>
-            <a:endParaRPr lang="en-CA" baseline="0" dirty="0" smtClean="0"/>
-          </a:p>
-          <a:p>
+              <a:t>I can work offline! I can keep working while riding on the subway! Good luck doing that with </a:t>
+            </a:r>
+            <a:r>
+              <a:rPr lang="en-CA" baseline="0" dirty="0" err="1" smtClean="0"/>
+              <a:t>ClearCase</a:t>
+            </a:r>
             <a:r>
               <a:rPr lang="en-CA" baseline="0" dirty="0" smtClean="0"/>
-              <a:t>Sync local repository with a remote repository</a:t>
-            </a:r>
-          </a:p>
-          <a:p>
-            <a:r>
-              <a:rPr lang="en-CA" baseline="0" dirty="0" smtClean="0"/>
-              <a:t>Make changes to it, causing it to diverge</a:t>
-            </a:r>
-          </a:p>
-          <a:p>
-            <a:r>
-              <a:rPr lang="en-CA" baseline="0" dirty="0" smtClean="0"/>
-              <a:t>Sync local repository with a remote repository again, fixing any problems</a:t>
-            </a:r>
-          </a:p>
-          <a:p>
-            <a:r>
-              <a:rPr lang="en-CA" baseline="0" dirty="0" smtClean="0"/>
-              <a:t>Repeat until done.</a:t>
-            </a:r>
+              <a:t>.</a:t>
+            </a:r>
+            <a:endParaRPr lang="en-CA" dirty="0"/>
           </a:p>
         </p:txBody>
       </p:sp>
@@ -1817,7 +3573,7 @@
           <a:p>
             <a:fld id="{CB55E3E3-40A9-4EFD-94DF-114BB2F8C3AE}" type="slidenum">
               <a:rPr lang="en-CA" smtClean="0"/>
-              <a:t>9</a:t>
+              <a:t>7</a:t>
             </a:fld>
             <a:endParaRPr lang="en-CA"/>
           </a:p>
@@ -1826,7 +3582,7 @@
     </p:spTree>
     <p:extLst>
       <p:ext uri="{BB962C8B-B14F-4D97-AF65-F5344CB8AC3E}">
-        <p14:creationId xmlns:p14="http://schemas.microsoft.com/office/powerpoint/2010/main" val="303787214"/>
+        <p14:creationId xmlns:p14="http://schemas.microsoft.com/office/powerpoint/2010/main" val="1855440469"/>
       </p:ext>
     </p:extLst>
   </p:cSld>
@@ -1882,85 +3638,48 @@
           <a:p>
             <a:r>
               <a:rPr lang="en-CA" dirty="0" smtClean="0"/>
-              <a:t>The </a:t>
+              <a:t>GIT, being distributed, cannot control who changes what in a real-time centralized fashion as </a:t>
             </a:r>
             <a:r>
               <a:rPr lang="en-CA" dirty="0" err="1" smtClean="0"/>
-              <a:t>changeset</a:t>
-            </a:r>
-            <a:r>
-              <a:rPr lang="en-CA" dirty="0" smtClean="0"/>
-              <a:t> database is a locally-hosted database that makes an extensive use of hashing</a:t>
+              <a:t>ClearCase</a:t>
+            </a:r>
+            <a:r>
+              <a:rPr lang="en-CA" dirty="0" smtClean="0"/>
+              <a:t> does. Conflicts can and</a:t>
             </a:r>
             <a:r>
               <a:rPr lang="en-CA" baseline="0" dirty="0" smtClean="0"/>
-              <a:t> to index and store your </a:t>
-            </a:r>
-            <a:r>
-              <a:rPr lang="en-CA" baseline="0" dirty="0" err="1" smtClean="0"/>
-              <a:t>changesets</a:t>
+              <a:t> do happen.</a:t>
+            </a:r>
+            <a:r>
+              <a:rPr lang="en-CA" dirty="0" smtClean="0"/>
+              <a:t> To address them, GIT takes an “optimistic” approach: it lets you do anything you want, but if that runs into a problem when merging</a:t>
             </a:r>
             <a:r>
               <a:rPr lang="en-CA" baseline="0" dirty="0" smtClean="0"/>
-              <a:t>. This is the only part of your GIT repository that gets synchronized with a remote repository. The other parts belong to you and are private to you.</a:t>
+              <a:t> with a remote repository</a:t>
+            </a:r>
+            <a:r>
+              <a:rPr lang="en-CA" dirty="0" smtClean="0"/>
+              <a:t>, it will ask you to manually merge conflicts</a:t>
+            </a:r>
+            <a:r>
+              <a:rPr lang="en-CA" baseline="0" dirty="0" smtClean="0"/>
+              <a:t> it cannot resolve by itself.</a:t>
             </a:r>
           </a:p>
           <a:p>
             <a:endParaRPr lang="en-CA" baseline="0" dirty="0" smtClean="0"/>
           </a:p>
           <a:p>
-            <a:r>
-              <a:rPr lang="en-CA" baseline="0" dirty="0" smtClean="0"/>
-              <a:t>Staging area is where you tell GIT which modified/new/deleted files are to be part of the </a:t>
-            </a:r>
-            <a:r>
-              <a:rPr lang="en-CA" baseline="0" dirty="0" err="1" smtClean="0"/>
-              <a:t>changeset</a:t>
-            </a:r>
-            <a:r>
-              <a:rPr lang="en-CA" baseline="0" dirty="0" smtClean="0"/>
-              <a:t>. This is a manual step: changing a file does not automatically include it in your </a:t>
-            </a:r>
-            <a:r>
-              <a:rPr lang="en-CA" baseline="0" dirty="0" err="1" smtClean="0"/>
-              <a:t>changeset</a:t>
-            </a:r>
-            <a:r>
-              <a:rPr lang="en-CA" baseline="0" dirty="0" smtClean="0"/>
-              <a:t>, though there are tools to make this very fast and simple.</a:t>
-            </a:r>
-          </a:p>
-          <a:p>
-            <a:endParaRPr lang="en-CA" baseline="0" dirty="0" smtClean="0"/>
-          </a:p>
-          <a:p>
-            <a:r>
-              <a:rPr lang="en-CA" baseline="0" dirty="0" smtClean="0"/>
-              <a:t>Workspace is where GIT recreates the state of your code after a certain </a:t>
-            </a:r>
-            <a:r>
-              <a:rPr lang="en-CA" baseline="0" dirty="0" err="1" smtClean="0"/>
-              <a:t>changeset</a:t>
-            </a:r>
-            <a:r>
-              <a:rPr lang="en-CA" baseline="0" dirty="0" smtClean="0"/>
-              <a:t>. What happens is, GIT figures out which </a:t>
-            </a:r>
-            <a:r>
-              <a:rPr lang="en-CA" baseline="0" dirty="0" err="1" smtClean="0"/>
-              <a:t>changesets</a:t>
-            </a:r>
-            <a:r>
-              <a:rPr lang="en-CA" baseline="0" dirty="0" smtClean="0"/>
-              <a:t> it needs, takes out the earliest one and applies it. Then takes the next one and “patches” your files on top. Then takes the next one after that and does the same… up until the state of your code is represented. You can instruct GIT to give you the latest state of your repository, or at some point in the past. GIT is a super-efficient delta management system with a DIFF engine added on top. Things happen so fast, if you come from </a:t>
-            </a:r>
             <a:r>
               <a:rPr lang="en-CA" baseline="0" dirty="0" err="1" smtClean="0"/>
               <a:t>ClearCase</a:t>
             </a:r>
             <a:r>
               <a:rPr lang="en-CA" baseline="0" dirty="0" smtClean="0"/>
-              <a:t> you may think something went wrong and GIT did nothing.</a:t>
+              <a:t>, in comparison, does a lot of its “policing” upfront: you can’t touch file “file 1” because someone else is editing it. Take your turn. GIT does its “policing” when merging with a remote repository, which is where all the problems usually happen. GIT will stay out of your way, letting you do whatever you want, until you try to merge.</a:t>
             </a:r>
           </a:p>
           <a:p>
@@ -1969,16 +3688,27 @@
           <a:p>
             <a:r>
               <a:rPr lang="en-CA" baseline="0" dirty="0" smtClean="0"/>
-              <a:t>It is possible to have a GIT repository without a staging area or a workspace. This is often done for repositories not used for development (e.g. masters). Such a repository is there solely so that it can organize your </a:t>
+              <a:t>This is how most open-source projects police their code as well: example </a:t>
             </a:r>
             <a:r>
               <a:rPr lang="en-CA" baseline="0" dirty="0" err="1" smtClean="0"/>
-              <a:t>changesets</a:t>
-            </a:r>
+              <a:t>CyanogenMod</a:t>
+            </a:r>
+            <a:endParaRPr lang="en-CA" baseline="0" dirty="0" smtClean="0"/>
+          </a:p>
+          <a:p>
             <a:r>
               <a:rPr lang="en-CA" baseline="0" dirty="0" smtClean="0"/>
-              <a:t>.</a:t>
-            </a:r>
+              <a:t>https://github.com/CyanogenMod</a:t>
+            </a:r>
+          </a:p>
+          <a:p>
+            <a:r>
+              <a:rPr lang="en-CA" baseline="0" dirty="0" smtClean="0"/>
+              <a:t>http://review.cyanogenmod.org/#/q/status:open</a:t>
+            </a:r>
+          </a:p>
+          <a:p>
             <a:endParaRPr lang="en-CA" dirty="0"/>
           </a:p>
         </p:txBody>
@@ -2000,7 +3730,7 @@
           <a:p>
             <a:fld id="{CB55E3E3-40A9-4EFD-94DF-114BB2F8C3AE}" type="slidenum">
               <a:rPr lang="en-CA" smtClean="0"/>
-              <a:t>10</a:t>
+              <a:t>8</a:t>
             </a:fld>
             <a:endParaRPr lang="en-CA"/>
           </a:p>
@@ -2009,7 +3739,7 @@
     </p:spTree>
     <p:extLst>
       <p:ext uri="{BB962C8B-B14F-4D97-AF65-F5344CB8AC3E}">
-        <p14:creationId xmlns:p14="http://schemas.microsoft.com/office/powerpoint/2010/main" val="1789260827"/>
+        <p14:creationId xmlns:p14="http://schemas.microsoft.com/office/powerpoint/2010/main" val="674871139"/>
       </p:ext>
     </p:extLst>
   </p:cSld>
@@ -2065,28 +3795,11 @@
           <a:p>
             <a:r>
               <a:rPr lang="en-CA" dirty="0" smtClean="0"/>
-              <a:t>Some standard GIT terminology finally:</a:t>
-            </a:r>
-          </a:p>
-          <a:p>
-            <a:endParaRPr lang="en-CA" dirty="0" smtClean="0"/>
-          </a:p>
-          <a:p>
-            <a:r>
-              <a:rPr lang="en-CA" dirty="0" smtClean="0"/>
-              <a:t>When I “checkout” at certain </a:t>
-            </a:r>
-            <a:r>
-              <a:rPr lang="en-CA" dirty="0" err="1" smtClean="0"/>
-              <a:t>changeset</a:t>
-            </a:r>
-            <a:r>
-              <a:rPr lang="en-CA" dirty="0" smtClean="0"/>
-              <a:t> (or HEAD),</a:t>
+              <a:t>Two repositories are</a:t>
             </a:r>
             <a:r>
               <a:rPr lang="en-CA" baseline="0" dirty="0" smtClean="0"/>
-              <a:t> I ask GIT to parse the </a:t>
+              <a:t> the same repository if they have identical </a:t>
             </a:r>
             <a:r>
               <a:rPr lang="en-CA" baseline="0" dirty="0" err="1" smtClean="0"/>
@@ -2094,7 +3807,7 @@
             </a:r>
             <a:r>
               <a:rPr lang="en-CA" baseline="0" dirty="0" smtClean="0"/>
-              <a:t> all the way from the creation of the repository and give me the state of my code after the </a:t>
+              <a:t>. Every </a:t>
             </a:r>
             <a:r>
               <a:rPr lang="en-CA" baseline="0" dirty="0" err="1" smtClean="0"/>
@@ -2102,89 +3815,7 @@
             </a:r>
             <a:r>
               <a:rPr lang="en-CA" baseline="0" dirty="0" smtClean="0"/>
-              <a:t> I am checking out.</a:t>
-            </a:r>
-          </a:p>
-          <a:p>
-            <a:endParaRPr lang="en-CA" baseline="0" dirty="0" smtClean="0"/>
-          </a:p>
-          <a:p>
-            <a:r>
-              <a:rPr lang="en-CA" baseline="0" dirty="0" smtClean="0"/>
-              <a:t>When I “add” a file I have modified, it becomes part of a </a:t>
-            </a:r>
-            <a:r>
-              <a:rPr lang="en-CA" baseline="0" dirty="0" err="1" smtClean="0"/>
-              <a:t>changeset</a:t>
-            </a:r>
-            <a:r>
-              <a:rPr lang="en-CA" baseline="0" dirty="0" smtClean="0"/>
-              <a:t> I am staging for commit. The </a:t>
-            </a:r>
-            <a:r>
-              <a:rPr lang="en-CA" baseline="0" dirty="0" err="1" smtClean="0"/>
-              <a:t>changeset</a:t>
-            </a:r>
-            <a:r>
-              <a:rPr lang="en-CA" baseline="0" dirty="0" smtClean="0"/>
-              <a:t> can change at this point: files can be added or removed. Only files that have been modified, created or deleted can be added to the staging area. If GIT refuses to add a file to the Staging area, that is usually why.</a:t>
-            </a:r>
-          </a:p>
-          <a:p>
-            <a:endParaRPr lang="en-CA" baseline="0" dirty="0" smtClean="0"/>
-          </a:p>
-          <a:p>
-            <a:r>
-              <a:rPr lang="en-CA" baseline="0" dirty="0" smtClean="0"/>
-              <a:t>When I “commit”, everything in the staging area is being cast into a brand new </a:t>
-            </a:r>
-            <a:r>
-              <a:rPr lang="en-CA" baseline="0" dirty="0" err="1" smtClean="0"/>
-              <a:t>changeset</a:t>
-            </a:r>
-            <a:r>
-              <a:rPr lang="en-CA" baseline="0" dirty="0" smtClean="0"/>
-              <a:t> and it is added in the local </a:t>
-            </a:r>
-            <a:r>
-              <a:rPr lang="en-CA" baseline="0" dirty="0" err="1" smtClean="0"/>
-              <a:t>changeset</a:t>
-            </a:r>
-            <a:r>
-              <a:rPr lang="en-CA" baseline="0" dirty="0" smtClean="0"/>
-              <a:t> database. At this point the </a:t>
-            </a:r>
-            <a:r>
-              <a:rPr lang="en-CA" baseline="0" dirty="0" err="1" smtClean="0"/>
-              <a:t>changeset</a:t>
-            </a:r>
-            <a:r>
-              <a:rPr lang="en-CA" baseline="0" dirty="0" smtClean="0"/>
-              <a:t> GUID gets created. It is impossible to change a </a:t>
-            </a:r>
-            <a:r>
-              <a:rPr lang="en-CA" baseline="0" dirty="0" err="1" smtClean="0"/>
-              <a:t>changeset</a:t>
-            </a:r>
-            <a:r>
-              <a:rPr lang="en-CA" baseline="0" dirty="0" smtClean="0"/>
-              <a:t> once </a:t>
-            </a:r>
-            <a:r>
-              <a:rPr lang="en-CA" baseline="0" dirty="0" err="1" smtClean="0"/>
-              <a:t>commited</a:t>
-            </a:r>
-            <a:r>
-              <a:rPr lang="en-CA" baseline="0" dirty="0" smtClean="0"/>
-              <a:t>. With a few special-case exceptions a </a:t>
-            </a:r>
-            <a:r>
-              <a:rPr lang="en-CA" baseline="0" dirty="0" err="1" smtClean="0"/>
-              <a:t>changeset</a:t>
-            </a:r>
-            <a:r>
-              <a:rPr lang="en-CA" baseline="0" dirty="0" smtClean="0"/>
-              <a:t> can be deleted,  thus rewriting the history of your repository, squashed with other </a:t>
+              <a:t> gets a GUID when it is created: a globally unique number that is highly unlikely to have ever been generated in the past, or to ever be generated again. If two repositories have </a:t>
             </a:r>
             <a:r>
               <a:rPr lang="en-CA" baseline="0" dirty="0" err="1" smtClean="0"/>
@@ -2192,42 +3823,49 @@
             </a:r>
             <a:r>
               <a:rPr lang="en-CA" baseline="0" dirty="0" smtClean="0"/>
-              <a:t>, but not modified. Everyone must agree on a </a:t>
-            </a:r>
-            <a:r>
-              <a:rPr lang="en-CA" baseline="0" dirty="0" err="1" smtClean="0"/>
-              <a:t>changeset</a:t>
+              <a:t> with identical GUIDs up to a certain point, they are the same repository. So which version is the latest? They both are! Until they synchronize again, these are two divergent repositories.</a:t>
+            </a:r>
+            <a:endParaRPr lang="en-CA" dirty="0" smtClean="0"/>
+          </a:p>
+          <a:p>
+            <a:endParaRPr lang="en-CA" dirty="0" smtClean="0"/>
+          </a:p>
+          <a:p>
+            <a:r>
+              <a:rPr lang="en-CA" dirty="0" smtClean="0"/>
+              <a:t>Typical</a:t>
             </a:r>
             <a:r>
               <a:rPr lang="en-CA" baseline="0" dirty="0" smtClean="0"/>
-              <a:t> GUID representing a certain change, so </a:t>
-            </a:r>
-            <a:r>
-              <a:rPr lang="en-CA" baseline="0" dirty="0" err="1" smtClean="0"/>
-              <a:t>changesets</a:t>
-            </a:r>
+              <a:t> GIT workflow:</a:t>
+            </a:r>
+          </a:p>
+          <a:p>
+            <a:endParaRPr lang="en-CA" baseline="0" dirty="0" smtClean="0"/>
+          </a:p>
+          <a:p>
             <a:r>
               <a:rPr lang="en-CA" baseline="0" dirty="0" smtClean="0"/>
-              <a:t> themselves can never be versioned.</a:t>
-            </a:r>
-          </a:p>
-          <a:p>
-            <a:endParaRPr lang="en-CA" baseline="0" dirty="0" smtClean="0"/>
-          </a:p>
-          <a:p>
-            <a:r>
-              <a:rPr lang="en-CA" b="1" baseline="0" dirty="0" smtClean="0"/>
-              <a:t>And now one of the major differences with </a:t>
-            </a:r>
-            <a:r>
-              <a:rPr lang="en-CA" b="1" baseline="0" dirty="0" err="1" smtClean="0"/>
-              <a:t>ClearCase</a:t>
-            </a:r>
-            <a:r>
-              <a:rPr lang="en-CA" b="1" baseline="0" dirty="0" smtClean="0"/>
-              <a:t>: after all this, changes are still sitting on your computer. If your hard drive crashes, your changes will be gone.</a:t>
-            </a:r>
-            <a:endParaRPr lang="en-CA" b="1" dirty="0"/>
+              <a:t>Sync local repository with a remote repository</a:t>
+            </a:r>
+          </a:p>
+          <a:p>
+            <a:r>
+              <a:rPr lang="en-CA" baseline="0" dirty="0" smtClean="0"/>
+              <a:t>Make changes to it, causing it to diverge</a:t>
+            </a:r>
+          </a:p>
+          <a:p>
+            <a:r>
+              <a:rPr lang="en-CA" baseline="0" dirty="0" smtClean="0"/>
+              <a:t>Sync local repository with a remote repository again, fixing any problems</a:t>
+            </a:r>
+          </a:p>
+          <a:p>
+            <a:r>
+              <a:rPr lang="en-CA" baseline="0" dirty="0" smtClean="0"/>
+              <a:t>Repeat until done.</a:t>
+            </a:r>
           </a:p>
         </p:txBody>
       </p:sp>
@@ -2248,7 +3886,7 @@
           <a:p>
             <a:fld id="{CB55E3E3-40A9-4EFD-94DF-114BB2F8C3AE}" type="slidenum">
               <a:rPr lang="en-CA" smtClean="0"/>
-              <a:t>11</a:t>
+              <a:t>9</a:t>
             </a:fld>
             <a:endParaRPr lang="en-CA"/>
           </a:p>
@@ -2257,7 +3895,7 @@
     </p:spTree>
     <p:extLst>
       <p:ext uri="{BB962C8B-B14F-4D97-AF65-F5344CB8AC3E}">
-        <p14:creationId xmlns:p14="http://schemas.microsoft.com/office/powerpoint/2010/main" val="2848719048"/>
+        <p14:creationId xmlns:p14="http://schemas.microsoft.com/office/powerpoint/2010/main" val="303787214"/>
       </p:ext>
     </p:extLst>
   </p:cSld>
@@ -2313,20 +3951,19 @@
           <a:p>
             <a:r>
               <a:rPr lang="en-CA" dirty="0" smtClean="0"/>
-              <a:t>You can’t change a remote repository directly. You always change your local repository first and then synchronize</a:t>
+              <a:t>The </a:t>
+            </a:r>
+            <a:r>
+              <a:rPr lang="en-CA" dirty="0" err="1" smtClean="0"/>
+              <a:t>changeset</a:t>
+            </a:r>
+            <a:r>
+              <a:rPr lang="en-CA" dirty="0" smtClean="0"/>
+              <a:t> database is a locally-hosted database that makes an extensive use of hashing</a:t>
             </a:r>
             <a:r>
               <a:rPr lang="en-CA" baseline="0" dirty="0" smtClean="0"/>
-              <a:t> your changes by pushing and/or pulling. Always.</a:t>
-            </a:r>
-          </a:p>
-          <a:p>
-            <a:endParaRPr lang="en-CA" baseline="0" dirty="0" smtClean="0"/>
-          </a:p>
-          <a:p>
-            <a:r>
-              <a:rPr lang="en-CA" baseline="0" dirty="0" smtClean="0"/>
-              <a:t>Pushing attempts to merge any additional </a:t>
+              <a:t> to index and store your </a:t>
             </a:r>
             <a:r>
               <a:rPr lang="en-CA" baseline="0" dirty="0" err="1" smtClean="0"/>
@@ -2334,7 +3971,49 @@
             </a:r>
             <a:r>
               <a:rPr lang="en-CA" baseline="0" dirty="0" smtClean="0"/>
-              <a:t> you have created to the remote repository. The remote repository will attempt to merge your changes, however if it contains </a:t>
+              <a:t>. This is the only part of your GIT repository that gets synchronized with a remote repository. The other parts belong to you and are private to you.</a:t>
+            </a:r>
+          </a:p>
+          <a:p>
+            <a:endParaRPr lang="en-CA" baseline="0" dirty="0" smtClean="0"/>
+          </a:p>
+          <a:p>
+            <a:r>
+              <a:rPr lang="en-CA" baseline="0" dirty="0" smtClean="0"/>
+              <a:t>Staging area is where you tell GIT which modified/new/deleted files are to be part of the </a:t>
+            </a:r>
+            <a:r>
+              <a:rPr lang="en-CA" baseline="0" dirty="0" err="1" smtClean="0"/>
+              <a:t>changeset</a:t>
+            </a:r>
+            <a:r>
+              <a:rPr lang="en-CA" baseline="0" dirty="0" smtClean="0"/>
+              <a:t>. This is a manual step: changing a file does not automatically include it in your </a:t>
+            </a:r>
+            <a:r>
+              <a:rPr lang="en-CA" baseline="0" dirty="0" err="1" smtClean="0"/>
+              <a:t>changeset</a:t>
+            </a:r>
+            <a:r>
+              <a:rPr lang="en-CA" baseline="0" dirty="0" smtClean="0"/>
+              <a:t>, though there are tools to make this very fast and simple.</a:t>
+            </a:r>
+          </a:p>
+          <a:p>
+            <a:endParaRPr lang="en-CA" baseline="0" dirty="0" smtClean="0"/>
+          </a:p>
+          <a:p>
+            <a:r>
+              <a:rPr lang="en-CA" baseline="0" dirty="0" smtClean="0"/>
+              <a:t>Workspace is where GIT recreates the state of your code after a certain </a:t>
+            </a:r>
+            <a:r>
+              <a:rPr lang="en-CA" baseline="0" dirty="0" err="1" smtClean="0"/>
+              <a:t>changeset</a:t>
+            </a:r>
+            <a:r>
+              <a:rPr lang="en-CA" baseline="0" dirty="0" smtClean="0"/>
+              <a:t>. What happens is, GIT figures out which </a:t>
             </a:r>
             <a:r>
               <a:rPr lang="en-CA" baseline="0" dirty="0" err="1" smtClean="0"/>
@@ -2342,7 +4021,15 @@
             </a:r>
             <a:r>
               <a:rPr lang="en-CA" baseline="0" dirty="0" smtClean="0"/>
-              <a:t> you do not have, it will ask you to pull first. Remember, your local repository has to agree on the entire history of the remote repository up to the last sync point.</a:t>
+              <a:t> it needs, takes out the earliest one and applies it. Then takes the next one and “patches” your files on top. Then takes the next one after that and does the same… up until the state of your code is represented. You can instruct GIT to give you the latest state of your repository, or at some point in the past. GIT is a super-efficient delta management system with a DIFF engine added on top. Things happen so fast, if you come from </a:t>
+            </a:r>
+            <a:r>
+              <a:rPr lang="en-CA" baseline="0" dirty="0" err="1" smtClean="0"/>
+              <a:t>ClearCase</a:t>
+            </a:r>
+            <a:r>
+              <a:rPr lang="en-CA" baseline="0" dirty="0" smtClean="0"/>
+              <a:t> you may think something went wrong and GIT did nothing.</a:t>
             </a:r>
           </a:p>
           <a:p>
@@ -2351,7 +4038,7 @@
           <a:p>
             <a:r>
               <a:rPr lang="en-CA" baseline="0" dirty="0" smtClean="0"/>
-              <a:t>Pulling attempts to bring in any </a:t>
+              <a:t>It is possible to have a GIT repository without a staging area or a workspace. This is often done for repositories not used for development (e.g. masters). Such a repository is there solely so that it can organize your </a:t>
             </a:r>
             <a:r>
               <a:rPr lang="en-CA" baseline="0" dirty="0" err="1" smtClean="0"/>
@@ -2359,49 +4046,7 @@
             </a:r>
             <a:r>
               <a:rPr lang="en-CA" baseline="0" dirty="0" smtClean="0"/>
-              <a:t> the remote repository has that have been pushed to it after you pulled last/cloned. These are </a:t>
-            </a:r>
-            <a:r>
-              <a:rPr lang="en-CA" baseline="0" dirty="0" err="1" smtClean="0"/>
-              <a:t>changesets</a:t>
-            </a:r>
-            <a:r>
-              <a:rPr lang="en-CA" baseline="0" dirty="0" smtClean="0"/>
-              <a:t> you do not have that other people have pushed. It is at this stage merge conflicts usually occur. GIT will do its best to merge changes, but may flag conflicts for you to manually merge in case there is a problem.</a:t>
-            </a:r>
-          </a:p>
-          <a:p>
-            <a:endParaRPr lang="en-CA" baseline="0" dirty="0" smtClean="0"/>
-          </a:p>
-          <a:p>
-            <a:r>
-              <a:rPr lang="en-CA" baseline="0" dirty="0" smtClean="0"/>
-              <a:t>Some places such as GitHub allow you to do a sort of two-step pushing to a remote repository, which is often used by open-source projects for code reviews. In general, you clone a repository under your user at GitHub, you modify it by adding your </a:t>
-            </a:r>
-            <a:r>
-              <a:rPr lang="en-CA" baseline="0" dirty="0" err="1" smtClean="0"/>
-              <a:t>changesets</a:t>
-            </a:r>
-            <a:r>
-              <a:rPr lang="en-CA" baseline="0" dirty="0" smtClean="0"/>
-              <a:t> on top, and then send a “pull request” to the owners of the original repository. Your changes are made available for review, but are not part of their original repository yet. It is up to those reviewers to look through your changes and “pull” them into their repository if they are happy with them, hence the term “pull request”. This is where tools such as GERRIT come into play.</a:t>
-            </a:r>
-          </a:p>
-          <a:p>
-            <a:endParaRPr lang="en-CA" baseline="0" dirty="0" smtClean="0"/>
-          </a:p>
-          <a:p>
-            <a:r>
-              <a:rPr lang="en-CA" baseline="0" dirty="0" smtClean="0"/>
-              <a:t>Scrum agile as implemented at TELUS often suffers from code quality problems and it is THIS type of process that would help fix that. Many teams have an informal code review process, but many do not. Also, it is often very </a:t>
-            </a:r>
-            <a:r>
-              <a:rPr lang="en-CA" baseline="0" dirty="0" err="1" smtClean="0"/>
-              <a:t>VERY</a:t>
-            </a:r>
-            <a:r>
-              <a:rPr lang="en-CA" baseline="0" dirty="0" smtClean="0"/>
-              <a:t> difficult to contribute code to components owned by other team: the silos are not yet fully broken.</a:t>
+              <a:t>.</a:t>
             </a:r>
             <a:endParaRPr lang="en-CA" dirty="0"/>
           </a:p>
@@ -2424,7 +4069,7 @@
           <a:p>
             <a:fld id="{CB55E3E3-40A9-4EFD-94DF-114BB2F8C3AE}" type="slidenum">
               <a:rPr lang="en-CA" smtClean="0"/>
-              <a:t>12</a:t>
+              <a:t>10</a:t>
             </a:fld>
             <a:endParaRPr lang="en-CA"/>
           </a:p>
@@ -2433,7 +4078,7 @@
     </p:spTree>
     <p:extLst>
       <p:ext uri="{BB962C8B-B14F-4D97-AF65-F5344CB8AC3E}">
-        <p14:creationId xmlns:p14="http://schemas.microsoft.com/office/powerpoint/2010/main" val="1156002518"/>
+        <p14:creationId xmlns:p14="http://schemas.microsoft.com/office/powerpoint/2010/main" val="1789260827"/>
       </p:ext>
     </p:extLst>
   </p:cSld>
@@ -6740,7 +8385,23 @@
                   <a:srgbClr val="FF0000"/>
                 </a:solidFill>
               </a:rPr>
-              <a:t>BEWARE OF TOOLS THAT TRY TO DO THE THINKING FOR YOU!</a:t>
+              <a:t>BEWARE OF TOOLS THAT </a:t>
+            </a:r>
+            <a:r>
+              <a:rPr lang="en-CA" sz="5400" b="1" dirty="0" smtClean="0">
+                <a:solidFill>
+                  <a:srgbClr val="FF0000"/>
+                </a:solidFill>
+              </a:rPr>
+              <a:t>(TRY TO) </a:t>
+            </a:r>
+            <a:r>
+              <a:rPr lang="en-CA" sz="5400" b="1" dirty="0" smtClean="0">
+                <a:solidFill>
+                  <a:srgbClr val="FF0000"/>
+                </a:solidFill>
+              </a:rPr>
+              <a:t>DO THE THINKING FOR YOU!</a:t>
             </a:r>
             <a:endParaRPr lang="en-CA" sz="5400" b="1" dirty="0">
               <a:solidFill>
@@ -6823,7 +8484,7 @@
         <p:spPr/>
         <p:txBody>
           <a:bodyPr>
-            <a:normAutofit fontScale="92500" lnSpcReduction="10000"/>
+            <a:normAutofit fontScale="92500" lnSpcReduction="20000"/>
           </a:bodyPr>
           <a:lstStyle/>
           <a:p>
@@ -6855,6 +8516,26 @@
           <a:p>
             <a:pPr lvl="1"/>
             <a:r>
+              <a:rPr lang="en-CA" dirty="0"/>
+              <a:t>GIT Extensions: </a:t>
+            </a:r>
+            <a:r>
+              <a:rPr lang="en-CA" dirty="0">
+                <a:hlinkClick r:id="rId4"/>
+              </a:rPr>
+              <a:t>https://gitextensions.github.io</a:t>
+            </a:r>
+            <a:r>
+              <a:rPr lang="en-CA" dirty="0" smtClean="0">
+                <a:hlinkClick r:id="rId4"/>
+              </a:rPr>
+              <a:t>/</a:t>
+            </a:r>
+            <a:endParaRPr lang="en-CA" dirty="0" smtClean="0"/>
+          </a:p>
+          <a:p>
+            <a:pPr lvl="1"/>
+            <a:r>
               <a:rPr lang="en-CA" dirty="0" err="1" smtClean="0"/>
               <a:t>TortoiseGIT</a:t>
             </a:r>
@@ -6864,13 +8545,13 @@
             </a:r>
             <a:r>
               <a:rPr lang="en-CA" dirty="0">
-                <a:hlinkClick r:id="rId4"/>
+                <a:hlinkClick r:id="rId5"/>
               </a:rPr>
               <a:t>https://code.google.com/p/tortoisegit</a:t>
             </a:r>
             <a:r>
               <a:rPr lang="en-CA" dirty="0" smtClean="0">
-                <a:hlinkClick r:id="rId4"/>
+                <a:hlinkClick r:id="rId5"/>
               </a:rPr>
               <a:t>/</a:t>
             </a:r>
@@ -6888,13 +8569,13 @@
             </a:r>
             <a:r>
               <a:rPr lang="en-CA" dirty="0">
-                <a:hlinkClick r:id="rId5"/>
+                <a:hlinkClick r:id="rId6"/>
               </a:rPr>
               <a:t>https://eclipse.org/egit</a:t>
             </a:r>
             <a:r>
               <a:rPr lang="en-CA" dirty="0" smtClean="0">
-                <a:hlinkClick r:id="rId5"/>
+                <a:hlinkClick r:id="rId6"/>
               </a:rPr>
               <a:t>/</a:t>
             </a:r>
@@ -6908,13 +8589,13 @@
             </a:r>
             <a:r>
               <a:rPr lang="en-CA" dirty="0">
-                <a:hlinkClick r:id="rId6"/>
+                <a:hlinkClick r:id="rId7"/>
               </a:rPr>
               <a:t>https://gittf.codeplex.com</a:t>
             </a:r>
             <a:r>
               <a:rPr lang="en-CA" dirty="0" smtClean="0">
-                <a:hlinkClick r:id="rId6"/>
+                <a:hlinkClick r:id="rId7"/>
               </a:rPr>
               <a:t>/</a:t>
             </a:r>
@@ -6946,13 +8627,13 @@
             </a:r>
             <a:r>
               <a:rPr lang="en-CA" dirty="0">
-                <a:hlinkClick r:id="rId7"/>
+                <a:hlinkClick r:id="rId8"/>
               </a:rPr>
               <a:t>http://blogs.atlassian.com/2013/03/introducing-sourcetree-git-client-microsoft-windows</a:t>
             </a:r>
             <a:r>
               <a:rPr lang="en-CA" dirty="0" smtClean="0">
-                <a:hlinkClick r:id="rId7"/>
+                <a:hlinkClick r:id="rId8"/>
               </a:rPr>
               <a:t>/</a:t>
             </a:r>
@@ -7022,7 +8703,7 @@
             </a:r>
             <a:r>
               <a:rPr lang="en-CA" dirty="0" smtClean="0"/>
-              <a:t>/Clone</a:t>
+              <a:t>/Clone/Add/Commit</a:t>
             </a:r>
             <a:endParaRPr lang="en-CA" dirty="0"/>
           </a:p>
@@ -7040,13 +8721,13 @@
         </p:nvSpPr>
         <p:spPr>
           <a:xfrm>
-            <a:off x="457200" y="2060848"/>
-            <a:ext cx="8229600" cy="4065315"/>
+            <a:off x="457200" y="1484784"/>
+            <a:ext cx="8229600" cy="4641379"/>
           </a:xfrm>
         </p:spPr>
         <p:txBody>
           <a:bodyPr>
-            <a:normAutofit fontScale="85000" lnSpcReduction="20000"/>
+            <a:normAutofit fontScale="77500" lnSpcReduction="20000"/>
           </a:bodyPr>
           <a:lstStyle/>
           <a:p>
@@ -7077,8 +8758,42 @@
           <a:p>
             <a:r>
               <a:rPr lang="en-CA" dirty="0" smtClean="0"/>
-              <a:t>Clone – replicate a remote repository into a local repository in its entirety. The entire history of the repository gets copied over. The remote repository is set as an upstream repository so you can use push/pull to synchronize it.</a:t>
-            </a:r>
+              <a:t>Clone – replicate a remote repository into a local repository in its entirety. The entire history of the repository gets copied over. The remote repository is set as an upstream repository so you can use push/pull to synchronize it</a:t>
+            </a:r>
+            <a:r>
+              <a:rPr lang="en-CA" dirty="0" smtClean="0"/>
+              <a:t>.</a:t>
+            </a:r>
+          </a:p>
+          <a:p>
+            <a:r>
+              <a:rPr lang="en-CA" dirty="0" smtClean="0"/>
+              <a:t>Add – Adds created/changed artifact to Staging</a:t>
+            </a:r>
+          </a:p>
+          <a:p>
+            <a:r>
+              <a:rPr lang="en-CA" dirty="0" smtClean="0"/>
+              <a:t>Commit – Creates a new </a:t>
+            </a:r>
+            <a:r>
+              <a:rPr lang="en-CA" dirty="0" err="1" smtClean="0"/>
+              <a:t>Changeset</a:t>
+            </a:r>
+            <a:r>
+              <a:rPr lang="en-CA" dirty="0" smtClean="0"/>
+              <a:t>, however the new </a:t>
+            </a:r>
+            <a:r>
+              <a:rPr lang="en-CA" dirty="0" err="1" smtClean="0"/>
+              <a:t>changeset</a:t>
+            </a:r>
+            <a:r>
+              <a:rPr lang="en-CA" dirty="0" smtClean="0"/>
+              <a:t> is not synced with any remote repository</a:t>
+            </a:r>
+          </a:p>
+          <a:p>
             <a:endParaRPr lang="en-CA" dirty="0"/>
           </a:p>
         </p:txBody>
@@ -7087,6 +8802,337 @@
     <p:extLst>
       <p:ext uri="{BB962C8B-B14F-4D97-AF65-F5344CB8AC3E}">
         <p14:creationId xmlns:p14="http://schemas.microsoft.com/office/powerpoint/2010/main" val="3450172923"/>
+      </p:ext>
+    </p:extLst>
+  </p:cSld>
+  <p:clrMapOvr>
+    <a:masterClrMapping/>
+  </p:clrMapOvr>
+</p:sld>
+</file>
+
+<file path=ppt/slides/slide17.xml><?xml version="1.0" encoding="utf-8"?>
+<p:sld xmlns:a="http://schemas.openxmlformats.org/drawingml/2006/main" xmlns:r="http://schemas.openxmlformats.org/officeDocument/2006/relationships" xmlns:p="http://schemas.openxmlformats.org/presentationml/2006/main">
+  <p:cSld>
+    <p:spTree>
+      <p:nvGrpSpPr>
+        <p:cNvPr id="1" name=""/>
+        <p:cNvGrpSpPr/>
+        <p:nvPr/>
+      </p:nvGrpSpPr>
+      <p:grpSpPr>
+        <a:xfrm>
+          <a:off x="0" y="0"/>
+          <a:ext cx="0" cy="0"/>
+          <a:chOff x="0" y="0"/>
+          <a:chExt cx="0" cy="0"/>
+        </a:xfrm>
+      </p:grpSpPr>
+      <p:sp>
+        <p:nvSpPr>
+          <p:cNvPr id="2" name="Title 1"/>
+          <p:cNvSpPr>
+            <a:spLocks noGrp="1"/>
+          </p:cNvSpPr>
+          <p:nvPr>
+            <p:ph type="title"/>
+          </p:nvPr>
+        </p:nvSpPr>
+        <p:spPr/>
+        <p:txBody>
+          <a:bodyPr/>
+          <a:lstStyle/>
+          <a:p>
+            <a:r>
+              <a:rPr lang="en-CA" dirty="0" smtClean="0"/>
+              <a:t>Push/Pull</a:t>
+            </a:r>
+            <a:endParaRPr lang="en-CA" dirty="0"/>
+          </a:p>
+        </p:txBody>
+      </p:sp>
+      <p:sp>
+        <p:nvSpPr>
+          <p:cNvPr id="3" name="Content Placeholder 2"/>
+          <p:cNvSpPr>
+            <a:spLocks noGrp="1"/>
+          </p:cNvSpPr>
+          <p:nvPr>
+            <p:ph idx="1"/>
+          </p:nvPr>
+        </p:nvSpPr>
+        <p:spPr/>
+        <p:txBody>
+          <a:bodyPr/>
+          <a:lstStyle/>
+          <a:p>
+            <a:r>
+              <a:rPr lang="en-CA" dirty="0" smtClean="0"/>
+              <a:t>Push – Sends all local </a:t>
+            </a:r>
+            <a:r>
+              <a:rPr lang="en-CA" dirty="0" err="1" smtClean="0"/>
+              <a:t>changesets</a:t>
+            </a:r>
+            <a:r>
+              <a:rPr lang="en-CA" dirty="0" smtClean="0"/>
+              <a:t> to the remote repository. [Publish local </a:t>
+            </a:r>
+            <a:r>
+              <a:rPr lang="en-CA" dirty="0" err="1" smtClean="0"/>
+              <a:t>changesets</a:t>
+            </a:r>
+            <a:r>
+              <a:rPr lang="en-CA" dirty="0" smtClean="0"/>
+              <a:t>]</a:t>
+            </a:r>
+          </a:p>
+          <a:p>
+            <a:r>
+              <a:rPr lang="en-CA" dirty="0" smtClean="0"/>
+              <a:t>Pull – Brings all remote </a:t>
+            </a:r>
+            <a:r>
+              <a:rPr lang="en-CA" dirty="0" err="1" smtClean="0"/>
+              <a:t>changesets</a:t>
+            </a:r>
+            <a:r>
+              <a:rPr lang="en-CA" dirty="0" smtClean="0"/>
+              <a:t> to the local repository. [Download remote </a:t>
+            </a:r>
+            <a:r>
+              <a:rPr lang="en-CA" dirty="0" err="1" smtClean="0"/>
+              <a:t>changesets</a:t>
+            </a:r>
+            <a:r>
+              <a:rPr lang="en-CA" dirty="0" smtClean="0"/>
+              <a:t>]</a:t>
+            </a:r>
+            <a:endParaRPr lang="en-CA" dirty="0"/>
+          </a:p>
+        </p:txBody>
+      </p:sp>
+    </p:spTree>
+    <p:extLst>
+      <p:ext uri="{BB962C8B-B14F-4D97-AF65-F5344CB8AC3E}">
+        <p14:creationId xmlns:p14="http://schemas.microsoft.com/office/powerpoint/2010/main" val="3679831056"/>
+      </p:ext>
+    </p:extLst>
+  </p:cSld>
+  <p:clrMapOvr>
+    <a:masterClrMapping/>
+  </p:clrMapOvr>
+</p:sld>
+</file>
+
+<file path=ppt/slides/slide18.xml><?xml version="1.0" encoding="utf-8"?>
+<p:sld xmlns:a="http://schemas.openxmlformats.org/drawingml/2006/main" xmlns:r="http://schemas.openxmlformats.org/officeDocument/2006/relationships" xmlns:p="http://schemas.openxmlformats.org/presentationml/2006/main">
+  <p:cSld>
+    <p:spTree>
+      <p:nvGrpSpPr>
+        <p:cNvPr id="1" name=""/>
+        <p:cNvGrpSpPr/>
+        <p:nvPr/>
+      </p:nvGrpSpPr>
+      <p:grpSpPr>
+        <a:xfrm>
+          <a:off x="0" y="0"/>
+          <a:ext cx="0" cy="0"/>
+          <a:chOff x="0" y="0"/>
+          <a:chExt cx="0" cy="0"/>
+        </a:xfrm>
+      </p:grpSpPr>
+      <p:sp>
+        <p:nvSpPr>
+          <p:cNvPr id="2" name="Title 1"/>
+          <p:cNvSpPr>
+            <a:spLocks noGrp="1"/>
+          </p:cNvSpPr>
+          <p:nvPr>
+            <p:ph type="title"/>
+          </p:nvPr>
+        </p:nvSpPr>
+        <p:spPr/>
+        <p:txBody>
+          <a:bodyPr/>
+          <a:lstStyle/>
+          <a:p>
+            <a:r>
+              <a:rPr lang="en-CA" dirty="0" smtClean="0"/>
+              <a:t>THE MERGE</a:t>
+            </a:r>
+            <a:endParaRPr lang="en-CA" dirty="0"/>
+          </a:p>
+        </p:txBody>
+      </p:sp>
+      <p:sp>
+        <p:nvSpPr>
+          <p:cNvPr id="3" name="Text Placeholder 2"/>
+          <p:cNvSpPr>
+            <a:spLocks noGrp="1"/>
+          </p:cNvSpPr>
+          <p:nvPr>
+            <p:ph type="body" idx="1"/>
+          </p:nvPr>
+        </p:nvSpPr>
+        <p:spPr/>
+        <p:txBody>
+          <a:bodyPr/>
+          <a:lstStyle/>
+          <a:p>
+            <a:endParaRPr lang="en-CA"/>
+          </a:p>
+        </p:txBody>
+      </p:sp>
+    </p:spTree>
+    <p:extLst>
+      <p:ext uri="{BB962C8B-B14F-4D97-AF65-F5344CB8AC3E}">
+        <p14:creationId xmlns:p14="http://schemas.microsoft.com/office/powerpoint/2010/main" val="3781480771"/>
+      </p:ext>
+    </p:extLst>
+  </p:cSld>
+  <p:clrMapOvr>
+    <a:masterClrMapping/>
+  </p:clrMapOvr>
+  <p:timing>
+    <p:tnLst>
+      <p:par>
+        <p:cTn id="1" dur="indefinite" restart="never" nodeType="tmRoot"/>
+      </p:par>
+    </p:tnLst>
+  </p:timing>
+</p:sld>
+</file>
+
+<file path=ppt/slides/slide19.xml><?xml version="1.0" encoding="utf-8"?>
+<p:sld xmlns:a="http://schemas.openxmlformats.org/drawingml/2006/main" xmlns:r="http://schemas.openxmlformats.org/officeDocument/2006/relationships" xmlns:p="http://schemas.openxmlformats.org/presentationml/2006/main">
+  <p:cSld>
+    <p:spTree>
+      <p:nvGrpSpPr>
+        <p:cNvPr id="1" name=""/>
+        <p:cNvGrpSpPr/>
+        <p:nvPr/>
+      </p:nvGrpSpPr>
+      <p:grpSpPr>
+        <a:xfrm>
+          <a:off x="0" y="0"/>
+          <a:ext cx="0" cy="0"/>
+          <a:chOff x="0" y="0"/>
+          <a:chExt cx="0" cy="0"/>
+        </a:xfrm>
+      </p:grpSpPr>
+      <p:sp>
+        <p:nvSpPr>
+          <p:cNvPr id="2" name="Title 1"/>
+          <p:cNvSpPr>
+            <a:spLocks noGrp="1"/>
+          </p:cNvSpPr>
+          <p:nvPr>
+            <p:ph type="title"/>
+          </p:nvPr>
+        </p:nvSpPr>
+        <p:spPr/>
+        <p:txBody>
+          <a:bodyPr/>
+          <a:lstStyle/>
+          <a:p>
+            <a:r>
+              <a:rPr lang="en-CA" dirty="0" smtClean="0"/>
+              <a:t>HOW TO DEAL WITH CONFLICTS</a:t>
+            </a:r>
+            <a:endParaRPr lang="en-CA" dirty="0"/>
+          </a:p>
+        </p:txBody>
+      </p:sp>
+      <p:sp>
+        <p:nvSpPr>
+          <p:cNvPr id="3" name="Content Placeholder 2"/>
+          <p:cNvSpPr>
+            <a:spLocks noGrp="1"/>
+          </p:cNvSpPr>
+          <p:nvPr>
+            <p:ph idx="1"/>
+          </p:nvPr>
+        </p:nvSpPr>
+        <p:spPr/>
+        <p:txBody>
+          <a:bodyPr>
+            <a:normAutofit fontScale="77500" lnSpcReduction="20000"/>
+          </a:bodyPr>
+          <a:lstStyle/>
+          <a:p>
+            <a:pPr marL="0" indent="0">
+              <a:buNone/>
+            </a:pPr>
+            <a:r>
+              <a:rPr lang="en-CA" dirty="0" smtClean="0"/>
+              <a:t>A merge operation is performed every time you execute one of the following operations:</a:t>
+            </a:r>
+          </a:p>
+          <a:p>
+            <a:r>
+              <a:rPr lang="en-CA" dirty="0" smtClean="0"/>
+              <a:t>Pull – </a:t>
+            </a:r>
+            <a:r>
+              <a:rPr lang="en-CA" dirty="0" err="1" smtClean="0"/>
+              <a:t>changesets</a:t>
+            </a:r>
+            <a:r>
+              <a:rPr lang="en-CA" dirty="0" smtClean="0"/>
+              <a:t> from a remote repository have to be merged with any local </a:t>
+            </a:r>
+            <a:r>
+              <a:rPr lang="en-CA" dirty="0" err="1" smtClean="0"/>
+              <a:t>changesets</a:t>
+            </a:r>
+            <a:r>
+              <a:rPr lang="en-CA" dirty="0" smtClean="0"/>
+              <a:t> that have yet to be pushed.</a:t>
+            </a:r>
+          </a:p>
+          <a:p>
+            <a:r>
+              <a:rPr lang="en-CA" dirty="0" smtClean="0"/>
+              <a:t>Merge – more on this shortly.</a:t>
+            </a:r>
+          </a:p>
+          <a:p>
+            <a:r>
+              <a:rPr lang="en-CA" dirty="0" smtClean="0"/>
+              <a:t>Cherry-pick – more on this shortly.</a:t>
+            </a:r>
+          </a:p>
+          <a:p>
+            <a:pPr marL="0" indent="0">
+              <a:buNone/>
+            </a:pPr>
+            <a:r>
+              <a:rPr lang="en-CA" dirty="0" smtClean="0"/>
+              <a:t>Most of the time GIT will merge/unmerge changes into your code without you having to do anything. When it cannot do so automatically, it indicates a conflict. </a:t>
+            </a:r>
+          </a:p>
+          <a:p>
+            <a:pPr marL="0" indent="0">
+              <a:buNone/>
+            </a:pPr>
+            <a:r>
+              <a:rPr lang="en-CA" dirty="0" smtClean="0"/>
+              <a:t>Conflicts simply means that you have to produce the merged version by hand and hand it over to GIT to record as the merged result.</a:t>
+            </a:r>
+          </a:p>
+          <a:p>
+            <a:endParaRPr lang="en-CA" dirty="0" smtClean="0"/>
+          </a:p>
+          <a:p>
+            <a:endParaRPr lang="en-CA" dirty="0"/>
+          </a:p>
+        </p:txBody>
+      </p:sp>
+    </p:spTree>
+    <p:extLst>
+      <p:ext uri="{BB962C8B-B14F-4D97-AF65-F5344CB8AC3E}">
+        <p14:creationId xmlns:p14="http://schemas.microsoft.com/office/powerpoint/2010/main" val="3623041083"/>
       </p:ext>
     </p:extLst>
   </p:cSld>
@@ -7205,15 +9251,9 @@
             </a:r>
             <a:r>
               <a:rPr lang="en-CA" sz="1600" dirty="0" smtClean="0"/>
-              <a:t>/Clone</a:t>
-            </a:r>
-          </a:p>
-          <a:p>
-            <a:pPr lvl="1"/>
-            <a:r>
-              <a:rPr lang="en-CA" sz="1600" dirty="0" smtClean="0"/>
-              <a:t>Add/Check-in/Check-out</a:t>
-            </a:r>
+              <a:t>/Clone/Add/Check-in/Check-out</a:t>
+            </a:r>
+            <a:endParaRPr lang="en-CA" sz="1600" dirty="0" smtClean="0"/>
           </a:p>
           <a:p>
             <a:pPr lvl="1"/>
@@ -7223,18 +9263,34 @@
             </a:r>
           </a:p>
           <a:p>
+            <a:r>
+              <a:rPr lang="en-CA" sz="1600" dirty="0" smtClean="0"/>
+              <a:t>The </a:t>
+            </a:r>
+            <a:r>
+              <a:rPr lang="en-CA" sz="1600" dirty="0"/>
+              <a:t>Merge</a:t>
+            </a:r>
+          </a:p>
+          <a:p>
             <a:pPr lvl="1"/>
             <a:r>
+              <a:rPr lang="en-CA" sz="1600" dirty="0"/>
+              <a:t>How to deal with </a:t>
+            </a:r>
+            <a:r>
               <a:rPr lang="en-CA" sz="1600" dirty="0" smtClean="0"/>
-              <a:t>Rolling back</a:t>
-            </a:r>
+              <a:t>conflicts</a:t>
+            </a:r>
+            <a:endParaRPr lang="en-CA" sz="1600" dirty="0"/>
           </a:p>
           <a:p>
             <a:pPr lvl="1"/>
             <a:r>
               <a:rPr lang="en-CA" sz="1600" dirty="0" smtClean="0"/>
-              <a:t>Where are my changes?</a:t>
-            </a:r>
+              <a:t>Rolling Back Changes</a:t>
+            </a:r>
+            <a:endParaRPr lang="en-CA" sz="1600" dirty="0" smtClean="0"/>
           </a:p>
           <a:p>
             <a:r>
@@ -7253,8 +9309,28 @@
             <a:pPr lvl="1"/>
             <a:r>
               <a:rPr lang="en-CA" sz="1600" dirty="0" smtClean="0"/>
-              <a:t>Where is my branch?</a:t>
-            </a:r>
+              <a:t>Where is my branch</a:t>
+            </a:r>
+            <a:r>
+              <a:rPr lang="en-CA" sz="1600" dirty="0" smtClean="0"/>
+              <a:t>?</a:t>
+            </a:r>
+          </a:p>
+          <a:p>
+            <a:pPr lvl="1"/>
+            <a:r>
+              <a:rPr lang="en-CA" sz="1600" dirty="0" smtClean="0"/>
+              <a:t>Merging a branch</a:t>
+            </a:r>
+            <a:endParaRPr lang="en-CA" sz="1600" dirty="0" smtClean="0"/>
+          </a:p>
+          <a:p>
+            <a:pPr lvl="1"/>
+            <a:r>
+              <a:rPr lang="en-CA" sz="1600" dirty="0" smtClean="0"/>
+              <a:t>Cherry-picking</a:t>
+            </a:r>
+            <a:endParaRPr lang="en-CA" sz="1600" dirty="0" smtClean="0"/>
           </a:p>
           <a:p>
             <a:pPr lvl="1"/>
@@ -7266,27 +9342,11 @@
           <a:p>
             <a:r>
               <a:rPr lang="en-CA" sz="1600" dirty="0" smtClean="0"/>
-              <a:t>The Merge</a:t>
-            </a:r>
-          </a:p>
-          <a:p>
-            <a:pPr lvl="1"/>
+              <a:t>How </a:t>
+            </a:r>
             <a:r>
               <a:rPr lang="en-CA" sz="1600" dirty="0" smtClean="0"/>
-              <a:t>How to deal with conflicts?</a:t>
-            </a:r>
-          </a:p>
-          <a:p>
-            <a:pPr lvl="1"/>
-            <a:r>
-              <a:rPr lang="en-CA" sz="1600" dirty="0" smtClean="0"/>
-              <a:t>Cherry-picking</a:t>
-            </a:r>
-          </a:p>
-          <a:p>
-            <a:r>
-              <a:rPr lang="en-CA" sz="1600" dirty="0" smtClean="0"/>
-              <a:t>How to manage a large application with GIT</a:t>
+              <a:t>to manage a large application with GIT</a:t>
             </a:r>
           </a:p>
           <a:p>
@@ -7305,9 +9365,10 @@
           </a:p>
           <a:p>
             <a:r>
-              <a:rPr lang="en-CA" sz="2000" dirty="0" smtClean="0"/>
-              <a:t>Anything </a:t>
-            </a:r>
+              <a:rPr lang="en-CA" sz="1600" dirty="0" smtClean="0"/>
+              <a:t>Any other topic you may be interested in?</a:t>
+            </a:r>
+            <a:endParaRPr lang="en-CA" sz="2000" dirty="0" smtClean="0"/>
           </a:p>
           <a:p>
             <a:r>
@@ -7319,7 +9380,15 @@
             <a:pPr lvl="1"/>
             <a:r>
               <a:rPr lang="en-CA" sz="1600" dirty="0" smtClean="0"/>
-              <a:t>How to operate on a native TFS repository with GIT?</a:t>
+              <a:t>How to </a:t>
+            </a:r>
+            <a:r>
+              <a:rPr lang="en-CA" sz="1600" dirty="0" smtClean="0"/>
+              <a:t>use a </a:t>
+            </a:r>
+            <a:r>
+              <a:rPr lang="en-CA" sz="1600" dirty="0" smtClean="0"/>
+              <a:t>native TFS repository with GIT?</a:t>
             </a:r>
           </a:p>
           <a:p>
@@ -7344,6 +9413,1948 @@
       </p:par>
     </p:tnLst>
   </p:timing>
+</p:sld>
+</file>
+
+<file path=ppt/slides/slide20.xml><?xml version="1.0" encoding="utf-8"?>
+<p:sld xmlns:a="http://schemas.openxmlformats.org/drawingml/2006/main" xmlns:r="http://schemas.openxmlformats.org/officeDocument/2006/relationships" xmlns:p="http://schemas.openxmlformats.org/presentationml/2006/main">
+  <p:cSld>
+    <p:spTree>
+      <p:nvGrpSpPr>
+        <p:cNvPr id="1" name=""/>
+        <p:cNvGrpSpPr/>
+        <p:nvPr/>
+      </p:nvGrpSpPr>
+      <p:grpSpPr>
+        <a:xfrm>
+          <a:off x="0" y="0"/>
+          <a:ext cx="0" cy="0"/>
+          <a:chOff x="0" y="0"/>
+          <a:chExt cx="0" cy="0"/>
+        </a:xfrm>
+      </p:grpSpPr>
+      <p:sp>
+        <p:nvSpPr>
+          <p:cNvPr id="2" name="Title 1"/>
+          <p:cNvSpPr>
+            <a:spLocks noGrp="1"/>
+          </p:cNvSpPr>
+          <p:nvPr>
+            <p:ph type="title"/>
+          </p:nvPr>
+        </p:nvSpPr>
+        <p:spPr/>
+        <p:txBody>
+          <a:bodyPr/>
+          <a:lstStyle/>
+          <a:p>
+            <a:r>
+              <a:rPr lang="en-CA" dirty="0" smtClean="0"/>
+              <a:t>HOW TO DEAL WITH CONFLICTS</a:t>
+            </a:r>
+            <a:endParaRPr lang="en-CA" dirty="0"/>
+          </a:p>
+        </p:txBody>
+      </p:sp>
+      <p:sp>
+        <p:nvSpPr>
+          <p:cNvPr id="3" name="Content Placeholder 2"/>
+          <p:cNvSpPr>
+            <a:spLocks noGrp="1"/>
+          </p:cNvSpPr>
+          <p:nvPr>
+            <p:ph idx="1"/>
+          </p:nvPr>
+        </p:nvSpPr>
+        <p:spPr/>
+        <p:txBody>
+          <a:bodyPr>
+            <a:normAutofit/>
+          </a:bodyPr>
+          <a:lstStyle/>
+          <a:p>
+            <a:pPr marL="0" indent="0">
+              <a:buNone/>
+            </a:pPr>
+            <a:r>
+              <a:rPr lang="en-CA" sz="2000" dirty="0" smtClean="0">
+                <a:latin typeface="+mj-lt"/>
+                <a:cs typeface="Courier New" panose="02070309020205020404" pitchFamily="49" charset="0"/>
+              </a:rPr>
+              <a:t>How to read GIT’s diff format:</a:t>
+            </a:r>
+          </a:p>
+          <a:p>
+            <a:pPr marL="0" indent="0">
+              <a:buNone/>
+            </a:pPr>
+            <a:endParaRPr lang="en-CA" sz="2000" dirty="0">
+              <a:latin typeface="Courier New" panose="02070309020205020404" pitchFamily="49" charset="0"/>
+              <a:cs typeface="Courier New" panose="02070309020205020404" pitchFamily="49" charset="0"/>
+            </a:endParaRPr>
+          </a:p>
+          <a:p>
+            <a:pPr marL="0" indent="0">
+              <a:buNone/>
+            </a:pPr>
+            <a:r>
+              <a:rPr lang="en-CA" sz="2000" dirty="0" smtClean="0">
+                <a:latin typeface="Courier New" panose="02070309020205020404" pitchFamily="49" charset="0"/>
+                <a:cs typeface="Courier New" panose="02070309020205020404" pitchFamily="49" charset="0"/>
+              </a:rPr>
+              <a:t>"</a:t>
+            </a:r>
+            <a:r>
+              <a:rPr lang="en-CA" sz="2000" dirty="0">
+                <a:latin typeface="Courier New" panose="02070309020205020404" pitchFamily="49" charset="0"/>
+                <a:cs typeface="Courier New" panose="02070309020205020404" pitchFamily="49" charset="0"/>
+              </a:rPr>
+              <a:t>Test"</a:t>
+            </a:r>
+          </a:p>
+          <a:p>
+            <a:pPr marL="0" indent="0">
+              <a:buNone/>
+            </a:pPr>
+            <a:r>
+              <a:rPr lang="en-CA" sz="2000" dirty="0">
+                <a:latin typeface="Courier New" panose="02070309020205020404" pitchFamily="49" charset="0"/>
+                <a:cs typeface="Courier New" panose="02070309020205020404" pitchFamily="49" charset="0"/>
+              </a:rPr>
+              <a:t>&lt;&lt;&lt;&lt;&lt;&lt;&lt; HEAD</a:t>
+            </a:r>
+          </a:p>
+          <a:p>
+            <a:pPr marL="0" indent="0">
+              <a:buNone/>
+            </a:pPr>
+            <a:endParaRPr lang="en-CA" sz="2000" dirty="0">
+              <a:latin typeface="Courier New" panose="02070309020205020404" pitchFamily="49" charset="0"/>
+              <a:cs typeface="Courier New" panose="02070309020205020404" pitchFamily="49" charset="0"/>
+            </a:endParaRPr>
+          </a:p>
+          <a:p>
+            <a:pPr marL="0" indent="0">
+              <a:buNone/>
+            </a:pPr>
+            <a:r>
+              <a:rPr lang="en-CA" sz="2000" dirty="0">
+                <a:latin typeface="Courier New" panose="02070309020205020404" pitchFamily="49" charset="0"/>
+                <a:cs typeface="Courier New" panose="02070309020205020404" pitchFamily="49" charset="0"/>
+              </a:rPr>
+              <a:t>Change incompatibly.</a:t>
+            </a:r>
+          </a:p>
+          <a:p>
+            <a:pPr marL="0" indent="0">
+              <a:buNone/>
+            </a:pPr>
+            <a:r>
+              <a:rPr lang="en-CA" sz="2000" dirty="0">
+                <a:latin typeface="Courier New" panose="02070309020205020404" pitchFamily="49" charset="0"/>
+                <a:cs typeface="Courier New" panose="02070309020205020404" pitchFamily="49" charset="0"/>
+              </a:rPr>
+              <a:t>=======</a:t>
+            </a:r>
+          </a:p>
+          <a:p>
+            <a:pPr marL="0" indent="0">
+              <a:buNone/>
+            </a:pPr>
+            <a:r>
+              <a:rPr lang="en-CA" sz="2000" dirty="0">
+                <a:latin typeface="Courier New" panose="02070309020205020404" pitchFamily="49" charset="0"/>
+                <a:cs typeface="Courier New" panose="02070309020205020404" pitchFamily="49" charset="0"/>
+              </a:rPr>
+              <a:t>test again</a:t>
+            </a:r>
+          </a:p>
+          <a:p>
+            <a:pPr marL="0" indent="0">
+              <a:buNone/>
+            </a:pPr>
+            <a:r>
+              <a:rPr lang="en-CA" sz="2000" dirty="0">
+                <a:latin typeface="Courier New" panose="02070309020205020404" pitchFamily="49" charset="0"/>
+                <a:cs typeface="Courier New" panose="02070309020205020404" pitchFamily="49" charset="0"/>
+              </a:rPr>
+              <a:t>&gt;&gt;&gt;&gt;&gt;&gt;&gt; c0cbc0dd74f18d29a04ffcf7af8dc13eb4ec9bb0</a:t>
+            </a:r>
+          </a:p>
+        </p:txBody>
+      </p:sp>
+      <p:cxnSp>
+        <p:nvCxnSpPr>
+          <p:cNvPr id="5" name="Straight Arrow Connector 4"/>
+          <p:cNvCxnSpPr/>
+          <p:nvPr/>
+        </p:nvCxnSpPr>
+        <p:spPr>
+          <a:xfrm flipH="1">
+            <a:off x="2473834" y="2852936"/>
+            <a:ext cx="1296144" cy="54006"/>
+          </a:xfrm>
+          <a:prstGeom prst="straightConnector1">
+            <a:avLst/>
+          </a:prstGeom>
+          <a:ln w="44450">
+            <a:tailEnd type="arrow"/>
+          </a:ln>
+        </p:spPr>
+        <p:style>
+          <a:lnRef idx="1">
+            <a:schemeClr val="accent1"/>
+          </a:lnRef>
+          <a:fillRef idx="0">
+            <a:schemeClr val="accent1"/>
+          </a:fillRef>
+          <a:effectRef idx="0">
+            <a:schemeClr val="accent1"/>
+          </a:effectRef>
+          <a:fontRef idx="minor">
+            <a:schemeClr val="tx1"/>
+          </a:fontRef>
+        </p:style>
+      </p:cxnSp>
+      <p:sp>
+        <p:nvSpPr>
+          <p:cNvPr id="7" name="TextBox 6"/>
+          <p:cNvSpPr txBox="1"/>
+          <p:nvPr/>
+        </p:nvSpPr>
+        <p:spPr>
+          <a:xfrm>
+            <a:off x="3786703" y="2556773"/>
+            <a:ext cx="4621458" cy="646331"/>
+          </a:xfrm>
+          <a:prstGeom prst="rect">
+            <a:avLst/>
+          </a:prstGeom>
+          <a:noFill/>
+        </p:spPr>
+        <p:txBody>
+          <a:bodyPr wrap="none" rtlCol="0">
+            <a:spAutoFit/>
+          </a:bodyPr>
+          <a:lstStyle/>
+          <a:p>
+            <a:r>
+              <a:rPr lang="en-CA" b="1" dirty="0" smtClean="0"/>
+              <a:t>Conflict area begins. HEAD is the head pointer </a:t>
+            </a:r>
+          </a:p>
+          <a:p>
+            <a:r>
+              <a:rPr lang="en-CA" b="1" dirty="0" smtClean="0"/>
+              <a:t>of your repository.  Your version is on top.</a:t>
+            </a:r>
+            <a:endParaRPr lang="en-CA" b="1" dirty="0"/>
+          </a:p>
+        </p:txBody>
+      </p:sp>
+      <p:cxnSp>
+        <p:nvCxnSpPr>
+          <p:cNvPr id="10" name="Straight Arrow Connector 9"/>
+          <p:cNvCxnSpPr/>
+          <p:nvPr/>
+        </p:nvCxnSpPr>
+        <p:spPr>
+          <a:xfrm flipH="1">
+            <a:off x="1691680" y="4005064"/>
+            <a:ext cx="1296144" cy="0"/>
+          </a:xfrm>
+          <a:prstGeom prst="straightConnector1">
+            <a:avLst/>
+          </a:prstGeom>
+          <a:ln w="44450">
+            <a:tailEnd type="arrow"/>
+          </a:ln>
+        </p:spPr>
+        <p:style>
+          <a:lnRef idx="1">
+            <a:schemeClr val="accent1"/>
+          </a:lnRef>
+          <a:fillRef idx="0">
+            <a:schemeClr val="accent1"/>
+          </a:fillRef>
+          <a:effectRef idx="0">
+            <a:schemeClr val="accent1"/>
+          </a:effectRef>
+          <a:fontRef idx="minor">
+            <a:schemeClr val="tx1"/>
+          </a:fontRef>
+        </p:style>
+      </p:cxnSp>
+      <p:sp>
+        <p:nvSpPr>
+          <p:cNvPr id="12" name="TextBox 11"/>
+          <p:cNvSpPr txBox="1"/>
+          <p:nvPr/>
+        </p:nvSpPr>
+        <p:spPr>
+          <a:xfrm>
+            <a:off x="3121906" y="3820398"/>
+            <a:ext cx="5286255" cy="369332"/>
+          </a:xfrm>
+          <a:prstGeom prst="rect">
+            <a:avLst/>
+          </a:prstGeom>
+          <a:noFill/>
+        </p:spPr>
+        <p:txBody>
+          <a:bodyPr wrap="none" rtlCol="0">
+            <a:spAutoFit/>
+          </a:bodyPr>
+          <a:lstStyle/>
+          <a:p>
+            <a:r>
+              <a:rPr lang="en-CA" b="1" dirty="0" smtClean="0"/>
+              <a:t>This is a separator. The remote version begins after it.</a:t>
+            </a:r>
+            <a:endParaRPr lang="en-CA" b="1" dirty="0"/>
+          </a:p>
+        </p:txBody>
+      </p:sp>
+      <p:cxnSp>
+        <p:nvCxnSpPr>
+          <p:cNvPr id="13" name="Straight Arrow Connector 12"/>
+          <p:cNvCxnSpPr/>
+          <p:nvPr/>
+        </p:nvCxnSpPr>
+        <p:spPr>
+          <a:xfrm flipH="1" flipV="1">
+            <a:off x="1385474" y="4939427"/>
+            <a:ext cx="1143744" cy="288032"/>
+          </a:xfrm>
+          <a:prstGeom prst="straightConnector1">
+            <a:avLst/>
+          </a:prstGeom>
+          <a:ln w="44450">
+            <a:tailEnd type="arrow"/>
+          </a:ln>
+        </p:spPr>
+        <p:style>
+          <a:lnRef idx="1">
+            <a:schemeClr val="accent1"/>
+          </a:lnRef>
+          <a:fillRef idx="0">
+            <a:schemeClr val="accent1"/>
+          </a:fillRef>
+          <a:effectRef idx="0">
+            <a:schemeClr val="accent1"/>
+          </a:effectRef>
+          <a:fontRef idx="minor">
+            <a:schemeClr val="tx1"/>
+          </a:fontRef>
+        </p:style>
+      </p:cxnSp>
+      <p:sp>
+        <p:nvSpPr>
+          <p:cNvPr id="15" name="TextBox 14"/>
+          <p:cNvSpPr txBox="1"/>
+          <p:nvPr/>
+        </p:nvSpPr>
+        <p:spPr>
+          <a:xfrm>
+            <a:off x="2529218" y="5083443"/>
+            <a:ext cx="5642763" cy="646331"/>
+          </a:xfrm>
+          <a:prstGeom prst="rect">
+            <a:avLst/>
+          </a:prstGeom>
+          <a:noFill/>
+        </p:spPr>
+        <p:txBody>
+          <a:bodyPr wrap="none" rtlCol="0">
+            <a:spAutoFit/>
+          </a:bodyPr>
+          <a:lstStyle/>
+          <a:p>
+            <a:r>
+              <a:rPr lang="en-CA" b="1" dirty="0" smtClean="0"/>
+              <a:t>The conflict area ends. The big number is the GUID of the</a:t>
+            </a:r>
+          </a:p>
+          <a:p>
+            <a:r>
+              <a:rPr lang="en-CA" b="1" dirty="0"/>
+              <a:t>r</a:t>
+            </a:r>
+            <a:r>
+              <a:rPr lang="en-CA" b="1" dirty="0" smtClean="0"/>
+              <a:t>emote </a:t>
+            </a:r>
+            <a:r>
+              <a:rPr lang="en-CA" b="1" dirty="0" err="1" smtClean="0"/>
+              <a:t>changeset</a:t>
+            </a:r>
+            <a:r>
+              <a:rPr lang="en-CA" b="1" dirty="0" smtClean="0"/>
+              <a:t> you are conflicting with.</a:t>
+            </a:r>
+            <a:endParaRPr lang="en-CA" b="1" dirty="0"/>
+          </a:p>
+        </p:txBody>
+      </p:sp>
+    </p:spTree>
+    <p:extLst>
+      <p:ext uri="{BB962C8B-B14F-4D97-AF65-F5344CB8AC3E}">
+        <p14:creationId xmlns:p14="http://schemas.microsoft.com/office/powerpoint/2010/main" val="267809297"/>
+      </p:ext>
+    </p:extLst>
+  </p:cSld>
+  <p:clrMapOvr>
+    <a:masterClrMapping/>
+  </p:clrMapOvr>
+</p:sld>
+</file>
+
+<file path=ppt/slides/slide21.xml><?xml version="1.0" encoding="utf-8"?>
+<p:sld xmlns:a="http://schemas.openxmlformats.org/drawingml/2006/main" xmlns:r="http://schemas.openxmlformats.org/officeDocument/2006/relationships" xmlns:p="http://schemas.openxmlformats.org/presentationml/2006/main">
+  <p:cSld>
+    <p:spTree>
+      <p:nvGrpSpPr>
+        <p:cNvPr id="1" name=""/>
+        <p:cNvGrpSpPr/>
+        <p:nvPr/>
+      </p:nvGrpSpPr>
+      <p:grpSpPr>
+        <a:xfrm>
+          <a:off x="0" y="0"/>
+          <a:ext cx="0" cy="0"/>
+          <a:chOff x="0" y="0"/>
+          <a:chExt cx="0" cy="0"/>
+        </a:xfrm>
+      </p:grpSpPr>
+      <p:sp>
+        <p:nvSpPr>
+          <p:cNvPr id="2" name="Title 1"/>
+          <p:cNvSpPr>
+            <a:spLocks noGrp="1"/>
+          </p:cNvSpPr>
+          <p:nvPr>
+            <p:ph type="title"/>
+          </p:nvPr>
+        </p:nvSpPr>
+        <p:spPr/>
+        <p:txBody>
+          <a:bodyPr/>
+          <a:lstStyle/>
+          <a:p>
+            <a:r>
+              <a:rPr lang="en-CA" dirty="0" smtClean="0"/>
+              <a:t>HOW TO DEAL WITH CONFLICTS</a:t>
+            </a:r>
+            <a:endParaRPr lang="en-CA" dirty="0"/>
+          </a:p>
+        </p:txBody>
+      </p:sp>
+      <p:sp>
+        <p:nvSpPr>
+          <p:cNvPr id="3" name="Content Placeholder 2"/>
+          <p:cNvSpPr>
+            <a:spLocks noGrp="1"/>
+          </p:cNvSpPr>
+          <p:nvPr>
+            <p:ph idx="1"/>
+          </p:nvPr>
+        </p:nvSpPr>
+        <p:spPr/>
+        <p:txBody>
+          <a:bodyPr/>
+          <a:lstStyle/>
+          <a:p>
+            <a:pPr marL="0" indent="0">
+              <a:buNone/>
+            </a:pPr>
+            <a:r>
+              <a:rPr lang="en-CA" dirty="0" smtClean="0"/>
+              <a:t>Alternatively, you can get GIT Extensions to work with </a:t>
+            </a:r>
+            <a:r>
+              <a:rPr lang="en-CA" dirty="0" err="1" smtClean="0"/>
+              <a:t>WinMerge</a:t>
+            </a:r>
+            <a:r>
+              <a:rPr lang="en-CA" dirty="0" smtClean="0"/>
+              <a:t>:</a:t>
+            </a:r>
+          </a:p>
+          <a:p>
+            <a:pPr marL="0" indent="0">
+              <a:buNone/>
+            </a:pPr>
+            <a:r>
+              <a:rPr lang="en-CA" dirty="0" smtClean="0">
+                <a:hlinkClick r:id="rId3"/>
+              </a:rPr>
+              <a:t>http</a:t>
+            </a:r>
+            <a:r>
+              <a:rPr lang="en-CA" dirty="0">
+                <a:hlinkClick r:id="rId3"/>
+              </a:rPr>
+              <a:t>://</a:t>
+            </a:r>
+            <a:r>
+              <a:rPr lang="en-CA" dirty="0" smtClean="0">
+                <a:hlinkClick r:id="rId3"/>
+              </a:rPr>
+              <a:t>stackoverflow.com/questions/2468230/how-to-use-winmerge-with-git-extensions</a:t>
+            </a:r>
+            <a:endParaRPr lang="en-CA" dirty="0" smtClean="0"/>
+          </a:p>
+          <a:p>
+            <a:pPr marL="0" indent="0">
+              <a:buNone/>
+            </a:pPr>
+            <a:endParaRPr lang="en-CA" dirty="0" smtClean="0"/>
+          </a:p>
+          <a:p>
+            <a:pPr marL="0" indent="0">
+              <a:buNone/>
+            </a:pPr>
+            <a:r>
+              <a:rPr lang="en-CA" dirty="0" smtClean="0"/>
+              <a:t>Or, you can just use </a:t>
+            </a:r>
+            <a:r>
+              <a:rPr lang="en-CA" dirty="0" err="1" smtClean="0"/>
+              <a:t>TortoiseGIT</a:t>
+            </a:r>
+            <a:r>
+              <a:rPr lang="en-CA" dirty="0" smtClean="0"/>
+              <a:t>, which does the same.</a:t>
+            </a:r>
+            <a:endParaRPr lang="en-CA" dirty="0"/>
+          </a:p>
+        </p:txBody>
+      </p:sp>
+    </p:spTree>
+    <p:extLst>
+      <p:ext uri="{BB962C8B-B14F-4D97-AF65-F5344CB8AC3E}">
+        <p14:creationId xmlns:p14="http://schemas.microsoft.com/office/powerpoint/2010/main" val="1606523296"/>
+      </p:ext>
+    </p:extLst>
+  </p:cSld>
+  <p:clrMapOvr>
+    <a:masterClrMapping/>
+  </p:clrMapOvr>
+</p:sld>
+</file>
+
+<file path=ppt/slides/slide22.xml><?xml version="1.0" encoding="utf-8"?>
+<p:sld xmlns:a="http://schemas.openxmlformats.org/drawingml/2006/main" xmlns:r="http://schemas.openxmlformats.org/officeDocument/2006/relationships" xmlns:p="http://schemas.openxmlformats.org/presentationml/2006/main">
+  <p:cSld>
+    <p:spTree>
+      <p:nvGrpSpPr>
+        <p:cNvPr id="1" name=""/>
+        <p:cNvGrpSpPr/>
+        <p:nvPr/>
+      </p:nvGrpSpPr>
+      <p:grpSpPr>
+        <a:xfrm>
+          <a:off x="0" y="0"/>
+          <a:ext cx="0" cy="0"/>
+          <a:chOff x="0" y="0"/>
+          <a:chExt cx="0" cy="0"/>
+        </a:xfrm>
+      </p:grpSpPr>
+      <p:sp>
+        <p:nvSpPr>
+          <p:cNvPr id="2" name="Title 1"/>
+          <p:cNvSpPr>
+            <a:spLocks noGrp="1"/>
+          </p:cNvSpPr>
+          <p:nvPr>
+            <p:ph type="title"/>
+          </p:nvPr>
+        </p:nvSpPr>
+        <p:spPr/>
+        <p:txBody>
+          <a:bodyPr/>
+          <a:lstStyle/>
+          <a:p>
+            <a:r>
+              <a:rPr lang="en-CA" dirty="0" smtClean="0"/>
+              <a:t>ROLLING BACK CHANGES</a:t>
+            </a:r>
+            <a:endParaRPr lang="en-CA" dirty="0"/>
+          </a:p>
+        </p:txBody>
+      </p:sp>
+      <p:sp>
+        <p:nvSpPr>
+          <p:cNvPr id="3" name="Content Placeholder 2"/>
+          <p:cNvSpPr>
+            <a:spLocks noGrp="1"/>
+          </p:cNvSpPr>
+          <p:nvPr>
+            <p:ph idx="1"/>
+          </p:nvPr>
+        </p:nvSpPr>
+        <p:spPr/>
+        <p:txBody>
+          <a:bodyPr>
+            <a:normAutofit fontScale="77500" lnSpcReduction="20000"/>
+          </a:bodyPr>
+          <a:lstStyle/>
+          <a:p>
+            <a:pPr marL="0" indent="0">
+              <a:buNone/>
+            </a:pPr>
+            <a:r>
+              <a:rPr lang="en-CA" dirty="0" smtClean="0"/>
+              <a:t>Two cases:</a:t>
+            </a:r>
+          </a:p>
+          <a:p>
+            <a:r>
+              <a:rPr lang="en-CA" dirty="0" smtClean="0"/>
+              <a:t>You have created one or more commits, but have not pushed: look up the commit GUID you want to roll back to and hard-reset your repository’s HEAD pointer to there.</a:t>
+            </a:r>
+          </a:p>
+          <a:p>
+            <a:pPr marL="400050" lvl="1" indent="0">
+              <a:buNone/>
+            </a:pPr>
+            <a:r>
+              <a:rPr lang="en-CA" dirty="0" smtClean="0"/>
+              <a:t>	</a:t>
+            </a:r>
+            <a:r>
+              <a:rPr lang="en-CA" dirty="0" smtClean="0">
+                <a:latin typeface="Courier New" panose="02070309020205020404" pitchFamily="49" charset="0"/>
+                <a:cs typeface="Courier New" panose="02070309020205020404" pitchFamily="49" charset="0"/>
+              </a:rPr>
+              <a:t>git </a:t>
+            </a:r>
+            <a:r>
+              <a:rPr lang="en-CA" dirty="0">
+                <a:latin typeface="Courier New" panose="02070309020205020404" pitchFamily="49" charset="0"/>
+                <a:cs typeface="Courier New" panose="02070309020205020404" pitchFamily="49" charset="0"/>
+              </a:rPr>
+              <a:t>reset --hard </a:t>
+            </a:r>
+            <a:r>
+              <a:rPr lang="en-CA" dirty="0" smtClean="0">
+                <a:latin typeface="Courier New" panose="02070309020205020404" pitchFamily="49" charset="0"/>
+                <a:cs typeface="Courier New" panose="02070309020205020404" pitchFamily="49" charset="0"/>
+              </a:rPr>
+              <a:t> &lt;</a:t>
+            </a:r>
+            <a:r>
+              <a:rPr lang="en-CA" dirty="0" err="1" smtClean="0">
+                <a:latin typeface="Courier New" panose="02070309020205020404" pitchFamily="49" charset="0"/>
+                <a:cs typeface="Courier New" panose="02070309020205020404" pitchFamily="49" charset="0"/>
+              </a:rPr>
+              <a:t>guid</a:t>
+            </a:r>
+            <a:r>
+              <a:rPr lang="en-CA" dirty="0" smtClean="0">
+                <a:latin typeface="Courier New" panose="02070309020205020404" pitchFamily="49" charset="0"/>
+                <a:cs typeface="Courier New" panose="02070309020205020404" pitchFamily="49" charset="0"/>
+              </a:rPr>
+              <a:t>&gt;</a:t>
+            </a:r>
+          </a:p>
+          <a:p>
+            <a:r>
+              <a:rPr lang="en-CA" dirty="0" smtClean="0"/>
+              <a:t>You have created one or more commits and have pushed them to remote: in addition, you have to do a “forced push”, that is a push operation which rewrites the repository history.</a:t>
+            </a:r>
+          </a:p>
+          <a:p>
+            <a:pPr marL="914400" lvl="2" indent="0">
+              <a:buNone/>
+            </a:pPr>
+            <a:r>
+              <a:rPr lang="en-CA" sz="2800" dirty="0" smtClean="0">
+                <a:latin typeface="Courier New" panose="02070309020205020404" pitchFamily="49" charset="0"/>
+                <a:cs typeface="Courier New" panose="02070309020205020404" pitchFamily="49" charset="0"/>
+              </a:rPr>
+              <a:t>git push –-force &lt;branch&gt;</a:t>
+            </a:r>
+          </a:p>
+          <a:p>
+            <a:pPr marL="0" indent="0">
+              <a:buNone/>
+            </a:pPr>
+            <a:r>
+              <a:rPr lang="en-CA" dirty="0" smtClean="0"/>
+              <a:t>Needless to say, these are administrative commands to be used sparingly and with great care. This is altering the history of the repository.</a:t>
+            </a:r>
+          </a:p>
+        </p:txBody>
+      </p:sp>
+    </p:spTree>
+    <p:extLst>
+      <p:ext uri="{BB962C8B-B14F-4D97-AF65-F5344CB8AC3E}">
+        <p14:creationId xmlns:p14="http://schemas.microsoft.com/office/powerpoint/2010/main" val="2534228190"/>
+      </p:ext>
+    </p:extLst>
+  </p:cSld>
+  <p:clrMapOvr>
+    <a:masterClrMapping/>
+  </p:clrMapOvr>
+</p:sld>
+</file>
+
+<file path=ppt/slides/slide23.xml><?xml version="1.0" encoding="utf-8"?>
+<p:sld xmlns:a="http://schemas.openxmlformats.org/drawingml/2006/main" xmlns:r="http://schemas.openxmlformats.org/officeDocument/2006/relationships" xmlns:p="http://schemas.openxmlformats.org/presentationml/2006/main">
+  <p:cSld>
+    <p:spTree>
+      <p:nvGrpSpPr>
+        <p:cNvPr id="1" name=""/>
+        <p:cNvGrpSpPr/>
+        <p:nvPr/>
+      </p:nvGrpSpPr>
+      <p:grpSpPr>
+        <a:xfrm>
+          <a:off x="0" y="0"/>
+          <a:ext cx="0" cy="0"/>
+          <a:chOff x="0" y="0"/>
+          <a:chExt cx="0" cy="0"/>
+        </a:xfrm>
+      </p:grpSpPr>
+      <p:sp>
+        <p:nvSpPr>
+          <p:cNvPr id="2" name="Title 1"/>
+          <p:cNvSpPr>
+            <a:spLocks noGrp="1"/>
+          </p:cNvSpPr>
+          <p:nvPr>
+            <p:ph type="title"/>
+          </p:nvPr>
+        </p:nvSpPr>
+        <p:spPr/>
+        <p:txBody>
+          <a:bodyPr/>
+          <a:lstStyle/>
+          <a:p>
+            <a:r>
+              <a:rPr lang="en-CA" dirty="0" smtClean="0"/>
+              <a:t>BRANCHING AND TAGGING</a:t>
+            </a:r>
+            <a:endParaRPr lang="en-CA" dirty="0"/>
+          </a:p>
+        </p:txBody>
+      </p:sp>
+      <p:sp>
+        <p:nvSpPr>
+          <p:cNvPr id="3" name="Text Placeholder 2"/>
+          <p:cNvSpPr>
+            <a:spLocks noGrp="1"/>
+          </p:cNvSpPr>
+          <p:nvPr>
+            <p:ph type="body" idx="1"/>
+          </p:nvPr>
+        </p:nvSpPr>
+        <p:spPr/>
+        <p:txBody>
+          <a:bodyPr/>
+          <a:lstStyle/>
+          <a:p>
+            <a:endParaRPr lang="en-CA"/>
+          </a:p>
+        </p:txBody>
+      </p:sp>
+    </p:spTree>
+    <p:extLst>
+      <p:ext uri="{BB962C8B-B14F-4D97-AF65-F5344CB8AC3E}">
+        <p14:creationId xmlns:p14="http://schemas.microsoft.com/office/powerpoint/2010/main" val="1425119755"/>
+      </p:ext>
+    </p:extLst>
+  </p:cSld>
+  <p:clrMapOvr>
+    <a:masterClrMapping/>
+  </p:clrMapOvr>
+  <p:timing>
+    <p:tnLst>
+      <p:par>
+        <p:cTn id="1" dur="indefinite" restart="never" nodeType="tmRoot"/>
+      </p:par>
+    </p:tnLst>
+  </p:timing>
+</p:sld>
+</file>
+
+<file path=ppt/slides/slide24.xml><?xml version="1.0" encoding="utf-8"?>
+<p:sld xmlns:a="http://schemas.openxmlformats.org/drawingml/2006/main" xmlns:r="http://schemas.openxmlformats.org/officeDocument/2006/relationships" xmlns:p="http://schemas.openxmlformats.org/presentationml/2006/main">
+  <p:cSld>
+    <p:spTree>
+      <p:nvGrpSpPr>
+        <p:cNvPr id="1" name=""/>
+        <p:cNvGrpSpPr/>
+        <p:nvPr/>
+      </p:nvGrpSpPr>
+      <p:grpSpPr>
+        <a:xfrm>
+          <a:off x="0" y="0"/>
+          <a:ext cx="0" cy="0"/>
+          <a:chOff x="0" y="0"/>
+          <a:chExt cx="0" cy="0"/>
+        </a:xfrm>
+      </p:grpSpPr>
+      <p:cxnSp>
+        <p:nvCxnSpPr>
+          <p:cNvPr id="12" name="Elbow Connector 11"/>
+          <p:cNvCxnSpPr/>
+          <p:nvPr/>
+        </p:nvCxnSpPr>
+        <p:spPr>
+          <a:xfrm flipV="1">
+            <a:off x="1619672" y="1484784"/>
+            <a:ext cx="3780420" cy="2053952"/>
+          </a:xfrm>
+          <a:prstGeom prst="bentConnector3">
+            <a:avLst>
+              <a:gd name="adj1" fmla="val 100145"/>
+            </a:avLst>
+          </a:prstGeom>
+          <a:ln w="44450">
+            <a:tailEnd type="arrow"/>
+          </a:ln>
+        </p:spPr>
+        <p:style>
+          <a:lnRef idx="1">
+            <a:schemeClr val="accent1"/>
+          </a:lnRef>
+          <a:fillRef idx="0">
+            <a:schemeClr val="accent1"/>
+          </a:fillRef>
+          <a:effectRef idx="0">
+            <a:schemeClr val="accent1"/>
+          </a:effectRef>
+          <a:fontRef idx="minor">
+            <a:schemeClr val="tx1"/>
+          </a:fontRef>
+        </p:style>
+      </p:cxnSp>
+      <p:cxnSp>
+        <p:nvCxnSpPr>
+          <p:cNvPr id="10" name="Straight Arrow Connector 9"/>
+          <p:cNvCxnSpPr/>
+          <p:nvPr/>
+        </p:nvCxnSpPr>
+        <p:spPr>
+          <a:xfrm flipH="1" flipV="1">
+            <a:off x="1619672" y="1412776"/>
+            <a:ext cx="108012" cy="5184576"/>
+          </a:xfrm>
+          <a:prstGeom prst="straightConnector1">
+            <a:avLst/>
+          </a:prstGeom>
+          <a:ln w="44450">
+            <a:tailEnd type="arrow"/>
+          </a:ln>
+        </p:spPr>
+        <p:style>
+          <a:lnRef idx="1">
+            <a:schemeClr val="accent1"/>
+          </a:lnRef>
+          <a:fillRef idx="0">
+            <a:schemeClr val="accent1"/>
+          </a:fillRef>
+          <a:effectRef idx="0">
+            <a:schemeClr val="accent1"/>
+          </a:effectRef>
+          <a:fontRef idx="minor">
+            <a:schemeClr val="tx1"/>
+          </a:fontRef>
+        </p:style>
+      </p:cxnSp>
+      <p:sp>
+        <p:nvSpPr>
+          <p:cNvPr id="2" name="Title 1"/>
+          <p:cNvSpPr>
+            <a:spLocks noGrp="1"/>
+          </p:cNvSpPr>
+          <p:nvPr>
+            <p:ph type="title"/>
+          </p:nvPr>
+        </p:nvSpPr>
+        <p:spPr/>
+        <p:txBody>
+          <a:bodyPr/>
+          <a:lstStyle/>
+          <a:p>
+            <a:r>
+              <a:rPr lang="en-CA" dirty="0" smtClean="0"/>
+              <a:t>WHAT IS A GIT BRANCH?</a:t>
+            </a:r>
+            <a:endParaRPr lang="en-CA" dirty="0"/>
+          </a:p>
+        </p:txBody>
+      </p:sp>
+      <p:sp>
+        <p:nvSpPr>
+          <p:cNvPr id="3" name="Content Placeholder 2"/>
+          <p:cNvSpPr>
+            <a:spLocks noGrp="1"/>
+          </p:cNvSpPr>
+          <p:nvPr>
+            <p:ph idx="1"/>
+          </p:nvPr>
+        </p:nvSpPr>
+        <p:spPr>
+          <a:xfrm>
+            <a:off x="3203848" y="3861048"/>
+            <a:ext cx="5781328" cy="2221707"/>
+          </a:xfrm>
+        </p:spPr>
+        <p:txBody>
+          <a:bodyPr>
+            <a:normAutofit fontScale="85000" lnSpcReduction="10000"/>
+          </a:bodyPr>
+          <a:lstStyle/>
+          <a:p>
+            <a:pPr marL="0" indent="0">
+              <a:buNone/>
+            </a:pPr>
+            <a:r>
+              <a:rPr lang="en-CA" dirty="0" smtClean="0"/>
+              <a:t>A GIT branch is simply a pointer to a </a:t>
+            </a:r>
+            <a:r>
+              <a:rPr lang="en-CA" dirty="0" err="1" smtClean="0"/>
+              <a:t>changeset</a:t>
+            </a:r>
+            <a:r>
+              <a:rPr lang="en-CA" dirty="0"/>
+              <a:t> </a:t>
+            </a:r>
+            <a:r>
+              <a:rPr lang="en-CA" dirty="0" smtClean="0"/>
+              <a:t>that allows you to append additional </a:t>
+            </a:r>
+            <a:r>
+              <a:rPr lang="en-CA" dirty="0" err="1" smtClean="0"/>
+              <a:t>changesets</a:t>
+            </a:r>
+            <a:r>
+              <a:rPr lang="en-CA" dirty="0" smtClean="0"/>
+              <a:t> at that point. This allows you to “branch” your otherwise very linear </a:t>
+            </a:r>
+            <a:r>
+              <a:rPr lang="en-CA" dirty="0" err="1" smtClean="0"/>
+              <a:t>changeset</a:t>
+            </a:r>
+            <a:r>
+              <a:rPr lang="en-CA" dirty="0" smtClean="0"/>
+              <a:t> structure.</a:t>
+            </a:r>
+          </a:p>
+        </p:txBody>
+      </p:sp>
+      <p:sp>
+        <p:nvSpPr>
+          <p:cNvPr id="4" name="Trapezoid 3"/>
+          <p:cNvSpPr/>
+          <p:nvPr/>
+        </p:nvSpPr>
+        <p:spPr>
+          <a:xfrm>
+            <a:off x="467544" y="5190404"/>
+            <a:ext cx="2520280" cy="1152128"/>
+          </a:xfrm>
+          <a:prstGeom prst="trapezoid">
+            <a:avLst/>
+          </a:prstGeom>
+        </p:spPr>
+        <p:style>
+          <a:lnRef idx="2">
+            <a:schemeClr val="accent1">
+              <a:shade val="50000"/>
+            </a:schemeClr>
+          </a:lnRef>
+          <a:fillRef idx="1">
+            <a:schemeClr val="accent1"/>
+          </a:fillRef>
+          <a:effectRef idx="0">
+            <a:schemeClr val="accent1"/>
+          </a:effectRef>
+          <a:fontRef idx="minor">
+            <a:schemeClr val="lt1"/>
+          </a:fontRef>
+        </p:style>
+        <p:txBody>
+          <a:bodyPr rtlCol="0" anchor="ctr"/>
+          <a:lstStyle/>
+          <a:p>
+            <a:r>
+              <a:rPr lang="en-CA" dirty="0" smtClean="0">
+                <a:ln w="18415" cmpd="sng">
+                  <a:solidFill>
+                    <a:srgbClr val="FFFFFF"/>
+                  </a:solidFill>
+                  <a:prstDash val="solid"/>
+                </a:ln>
+                <a:solidFill>
+                  <a:srgbClr val="FFFFFF"/>
+                </a:solidFill>
+                <a:latin typeface="Courier New" panose="02070309020205020404" pitchFamily="49" charset="0"/>
+                <a:cs typeface="Courier New" panose="02070309020205020404" pitchFamily="49" charset="0"/>
+              </a:rPr>
+              <a:t>Repository</a:t>
+            </a:r>
+          </a:p>
+          <a:p>
+            <a:r>
+              <a:rPr lang="en-CA" dirty="0" smtClean="0">
+                <a:ln w="18415" cmpd="sng">
+                  <a:solidFill>
+                    <a:srgbClr val="FFFFFF"/>
+                  </a:solidFill>
+                  <a:prstDash val="solid"/>
+                </a:ln>
+                <a:solidFill>
+                  <a:srgbClr val="FFFFFF"/>
+                </a:solidFill>
+                <a:latin typeface="Courier New" panose="02070309020205020404" pitchFamily="49" charset="0"/>
+                <a:cs typeface="Courier New" panose="02070309020205020404" pitchFamily="49" charset="0"/>
+              </a:rPr>
+              <a:t> | +</a:t>
+            </a:r>
+            <a:r>
+              <a:rPr lang="en-CA" dirty="0" err="1" smtClean="0">
+                <a:ln w="18415" cmpd="sng">
+                  <a:solidFill>
+                    <a:srgbClr val="FFFFFF"/>
+                  </a:solidFill>
+                  <a:prstDash val="solid"/>
+                </a:ln>
+                <a:solidFill>
+                  <a:srgbClr val="FFFFFF"/>
+                </a:solidFill>
+                <a:latin typeface="Courier New" panose="02070309020205020404" pitchFamily="49" charset="0"/>
+                <a:cs typeface="Courier New" panose="02070309020205020404" pitchFamily="49" charset="0"/>
+              </a:rPr>
+              <a:t>dir</a:t>
+            </a:r>
+            <a:r>
+              <a:rPr lang="en-CA" dirty="0" smtClean="0">
+                <a:ln w="18415" cmpd="sng">
+                  <a:solidFill>
+                    <a:srgbClr val="FFFFFF"/>
+                  </a:solidFill>
+                  <a:prstDash val="solid"/>
+                </a:ln>
+                <a:solidFill>
+                  <a:srgbClr val="FFFFFF"/>
+                </a:solidFill>
+                <a:latin typeface="Courier New" panose="02070309020205020404" pitchFamily="49" charset="0"/>
+                <a:cs typeface="Courier New" panose="02070309020205020404" pitchFamily="49" charset="0"/>
+              </a:rPr>
+              <a:t> 1</a:t>
+            </a:r>
+          </a:p>
+        </p:txBody>
+      </p:sp>
+      <p:sp>
+        <p:nvSpPr>
+          <p:cNvPr id="5" name="Trapezoid 4"/>
+          <p:cNvSpPr/>
+          <p:nvPr/>
+        </p:nvSpPr>
+        <p:spPr>
+          <a:xfrm>
+            <a:off x="467544" y="4149080"/>
+            <a:ext cx="2520280" cy="1152128"/>
+          </a:xfrm>
+          <a:prstGeom prst="trapezoid">
+            <a:avLst/>
+          </a:prstGeom>
+        </p:spPr>
+        <p:style>
+          <a:lnRef idx="2">
+            <a:schemeClr val="accent1">
+              <a:shade val="50000"/>
+            </a:schemeClr>
+          </a:lnRef>
+          <a:fillRef idx="1">
+            <a:schemeClr val="accent1"/>
+          </a:fillRef>
+          <a:effectRef idx="0">
+            <a:schemeClr val="accent1"/>
+          </a:effectRef>
+          <a:fontRef idx="minor">
+            <a:schemeClr val="lt1"/>
+          </a:fontRef>
+        </p:style>
+        <p:txBody>
+          <a:bodyPr rtlCol="0" anchor="ctr"/>
+          <a:lstStyle/>
+          <a:p>
+            <a:r>
+              <a:rPr lang="en-CA" dirty="0" smtClean="0">
+                <a:ln w="18415" cmpd="sng">
+                  <a:solidFill>
+                    <a:srgbClr val="FFFFFF"/>
+                  </a:solidFill>
+                  <a:prstDash val="solid"/>
+                </a:ln>
+                <a:solidFill>
+                  <a:srgbClr val="FFFFFF"/>
+                </a:solidFill>
+                <a:latin typeface="Courier New" panose="02070309020205020404" pitchFamily="49" charset="0"/>
+                <a:cs typeface="Courier New" panose="02070309020205020404" pitchFamily="49" charset="0"/>
+              </a:rPr>
+              <a:t>Repository</a:t>
+            </a:r>
+          </a:p>
+          <a:p>
+            <a:r>
+              <a:rPr lang="en-CA" dirty="0">
+                <a:ln w="18415" cmpd="sng">
+                  <a:solidFill>
+                    <a:srgbClr val="FFFFFF"/>
+                  </a:solidFill>
+                  <a:prstDash val="solid"/>
+                </a:ln>
+                <a:solidFill>
+                  <a:srgbClr val="FFFFFF"/>
+                </a:solidFill>
+                <a:latin typeface="Courier New" panose="02070309020205020404" pitchFamily="49" charset="0"/>
+                <a:cs typeface="Courier New" panose="02070309020205020404" pitchFamily="49" charset="0"/>
+              </a:rPr>
+              <a:t> </a:t>
+            </a:r>
+            <a:r>
+              <a:rPr lang="en-CA" dirty="0" smtClean="0">
+                <a:ln w="18415" cmpd="sng">
+                  <a:solidFill>
+                    <a:srgbClr val="FFFFFF"/>
+                  </a:solidFill>
+                  <a:prstDash val="solid"/>
+                </a:ln>
+                <a:solidFill>
+                  <a:srgbClr val="FFFFFF"/>
+                </a:solidFill>
+                <a:latin typeface="Courier New" panose="02070309020205020404" pitchFamily="49" charset="0"/>
+                <a:cs typeface="Courier New" panose="02070309020205020404" pitchFamily="49" charset="0"/>
+              </a:rPr>
+              <a:t>| *</a:t>
+            </a:r>
+            <a:r>
+              <a:rPr lang="en-CA" dirty="0" err="1" smtClean="0">
+                <a:ln w="18415" cmpd="sng">
+                  <a:solidFill>
+                    <a:srgbClr val="FFFFFF"/>
+                  </a:solidFill>
+                  <a:prstDash val="solid"/>
+                </a:ln>
+                <a:solidFill>
+                  <a:srgbClr val="FFFFFF"/>
+                </a:solidFill>
+                <a:latin typeface="Courier New" panose="02070309020205020404" pitchFamily="49" charset="0"/>
+                <a:cs typeface="Courier New" panose="02070309020205020404" pitchFamily="49" charset="0"/>
+              </a:rPr>
+              <a:t>dir</a:t>
+            </a:r>
+            <a:r>
+              <a:rPr lang="en-CA" dirty="0" smtClean="0">
+                <a:ln w="18415" cmpd="sng">
+                  <a:solidFill>
+                    <a:srgbClr val="FFFFFF"/>
+                  </a:solidFill>
+                  <a:prstDash val="solid"/>
+                </a:ln>
+                <a:solidFill>
+                  <a:srgbClr val="FFFFFF"/>
+                </a:solidFill>
+                <a:latin typeface="Courier New" panose="02070309020205020404" pitchFamily="49" charset="0"/>
+                <a:cs typeface="Courier New" panose="02070309020205020404" pitchFamily="49" charset="0"/>
+              </a:rPr>
+              <a:t> 1</a:t>
+            </a:r>
+          </a:p>
+          <a:p>
+            <a:r>
+              <a:rPr lang="en-CA" dirty="0">
+                <a:ln w="18415" cmpd="sng">
+                  <a:solidFill>
+                    <a:srgbClr val="FFFFFF"/>
+                  </a:solidFill>
+                  <a:prstDash val="solid"/>
+                </a:ln>
+                <a:solidFill>
+                  <a:srgbClr val="FFFFFF"/>
+                </a:solidFill>
+                <a:latin typeface="Courier New" panose="02070309020205020404" pitchFamily="49" charset="0"/>
+                <a:cs typeface="Courier New" panose="02070309020205020404" pitchFamily="49" charset="0"/>
+              </a:rPr>
+              <a:t> </a:t>
+            </a:r>
+            <a:r>
+              <a:rPr lang="en-CA" dirty="0" smtClean="0">
+                <a:ln w="18415" cmpd="sng">
+                  <a:solidFill>
+                    <a:srgbClr val="FFFFFF"/>
+                  </a:solidFill>
+                  <a:prstDash val="solid"/>
+                </a:ln>
+                <a:solidFill>
+                  <a:srgbClr val="FFFFFF"/>
+                </a:solidFill>
+                <a:latin typeface="Courier New" panose="02070309020205020404" pitchFamily="49" charset="0"/>
+                <a:cs typeface="Courier New" panose="02070309020205020404" pitchFamily="49" charset="0"/>
+              </a:rPr>
+              <a:t>  \ +file 1</a:t>
+            </a:r>
+          </a:p>
+        </p:txBody>
+      </p:sp>
+      <p:sp>
+        <p:nvSpPr>
+          <p:cNvPr id="6" name="Trapezoid 5"/>
+          <p:cNvSpPr/>
+          <p:nvPr/>
+        </p:nvSpPr>
+        <p:spPr>
+          <a:xfrm>
+            <a:off x="467544" y="2996952"/>
+            <a:ext cx="2520280" cy="1152128"/>
+          </a:xfrm>
+          <a:prstGeom prst="trapezoid">
+            <a:avLst/>
+          </a:prstGeom>
+          <a:solidFill>
+            <a:srgbClr val="92D050"/>
+          </a:solidFill>
+        </p:spPr>
+        <p:style>
+          <a:lnRef idx="2">
+            <a:schemeClr val="accent1">
+              <a:shade val="50000"/>
+            </a:schemeClr>
+          </a:lnRef>
+          <a:fillRef idx="1">
+            <a:schemeClr val="accent1"/>
+          </a:fillRef>
+          <a:effectRef idx="0">
+            <a:schemeClr val="accent1"/>
+          </a:effectRef>
+          <a:fontRef idx="minor">
+            <a:schemeClr val="lt1"/>
+          </a:fontRef>
+        </p:style>
+        <p:txBody>
+          <a:bodyPr rtlCol="0" anchor="ctr"/>
+          <a:lstStyle/>
+          <a:p>
+            <a:r>
+              <a:rPr lang="en-CA" dirty="0" smtClean="0">
+                <a:ln w="18415" cmpd="sng">
+                  <a:solidFill>
+                    <a:srgbClr val="FFFFFF"/>
+                  </a:solidFill>
+                  <a:prstDash val="solid"/>
+                </a:ln>
+                <a:solidFill>
+                  <a:srgbClr val="FFFFFF"/>
+                </a:solidFill>
+                <a:latin typeface="Courier New" panose="02070309020205020404" pitchFamily="49" charset="0"/>
+                <a:cs typeface="Courier New" panose="02070309020205020404" pitchFamily="49" charset="0"/>
+              </a:rPr>
+              <a:t>Repository</a:t>
+            </a:r>
+          </a:p>
+          <a:p>
+            <a:r>
+              <a:rPr lang="en-CA" dirty="0" smtClean="0">
+                <a:ln w="18415" cmpd="sng">
+                  <a:solidFill>
+                    <a:srgbClr val="FFFFFF"/>
+                  </a:solidFill>
+                  <a:prstDash val="solid"/>
+                </a:ln>
+                <a:solidFill>
+                  <a:srgbClr val="FFFFFF"/>
+                </a:solidFill>
+                <a:latin typeface="Courier New" panose="02070309020205020404" pitchFamily="49" charset="0"/>
+                <a:cs typeface="Courier New" panose="02070309020205020404" pitchFamily="49" charset="0"/>
+              </a:rPr>
+              <a:t> |  </a:t>
+            </a:r>
+          </a:p>
+          <a:p>
+            <a:r>
+              <a:rPr lang="en-CA" dirty="0" smtClean="0">
+                <a:ln w="18415" cmpd="sng">
+                  <a:solidFill>
+                    <a:srgbClr val="FFFFFF"/>
+                  </a:solidFill>
+                  <a:prstDash val="solid"/>
+                </a:ln>
+                <a:solidFill>
+                  <a:srgbClr val="FFFFFF"/>
+                </a:solidFill>
+                <a:latin typeface="Courier New" panose="02070309020205020404" pitchFamily="49" charset="0"/>
+                <a:cs typeface="Courier New" panose="02070309020205020404" pitchFamily="49" charset="0"/>
+              </a:rPr>
+              <a:t> |  </a:t>
+            </a:r>
+          </a:p>
+          <a:p>
+            <a:r>
+              <a:rPr lang="en-CA" dirty="0" smtClean="0">
+                <a:ln w="18415" cmpd="sng">
+                  <a:solidFill>
+                    <a:srgbClr val="FFFFFF"/>
+                  </a:solidFill>
+                  <a:prstDash val="solid"/>
+                </a:ln>
+                <a:solidFill>
+                  <a:srgbClr val="FFFFFF"/>
+                </a:solidFill>
+                <a:latin typeface="Courier New" panose="02070309020205020404" pitchFamily="49" charset="0"/>
+                <a:cs typeface="Courier New" panose="02070309020205020404" pitchFamily="49" charset="0"/>
+              </a:rPr>
+              <a:t> | +</a:t>
+            </a:r>
+            <a:r>
+              <a:rPr lang="en-CA" dirty="0" err="1" smtClean="0">
+                <a:ln w="18415" cmpd="sng">
+                  <a:solidFill>
+                    <a:srgbClr val="FFFFFF"/>
+                  </a:solidFill>
+                  <a:prstDash val="solid"/>
+                </a:ln>
+                <a:solidFill>
+                  <a:srgbClr val="FFFFFF"/>
+                </a:solidFill>
+                <a:latin typeface="Courier New" panose="02070309020205020404" pitchFamily="49" charset="0"/>
+                <a:cs typeface="Courier New" panose="02070309020205020404" pitchFamily="49" charset="0"/>
+              </a:rPr>
+              <a:t>dir</a:t>
+            </a:r>
+            <a:r>
+              <a:rPr lang="en-CA" dirty="0" smtClean="0">
+                <a:ln w="18415" cmpd="sng">
+                  <a:solidFill>
+                    <a:srgbClr val="FFFFFF"/>
+                  </a:solidFill>
+                  <a:prstDash val="solid"/>
+                </a:ln>
+                <a:solidFill>
+                  <a:srgbClr val="FFFFFF"/>
+                </a:solidFill>
+                <a:latin typeface="Courier New" panose="02070309020205020404" pitchFamily="49" charset="0"/>
+                <a:cs typeface="Courier New" panose="02070309020205020404" pitchFamily="49" charset="0"/>
+              </a:rPr>
+              <a:t> 2</a:t>
+            </a:r>
+          </a:p>
+        </p:txBody>
+      </p:sp>
+      <p:sp>
+        <p:nvSpPr>
+          <p:cNvPr id="7" name="Trapezoid 6"/>
+          <p:cNvSpPr/>
+          <p:nvPr/>
+        </p:nvSpPr>
+        <p:spPr>
+          <a:xfrm>
+            <a:off x="4139952" y="1844824"/>
+            <a:ext cx="2520280" cy="1152128"/>
+          </a:xfrm>
+          <a:prstGeom prst="trapezoid">
+            <a:avLst/>
+          </a:prstGeom>
+          <a:solidFill>
+            <a:srgbClr val="FF0000"/>
+          </a:solidFill>
+        </p:spPr>
+        <p:style>
+          <a:lnRef idx="2">
+            <a:schemeClr val="accent1">
+              <a:shade val="50000"/>
+            </a:schemeClr>
+          </a:lnRef>
+          <a:fillRef idx="1">
+            <a:schemeClr val="accent1"/>
+          </a:fillRef>
+          <a:effectRef idx="0">
+            <a:schemeClr val="accent1"/>
+          </a:effectRef>
+          <a:fontRef idx="minor">
+            <a:schemeClr val="lt1"/>
+          </a:fontRef>
+        </p:style>
+        <p:txBody>
+          <a:bodyPr rtlCol="0" anchor="ctr"/>
+          <a:lstStyle/>
+          <a:p>
+            <a:r>
+              <a:rPr lang="en-CA" dirty="0" smtClean="0">
+                <a:ln w="18415" cmpd="sng">
+                  <a:solidFill>
+                    <a:srgbClr val="FFFFFF"/>
+                  </a:solidFill>
+                  <a:prstDash val="solid"/>
+                </a:ln>
+                <a:solidFill>
+                  <a:srgbClr val="FFFFFF"/>
+                </a:solidFill>
+                <a:latin typeface="Courier New" panose="02070309020205020404" pitchFamily="49" charset="0"/>
+                <a:cs typeface="Courier New" panose="02070309020205020404" pitchFamily="49" charset="0"/>
+              </a:rPr>
+              <a:t>Repository</a:t>
+            </a:r>
+          </a:p>
+          <a:p>
+            <a:r>
+              <a:rPr lang="en-CA" dirty="0" smtClean="0">
+                <a:ln w="18415" cmpd="sng">
+                  <a:solidFill>
+                    <a:srgbClr val="FFFFFF"/>
+                  </a:solidFill>
+                  <a:prstDash val="solid"/>
+                </a:ln>
+                <a:solidFill>
+                  <a:srgbClr val="FFFFFF"/>
+                </a:solidFill>
+                <a:latin typeface="Courier New" panose="02070309020205020404" pitchFamily="49" charset="0"/>
+                <a:cs typeface="Courier New" panose="02070309020205020404" pitchFamily="49" charset="0"/>
+              </a:rPr>
+              <a:t> | </a:t>
+            </a:r>
+            <a:r>
+              <a:rPr lang="en-CA" dirty="0" err="1" smtClean="0">
+                <a:ln w="18415" cmpd="sng">
+                  <a:solidFill>
+                    <a:srgbClr val="FFFFFF"/>
+                  </a:solidFill>
+                  <a:prstDash val="solid"/>
+                </a:ln>
+                <a:solidFill>
+                  <a:srgbClr val="FFFFFF"/>
+                </a:solidFill>
+                <a:latin typeface="Courier New" panose="02070309020205020404" pitchFamily="49" charset="0"/>
+                <a:cs typeface="Courier New" panose="02070309020205020404" pitchFamily="49" charset="0"/>
+              </a:rPr>
+              <a:t>dir</a:t>
+            </a:r>
+            <a:r>
+              <a:rPr lang="en-CA" dirty="0" smtClean="0">
+                <a:ln w="18415" cmpd="sng">
+                  <a:solidFill>
+                    <a:srgbClr val="FFFFFF"/>
+                  </a:solidFill>
+                  <a:prstDash val="solid"/>
+                </a:ln>
+                <a:solidFill>
+                  <a:srgbClr val="FFFFFF"/>
+                </a:solidFill>
+                <a:latin typeface="Courier New" panose="02070309020205020404" pitchFamily="49" charset="0"/>
+                <a:cs typeface="Courier New" panose="02070309020205020404" pitchFamily="49" charset="0"/>
+              </a:rPr>
+              <a:t> 1 </a:t>
+            </a:r>
+          </a:p>
+          <a:p>
+            <a:r>
+              <a:rPr lang="en-CA" dirty="0" smtClean="0">
+                <a:ln w="18415" cmpd="sng">
+                  <a:solidFill>
+                    <a:srgbClr val="FFFFFF"/>
+                  </a:solidFill>
+                  <a:prstDash val="solid"/>
+                </a:ln>
+                <a:solidFill>
+                  <a:srgbClr val="FFFFFF"/>
+                </a:solidFill>
+                <a:latin typeface="Courier New" panose="02070309020205020404" pitchFamily="49" charset="0"/>
+                <a:cs typeface="Courier New" panose="02070309020205020404" pitchFamily="49" charset="0"/>
+              </a:rPr>
+              <a:t>   \ *file 1</a:t>
+            </a:r>
+          </a:p>
+        </p:txBody>
+      </p:sp>
+      <p:sp>
+        <p:nvSpPr>
+          <p:cNvPr id="8" name="Trapezoid 7"/>
+          <p:cNvSpPr/>
+          <p:nvPr/>
+        </p:nvSpPr>
+        <p:spPr>
+          <a:xfrm>
+            <a:off x="467544" y="1844824"/>
+            <a:ext cx="2520280" cy="1152128"/>
+          </a:xfrm>
+          <a:prstGeom prst="trapezoid">
+            <a:avLst/>
+          </a:prstGeom>
+          <a:solidFill>
+            <a:srgbClr val="FF0000"/>
+          </a:solidFill>
+        </p:spPr>
+        <p:style>
+          <a:lnRef idx="2">
+            <a:schemeClr val="accent1">
+              <a:shade val="50000"/>
+            </a:schemeClr>
+          </a:lnRef>
+          <a:fillRef idx="1">
+            <a:schemeClr val="accent1"/>
+          </a:fillRef>
+          <a:effectRef idx="0">
+            <a:schemeClr val="accent1"/>
+          </a:effectRef>
+          <a:fontRef idx="minor">
+            <a:schemeClr val="lt1"/>
+          </a:fontRef>
+        </p:style>
+        <p:txBody>
+          <a:bodyPr rtlCol="0" anchor="ctr"/>
+          <a:lstStyle/>
+          <a:p>
+            <a:r>
+              <a:rPr lang="en-CA" dirty="0" smtClean="0">
+                <a:ln w="18415" cmpd="sng">
+                  <a:solidFill>
+                    <a:srgbClr val="FFFFFF"/>
+                  </a:solidFill>
+                  <a:prstDash val="solid"/>
+                </a:ln>
+                <a:solidFill>
+                  <a:srgbClr val="FFFFFF"/>
+                </a:solidFill>
+                <a:latin typeface="Courier New" panose="02070309020205020404" pitchFamily="49" charset="0"/>
+                <a:cs typeface="Courier New" panose="02070309020205020404" pitchFamily="49" charset="0"/>
+              </a:rPr>
+              <a:t>Repository</a:t>
+            </a:r>
+          </a:p>
+          <a:p>
+            <a:r>
+              <a:rPr lang="en-CA" dirty="0" smtClean="0">
+                <a:ln w="18415" cmpd="sng">
+                  <a:solidFill>
+                    <a:srgbClr val="FFFFFF"/>
+                  </a:solidFill>
+                  <a:prstDash val="solid"/>
+                </a:ln>
+                <a:solidFill>
+                  <a:srgbClr val="FFFFFF"/>
+                </a:solidFill>
+                <a:latin typeface="Courier New" panose="02070309020205020404" pitchFamily="49" charset="0"/>
+                <a:cs typeface="Courier New" panose="02070309020205020404" pitchFamily="49" charset="0"/>
+              </a:rPr>
+              <a:t> | </a:t>
+            </a:r>
+            <a:r>
+              <a:rPr lang="en-CA" dirty="0" err="1" smtClean="0">
+                <a:ln w="18415" cmpd="sng">
+                  <a:solidFill>
+                    <a:srgbClr val="FFFFFF"/>
+                  </a:solidFill>
+                  <a:prstDash val="solid"/>
+                </a:ln>
+                <a:solidFill>
+                  <a:srgbClr val="FFFFFF"/>
+                </a:solidFill>
+                <a:latin typeface="Courier New" panose="02070309020205020404" pitchFamily="49" charset="0"/>
+                <a:cs typeface="Courier New" panose="02070309020205020404" pitchFamily="49" charset="0"/>
+              </a:rPr>
+              <a:t>dir</a:t>
+            </a:r>
+            <a:r>
+              <a:rPr lang="en-CA" dirty="0" smtClean="0">
+                <a:ln w="18415" cmpd="sng">
+                  <a:solidFill>
+                    <a:srgbClr val="FFFFFF"/>
+                  </a:solidFill>
+                  <a:prstDash val="solid"/>
+                </a:ln>
+                <a:solidFill>
+                  <a:srgbClr val="FFFFFF"/>
+                </a:solidFill>
+                <a:latin typeface="Courier New" panose="02070309020205020404" pitchFamily="49" charset="0"/>
+                <a:cs typeface="Courier New" panose="02070309020205020404" pitchFamily="49" charset="0"/>
+              </a:rPr>
+              <a:t> 1 </a:t>
+            </a:r>
+          </a:p>
+          <a:p>
+            <a:r>
+              <a:rPr lang="en-CA" dirty="0" smtClean="0">
+                <a:ln w="18415" cmpd="sng">
+                  <a:solidFill>
+                    <a:srgbClr val="FFFFFF"/>
+                  </a:solidFill>
+                  <a:prstDash val="solid"/>
+                </a:ln>
+                <a:solidFill>
+                  <a:srgbClr val="FFFFFF"/>
+                </a:solidFill>
+                <a:latin typeface="Courier New" panose="02070309020205020404" pitchFamily="49" charset="0"/>
+                <a:cs typeface="Courier New" panose="02070309020205020404" pitchFamily="49" charset="0"/>
+              </a:rPr>
+              <a:t>   \ -file 1</a:t>
+            </a:r>
+          </a:p>
+        </p:txBody>
+      </p:sp>
+    </p:spTree>
+    <p:extLst>
+      <p:ext uri="{BB962C8B-B14F-4D97-AF65-F5344CB8AC3E}">
+        <p14:creationId xmlns:p14="http://schemas.microsoft.com/office/powerpoint/2010/main" val="3791165667"/>
+      </p:ext>
+    </p:extLst>
+  </p:cSld>
+  <p:clrMapOvr>
+    <a:masterClrMapping/>
+  </p:clrMapOvr>
+</p:sld>
+</file>
+
+<file path=ppt/slides/slide25.xml><?xml version="1.0" encoding="utf-8"?>
+<p:sld xmlns:a="http://schemas.openxmlformats.org/drawingml/2006/main" xmlns:r="http://schemas.openxmlformats.org/officeDocument/2006/relationships" xmlns:p="http://schemas.openxmlformats.org/presentationml/2006/main">
+  <p:cSld>
+    <p:spTree>
+      <p:nvGrpSpPr>
+        <p:cNvPr id="1" name=""/>
+        <p:cNvGrpSpPr/>
+        <p:nvPr/>
+      </p:nvGrpSpPr>
+      <p:grpSpPr>
+        <a:xfrm>
+          <a:off x="0" y="0"/>
+          <a:ext cx="0" cy="0"/>
+          <a:chOff x="0" y="0"/>
+          <a:chExt cx="0" cy="0"/>
+        </a:xfrm>
+      </p:grpSpPr>
+      <p:sp>
+        <p:nvSpPr>
+          <p:cNvPr id="2" name="Title 1"/>
+          <p:cNvSpPr>
+            <a:spLocks noGrp="1"/>
+          </p:cNvSpPr>
+          <p:nvPr>
+            <p:ph type="title"/>
+          </p:nvPr>
+        </p:nvSpPr>
+        <p:spPr/>
+        <p:txBody>
+          <a:bodyPr/>
+          <a:lstStyle/>
+          <a:p>
+            <a:r>
+              <a:rPr lang="en-CA" dirty="0" smtClean="0"/>
+              <a:t>WHERE IS MY BRANCH?</a:t>
+            </a:r>
+            <a:endParaRPr lang="en-CA" dirty="0"/>
+          </a:p>
+        </p:txBody>
+      </p:sp>
+      <p:sp>
+        <p:nvSpPr>
+          <p:cNvPr id="3" name="Content Placeholder 2"/>
+          <p:cNvSpPr>
+            <a:spLocks noGrp="1"/>
+          </p:cNvSpPr>
+          <p:nvPr>
+            <p:ph idx="1"/>
+          </p:nvPr>
+        </p:nvSpPr>
+        <p:spPr/>
+        <p:txBody>
+          <a:bodyPr>
+            <a:normAutofit fontScale="85000" lnSpcReduction="10000"/>
+          </a:bodyPr>
+          <a:lstStyle/>
+          <a:p>
+            <a:r>
+              <a:rPr lang="en-CA" dirty="0" smtClean="0"/>
+              <a:t>Creating a branch is a simple checkout operation away:</a:t>
+            </a:r>
+          </a:p>
+          <a:p>
+            <a:pPr marL="0" indent="0">
+              <a:buNone/>
+            </a:pPr>
+            <a:r>
+              <a:rPr lang="en-CA" sz="2800" dirty="0" smtClean="0"/>
+              <a:t>	</a:t>
+            </a:r>
+            <a:r>
+              <a:rPr lang="en-CA" sz="2800" dirty="0" smtClean="0">
+                <a:latin typeface="Courier New" panose="02070309020205020404" pitchFamily="49" charset="0"/>
+                <a:cs typeface="Courier New" panose="02070309020205020404" pitchFamily="49" charset="0"/>
+              </a:rPr>
+              <a:t>git checkout –b &lt;new branch name&gt;</a:t>
+            </a:r>
+            <a:endParaRPr lang="en-CA" sz="2800" dirty="0">
+              <a:latin typeface="Courier New" panose="02070309020205020404" pitchFamily="49" charset="0"/>
+              <a:cs typeface="Courier New" panose="02070309020205020404" pitchFamily="49" charset="0"/>
+            </a:endParaRPr>
+          </a:p>
+          <a:p>
+            <a:r>
+              <a:rPr lang="en-CA" dirty="0" smtClean="0">
+                <a:latin typeface="+mj-lt"/>
+                <a:cs typeface="Courier New" panose="02070309020205020404" pitchFamily="49" charset="0"/>
+              </a:rPr>
+              <a:t>Branch creation is very much like </a:t>
+            </a:r>
+            <a:r>
+              <a:rPr lang="en-CA" dirty="0" err="1" smtClean="0">
+                <a:latin typeface="+mj-lt"/>
+                <a:cs typeface="Courier New" panose="02070309020205020404" pitchFamily="49" charset="0"/>
+              </a:rPr>
+              <a:t>changeset</a:t>
+            </a:r>
+            <a:r>
+              <a:rPr lang="en-CA" dirty="0" smtClean="0">
+                <a:latin typeface="+mj-lt"/>
+                <a:cs typeface="Courier New" panose="02070309020205020404" pitchFamily="49" charset="0"/>
+              </a:rPr>
+              <a:t> creation: it is local until pushed.</a:t>
+            </a:r>
+          </a:p>
+          <a:p>
+            <a:r>
+              <a:rPr lang="en-CA" dirty="0" smtClean="0">
+                <a:latin typeface="+mj-lt"/>
+                <a:cs typeface="Courier New" panose="02070309020205020404" pitchFamily="49" charset="0"/>
+              </a:rPr>
+              <a:t>You are not required to push every branch you create.</a:t>
+            </a:r>
+          </a:p>
+          <a:p>
+            <a:r>
+              <a:rPr lang="en-CA" dirty="0" smtClean="0">
+                <a:latin typeface="+mj-lt"/>
+                <a:cs typeface="Courier New" panose="02070309020205020404" pitchFamily="49" charset="0"/>
+              </a:rPr>
+              <a:t>You are not required to push every branch you create with the same name it exists locally.</a:t>
+            </a:r>
+          </a:p>
+          <a:p>
+            <a:r>
+              <a:rPr lang="en-CA" dirty="0" smtClean="0">
+                <a:latin typeface="+mj-lt"/>
+                <a:cs typeface="Courier New" panose="02070309020205020404" pitchFamily="49" charset="0"/>
+              </a:rPr>
+              <a:t>This is how you push a branch:</a:t>
+            </a:r>
+          </a:p>
+          <a:p>
+            <a:pPr marL="0" indent="0">
+              <a:buNone/>
+            </a:pPr>
+            <a:r>
+              <a:rPr lang="en-CA" dirty="0"/>
+              <a:t>	</a:t>
+            </a:r>
+            <a:r>
+              <a:rPr lang="en-CA" sz="2800" dirty="0">
+                <a:latin typeface="Courier New" panose="02070309020205020404" pitchFamily="49" charset="0"/>
+                <a:cs typeface="Courier New" panose="02070309020205020404" pitchFamily="49" charset="0"/>
+              </a:rPr>
+              <a:t>git </a:t>
+            </a:r>
+            <a:r>
+              <a:rPr lang="en-CA" sz="2800" dirty="0" smtClean="0">
+                <a:latin typeface="Courier New" panose="02070309020205020404" pitchFamily="49" charset="0"/>
+                <a:cs typeface="Courier New" panose="02070309020205020404" pitchFamily="49" charset="0"/>
+              </a:rPr>
+              <a:t>push origin &lt;remote </a:t>
+            </a:r>
+            <a:r>
+              <a:rPr lang="en-CA" sz="2800" dirty="0">
+                <a:latin typeface="Courier New" panose="02070309020205020404" pitchFamily="49" charset="0"/>
+                <a:cs typeface="Courier New" panose="02070309020205020404" pitchFamily="49" charset="0"/>
+              </a:rPr>
+              <a:t>branch name</a:t>
+            </a:r>
+            <a:r>
+              <a:rPr lang="en-CA" sz="2800" dirty="0" smtClean="0">
+                <a:latin typeface="Courier New" panose="02070309020205020404" pitchFamily="49" charset="0"/>
+                <a:cs typeface="Courier New" panose="02070309020205020404" pitchFamily="49" charset="0"/>
+              </a:rPr>
+              <a:t>&gt;</a:t>
+            </a:r>
+            <a:endParaRPr lang="en-CA" sz="2800" dirty="0">
+              <a:latin typeface="Courier New" panose="02070309020205020404" pitchFamily="49" charset="0"/>
+              <a:cs typeface="Courier New" panose="02070309020205020404" pitchFamily="49" charset="0"/>
+            </a:endParaRPr>
+          </a:p>
+        </p:txBody>
+      </p:sp>
+    </p:spTree>
+    <p:extLst>
+      <p:ext uri="{BB962C8B-B14F-4D97-AF65-F5344CB8AC3E}">
+        <p14:creationId xmlns:p14="http://schemas.microsoft.com/office/powerpoint/2010/main" val="951719532"/>
+      </p:ext>
+    </p:extLst>
+  </p:cSld>
+  <p:clrMapOvr>
+    <a:masterClrMapping/>
+  </p:clrMapOvr>
+</p:sld>
+</file>
+
+<file path=ppt/slides/slide26.xml><?xml version="1.0" encoding="utf-8"?>
+<p:sld xmlns:a="http://schemas.openxmlformats.org/drawingml/2006/main" xmlns:r="http://schemas.openxmlformats.org/officeDocument/2006/relationships" xmlns:p="http://schemas.openxmlformats.org/presentationml/2006/main">
+  <p:cSld>
+    <p:spTree>
+      <p:nvGrpSpPr>
+        <p:cNvPr id="1" name=""/>
+        <p:cNvGrpSpPr/>
+        <p:nvPr/>
+      </p:nvGrpSpPr>
+      <p:grpSpPr>
+        <a:xfrm>
+          <a:off x="0" y="0"/>
+          <a:ext cx="0" cy="0"/>
+          <a:chOff x="0" y="0"/>
+          <a:chExt cx="0" cy="0"/>
+        </a:xfrm>
+      </p:grpSpPr>
+      <p:sp>
+        <p:nvSpPr>
+          <p:cNvPr id="2" name="Title 1"/>
+          <p:cNvSpPr>
+            <a:spLocks noGrp="1"/>
+          </p:cNvSpPr>
+          <p:nvPr>
+            <p:ph type="title"/>
+          </p:nvPr>
+        </p:nvSpPr>
+        <p:spPr/>
+        <p:txBody>
+          <a:bodyPr/>
+          <a:lstStyle/>
+          <a:p>
+            <a:r>
+              <a:rPr lang="en-CA" dirty="0" smtClean="0"/>
+              <a:t>MERGING A BRANCH</a:t>
+            </a:r>
+            <a:endParaRPr lang="en-CA" dirty="0"/>
+          </a:p>
+        </p:txBody>
+      </p:sp>
+      <p:sp>
+        <p:nvSpPr>
+          <p:cNvPr id="3" name="Content Placeholder 2"/>
+          <p:cNvSpPr>
+            <a:spLocks noGrp="1"/>
+          </p:cNvSpPr>
+          <p:nvPr>
+            <p:ph idx="1"/>
+          </p:nvPr>
+        </p:nvSpPr>
+        <p:spPr/>
+        <p:txBody>
+          <a:bodyPr/>
+          <a:lstStyle/>
+          <a:p>
+            <a:endParaRPr lang="en-CA"/>
+          </a:p>
+        </p:txBody>
+      </p:sp>
+    </p:spTree>
+    <p:extLst>
+      <p:ext uri="{BB962C8B-B14F-4D97-AF65-F5344CB8AC3E}">
+        <p14:creationId xmlns:p14="http://schemas.microsoft.com/office/powerpoint/2010/main" val="1704732280"/>
+      </p:ext>
+    </p:extLst>
+  </p:cSld>
+  <p:clrMapOvr>
+    <a:masterClrMapping/>
+  </p:clrMapOvr>
+</p:sld>
+</file>
+
+<file path=ppt/slides/slide27.xml><?xml version="1.0" encoding="utf-8"?>
+<p:sld xmlns:a="http://schemas.openxmlformats.org/drawingml/2006/main" xmlns:r="http://schemas.openxmlformats.org/officeDocument/2006/relationships" xmlns:p="http://schemas.openxmlformats.org/presentationml/2006/main">
+  <p:cSld>
+    <p:spTree>
+      <p:nvGrpSpPr>
+        <p:cNvPr id="1" name=""/>
+        <p:cNvGrpSpPr/>
+        <p:nvPr/>
+      </p:nvGrpSpPr>
+      <p:grpSpPr>
+        <a:xfrm>
+          <a:off x="0" y="0"/>
+          <a:ext cx="0" cy="0"/>
+          <a:chOff x="0" y="0"/>
+          <a:chExt cx="0" cy="0"/>
+        </a:xfrm>
+      </p:grpSpPr>
+      <p:sp>
+        <p:nvSpPr>
+          <p:cNvPr id="2" name="Title 1"/>
+          <p:cNvSpPr>
+            <a:spLocks noGrp="1"/>
+          </p:cNvSpPr>
+          <p:nvPr>
+            <p:ph type="title"/>
+          </p:nvPr>
+        </p:nvSpPr>
+        <p:spPr/>
+        <p:txBody>
+          <a:bodyPr/>
+          <a:lstStyle/>
+          <a:p>
+            <a:r>
+              <a:rPr lang="en-CA" dirty="0" smtClean="0"/>
+              <a:t>CHERRY-PICKING</a:t>
+            </a:r>
+            <a:endParaRPr lang="en-CA" dirty="0"/>
+          </a:p>
+        </p:txBody>
+      </p:sp>
+      <p:sp>
+        <p:nvSpPr>
+          <p:cNvPr id="3" name="Content Placeholder 2"/>
+          <p:cNvSpPr>
+            <a:spLocks noGrp="1"/>
+          </p:cNvSpPr>
+          <p:nvPr>
+            <p:ph idx="1"/>
+          </p:nvPr>
+        </p:nvSpPr>
+        <p:spPr/>
+        <p:txBody>
+          <a:bodyPr/>
+          <a:lstStyle/>
+          <a:p>
+            <a:pPr marL="0" indent="0">
+              <a:buNone/>
+            </a:pPr>
+            <a:r>
+              <a:rPr lang="en-CA" dirty="0" smtClean="0"/>
+              <a:t>Cherry-picking is selectively merging individual </a:t>
+            </a:r>
+            <a:r>
+              <a:rPr lang="en-CA" dirty="0" err="1" smtClean="0"/>
+              <a:t>changeset</a:t>
+            </a:r>
+            <a:r>
+              <a:rPr lang="en-CA" dirty="0" smtClean="0"/>
+              <a:t>(s) from another branch into yours, without merging the rest of the branch.</a:t>
+            </a:r>
+            <a:endParaRPr lang="en-CA" dirty="0"/>
+          </a:p>
+        </p:txBody>
+      </p:sp>
+    </p:spTree>
+    <p:extLst>
+      <p:ext uri="{BB962C8B-B14F-4D97-AF65-F5344CB8AC3E}">
+        <p14:creationId xmlns:p14="http://schemas.microsoft.com/office/powerpoint/2010/main" val="2958468915"/>
+      </p:ext>
+    </p:extLst>
+  </p:cSld>
+  <p:clrMapOvr>
+    <a:masterClrMapping/>
+  </p:clrMapOvr>
 </p:sld>
 </file>
 

--- a/powerpoint/An Introduction to GIT.pptx
+++ b/powerpoint/An Introduction to GIT.pptx
@@ -218,7 +218,7 @@
           <a:p>
             <a:fld id="{CF5FA76E-0005-4B7A-ABE9-E41867DADC96}" type="datetimeFigureOut">
               <a:rPr lang="en-CA" smtClean="0"/>
-              <a:t>04/24/2015</a:t>
+              <a:t>04/27/2015</a:t>
             </a:fld>
             <a:endParaRPr lang="en-CA"/>
           </a:p>
@@ -1183,11 +1183,7 @@
             </a:r>
             <a:r>
               <a:rPr lang="en-CA" baseline="0" dirty="0" smtClean="0"/>
-              <a:t> still have not found a better way to use GIT</a:t>
-            </a:r>
-            <a:r>
-              <a:rPr lang="en-CA" baseline="0" dirty="0" smtClean="0"/>
-              <a:t>.</a:t>
+              <a:t> still have not found a better way to use GIT.</a:t>
             </a:r>
           </a:p>
           <a:p>
@@ -1195,7 +1191,6 @@
               <a:rPr lang="en-CA" baseline="0" dirty="0" smtClean="0"/>
               <a:t>GIT Extensions is a UI for GIT for </a:t>
             </a:r>
-            <a:endParaRPr lang="en-CA" baseline="0" dirty="0" smtClean="0"/>
           </a:p>
           <a:p>
             <a:r>
@@ -4269,7 +4264,7 @@
           <a:p>
             <a:fld id="{BF9F5C43-4730-4541-9866-C3226782E959}" type="datetimeFigureOut">
               <a:rPr lang="en-CA" smtClean="0"/>
-              <a:t>04/24/2015</a:t>
+              <a:t>04/27/2015</a:t>
             </a:fld>
             <a:endParaRPr lang="en-CA"/>
           </a:p>
@@ -4439,7 +4434,7 @@
           <a:p>
             <a:fld id="{BF9F5C43-4730-4541-9866-C3226782E959}" type="datetimeFigureOut">
               <a:rPr lang="en-CA" smtClean="0"/>
-              <a:t>04/24/2015</a:t>
+              <a:t>04/27/2015</a:t>
             </a:fld>
             <a:endParaRPr lang="en-CA"/>
           </a:p>
@@ -4619,7 +4614,7 @@
           <a:p>
             <a:fld id="{BF9F5C43-4730-4541-9866-C3226782E959}" type="datetimeFigureOut">
               <a:rPr lang="en-CA" smtClean="0"/>
-              <a:t>04/24/2015</a:t>
+              <a:t>04/27/2015</a:t>
             </a:fld>
             <a:endParaRPr lang="en-CA"/>
           </a:p>
@@ -4789,7 +4784,7 @@
           <a:p>
             <a:fld id="{BF9F5C43-4730-4541-9866-C3226782E959}" type="datetimeFigureOut">
               <a:rPr lang="en-CA" smtClean="0"/>
-              <a:t>04/24/2015</a:t>
+              <a:t>04/27/2015</a:t>
             </a:fld>
             <a:endParaRPr lang="en-CA"/>
           </a:p>
@@ -5035,7 +5030,7 @@
           <a:p>
             <a:fld id="{BF9F5C43-4730-4541-9866-C3226782E959}" type="datetimeFigureOut">
               <a:rPr lang="en-CA" smtClean="0"/>
-              <a:t>04/24/2015</a:t>
+              <a:t>04/27/2015</a:t>
             </a:fld>
             <a:endParaRPr lang="en-CA"/>
           </a:p>
@@ -5323,7 +5318,7 @@
           <a:p>
             <a:fld id="{BF9F5C43-4730-4541-9866-C3226782E959}" type="datetimeFigureOut">
               <a:rPr lang="en-CA" smtClean="0"/>
-              <a:t>04/24/2015</a:t>
+              <a:t>04/27/2015</a:t>
             </a:fld>
             <a:endParaRPr lang="en-CA"/>
           </a:p>
@@ -5745,7 +5740,7 @@
           <a:p>
             <a:fld id="{BF9F5C43-4730-4541-9866-C3226782E959}" type="datetimeFigureOut">
               <a:rPr lang="en-CA" smtClean="0"/>
-              <a:t>04/24/2015</a:t>
+              <a:t>04/27/2015</a:t>
             </a:fld>
             <a:endParaRPr lang="en-CA"/>
           </a:p>
@@ -5863,7 +5858,7 @@
           <a:p>
             <a:fld id="{BF9F5C43-4730-4541-9866-C3226782E959}" type="datetimeFigureOut">
               <a:rPr lang="en-CA" smtClean="0"/>
-              <a:t>04/24/2015</a:t>
+              <a:t>04/27/2015</a:t>
             </a:fld>
             <a:endParaRPr lang="en-CA"/>
           </a:p>
@@ -5958,7 +5953,7 @@
           <a:p>
             <a:fld id="{BF9F5C43-4730-4541-9866-C3226782E959}" type="datetimeFigureOut">
               <a:rPr lang="en-CA" smtClean="0"/>
-              <a:t>04/24/2015</a:t>
+              <a:t>04/27/2015</a:t>
             </a:fld>
             <a:endParaRPr lang="en-CA"/>
           </a:p>
@@ -6235,7 +6230,7 @@
           <a:p>
             <a:fld id="{BF9F5C43-4730-4541-9866-C3226782E959}" type="datetimeFigureOut">
               <a:rPr lang="en-CA" smtClean="0"/>
-              <a:t>04/24/2015</a:t>
+              <a:t>04/27/2015</a:t>
             </a:fld>
             <a:endParaRPr lang="en-CA"/>
           </a:p>
@@ -6488,7 +6483,7 @@
           <a:p>
             <a:fld id="{BF9F5C43-4730-4541-9866-C3226782E959}" type="datetimeFigureOut">
               <a:rPr lang="en-CA" smtClean="0"/>
-              <a:t>04/24/2015</a:t>
+              <a:t>04/27/2015</a:t>
             </a:fld>
             <a:endParaRPr lang="en-CA"/>
           </a:p>
@@ -6701,7 +6696,7 @@
           <a:p>
             <a:fld id="{BF9F5C43-4730-4541-9866-C3226782E959}" type="datetimeFigureOut">
               <a:rPr lang="en-CA" smtClean="0"/>
-              <a:t>04/24/2015</a:t>
+              <a:t>04/27/2015</a:t>
             </a:fld>
             <a:endParaRPr lang="en-CA"/>
           </a:p>
@@ -8385,23 +8380,7 @@
                   <a:srgbClr val="FF0000"/>
                 </a:solidFill>
               </a:rPr>
-              <a:t>BEWARE OF TOOLS THAT </a:t>
-            </a:r>
-            <a:r>
-              <a:rPr lang="en-CA" sz="5400" b="1" dirty="0" smtClean="0">
-                <a:solidFill>
-                  <a:srgbClr val="FF0000"/>
-                </a:solidFill>
-              </a:rPr>
-              <a:t>(TRY TO) </a:t>
-            </a:r>
-            <a:r>
-              <a:rPr lang="en-CA" sz="5400" b="1" dirty="0" smtClean="0">
-                <a:solidFill>
-                  <a:srgbClr val="FF0000"/>
-                </a:solidFill>
-              </a:rPr>
-              <a:t>DO THE THINKING FOR YOU!</a:t>
+              <a:t>BEWARE OF TOOLS THAT (TRY TO) DO THE THINKING FOR YOU!</a:t>
             </a:r>
             <a:endParaRPr lang="en-CA" sz="5400" b="1" dirty="0">
               <a:solidFill>
@@ -8758,11 +8737,7 @@
           <a:p>
             <a:r>
               <a:rPr lang="en-CA" dirty="0" smtClean="0"/>
-              <a:t>Clone – replicate a remote repository into a local repository in its entirety. The entire history of the repository gets copied over. The remote repository is set as an upstream repository so you can use push/pull to synchronize it</a:t>
-            </a:r>
-            <a:r>
-              <a:rPr lang="en-CA" dirty="0" smtClean="0"/>
-              <a:t>.</a:t>
+              <a:t>Clone – replicate a remote repository into a local repository in its entirety. The entire history of the repository gets copied over. The remote repository is set as an upstream repository so you can use push/pull to synchronize it.</a:t>
             </a:r>
           </a:p>
           <a:p>
@@ -9253,7 +9228,6 @@
               <a:rPr lang="en-CA" sz="1600" dirty="0" smtClean="0"/>
               <a:t>/Clone/Add/Check-in/Check-out</a:t>
             </a:r>
-            <a:endParaRPr lang="en-CA" sz="1600" dirty="0" smtClean="0"/>
           </a:p>
           <a:p>
             <a:pPr lvl="1"/>
@@ -9290,7 +9264,6 @@
               <a:rPr lang="en-CA" sz="1600" dirty="0" smtClean="0"/>
               <a:t>Rolling Back Changes</a:t>
             </a:r>
-            <a:endParaRPr lang="en-CA" sz="1600" dirty="0" smtClean="0"/>
           </a:p>
           <a:p>
             <a:r>
@@ -9309,11 +9282,7 @@
             <a:pPr lvl="1"/>
             <a:r>
               <a:rPr lang="en-CA" sz="1600" dirty="0" smtClean="0"/>
-              <a:t>Where is my branch</a:t>
-            </a:r>
-            <a:r>
-              <a:rPr lang="en-CA" sz="1600" dirty="0" smtClean="0"/>
-              <a:t>?</a:t>
+              <a:t>Where is my branch?</a:t>
             </a:r>
           </a:p>
           <a:p>
@@ -9322,7 +9291,6 @@
               <a:rPr lang="en-CA" sz="1600" dirty="0" smtClean="0"/>
               <a:t>Merging a branch</a:t>
             </a:r>
-            <a:endParaRPr lang="en-CA" sz="1600" dirty="0" smtClean="0"/>
           </a:p>
           <a:p>
             <a:pPr lvl="1"/>
@@ -9330,7 +9298,6 @@
               <a:rPr lang="en-CA" sz="1600" dirty="0" smtClean="0"/>
               <a:t>Cherry-picking</a:t>
             </a:r>
-            <a:endParaRPr lang="en-CA" sz="1600" dirty="0" smtClean="0"/>
           </a:p>
           <a:p>
             <a:pPr lvl="1"/>
@@ -9342,11 +9309,7 @@
           <a:p>
             <a:r>
               <a:rPr lang="en-CA" sz="1600" dirty="0" smtClean="0"/>
-              <a:t>How </a:t>
-            </a:r>
-            <a:r>
-              <a:rPr lang="en-CA" sz="1600" dirty="0" smtClean="0"/>
-              <a:t>to manage a large application with GIT</a:t>
+              <a:t>How to manage a large application with GIT</a:t>
             </a:r>
           </a:p>
           <a:p>
@@ -9380,15 +9343,7 @@
             <a:pPr lvl="1"/>
             <a:r>
               <a:rPr lang="en-CA" sz="1600" dirty="0" smtClean="0"/>
-              <a:t>How to </a:t>
-            </a:r>
-            <a:r>
-              <a:rPr lang="en-CA" sz="1600" dirty="0" smtClean="0"/>
-              <a:t>use a </a:t>
-            </a:r>
-            <a:r>
-              <a:rPr lang="en-CA" sz="1600" dirty="0" smtClean="0"/>
-              <a:t>native TFS repository with GIT?</a:t>
+              <a:t>How to use a native TFS repository with GIT?</a:t>
             </a:r>
           </a:p>
           <a:p>
@@ -9625,7 +9580,7 @@
         <p:spPr>
           <a:xfrm>
             <a:off x="3786703" y="2556773"/>
-            <a:ext cx="4621458" cy="646331"/>
+            <a:ext cx="4661084" cy="646331"/>
           </a:xfrm>
           <a:prstGeom prst="rect">
             <a:avLst/>
@@ -9640,13 +9595,37 @@
           <a:p>
             <a:r>
               <a:rPr lang="en-CA" b="1" dirty="0" smtClean="0"/>
-              <a:t>Conflict area begins. HEAD is the head pointer </a:t>
-            </a:r>
-          </a:p>
-          <a:p>
+              <a:t>Conflict area begins. HEAD is the </a:t>
+            </a:r>
             <a:r>
               <a:rPr lang="en-CA" b="1" dirty="0" smtClean="0"/>
-              <a:t>of your repository.  Your version is on top.</a:t>
+              <a:t>development </a:t>
+            </a:r>
+          </a:p>
+          <a:p>
+            <a:r>
+              <a:rPr lang="en-CA" b="1" dirty="0" smtClean="0"/>
+              <a:t>pointer </a:t>
+            </a:r>
+            <a:r>
+              <a:rPr lang="en-CA" b="1" dirty="0"/>
+              <a:t> </a:t>
+            </a:r>
+            <a:r>
+              <a:rPr lang="en-CA" b="1" dirty="0" smtClean="0"/>
+              <a:t>of </a:t>
+            </a:r>
+            <a:r>
+              <a:rPr lang="en-CA" b="1" dirty="0" smtClean="0"/>
+              <a:t>your </a:t>
+            </a:r>
+            <a:r>
+              <a:rPr lang="en-CA" b="1" dirty="0" smtClean="0"/>
+              <a:t>branch.  </a:t>
+            </a:r>
+            <a:r>
+              <a:rPr lang="en-CA" b="1" dirty="0" smtClean="0"/>
+              <a:t>Your version is on top.</a:t>
             </a:r>
             <a:endParaRPr lang="en-CA" b="1" dirty="0"/>
           </a:p>

--- a/powerpoint/An Introduction to GIT.pptx
+++ b/powerpoint/An Introduction to GIT.pptx
@@ -545,11 +545,11 @@
             </a:r>
             <a:r>
               <a:rPr lang="en-CA" baseline="0" dirty="0" smtClean="0"/>
-              <a:t> to be </a:t>
-            </a:r>
-            <a:r>
-              <a:rPr lang="en-CA" baseline="0" smtClean="0"/>
-              <a:t>an expert.</a:t>
+              <a:t> to be an expert</a:t>
+            </a:r>
+            <a:r>
+              <a:rPr lang="en-CA" baseline="0" dirty="0" smtClean="0"/>
+              <a:t>. I learned it on a Linux command line for a personal project, so I am using it this way almost exclusively. I don’t claim this is the only or the best way to do it. I do not focus on the command-line syntax. I introduce the language. I introduce the concepts. I want you to have the right picture in your head when working with GIT. You are free to use it either directly, or by means of any tool you find appealing.</a:t>
             </a:r>
             <a:endParaRPr lang="en-CA" dirty="0"/>
           </a:p>
@@ -1189,8 +1189,21 @@
           <a:p>
             <a:r>
               <a:rPr lang="en-CA" baseline="0" dirty="0" smtClean="0"/>
-              <a:t>GIT Extensions is a UI for GIT for </a:t>
-            </a:r>
+              <a:t>GIT Extensions is </a:t>
+            </a:r>
+            <a:r>
+              <a:rPr lang="en-CA" baseline="0" dirty="0" smtClean="0"/>
+              <a:t>a very simple usable </a:t>
+            </a:r>
+            <a:r>
+              <a:rPr lang="en-CA" baseline="0" dirty="0" smtClean="0"/>
+              <a:t>UI for GIT for </a:t>
+            </a:r>
+            <a:r>
+              <a:rPr lang="en-CA" baseline="0" dirty="0" smtClean="0"/>
+              <a:t>lots of platforms. Highly recommend.</a:t>
+            </a:r>
+            <a:endParaRPr lang="en-CA" baseline="0" dirty="0" smtClean="0"/>
           </a:p>
           <a:p>
             <a:r>
@@ -1215,8 +1228,13 @@
           <a:p>
             <a:r>
               <a:rPr lang="en-CA" baseline="0" dirty="0" smtClean="0"/>
-              <a:t>GIT-TF works with GIT for Windows to allow integration of native TFS repositories with GIT. It works surprisingly well!</a:t>
-            </a:r>
+              <a:t>GIT-TF works with GIT for Windows to allow integration of native TFS repositories with GIT. It works surprisingly </a:t>
+            </a:r>
+            <a:r>
+              <a:rPr lang="en-CA" baseline="0" dirty="0" smtClean="0"/>
+              <a:t>well, given how different TFS is.</a:t>
+            </a:r>
+            <a:endParaRPr lang="en-CA" baseline="0" dirty="0" smtClean="0"/>
           </a:p>
           <a:p>
             <a:r>
@@ -2579,8 +2597,17 @@
             </a:r>
             <a:r>
               <a:rPr lang="en-CA" baseline="0" dirty="0" smtClean="0"/>
-              <a:t>, though as you can see it is used very differently: with GIT you will be using branches to track your work items, not just entire projects. Rolling back a feature in this case is a simple exercise in locating the branch it was implemented in and rolling back the merge commit for it. One does not need to know what the change is, or even where it is, in order to undo it.</a:t>
-            </a:r>
+              <a:t>, though as you can see it is used very differently: with GIT you will be using branches to track your work items, not just entire projects. Rolling back a feature in this case is a simple exercise in locating the branch it was implemented in and rolling back the merge commit for it. One does not need to know what the change is, or even where it is, in order to undo it</a:t>
+            </a:r>
+            <a:r>
+              <a:rPr lang="en-CA" baseline="0" dirty="0" smtClean="0"/>
+              <a:t>. Also, that features can be re-merged at some point in the future, bring </a:t>
+            </a:r>
+            <a:r>
+              <a:rPr lang="en-CA" baseline="0" smtClean="0"/>
+              <a:t>it </a:t>
+            </a:r>
+            <a:endParaRPr lang="en-CA" baseline="0" dirty="0" smtClean="0"/>
           </a:p>
           <a:p>
             <a:endParaRPr lang="en-CA" baseline="0" dirty="0" smtClean="0"/>
@@ -2885,6 +2912,90 @@
 </p:notes>
 </file>
 
+<file path=ppt/notesSlides/notesSlide22.xml><?xml version="1.0" encoding="utf-8"?>
+<p:notes xmlns:a="http://schemas.openxmlformats.org/drawingml/2006/main" xmlns:r="http://schemas.openxmlformats.org/officeDocument/2006/relationships" xmlns:p="http://schemas.openxmlformats.org/presentationml/2006/main">
+  <p:cSld>
+    <p:spTree>
+      <p:nvGrpSpPr>
+        <p:cNvPr id="1" name=""/>
+        <p:cNvGrpSpPr/>
+        <p:nvPr/>
+      </p:nvGrpSpPr>
+      <p:grpSpPr>
+        <a:xfrm>
+          <a:off x="0" y="0"/>
+          <a:ext cx="0" cy="0"/>
+          <a:chOff x="0" y="0"/>
+          <a:chExt cx="0" cy="0"/>
+        </a:xfrm>
+      </p:grpSpPr>
+      <p:sp>
+        <p:nvSpPr>
+          <p:cNvPr id="2" name="Slide Image Placeholder 1"/>
+          <p:cNvSpPr>
+            <a:spLocks noGrp="1" noRot="1" noChangeAspect="1"/>
+          </p:cNvSpPr>
+          <p:nvPr>
+            <p:ph type="sldImg"/>
+          </p:nvPr>
+        </p:nvSpPr>
+        <p:spPr/>
+      </p:sp>
+      <p:sp>
+        <p:nvSpPr>
+          <p:cNvPr id="3" name="Notes Placeholder 2"/>
+          <p:cNvSpPr>
+            <a:spLocks noGrp="1"/>
+          </p:cNvSpPr>
+          <p:nvPr>
+            <p:ph type="body" idx="1"/>
+          </p:nvPr>
+        </p:nvSpPr>
+        <p:spPr/>
+        <p:txBody>
+          <a:bodyPr/>
+          <a:lstStyle/>
+          <a:p>
+            <a:endParaRPr lang="en-CA" dirty="0"/>
+          </a:p>
+        </p:txBody>
+      </p:sp>
+      <p:sp>
+        <p:nvSpPr>
+          <p:cNvPr id="4" name="Slide Number Placeholder 3"/>
+          <p:cNvSpPr>
+            <a:spLocks noGrp="1"/>
+          </p:cNvSpPr>
+          <p:nvPr>
+            <p:ph type="sldNum" sz="quarter" idx="10"/>
+          </p:nvPr>
+        </p:nvSpPr>
+        <p:spPr/>
+        <p:txBody>
+          <a:bodyPr/>
+          <a:lstStyle/>
+          <a:p>
+            <a:fld id="{CB55E3E3-40A9-4EFD-94DF-114BB2F8C3AE}" type="slidenum">
+              <a:rPr lang="en-CA" smtClean="0"/>
+              <a:t>26</a:t>
+            </a:fld>
+            <a:endParaRPr lang="en-CA"/>
+          </a:p>
+        </p:txBody>
+      </p:sp>
+    </p:spTree>
+    <p:extLst>
+      <p:ext uri="{BB962C8B-B14F-4D97-AF65-F5344CB8AC3E}">
+        <p14:creationId xmlns:p14="http://schemas.microsoft.com/office/powerpoint/2010/main" val="714024740"/>
+      </p:ext>
+    </p:extLst>
+  </p:cSld>
+  <p:clrMapOvr>
+    <a:masterClrMapping/>
+  </p:clrMapOvr>
+</p:notes>
+</file>
+
 <file path=ppt/notesSlides/notesSlide3.xml><?xml version="1.0" encoding="utf-8"?>
 <p:notes xmlns:a="http://schemas.openxmlformats.org/drawingml/2006/main" xmlns:r="http://schemas.openxmlformats.org/officeDocument/2006/relationships" xmlns:p="http://schemas.openxmlformats.org/presentationml/2006/main">
   <p:cSld>
@@ -2952,7 +3063,19 @@
             </a:r>
             <a:r>
               <a:rPr lang="en-CA" baseline="0" dirty="0" smtClean="0"/>
-              <a:t> is built for the enterprise: it is there to make sure you follow the rules of the enterprise. It assumes certain workflow and then tries to impose it on you: follow the process, or else. This is why it is so successful for waterfall development.</a:t>
+              <a:t> is built for the </a:t>
+            </a:r>
+            <a:r>
+              <a:rPr lang="en-CA" baseline="0" dirty="0" smtClean="0"/>
+              <a:t>traditional enterprise</a:t>
+            </a:r>
+            <a:r>
+              <a:rPr lang="en-CA" baseline="0" dirty="0" smtClean="0"/>
+              <a:t>: it is there to make sure you follow the rules of the enterprise. It assumes certain workflow and then tries to impose it on you: follow the process, or else. This is why it is so successful for waterfall development</a:t>
+            </a:r>
+            <a:r>
+              <a:rPr lang="en-CA" baseline="0" dirty="0" smtClean="0"/>
+              <a:t>.</a:t>
             </a:r>
             <a:endParaRPr lang="en-CA" dirty="0" smtClean="0"/>
           </a:p>
@@ -3008,13 +3131,55 @@
             </a:r>
             <a:r>
               <a:rPr lang="en-CA" baseline="0" dirty="0" smtClean="0"/>
-              <a:t> is there to enable you to do anything you may need to do, up until you try to merge your code. This is where most of the governance happens. This is very appropriate for open source projects, where there is often no single person “in charge” and developers are very loosely organized and scattered all over the world.</a:t>
-            </a:r>
-          </a:p>
-          <a:p>
+              <a:t> is there to enable you to do anything you may need to do, up until you try to merge your code. This is where most of the governance happens. This is very appropriate for </a:t>
+            </a:r>
+            <a:r>
+              <a:rPr lang="en-CA" baseline="0" dirty="0" smtClean="0"/>
+              <a:t>Agile development, </a:t>
+            </a:r>
+            <a:r>
+              <a:rPr lang="en-CA" baseline="0" dirty="0" smtClean="0"/>
+              <a:t>where </a:t>
+            </a:r>
+            <a:r>
+              <a:rPr lang="en-CA" baseline="0" dirty="0" smtClean="0"/>
+              <a:t>developers </a:t>
+            </a:r>
+            <a:r>
+              <a:rPr lang="en-CA" baseline="0" dirty="0" smtClean="0"/>
+              <a:t>are very loosely </a:t>
+            </a:r>
+            <a:r>
+              <a:rPr lang="en-CA" baseline="0" dirty="0" smtClean="0"/>
+              <a:t>organized </a:t>
+            </a:r>
+            <a:r>
+              <a:rPr lang="en-CA" baseline="0" dirty="0" smtClean="0"/>
+              <a:t>and scattered all over the world</a:t>
+            </a:r>
+            <a:r>
+              <a:rPr lang="en-CA" baseline="0" dirty="0" smtClean="0"/>
+              <a:t>. It is the go-to source control for many open-source projects.</a:t>
+            </a:r>
             <a:endParaRPr lang="en-CA" baseline="0" dirty="0" smtClean="0"/>
           </a:p>
           <a:p>
+            <a:endParaRPr lang="en-CA" baseline="0" dirty="0" smtClean="0"/>
+          </a:p>
+          <a:p>
+            <a:r>
+              <a:rPr lang="en-CA" baseline="0" dirty="0" smtClean="0"/>
+              <a:t>TFS, on the other hand, is somewhere in the middle. It caters to both types of development while specializing in none. I am guessing it would do well in any mixed Waterfall-Agile enterprises.</a:t>
+            </a:r>
+          </a:p>
+          <a:p>
+            <a:endParaRPr lang="en-CA" baseline="0" dirty="0" smtClean="0"/>
+          </a:p>
+          <a:p>
+            <a:r>
+              <a:rPr lang="en-CA" baseline="0" dirty="0" smtClean="0"/>
+              <a:t>Which one is best? Best for what?</a:t>
+            </a:r>
             <a:endParaRPr lang="en-CA" baseline="0" dirty="0" smtClean="0"/>
           </a:p>
         </p:txBody>
@@ -3099,28 +3264,81 @@
           <a:bodyPr/>
           <a:lstStyle/>
           <a:p>
-            <a:r>
-              <a:rPr lang="en-CA" baseline="0" dirty="0" smtClean="0"/>
-              <a:t>GIT imposes no constraints on how developers work. There is no “preferred workflow” everyone should follow. Developers can synchronize their code developer-to-developer directly, or even create a “feature master”, which then gets merged into “code master”. The merge operation is the gatekeeper: at that point conflicts and other merge issues are identified and are being resolved. Some open-source projects introduce a full-blown code review process at this time!</a:t>
-            </a:r>
-          </a:p>
-          <a:p>
+            <a:pPr marL="0" marR="0" indent="0" algn="l" defTabSz="914400" rtl="0" eaLnBrk="1" fontAlgn="auto" latinLnBrk="0" hangingPunct="1">
+              <a:lnSpc>
+                <a:spcPct val="100000"/>
+              </a:lnSpc>
+              <a:spcBef>
+                <a:spcPts val="0"/>
+              </a:spcBef>
+              <a:spcAft>
+                <a:spcPts val="0"/>
+              </a:spcAft>
+              <a:buClrTx/>
+              <a:buSzTx/>
+              <a:buFontTx/>
+              <a:buNone/>
+              <a:tabLst/>
+              <a:defRPr/>
+            </a:pPr>
+            <a:r>
+              <a:rPr lang="en-CA" baseline="0" dirty="0" smtClean="0"/>
+              <a:t>GIT imposes no constraints on how developers work. There is no “preferred workflow” everyone should follow. Developers can synchronize their code developer-to-developer directly, or even </a:t>
+            </a:r>
+            <a:r>
+              <a:rPr lang="en-CA" baseline="0" dirty="0" smtClean="0"/>
+              <a:t>create intermediate </a:t>
+            </a:r>
+            <a:r>
+              <a:rPr lang="en-CA" baseline="0" dirty="0" smtClean="0"/>
+              <a:t>“feature </a:t>
+            </a:r>
+            <a:r>
+              <a:rPr lang="en-CA" baseline="0" dirty="0" smtClean="0"/>
+              <a:t>masters”, </a:t>
+            </a:r>
+            <a:r>
+              <a:rPr lang="en-CA" baseline="0" dirty="0" smtClean="0"/>
+              <a:t>which then </a:t>
+            </a:r>
+            <a:r>
+              <a:rPr lang="en-CA" baseline="0" dirty="0" smtClean="0"/>
+              <a:t>get </a:t>
+            </a:r>
+            <a:r>
+              <a:rPr lang="en-CA" baseline="0" dirty="0" smtClean="0"/>
+              <a:t>merged into </a:t>
+            </a:r>
+            <a:r>
+              <a:rPr lang="en-CA" baseline="0" dirty="0" smtClean="0"/>
+              <a:t>the “master</a:t>
+            </a:r>
+            <a:r>
+              <a:rPr lang="en-CA" baseline="0" dirty="0" smtClean="0"/>
+              <a:t>”. The merge operation is the gatekeeper: at that point conflicts and other merge issues are identified and are being resolved. Some open-source projects introduce a full-blown code review process at this time</a:t>
+            </a:r>
+            <a:r>
+              <a:rPr lang="en-CA" baseline="0" dirty="0" smtClean="0"/>
+              <a:t>! Does this sound like Agile to anyone?</a:t>
+            </a:r>
             <a:endParaRPr lang="en-CA" baseline="0" dirty="0" smtClean="0"/>
           </a:p>
           <a:p>
-            <a:r>
-              <a:rPr lang="en-CA" baseline="0" dirty="0" smtClean="0"/>
-              <a:t>The downside? With great power comes great responsibility.</a:t>
-            </a:r>
-          </a:p>
-          <a:p>
             <a:endParaRPr lang="en-CA" baseline="0" dirty="0" smtClean="0"/>
           </a:p>
           <a:p>
             <a:r>
               <a:rPr lang="en-CA" baseline="0" dirty="0" smtClean="0"/>
-              <a:t>Does this sound like Scrum agile to anyone?</a:t>
-            </a:r>
+              <a:t>The downside? With great power comes great responsibility</a:t>
+            </a:r>
+            <a:r>
+              <a:rPr lang="en-CA" baseline="0" dirty="0" smtClean="0"/>
+              <a:t>. Here is a tool that can do wonders with no effort at all and keeps out of your way no matter what you are doing. Is this a good thing? What you do with it will make or break your development.</a:t>
+            </a:r>
+            <a:endParaRPr lang="en-CA" baseline="0" dirty="0" smtClean="0"/>
+          </a:p>
+          <a:p>
+            <a:endParaRPr lang="en-CA" baseline="0" dirty="0" smtClean="0"/>
           </a:p>
         </p:txBody>
       </p:sp>
@@ -3347,7 +3565,15 @@
             </a:r>
             <a:r>
               <a:rPr lang="en-CA" baseline="0" dirty="0" smtClean="0"/>
-              <a:t>, but also on their order. My </a:t>
+              <a:t>, but also on their </a:t>
+            </a:r>
+            <a:r>
+              <a:rPr lang="en-CA" baseline="0" dirty="0" smtClean="0"/>
+              <a:t>position. </a:t>
+            </a:r>
+            <a:r>
+              <a:rPr lang="en-CA" baseline="0" dirty="0" smtClean="0"/>
+              <a:t>My </a:t>
             </a:r>
             <a:r>
               <a:rPr lang="en-CA" baseline="0" dirty="0" err="1" smtClean="0"/>
@@ -3371,7 +3597,19 @@
             </a:r>
             <a:r>
               <a:rPr lang="en-CA" baseline="0" dirty="0" smtClean="0"/>
-              <a:t> into my repository, thus pushing your change before mine, and then attempt to sync again. Alternatively, I have to get rid of your </a:t>
+              <a:t> into my </a:t>
+            </a:r>
+            <a:r>
+              <a:rPr lang="en-CA" baseline="0" dirty="0" smtClean="0"/>
+              <a:t>repository first, </a:t>
+            </a:r>
+            <a:r>
+              <a:rPr lang="en-CA" baseline="0" dirty="0" smtClean="0"/>
+              <a:t>thus pushing your change before mine, and then attempt to sync again. Alternatively, I have to </a:t>
+            </a:r>
+            <a:r>
+              <a:rPr lang="en-CA" baseline="0" dirty="0" smtClean="0"/>
+              <a:t>rollback your </a:t>
             </a:r>
             <a:r>
               <a:rPr lang="en-CA" baseline="0" dirty="0" err="1" smtClean="0"/>
@@ -3379,16 +3617,41 @@
             </a:r>
             <a:r>
               <a:rPr lang="en-CA" baseline="0" dirty="0" smtClean="0"/>
-              <a:t> from master, pushing my change in the place of yours. </a:t>
-            </a:r>
-          </a:p>
-          <a:p>
+              <a:t> from </a:t>
+            </a:r>
+            <a:r>
+              <a:rPr lang="en-CA" baseline="0" dirty="0" smtClean="0"/>
+              <a:t>master, sync my change and then ask you to re-sync yours, thus pushing your </a:t>
+            </a:r>
+            <a:r>
+              <a:rPr lang="en-CA" baseline="0" dirty="0" err="1" smtClean="0"/>
+              <a:t>changeset</a:t>
+            </a:r>
+            <a:r>
+              <a:rPr lang="en-CA" baseline="0" dirty="0" smtClean="0"/>
+              <a:t> after mine.</a:t>
+            </a:r>
             <a:endParaRPr lang="en-CA" baseline="0" dirty="0" smtClean="0"/>
           </a:p>
           <a:p>
-            <a:r>
-              <a:rPr lang="en-CA" baseline="0" dirty="0" smtClean="0"/>
-              <a:t>Needless to say a GIT repository with a very large code base stored inside would be very difficult to work with, something </a:t>
+            <a:endParaRPr lang="en-CA" baseline="0" dirty="0" smtClean="0"/>
+          </a:p>
+          <a:p>
+            <a:r>
+              <a:rPr lang="en-CA" baseline="0" dirty="0" smtClean="0"/>
+              <a:t>Needless to say a GIT repository with a very large code base stored inside would be very difficult to work </a:t>
+            </a:r>
+            <a:r>
+              <a:rPr lang="en-CA" baseline="0" dirty="0" smtClean="0"/>
+              <a:t>with: there will be merge conflicts abound, sync operations will take forever and everyone will get very annoyed very quickly. This is </a:t>
+            </a:r>
+            <a:r>
+              <a:rPr lang="en-CA" baseline="0" dirty="0" smtClean="0"/>
+              <a:t>something </a:t>
+            </a:r>
+            <a:r>
+              <a:rPr lang="en-CA" baseline="0" dirty="0" smtClean="0"/>
+              <a:t>both </a:t>
             </a:r>
             <a:r>
               <a:rPr lang="en-CA" baseline="0" dirty="0" err="1" smtClean="0"/>
@@ -3396,8 +3659,17 @@
             </a:r>
             <a:r>
               <a:rPr lang="en-CA" baseline="0" dirty="0" smtClean="0"/>
-              <a:t> has no trouble with.</a:t>
-            </a:r>
+              <a:t> and TFS have </a:t>
+            </a:r>
+            <a:r>
+              <a:rPr lang="en-CA" baseline="0" dirty="0" smtClean="0"/>
+              <a:t>no trouble </a:t>
+            </a:r>
+            <a:r>
+              <a:rPr lang="en-CA" baseline="0" dirty="0" smtClean="0"/>
+              <a:t>with, but then they are meant for a different type of development.</a:t>
+            </a:r>
+            <a:endParaRPr lang="en-CA" baseline="0" dirty="0" smtClean="0"/>
           </a:p>
         </p:txBody>
       </p:sp>
@@ -3495,8 +3767,29 @@
             </a:r>
             <a:r>
               <a:rPr lang="en-CA" baseline="0" dirty="0" smtClean="0"/>
-              <a:t> server’s hard drive. Needless to say GIT performs at its best when the individual repositories are kept very small.</a:t>
-            </a:r>
+              <a:t> server’s hard drive</a:t>
+            </a:r>
+            <a:r>
+              <a:rPr lang="en-CA" baseline="0" dirty="0" smtClean="0"/>
+              <a:t>. I walk away with a </a:t>
+            </a:r>
+            <a:r>
+              <a:rPr lang="en-CA" baseline="0" dirty="0" err="1" smtClean="0"/>
+              <a:t>ClearCase</a:t>
+            </a:r>
+            <a:r>
+              <a:rPr lang="en-CA" baseline="0" dirty="0" smtClean="0"/>
+              <a:t> instance I can use independently. </a:t>
+            </a:r>
+            <a:r>
+              <a:rPr lang="en-CA" baseline="0" dirty="0" smtClean="0"/>
+              <a:t>Needless to say GIT performs at its best when the individual repositories are kept very small</a:t>
+            </a:r>
+            <a:r>
+              <a:rPr lang="en-CA" baseline="0" dirty="0" smtClean="0"/>
+              <a:t>. In general, large code bases will be structured as lots of very small repositories, which interact by some means.</a:t>
+            </a:r>
+            <a:endParaRPr lang="en-CA" baseline="0" dirty="0" smtClean="0"/>
           </a:p>
           <a:p>
             <a:endParaRPr lang="en-CA" baseline="0" dirty="0" smtClean="0"/>
@@ -3512,7 +3805,23 @@
             </a:r>
             <a:r>
               <a:rPr lang="en-CA" baseline="0" dirty="0" smtClean="0"/>
-              <a:t> of the file that ever was. Furthermore it does not recover even if I delete the checked-in artifact, since ultimately the file lives in the </a:t>
+              <a:t> of the file that ever was. Furthermore it does not recover even if I delete the checked-in artifact, since </a:t>
+            </a:r>
+            <a:r>
+              <a:rPr lang="en-CA" baseline="0" dirty="0" smtClean="0"/>
+              <a:t>the </a:t>
+            </a:r>
+            <a:r>
+              <a:rPr lang="en-CA" baseline="0" dirty="0" smtClean="0"/>
+              <a:t>file lives </a:t>
+            </a:r>
+            <a:r>
+              <a:rPr lang="en-CA" baseline="0" dirty="0" smtClean="0"/>
+              <a:t>on in </a:t>
+            </a:r>
+            <a:r>
+              <a:rPr lang="en-CA" baseline="0" dirty="0" smtClean="0"/>
+              <a:t>the </a:t>
             </a:r>
             <a:r>
               <a:rPr lang="en-CA" baseline="0" dirty="0" err="1" smtClean="0"/>
@@ -8713,15 +9022,6 @@
             <a:pPr marL="0" indent="0">
               <a:buNone/>
             </a:pPr>
-            <a:r>
-              <a:rPr lang="en-CA" dirty="0" smtClean="0"/>
-              <a:t>Both of these create a repository for you to work on:</a:t>
-            </a:r>
-          </a:p>
-          <a:p>
-            <a:pPr marL="0" indent="0">
-              <a:buNone/>
-            </a:pPr>
             <a:endParaRPr lang="en-CA" dirty="0" smtClean="0"/>
           </a:p>
           <a:p>
@@ -8731,8 +9031,13 @@
             </a:r>
             <a:r>
               <a:rPr lang="en-CA" dirty="0" smtClean="0"/>
-              <a:t> – creates a brand new GIT repository from scratch. Use when you do not intend to synchronize your repository anywhere else, or you wish to create a new master repository.</a:t>
-            </a:r>
+              <a:t> – creates a brand new GIT repository from scratch. Use when you do not intend to synchronize your repository anywhere else, or you wish to create a new master </a:t>
+            </a:r>
+            <a:r>
+              <a:rPr lang="en-CA" dirty="0" smtClean="0"/>
+              <a:t>repository others will synchronize into.</a:t>
+            </a:r>
+            <a:endParaRPr lang="en-CA" dirty="0" smtClean="0"/>
           </a:p>
           <a:p>
             <a:r>
@@ -9595,11 +9900,7 @@
           <a:p>
             <a:r>
               <a:rPr lang="en-CA" b="1" dirty="0" smtClean="0"/>
-              <a:t>Conflict area begins. HEAD is the </a:t>
-            </a:r>
-            <a:r>
-              <a:rPr lang="en-CA" b="1" dirty="0" smtClean="0"/>
-              <a:t>development </a:t>
+              <a:t>Conflict area begins. HEAD is the development </a:t>
             </a:r>
           </a:p>
           <a:p>
@@ -9613,19 +9914,7 @@
             </a:r>
             <a:r>
               <a:rPr lang="en-CA" b="1" dirty="0" smtClean="0"/>
-              <a:t>of </a:t>
-            </a:r>
-            <a:r>
-              <a:rPr lang="en-CA" b="1" dirty="0" smtClean="0"/>
-              <a:t>your </a:t>
-            </a:r>
-            <a:r>
-              <a:rPr lang="en-CA" b="1" dirty="0" smtClean="0"/>
-              <a:t>branch.  </a:t>
-            </a:r>
-            <a:r>
-              <a:rPr lang="en-CA" b="1" dirty="0" smtClean="0"/>
-              <a:t>Your version is on top.</a:t>
+              <a:t>of your branch.  Your version is on top.</a:t>
             </a:r>
             <a:endParaRPr lang="en-CA" b="1" dirty="0"/>
           </a:p>
@@ -9972,10 +10261,15 @@
             <p:ph idx="1"/>
           </p:nvPr>
         </p:nvSpPr>
-        <p:spPr/>
+        <p:spPr>
+          <a:xfrm>
+            <a:off x="457200" y="1600200"/>
+            <a:ext cx="8229600" cy="4925144"/>
+          </a:xfrm>
+        </p:spPr>
         <p:txBody>
           <a:bodyPr>
-            <a:normAutofit fontScale="77500" lnSpcReduction="20000"/>
+            <a:normAutofit fontScale="62500" lnSpcReduction="20000"/>
           </a:bodyPr>
           <a:lstStyle/>
           <a:p>
@@ -9990,79 +10284,109 @@
           <a:p>
             <a:r>
               <a:rPr lang="en-CA" dirty="0" smtClean="0"/>
-              <a:t>You have created one or more commits, but have not pushed: look up the commit GUID you want to roll back to and hard-reset your repository’s HEAD pointer to there.</a:t>
-            </a:r>
-          </a:p>
-          <a:p>
-            <a:pPr marL="400050" lvl="1" indent="0">
-              <a:buNone/>
-            </a:pPr>
-            <a:r>
-              <a:rPr lang="en-CA" dirty="0" smtClean="0"/>
-              <a:t>	</a:t>
-            </a:r>
-            <a:r>
-              <a:rPr lang="en-CA" dirty="0" smtClean="0">
-                <a:latin typeface="Courier New" panose="02070309020205020404" pitchFamily="49" charset="0"/>
-                <a:cs typeface="Courier New" panose="02070309020205020404" pitchFamily="49" charset="0"/>
-              </a:rPr>
-              <a:t>git </a:t>
-            </a:r>
-            <a:r>
-              <a:rPr lang="en-CA" dirty="0">
-                <a:latin typeface="Courier New" panose="02070309020205020404" pitchFamily="49" charset="0"/>
-                <a:cs typeface="Courier New" panose="02070309020205020404" pitchFamily="49" charset="0"/>
-              </a:rPr>
-              <a:t>reset --hard </a:t>
-            </a:r>
-            <a:r>
-              <a:rPr lang="en-CA" dirty="0" smtClean="0">
-                <a:latin typeface="Courier New" panose="02070309020205020404" pitchFamily="49" charset="0"/>
-                <a:cs typeface="Courier New" panose="02070309020205020404" pitchFamily="49" charset="0"/>
-              </a:rPr>
-              <a:t> &lt;</a:t>
-            </a:r>
-            <a:r>
-              <a:rPr lang="en-CA" dirty="0" err="1" smtClean="0">
-                <a:latin typeface="Courier New" panose="02070309020205020404" pitchFamily="49" charset="0"/>
-                <a:cs typeface="Courier New" panose="02070309020205020404" pitchFamily="49" charset="0"/>
-              </a:rPr>
-              <a:t>guid</a:t>
-            </a:r>
-            <a:r>
-              <a:rPr lang="en-CA" dirty="0" smtClean="0">
-                <a:latin typeface="Courier New" panose="02070309020205020404" pitchFamily="49" charset="0"/>
-                <a:cs typeface="Courier New" panose="02070309020205020404" pitchFamily="49" charset="0"/>
-              </a:rPr>
-              <a:t>&gt;</a:t>
-            </a:r>
-          </a:p>
-          <a:p>
-            <a:r>
-              <a:rPr lang="en-CA" dirty="0" smtClean="0"/>
-              <a:t>You have created one or more commits and have pushed them to remote: in addition, you have to do a “forced push”, that is a push operation which rewrites the repository history.</a:t>
-            </a:r>
-          </a:p>
-          <a:p>
-            <a:pPr marL="914400" lvl="2" indent="0">
-              <a:buNone/>
-            </a:pPr>
-            <a:r>
-              <a:rPr lang="en-CA" sz="2800" dirty="0" smtClean="0">
-                <a:latin typeface="Courier New" panose="02070309020205020404" pitchFamily="49" charset="0"/>
-                <a:cs typeface="Courier New" panose="02070309020205020404" pitchFamily="49" charset="0"/>
-              </a:rPr>
-              <a:t>git push –-force &lt;branch&gt;</a:t>
+              <a:t>You have created one or more commits, but </a:t>
+            </a:r>
+            <a:r>
+              <a:rPr lang="en-CA" dirty="0" smtClean="0"/>
+              <a:t>have </a:t>
+            </a:r>
+            <a:r>
+              <a:rPr lang="en-CA" dirty="0" smtClean="0"/>
+              <a:t>not </a:t>
+            </a:r>
+            <a:r>
+              <a:rPr lang="en-CA" dirty="0" smtClean="0"/>
+              <a:t>yet pushed them.</a:t>
+            </a:r>
+          </a:p>
+          <a:p>
+            <a:r>
+              <a:rPr lang="en-CA" dirty="0" smtClean="0"/>
+              <a:t>You </a:t>
+            </a:r>
+            <a:r>
+              <a:rPr lang="en-CA" dirty="0" smtClean="0"/>
+              <a:t>have created one or more commits and have pushed them to </a:t>
+            </a:r>
+            <a:r>
+              <a:rPr lang="en-CA" dirty="0" smtClean="0"/>
+              <a:t>remote: you need to force the remote repository to discard the affected </a:t>
+            </a:r>
+            <a:r>
+              <a:rPr lang="en-CA" dirty="0" err="1" smtClean="0"/>
+              <a:t>changesets</a:t>
+            </a:r>
+            <a:r>
+              <a:rPr lang="en-CA" dirty="0" smtClean="0"/>
+              <a:t>.</a:t>
             </a:r>
           </a:p>
           <a:p>
             <a:pPr marL="0" indent="0">
               <a:buNone/>
             </a:pPr>
-            <a:r>
-              <a:rPr lang="en-CA" dirty="0" smtClean="0"/>
-              <a:t>Needless to say, these are administrative commands to be used sparingly and with great care. This is altering the history of the repository.</a:t>
-            </a:r>
+            <a:endParaRPr lang="en-CA" dirty="0" smtClean="0"/>
+          </a:p>
+          <a:p>
+            <a:pPr marL="0" indent="0">
+              <a:buNone/>
+            </a:pPr>
+            <a:r>
+              <a:rPr lang="en-CA" dirty="0" smtClean="0"/>
+              <a:t>Two new GIT operations:</a:t>
+            </a:r>
+          </a:p>
+          <a:p>
+            <a:r>
+              <a:rPr lang="en-CA" dirty="0" smtClean="0"/>
+              <a:t>Reset – moves your repository’s HEAD pointer to a previous state. Any </a:t>
+            </a:r>
+            <a:r>
+              <a:rPr lang="en-CA" dirty="0" err="1" smtClean="0"/>
+              <a:t>changesets</a:t>
+            </a:r>
+            <a:r>
+              <a:rPr lang="en-CA" dirty="0" smtClean="0"/>
+              <a:t> left beyond the HEAD are discarded. This affects your local repository only.</a:t>
+            </a:r>
+          </a:p>
+          <a:p>
+            <a:r>
+              <a:rPr lang="en-CA" dirty="0" smtClean="0"/>
+              <a:t>Forced Push – unlike the regular push, this one forces the remote repository to become a copy of the local one.  Any </a:t>
+            </a:r>
+            <a:r>
+              <a:rPr lang="en-CA" dirty="0" err="1" smtClean="0"/>
+              <a:t>changesets</a:t>
+            </a:r>
+            <a:r>
+              <a:rPr lang="en-CA" dirty="0" smtClean="0"/>
+              <a:t> not present on the local one are discarded. Any </a:t>
+            </a:r>
+            <a:r>
+              <a:rPr lang="en-CA" dirty="0" err="1" smtClean="0"/>
+              <a:t>changesets</a:t>
+            </a:r>
+            <a:r>
+              <a:rPr lang="en-CA" dirty="0" smtClean="0"/>
+              <a:t> not present on remote are copied over. You are permanently rewriting the other repository’s history.</a:t>
+            </a:r>
+          </a:p>
+          <a:p>
+            <a:pPr marL="0" indent="0">
+              <a:buNone/>
+            </a:pPr>
+            <a:endParaRPr lang="en-CA" dirty="0" smtClean="0"/>
+          </a:p>
+          <a:p>
+            <a:pPr marL="0" indent="0">
+              <a:buNone/>
+            </a:pPr>
+            <a:r>
+              <a:rPr lang="en-CA" dirty="0" smtClean="0"/>
+              <a:t>Needless to say these two operations are administrative, are highly destructive if used incorrectly, and should never be used lightly.</a:t>
+            </a:r>
+            <a:endParaRPr lang="en-CA" dirty="0" smtClean="0"/>
           </a:p>
         </p:txBody>
       </p:sp>
@@ -11043,34 +11367,22 @@
         <p:spPr/>
         <p:txBody>
           <a:bodyPr>
-            <a:normAutofit fontScale="85000" lnSpcReduction="10000"/>
+            <a:normAutofit lnSpcReduction="10000"/>
           </a:bodyPr>
           <a:lstStyle/>
           <a:p>
             <a:r>
               <a:rPr lang="en-CA" dirty="0" smtClean="0"/>
-              <a:t>Creating a branch is a simple checkout operation away:</a:t>
-            </a:r>
-          </a:p>
-          <a:p>
-            <a:pPr marL="0" indent="0">
-              <a:buNone/>
-            </a:pPr>
-            <a:r>
-              <a:rPr lang="en-CA" sz="2800" dirty="0" smtClean="0"/>
-              <a:t>	</a:t>
-            </a:r>
-            <a:r>
-              <a:rPr lang="en-CA" sz="2800" dirty="0" smtClean="0">
-                <a:latin typeface="Courier New" panose="02070309020205020404" pitchFamily="49" charset="0"/>
-                <a:cs typeface="Courier New" panose="02070309020205020404" pitchFamily="49" charset="0"/>
-              </a:rPr>
-              <a:t>git checkout –b &lt;new branch name&gt;</a:t>
-            </a:r>
-            <a:endParaRPr lang="en-CA" sz="2800" dirty="0">
-              <a:latin typeface="Courier New" panose="02070309020205020404" pitchFamily="49" charset="0"/>
-              <a:cs typeface="Courier New" panose="02070309020205020404" pitchFamily="49" charset="0"/>
-            </a:endParaRPr>
+              <a:t>Creating a new branch only defines it locally. It does not put it, or any of the </a:t>
+            </a:r>
+            <a:r>
+              <a:rPr lang="en-CA" dirty="0" err="1" smtClean="0"/>
+              <a:t>changesets</a:t>
+            </a:r>
+            <a:r>
+              <a:rPr lang="en-CA" dirty="0" smtClean="0"/>
+              <a:t> on it, to master implicitly.</a:t>
+            </a:r>
           </a:p>
           <a:p>
             <a:r>
@@ -11078,21 +11390,14 @@
                 <a:latin typeface="+mj-lt"/>
                 <a:cs typeface="Courier New" panose="02070309020205020404" pitchFamily="49" charset="0"/>
               </a:rPr>
-              <a:t>Branch creation is very much like </a:t>
-            </a:r>
-            <a:r>
-              <a:rPr lang="en-CA" dirty="0" err="1" smtClean="0">
-                <a:latin typeface="+mj-lt"/>
-                <a:cs typeface="Courier New" panose="02070309020205020404" pitchFamily="49" charset="0"/>
-              </a:rPr>
-              <a:t>changeset</a:t>
+              <a:t>You </a:t>
             </a:r>
             <a:r>
               <a:rPr lang="en-CA" dirty="0" smtClean="0">
                 <a:latin typeface="+mj-lt"/>
                 <a:cs typeface="Courier New" panose="02070309020205020404" pitchFamily="49" charset="0"/>
               </a:rPr>
-              <a:t> creation: it is local until pushed.</a:t>
+              <a:t>are not required to push every branch you create.</a:t>
             </a:r>
           </a:p>
           <a:p>
@@ -11101,7 +11406,7 @@
                 <a:latin typeface="+mj-lt"/>
                 <a:cs typeface="Courier New" panose="02070309020205020404" pitchFamily="49" charset="0"/>
               </a:rPr>
-              <a:t>You are not required to push every branch you create.</a:t>
+              <a:t>You are not required to push every branch you create with the same name it exists locally.</a:t>
             </a:r>
           </a:p>
           <a:p>
@@ -11110,53 +11415,7 @@
                 <a:latin typeface="+mj-lt"/>
                 <a:cs typeface="Courier New" panose="02070309020205020404" pitchFamily="49" charset="0"/>
               </a:rPr>
-              <a:t>You are not required to push every branch you create with the same name it exists locally.</a:t>
-            </a:r>
-          </a:p>
-          <a:p>
-            <a:r>
-              <a:rPr lang="en-CA" dirty="0" smtClean="0">
-                <a:latin typeface="+mj-lt"/>
-                <a:cs typeface="Courier New" panose="02070309020205020404" pitchFamily="49" charset="0"/>
-              </a:rPr>
-              <a:t>This is how you push a branch:</a:t>
-            </a:r>
-          </a:p>
-          <a:p>
-            <a:pPr marL="0" indent="0">
-              <a:buNone/>
-            </a:pPr>
-            <a:r>
-              <a:rPr lang="en-CA" dirty="0"/>
-              <a:t>	</a:t>
-            </a:r>
-            <a:r>
-              <a:rPr lang="en-CA" sz="2800" dirty="0">
-                <a:latin typeface="Courier New" panose="02070309020205020404" pitchFamily="49" charset="0"/>
-                <a:cs typeface="Courier New" panose="02070309020205020404" pitchFamily="49" charset="0"/>
-              </a:rPr>
-              <a:t>git </a:t>
-            </a:r>
-            <a:r>
-              <a:rPr lang="en-CA" sz="2800" dirty="0" smtClean="0">
-                <a:latin typeface="Courier New" panose="02070309020205020404" pitchFamily="49" charset="0"/>
-                <a:cs typeface="Courier New" panose="02070309020205020404" pitchFamily="49" charset="0"/>
-              </a:rPr>
-              <a:t>push origin &lt;remote </a:t>
-            </a:r>
-            <a:r>
-              <a:rPr lang="en-CA" sz="2800" dirty="0">
-                <a:latin typeface="Courier New" panose="02070309020205020404" pitchFamily="49" charset="0"/>
-                <a:cs typeface="Courier New" panose="02070309020205020404" pitchFamily="49" charset="0"/>
-              </a:rPr>
-              <a:t>branch name</a:t>
-            </a:r>
-            <a:r>
-              <a:rPr lang="en-CA" sz="2800" dirty="0" smtClean="0">
-                <a:latin typeface="Courier New" panose="02070309020205020404" pitchFamily="49" charset="0"/>
-                <a:cs typeface="Courier New" panose="02070309020205020404" pitchFamily="49" charset="0"/>
-              </a:rPr>
-              <a:t>&gt;</a:t>
+              <a:t>A branch must be pushed in order to be seen by others.</a:t>
             </a:r>
             <a:endParaRPr lang="en-CA" sz="2800" dirty="0">
               <a:latin typeface="Courier New" panose="02070309020205020404" pitchFamily="49" charset="0"/>
@@ -11195,6 +11454,41 @@
           <a:chExt cx="0" cy="0"/>
         </a:xfrm>
       </p:grpSpPr>
+      <p:cxnSp>
+        <p:nvCxnSpPr>
+          <p:cNvPr id="14" name="Elbow Connector 13"/>
+          <p:cNvCxnSpPr/>
+          <p:nvPr/>
+        </p:nvCxnSpPr>
+        <p:spPr>
+          <a:xfrm rot="10800000">
+            <a:off x="1673678" y="1412776"/>
+            <a:ext cx="3726414" cy="1008112"/>
+          </a:xfrm>
+          <a:prstGeom prst="bentConnector3">
+            <a:avLst>
+              <a:gd name="adj1" fmla="val 546"/>
+            </a:avLst>
+          </a:prstGeom>
+          <a:ln w="44450">
+            <a:tailEnd type="arrow"/>
+          </a:ln>
+        </p:spPr>
+        <p:style>
+          <a:lnRef idx="1">
+            <a:schemeClr val="accent1"/>
+          </a:lnRef>
+          <a:fillRef idx="0">
+            <a:schemeClr val="accent1"/>
+          </a:fillRef>
+          <a:effectRef idx="0">
+            <a:schemeClr val="accent1"/>
+          </a:effectRef>
+          <a:fontRef idx="minor">
+            <a:schemeClr val="tx1"/>
+          </a:fontRef>
+        </p:style>
+      </p:cxnSp>
       <p:sp>
         <p:nvSpPr>
           <p:cNvPr id="2" name="Title 1"/>
@@ -11218,22 +11512,783 @@
           </a:p>
         </p:txBody>
       </p:sp>
-      <p:sp>
-        <p:nvSpPr>
-          <p:cNvPr id="3" name="Content Placeholder 2"/>
-          <p:cNvSpPr>
-            <a:spLocks noGrp="1"/>
-          </p:cNvSpPr>
-          <p:nvPr>
-            <p:ph idx="1"/>
-          </p:nvPr>
-        </p:nvSpPr>
-        <p:spPr/>
-        <p:txBody>
-          <a:bodyPr/>
-          <a:lstStyle/>
-          <a:p>
-            <a:endParaRPr lang="en-CA"/>
+      <p:cxnSp>
+        <p:nvCxnSpPr>
+          <p:cNvPr id="4" name="Elbow Connector 3"/>
+          <p:cNvCxnSpPr/>
+          <p:nvPr/>
+        </p:nvCxnSpPr>
+        <p:spPr>
+          <a:xfrm flipV="1">
+            <a:off x="1619672" y="2276872"/>
+            <a:ext cx="3780420" cy="1261864"/>
+          </a:xfrm>
+          <a:prstGeom prst="bentConnector3">
+            <a:avLst>
+              <a:gd name="adj1" fmla="val 98748"/>
+            </a:avLst>
+          </a:prstGeom>
+          <a:ln w="44450">
+            <a:tailEnd type="arrow"/>
+          </a:ln>
+        </p:spPr>
+        <p:style>
+          <a:lnRef idx="1">
+            <a:schemeClr val="accent1"/>
+          </a:lnRef>
+          <a:fillRef idx="0">
+            <a:schemeClr val="accent1"/>
+          </a:fillRef>
+          <a:effectRef idx="0">
+            <a:schemeClr val="accent1"/>
+          </a:effectRef>
+          <a:fontRef idx="minor">
+            <a:schemeClr val="tx1"/>
+          </a:fontRef>
+        </p:style>
+      </p:cxnSp>
+      <p:cxnSp>
+        <p:nvCxnSpPr>
+          <p:cNvPr id="5" name="Straight Arrow Connector 4"/>
+          <p:cNvCxnSpPr/>
+          <p:nvPr/>
+        </p:nvCxnSpPr>
+        <p:spPr>
+          <a:xfrm flipH="1" flipV="1">
+            <a:off x="1619672" y="1412776"/>
+            <a:ext cx="108012" cy="5184576"/>
+          </a:xfrm>
+          <a:prstGeom prst="straightConnector1">
+            <a:avLst/>
+          </a:prstGeom>
+          <a:ln w="44450">
+            <a:tailEnd type="arrow"/>
+          </a:ln>
+        </p:spPr>
+        <p:style>
+          <a:lnRef idx="1">
+            <a:schemeClr val="accent1"/>
+          </a:lnRef>
+          <a:fillRef idx="0">
+            <a:schemeClr val="accent1"/>
+          </a:fillRef>
+          <a:effectRef idx="0">
+            <a:schemeClr val="accent1"/>
+          </a:effectRef>
+          <a:fontRef idx="minor">
+            <a:schemeClr val="tx1"/>
+          </a:fontRef>
+        </p:style>
+      </p:cxnSp>
+      <p:sp>
+        <p:nvSpPr>
+          <p:cNvPr id="6" name="Trapezoid 5"/>
+          <p:cNvSpPr/>
+          <p:nvPr/>
+        </p:nvSpPr>
+        <p:spPr>
+          <a:xfrm>
+            <a:off x="467544" y="5190404"/>
+            <a:ext cx="2520280" cy="1152128"/>
+          </a:xfrm>
+          <a:prstGeom prst="trapezoid">
+            <a:avLst/>
+          </a:prstGeom>
+        </p:spPr>
+        <p:style>
+          <a:lnRef idx="2">
+            <a:schemeClr val="accent1">
+              <a:shade val="50000"/>
+            </a:schemeClr>
+          </a:lnRef>
+          <a:fillRef idx="1">
+            <a:schemeClr val="accent1"/>
+          </a:fillRef>
+          <a:effectRef idx="0">
+            <a:schemeClr val="accent1"/>
+          </a:effectRef>
+          <a:fontRef idx="minor">
+            <a:schemeClr val="lt1"/>
+          </a:fontRef>
+        </p:style>
+        <p:txBody>
+          <a:bodyPr rtlCol="0" anchor="ctr"/>
+          <a:lstStyle/>
+          <a:p>
+            <a:r>
+              <a:rPr lang="en-CA" dirty="0" smtClean="0">
+                <a:ln w="18415" cmpd="sng">
+                  <a:solidFill>
+                    <a:srgbClr val="FFFFFF"/>
+                  </a:solidFill>
+                  <a:prstDash val="solid"/>
+                </a:ln>
+                <a:solidFill>
+                  <a:srgbClr val="FFFFFF"/>
+                </a:solidFill>
+                <a:latin typeface="Courier New" panose="02070309020205020404" pitchFamily="49" charset="0"/>
+                <a:cs typeface="Courier New" panose="02070309020205020404" pitchFamily="49" charset="0"/>
+              </a:rPr>
+              <a:t>Repository</a:t>
+            </a:r>
+          </a:p>
+          <a:p>
+            <a:r>
+              <a:rPr lang="en-CA" dirty="0" smtClean="0">
+                <a:ln w="18415" cmpd="sng">
+                  <a:solidFill>
+                    <a:srgbClr val="FFFFFF"/>
+                  </a:solidFill>
+                  <a:prstDash val="solid"/>
+                </a:ln>
+                <a:solidFill>
+                  <a:srgbClr val="FFFFFF"/>
+                </a:solidFill>
+                <a:latin typeface="Courier New" panose="02070309020205020404" pitchFamily="49" charset="0"/>
+                <a:cs typeface="Courier New" panose="02070309020205020404" pitchFamily="49" charset="0"/>
+              </a:rPr>
+              <a:t> | +</a:t>
+            </a:r>
+            <a:r>
+              <a:rPr lang="en-CA" dirty="0" err="1" smtClean="0">
+                <a:ln w="18415" cmpd="sng">
+                  <a:solidFill>
+                    <a:srgbClr val="FFFFFF"/>
+                  </a:solidFill>
+                  <a:prstDash val="solid"/>
+                </a:ln>
+                <a:solidFill>
+                  <a:srgbClr val="FFFFFF"/>
+                </a:solidFill>
+                <a:latin typeface="Courier New" panose="02070309020205020404" pitchFamily="49" charset="0"/>
+                <a:cs typeface="Courier New" panose="02070309020205020404" pitchFamily="49" charset="0"/>
+              </a:rPr>
+              <a:t>dir</a:t>
+            </a:r>
+            <a:r>
+              <a:rPr lang="en-CA" dirty="0" smtClean="0">
+                <a:ln w="18415" cmpd="sng">
+                  <a:solidFill>
+                    <a:srgbClr val="FFFFFF"/>
+                  </a:solidFill>
+                  <a:prstDash val="solid"/>
+                </a:ln>
+                <a:solidFill>
+                  <a:srgbClr val="FFFFFF"/>
+                </a:solidFill>
+                <a:latin typeface="Courier New" panose="02070309020205020404" pitchFamily="49" charset="0"/>
+                <a:cs typeface="Courier New" panose="02070309020205020404" pitchFamily="49" charset="0"/>
+              </a:rPr>
+              <a:t> 1</a:t>
+            </a:r>
+          </a:p>
+        </p:txBody>
+      </p:sp>
+      <p:sp>
+        <p:nvSpPr>
+          <p:cNvPr id="7" name="Trapezoid 6"/>
+          <p:cNvSpPr/>
+          <p:nvPr/>
+        </p:nvSpPr>
+        <p:spPr>
+          <a:xfrm>
+            <a:off x="467544" y="4149080"/>
+            <a:ext cx="2520280" cy="1152128"/>
+          </a:xfrm>
+          <a:prstGeom prst="trapezoid">
+            <a:avLst/>
+          </a:prstGeom>
+        </p:spPr>
+        <p:style>
+          <a:lnRef idx="2">
+            <a:schemeClr val="accent1">
+              <a:shade val="50000"/>
+            </a:schemeClr>
+          </a:lnRef>
+          <a:fillRef idx="1">
+            <a:schemeClr val="accent1"/>
+          </a:fillRef>
+          <a:effectRef idx="0">
+            <a:schemeClr val="accent1"/>
+          </a:effectRef>
+          <a:fontRef idx="minor">
+            <a:schemeClr val="lt1"/>
+          </a:fontRef>
+        </p:style>
+        <p:txBody>
+          <a:bodyPr rtlCol="0" anchor="ctr"/>
+          <a:lstStyle/>
+          <a:p>
+            <a:r>
+              <a:rPr lang="en-CA" dirty="0" smtClean="0">
+                <a:ln w="18415" cmpd="sng">
+                  <a:solidFill>
+                    <a:srgbClr val="FFFFFF"/>
+                  </a:solidFill>
+                  <a:prstDash val="solid"/>
+                </a:ln>
+                <a:solidFill>
+                  <a:srgbClr val="FFFFFF"/>
+                </a:solidFill>
+                <a:latin typeface="Courier New" panose="02070309020205020404" pitchFamily="49" charset="0"/>
+                <a:cs typeface="Courier New" panose="02070309020205020404" pitchFamily="49" charset="0"/>
+              </a:rPr>
+              <a:t>Repository</a:t>
+            </a:r>
+          </a:p>
+          <a:p>
+            <a:r>
+              <a:rPr lang="en-CA" dirty="0">
+                <a:ln w="18415" cmpd="sng">
+                  <a:solidFill>
+                    <a:srgbClr val="FFFFFF"/>
+                  </a:solidFill>
+                  <a:prstDash val="solid"/>
+                </a:ln>
+                <a:solidFill>
+                  <a:srgbClr val="FFFFFF"/>
+                </a:solidFill>
+                <a:latin typeface="Courier New" panose="02070309020205020404" pitchFamily="49" charset="0"/>
+                <a:cs typeface="Courier New" panose="02070309020205020404" pitchFamily="49" charset="0"/>
+              </a:rPr>
+              <a:t> </a:t>
+            </a:r>
+            <a:r>
+              <a:rPr lang="en-CA" dirty="0" smtClean="0">
+                <a:ln w="18415" cmpd="sng">
+                  <a:solidFill>
+                    <a:srgbClr val="FFFFFF"/>
+                  </a:solidFill>
+                  <a:prstDash val="solid"/>
+                </a:ln>
+                <a:solidFill>
+                  <a:srgbClr val="FFFFFF"/>
+                </a:solidFill>
+                <a:latin typeface="Courier New" panose="02070309020205020404" pitchFamily="49" charset="0"/>
+                <a:cs typeface="Courier New" panose="02070309020205020404" pitchFamily="49" charset="0"/>
+              </a:rPr>
+              <a:t>| *</a:t>
+            </a:r>
+            <a:r>
+              <a:rPr lang="en-CA" dirty="0" err="1" smtClean="0">
+                <a:ln w="18415" cmpd="sng">
+                  <a:solidFill>
+                    <a:srgbClr val="FFFFFF"/>
+                  </a:solidFill>
+                  <a:prstDash val="solid"/>
+                </a:ln>
+                <a:solidFill>
+                  <a:srgbClr val="FFFFFF"/>
+                </a:solidFill>
+                <a:latin typeface="Courier New" panose="02070309020205020404" pitchFamily="49" charset="0"/>
+                <a:cs typeface="Courier New" panose="02070309020205020404" pitchFamily="49" charset="0"/>
+              </a:rPr>
+              <a:t>dir</a:t>
+            </a:r>
+            <a:r>
+              <a:rPr lang="en-CA" dirty="0" smtClean="0">
+                <a:ln w="18415" cmpd="sng">
+                  <a:solidFill>
+                    <a:srgbClr val="FFFFFF"/>
+                  </a:solidFill>
+                  <a:prstDash val="solid"/>
+                </a:ln>
+                <a:solidFill>
+                  <a:srgbClr val="FFFFFF"/>
+                </a:solidFill>
+                <a:latin typeface="Courier New" panose="02070309020205020404" pitchFamily="49" charset="0"/>
+                <a:cs typeface="Courier New" panose="02070309020205020404" pitchFamily="49" charset="0"/>
+              </a:rPr>
+              <a:t> 1</a:t>
+            </a:r>
+          </a:p>
+          <a:p>
+            <a:r>
+              <a:rPr lang="en-CA" dirty="0">
+                <a:ln w="18415" cmpd="sng">
+                  <a:solidFill>
+                    <a:srgbClr val="FFFFFF"/>
+                  </a:solidFill>
+                  <a:prstDash val="solid"/>
+                </a:ln>
+                <a:solidFill>
+                  <a:srgbClr val="FFFFFF"/>
+                </a:solidFill>
+                <a:latin typeface="Courier New" panose="02070309020205020404" pitchFamily="49" charset="0"/>
+                <a:cs typeface="Courier New" panose="02070309020205020404" pitchFamily="49" charset="0"/>
+              </a:rPr>
+              <a:t> </a:t>
+            </a:r>
+            <a:r>
+              <a:rPr lang="en-CA" dirty="0" smtClean="0">
+                <a:ln w="18415" cmpd="sng">
+                  <a:solidFill>
+                    <a:srgbClr val="FFFFFF"/>
+                  </a:solidFill>
+                  <a:prstDash val="solid"/>
+                </a:ln>
+                <a:solidFill>
+                  <a:srgbClr val="FFFFFF"/>
+                </a:solidFill>
+                <a:latin typeface="Courier New" panose="02070309020205020404" pitchFamily="49" charset="0"/>
+                <a:cs typeface="Courier New" panose="02070309020205020404" pitchFamily="49" charset="0"/>
+              </a:rPr>
+              <a:t>  \ +file 1</a:t>
+            </a:r>
+          </a:p>
+        </p:txBody>
+      </p:sp>
+      <p:sp>
+        <p:nvSpPr>
+          <p:cNvPr id="8" name="Trapezoid 7"/>
+          <p:cNvSpPr/>
+          <p:nvPr/>
+        </p:nvSpPr>
+        <p:spPr>
+          <a:xfrm>
+            <a:off x="467544" y="2996952"/>
+            <a:ext cx="2520280" cy="1152128"/>
+          </a:xfrm>
+          <a:prstGeom prst="trapezoid">
+            <a:avLst/>
+          </a:prstGeom>
+          <a:solidFill>
+            <a:srgbClr val="92D050"/>
+          </a:solidFill>
+        </p:spPr>
+        <p:style>
+          <a:lnRef idx="2">
+            <a:schemeClr val="accent1">
+              <a:shade val="50000"/>
+            </a:schemeClr>
+          </a:lnRef>
+          <a:fillRef idx="1">
+            <a:schemeClr val="accent1"/>
+          </a:fillRef>
+          <a:effectRef idx="0">
+            <a:schemeClr val="accent1"/>
+          </a:effectRef>
+          <a:fontRef idx="minor">
+            <a:schemeClr val="lt1"/>
+          </a:fontRef>
+        </p:style>
+        <p:txBody>
+          <a:bodyPr rtlCol="0" anchor="ctr"/>
+          <a:lstStyle/>
+          <a:p>
+            <a:r>
+              <a:rPr lang="en-CA" dirty="0" smtClean="0">
+                <a:ln w="18415" cmpd="sng">
+                  <a:solidFill>
+                    <a:srgbClr val="FFFFFF"/>
+                  </a:solidFill>
+                  <a:prstDash val="solid"/>
+                </a:ln>
+                <a:solidFill>
+                  <a:srgbClr val="FFFFFF"/>
+                </a:solidFill>
+                <a:latin typeface="Courier New" panose="02070309020205020404" pitchFamily="49" charset="0"/>
+                <a:cs typeface="Courier New" panose="02070309020205020404" pitchFamily="49" charset="0"/>
+              </a:rPr>
+              <a:t>Repository</a:t>
+            </a:r>
+          </a:p>
+          <a:p>
+            <a:r>
+              <a:rPr lang="en-CA" dirty="0" smtClean="0">
+                <a:ln w="18415" cmpd="sng">
+                  <a:solidFill>
+                    <a:srgbClr val="FFFFFF"/>
+                  </a:solidFill>
+                  <a:prstDash val="solid"/>
+                </a:ln>
+                <a:solidFill>
+                  <a:srgbClr val="FFFFFF"/>
+                </a:solidFill>
+                <a:latin typeface="Courier New" panose="02070309020205020404" pitchFamily="49" charset="0"/>
+                <a:cs typeface="Courier New" panose="02070309020205020404" pitchFamily="49" charset="0"/>
+              </a:rPr>
+              <a:t> |  </a:t>
+            </a:r>
+          </a:p>
+          <a:p>
+            <a:r>
+              <a:rPr lang="en-CA" dirty="0" smtClean="0">
+                <a:ln w="18415" cmpd="sng">
+                  <a:solidFill>
+                    <a:srgbClr val="FFFFFF"/>
+                  </a:solidFill>
+                  <a:prstDash val="solid"/>
+                </a:ln>
+                <a:solidFill>
+                  <a:srgbClr val="FFFFFF"/>
+                </a:solidFill>
+                <a:latin typeface="Courier New" panose="02070309020205020404" pitchFamily="49" charset="0"/>
+                <a:cs typeface="Courier New" panose="02070309020205020404" pitchFamily="49" charset="0"/>
+              </a:rPr>
+              <a:t> |  </a:t>
+            </a:r>
+          </a:p>
+          <a:p>
+            <a:r>
+              <a:rPr lang="en-CA" dirty="0" smtClean="0">
+                <a:ln w="18415" cmpd="sng">
+                  <a:solidFill>
+                    <a:srgbClr val="FFFFFF"/>
+                  </a:solidFill>
+                  <a:prstDash val="solid"/>
+                </a:ln>
+                <a:solidFill>
+                  <a:srgbClr val="FFFFFF"/>
+                </a:solidFill>
+                <a:latin typeface="Courier New" panose="02070309020205020404" pitchFamily="49" charset="0"/>
+                <a:cs typeface="Courier New" panose="02070309020205020404" pitchFamily="49" charset="0"/>
+              </a:rPr>
+              <a:t> | +</a:t>
+            </a:r>
+            <a:r>
+              <a:rPr lang="en-CA" dirty="0" err="1" smtClean="0">
+                <a:ln w="18415" cmpd="sng">
+                  <a:solidFill>
+                    <a:srgbClr val="FFFFFF"/>
+                  </a:solidFill>
+                  <a:prstDash val="solid"/>
+                </a:ln>
+                <a:solidFill>
+                  <a:srgbClr val="FFFFFF"/>
+                </a:solidFill>
+                <a:latin typeface="Courier New" panose="02070309020205020404" pitchFamily="49" charset="0"/>
+                <a:cs typeface="Courier New" panose="02070309020205020404" pitchFamily="49" charset="0"/>
+              </a:rPr>
+              <a:t>dir</a:t>
+            </a:r>
+            <a:r>
+              <a:rPr lang="en-CA" dirty="0" smtClean="0">
+                <a:ln w="18415" cmpd="sng">
+                  <a:solidFill>
+                    <a:srgbClr val="FFFFFF"/>
+                  </a:solidFill>
+                  <a:prstDash val="solid"/>
+                </a:ln>
+                <a:solidFill>
+                  <a:srgbClr val="FFFFFF"/>
+                </a:solidFill>
+                <a:latin typeface="Courier New" panose="02070309020205020404" pitchFamily="49" charset="0"/>
+                <a:cs typeface="Courier New" panose="02070309020205020404" pitchFamily="49" charset="0"/>
+              </a:rPr>
+              <a:t> 2</a:t>
+            </a:r>
+          </a:p>
+        </p:txBody>
+      </p:sp>
+      <p:sp>
+        <p:nvSpPr>
+          <p:cNvPr id="9" name="Trapezoid 8"/>
+          <p:cNvSpPr/>
+          <p:nvPr/>
+        </p:nvSpPr>
+        <p:spPr>
+          <a:xfrm>
+            <a:off x="4139952" y="1844824"/>
+            <a:ext cx="2520280" cy="1152128"/>
+          </a:xfrm>
+          <a:prstGeom prst="trapezoid">
+            <a:avLst/>
+          </a:prstGeom>
+          <a:solidFill>
+            <a:srgbClr val="FF0000"/>
+          </a:solidFill>
+        </p:spPr>
+        <p:style>
+          <a:lnRef idx="2">
+            <a:schemeClr val="accent1">
+              <a:shade val="50000"/>
+            </a:schemeClr>
+          </a:lnRef>
+          <a:fillRef idx="1">
+            <a:schemeClr val="accent1"/>
+          </a:fillRef>
+          <a:effectRef idx="0">
+            <a:schemeClr val="accent1"/>
+          </a:effectRef>
+          <a:fontRef idx="minor">
+            <a:schemeClr val="lt1"/>
+          </a:fontRef>
+        </p:style>
+        <p:txBody>
+          <a:bodyPr rtlCol="0" anchor="ctr"/>
+          <a:lstStyle/>
+          <a:p>
+            <a:r>
+              <a:rPr lang="en-CA" dirty="0" smtClean="0">
+                <a:ln w="18415" cmpd="sng">
+                  <a:solidFill>
+                    <a:srgbClr val="FFFFFF"/>
+                  </a:solidFill>
+                  <a:prstDash val="solid"/>
+                </a:ln>
+                <a:solidFill>
+                  <a:srgbClr val="FFFFFF"/>
+                </a:solidFill>
+                <a:latin typeface="Courier New" panose="02070309020205020404" pitchFamily="49" charset="0"/>
+                <a:cs typeface="Courier New" panose="02070309020205020404" pitchFamily="49" charset="0"/>
+              </a:rPr>
+              <a:t>Repository</a:t>
+            </a:r>
+          </a:p>
+          <a:p>
+            <a:r>
+              <a:rPr lang="en-CA" dirty="0" smtClean="0">
+                <a:ln w="18415" cmpd="sng">
+                  <a:solidFill>
+                    <a:srgbClr val="FFFFFF"/>
+                  </a:solidFill>
+                  <a:prstDash val="solid"/>
+                </a:ln>
+                <a:solidFill>
+                  <a:srgbClr val="FFFFFF"/>
+                </a:solidFill>
+                <a:latin typeface="Courier New" panose="02070309020205020404" pitchFamily="49" charset="0"/>
+                <a:cs typeface="Courier New" panose="02070309020205020404" pitchFamily="49" charset="0"/>
+              </a:rPr>
+              <a:t> | </a:t>
+            </a:r>
+            <a:r>
+              <a:rPr lang="en-CA" dirty="0" err="1" smtClean="0">
+                <a:ln w="18415" cmpd="sng">
+                  <a:solidFill>
+                    <a:srgbClr val="FFFFFF"/>
+                  </a:solidFill>
+                  <a:prstDash val="solid"/>
+                </a:ln>
+                <a:solidFill>
+                  <a:srgbClr val="FFFFFF"/>
+                </a:solidFill>
+                <a:latin typeface="Courier New" panose="02070309020205020404" pitchFamily="49" charset="0"/>
+                <a:cs typeface="Courier New" panose="02070309020205020404" pitchFamily="49" charset="0"/>
+              </a:rPr>
+              <a:t>dir</a:t>
+            </a:r>
+            <a:r>
+              <a:rPr lang="en-CA" dirty="0" smtClean="0">
+                <a:ln w="18415" cmpd="sng">
+                  <a:solidFill>
+                    <a:srgbClr val="FFFFFF"/>
+                  </a:solidFill>
+                  <a:prstDash val="solid"/>
+                </a:ln>
+                <a:solidFill>
+                  <a:srgbClr val="FFFFFF"/>
+                </a:solidFill>
+                <a:latin typeface="Courier New" panose="02070309020205020404" pitchFamily="49" charset="0"/>
+                <a:cs typeface="Courier New" panose="02070309020205020404" pitchFamily="49" charset="0"/>
+              </a:rPr>
+              <a:t> 1 </a:t>
+            </a:r>
+          </a:p>
+          <a:p>
+            <a:r>
+              <a:rPr lang="en-CA" dirty="0" smtClean="0">
+                <a:ln w="18415" cmpd="sng">
+                  <a:solidFill>
+                    <a:srgbClr val="FFFFFF"/>
+                  </a:solidFill>
+                  <a:prstDash val="solid"/>
+                </a:ln>
+                <a:solidFill>
+                  <a:srgbClr val="FFFFFF"/>
+                </a:solidFill>
+                <a:latin typeface="Courier New" panose="02070309020205020404" pitchFamily="49" charset="0"/>
+                <a:cs typeface="Courier New" panose="02070309020205020404" pitchFamily="49" charset="0"/>
+              </a:rPr>
+              <a:t>   \ *file 1</a:t>
+            </a:r>
+          </a:p>
+        </p:txBody>
+      </p:sp>
+      <p:sp>
+        <p:nvSpPr>
+          <p:cNvPr id="10" name="Trapezoid 9"/>
+          <p:cNvSpPr/>
+          <p:nvPr/>
+        </p:nvSpPr>
+        <p:spPr>
+          <a:xfrm>
+            <a:off x="467544" y="1844824"/>
+            <a:ext cx="2520280" cy="1152128"/>
+          </a:xfrm>
+          <a:prstGeom prst="trapezoid">
+            <a:avLst/>
+          </a:prstGeom>
+          <a:solidFill>
+            <a:srgbClr val="FF0000"/>
+          </a:solidFill>
+        </p:spPr>
+        <p:style>
+          <a:lnRef idx="2">
+            <a:schemeClr val="accent1">
+              <a:shade val="50000"/>
+            </a:schemeClr>
+          </a:lnRef>
+          <a:fillRef idx="1">
+            <a:schemeClr val="accent1"/>
+          </a:fillRef>
+          <a:effectRef idx="0">
+            <a:schemeClr val="accent1"/>
+          </a:effectRef>
+          <a:fontRef idx="minor">
+            <a:schemeClr val="lt1"/>
+          </a:fontRef>
+        </p:style>
+        <p:txBody>
+          <a:bodyPr rtlCol="0" anchor="ctr"/>
+          <a:lstStyle/>
+          <a:p>
+            <a:r>
+              <a:rPr lang="en-CA" dirty="0" smtClean="0">
+                <a:ln w="18415" cmpd="sng">
+                  <a:solidFill>
+                    <a:srgbClr val="FFFFFF"/>
+                  </a:solidFill>
+                  <a:prstDash val="solid"/>
+                </a:ln>
+                <a:solidFill>
+                  <a:srgbClr val="FFFFFF"/>
+                </a:solidFill>
+                <a:latin typeface="Courier New" panose="02070309020205020404" pitchFamily="49" charset="0"/>
+                <a:cs typeface="Courier New" panose="02070309020205020404" pitchFamily="49" charset="0"/>
+              </a:rPr>
+              <a:t>Repository</a:t>
+            </a:r>
+          </a:p>
+          <a:p>
+            <a:r>
+              <a:rPr lang="en-CA" dirty="0" smtClean="0">
+                <a:ln w="18415" cmpd="sng">
+                  <a:solidFill>
+                    <a:srgbClr val="FFFFFF"/>
+                  </a:solidFill>
+                  <a:prstDash val="solid"/>
+                </a:ln>
+                <a:solidFill>
+                  <a:srgbClr val="FFFFFF"/>
+                </a:solidFill>
+                <a:latin typeface="Courier New" panose="02070309020205020404" pitchFamily="49" charset="0"/>
+                <a:cs typeface="Courier New" panose="02070309020205020404" pitchFamily="49" charset="0"/>
+              </a:rPr>
+              <a:t> | </a:t>
+            </a:r>
+            <a:r>
+              <a:rPr lang="en-CA" dirty="0" err="1" smtClean="0">
+                <a:ln w="18415" cmpd="sng">
+                  <a:solidFill>
+                    <a:srgbClr val="FFFFFF"/>
+                  </a:solidFill>
+                  <a:prstDash val="solid"/>
+                </a:ln>
+                <a:solidFill>
+                  <a:srgbClr val="FFFFFF"/>
+                </a:solidFill>
+                <a:latin typeface="Courier New" panose="02070309020205020404" pitchFamily="49" charset="0"/>
+                <a:cs typeface="Courier New" panose="02070309020205020404" pitchFamily="49" charset="0"/>
+              </a:rPr>
+              <a:t>dir</a:t>
+            </a:r>
+            <a:r>
+              <a:rPr lang="en-CA" dirty="0" smtClean="0">
+                <a:ln w="18415" cmpd="sng">
+                  <a:solidFill>
+                    <a:srgbClr val="FFFFFF"/>
+                  </a:solidFill>
+                  <a:prstDash val="solid"/>
+                </a:ln>
+                <a:solidFill>
+                  <a:srgbClr val="FFFFFF"/>
+                </a:solidFill>
+                <a:latin typeface="Courier New" panose="02070309020205020404" pitchFamily="49" charset="0"/>
+                <a:cs typeface="Courier New" panose="02070309020205020404" pitchFamily="49" charset="0"/>
+              </a:rPr>
+              <a:t> 1 </a:t>
+            </a:r>
+          </a:p>
+          <a:p>
+            <a:r>
+              <a:rPr lang="en-CA" dirty="0" smtClean="0">
+                <a:ln w="18415" cmpd="sng">
+                  <a:solidFill>
+                    <a:srgbClr val="FFFFFF"/>
+                  </a:solidFill>
+                  <a:prstDash val="solid"/>
+                </a:ln>
+                <a:solidFill>
+                  <a:srgbClr val="FFFFFF"/>
+                </a:solidFill>
+                <a:latin typeface="Courier New" panose="02070309020205020404" pitchFamily="49" charset="0"/>
+                <a:cs typeface="Courier New" panose="02070309020205020404" pitchFamily="49" charset="0"/>
+              </a:rPr>
+              <a:t>   \ -file 1</a:t>
+            </a:r>
+          </a:p>
+        </p:txBody>
+      </p:sp>
+      <p:sp>
+        <p:nvSpPr>
+          <p:cNvPr id="16" name="TextBox 15"/>
+          <p:cNvSpPr txBox="1"/>
+          <p:nvPr/>
+        </p:nvSpPr>
+        <p:spPr>
+          <a:xfrm>
+            <a:off x="3131840" y="3568966"/>
+            <a:ext cx="5815242" cy="3139321"/>
+          </a:xfrm>
+          <a:prstGeom prst="rect">
+            <a:avLst/>
+          </a:prstGeom>
+          <a:noFill/>
+        </p:spPr>
+        <p:txBody>
+          <a:bodyPr wrap="square" rtlCol="0">
+            <a:spAutoFit/>
+          </a:bodyPr>
+          <a:lstStyle/>
+          <a:p>
+            <a:r>
+              <a:rPr lang="en-CA" dirty="0" smtClean="0"/>
+              <a:t>Merging a branch is the act of copying all </a:t>
+            </a:r>
+            <a:r>
+              <a:rPr lang="en-CA" dirty="0" err="1" smtClean="0"/>
+              <a:t>changesets</a:t>
+            </a:r>
+            <a:r>
+              <a:rPr lang="en-CA" dirty="0" smtClean="0"/>
+              <a:t> not present in the branch you are merging to into it, resolving any conflicts.</a:t>
+            </a:r>
+          </a:p>
+          <a:p>
+            <a:endParaRPr lang="en-CA" dirty="0"/>
+          </a:p>
+          <a:p>
+            <a:r>
+              <a:rPr lang="en-CA" dirty="0" smtClean="0"/>
+              <a:t>Merging two branches changes the branch you are merging TO, never the one you are merging FROM. You can continue working on the branch you are merging FROM after the </a:t>
+            </a:r>
+            <a:r>
+              <a:rPr lang="en-CA" smtClean="0"/>
+              <a:t>merge.</a:t>
+            </a:r>
+            <a:endParaRPr lang="en-CA" dirty="0" smtClean="0"/>
+          </a:p>
+          <a:p>
+            <a:endParaRPr lang="en-CA" dirty="0"/>
+          </a:p>
+          <a:p>
+            <a:r>
+              <a:rPr lang="en-CA" dirty="0" smtClean="0"/>
+              <a:t>Don’t forget to push the updated branch to remote, or your merge operation will not be visible by others.</a:t>
+            </a:r>
+            <a:endParaRPr lang="en-CA" dirty="0"/>
           </a:p>
         </p:txBody>
       </p:sp>

--- a/powerpoint/An Introduction to GIT.pptx
+++ b/powerpoint/An Introduction to GIT.pptx
@@ -5,7 +5,7 @@
     <p:sldMasterId id="2147483648" r:id="rId1"/>
   </p:sldMasterIdLst>
   <p:notesMasterIdLst>
-    <p:notesMasterId r:id="rId29"/>
+    <p:notesMasterId r:id="rId31"/>
   </p:notesMasterIdLst>
   <p:sldIdLst>
     <p:sldId id="256" r:id="rId2"/>
@@ -34,7 +34,9 @@
     <p:sldId id="279" r:id="rId25"/>
     <p:sldId id="280" r:id="rId26"/>
     <p:sldId id="282" r:id="rId27"/>
-    <p:sldId id="281" r:id="rId28"/>
+    <p:sldId id="283" r:id="rId28"/>
+    <p:sldId id="281" r:id="rId29"/>
+    <p:sldId id="284" r:id="rId30"/>
   </p:sldIdLst>
   <p:sldSz cx="9144000" cy="6858000" type="screen4x3"/>
   <p:notesSz cx="6858000" cy="9144000"/>
@@ -545,11 +547,7 @@
             </a:r>
             <a:r>
               <a:rPr lang="en-CA" baseline="0" dirty="0" smtClean="0"/>
-              <a:t> to be an expert</a:t>
-            </a:r>
-            <a:r>
-              <a:rPr lang="en-CA" baseline="0" dirty="0" smtClean="0"/>
-              <a:t>. I learned it on a Linux command line for a personal project, so I am using it this way almost exclusively. I don’t claim this is the only or the best way to do it. I do not focus on the command-line syntax. I introduce the language. I introduce the concepts. I want you to have the right picture in your head when working with GIT. You are free to use it either directly, or by means of any tool you find appealing.</a:t>
+              <a:t> to be an expert. I learned it on a Linux command line for a personal project, so I am using it this way almost exclusively. I don’t claim this is the only or the best way to do it. I do not focus on the command-line syntax. I introduce the language. I introduce the concepts. I want you to have the right picture in your head when working with GIT. You are free to use it either directly, or by means of any tool you find appealing.</a:t>
             </a:r>
             <a:endParaRPr lang="en-CA" dirty="0"/>
           </a:p>
@@ -1189,21 +1187,8 @@
           <a:p>
             <a:r>
               <a:rPr lang="en-CA" baseline="0" dirty="0" smtClean="0"/>
-              <a:t>GIT Extensions is </a:t>
-            </a:r>
-            <a:r>
-              <a:rPr lang="en-CA" baseline="0" dirty="0" smtClean="0"/>
-              <a:t>a very simple usable </a:t>
-            </a:r>
-            <a:r>
-              <a:rPr lang="en-CA" baseline="0" dirty="0" smtClean="0"/>
-              <a:t>UI for GIT for </a:t>
-            </a:r>
-            <a:r>
-              <a:rPr lang="en-CA" baseline="0" dirty="0" smtClean="0"/>
-              <a:t>lots of platforms. Highly recommend.</a:t>
-            </a:r>
-            <a:endParaRPr lang="en-CA" baseline="0" dirty="0" smtClean="0"/>
+              <a:t>GIT Extensions is a very simple usable UI for GIT for lots of platforms. Highly recommend.</a:t>
+            </a:r>
           </a:p>
           <a:p>
             <a:r>
@@ -1228,13 +1213,8 @@
           <a:p>
             <a:r>
               <a:rPr lang="en-CA" baseline="0" dirty="0" smtClean="0"/>
-              <a:t>GIT-TF works with GIT for Windows to allow integration of native TFS repositories with GIT. It works surprisingly </a:t>
-            </a:r>
-            <a:r>
-              <a:rPr lang="en-CA" baseline="0" dirty="0" smtClean="0"/>
-              <a:t>well, given how different TFS is.</a:t>
-            </a:r>
-            <a:endParaRPr lang="en-CA" baseline="0" dirty="0" smtClean="0"/>
+              <a:t>GIT-TF works with GIT for Windows to allow integration of native TFS repositories with GIT. It works surprisingly well, given how different TFS is.</a:t>
+            </a:r>
           </a:p>
           <a:p>
             <a:r>
@@ -1705,7 +1685,11 @@
             </a:pPr>
             <a:r>
               <a:rPr lang="en-CA" dirty="0" smtClean="0"/>
-              <a:t>G:\temp\gitdemo&gt;git push</a:t>
+              <a:t>G</a:t>
+            </a:r>
+            <a:r>
+              <a:rPr lang="en-CA" dirty="0" smtClean="0"/>
+              <a:t>:\temp\gitdemo&gt;git push</a:t>
             </a:r>
           </a:p>
           <a:p>
@@ -1854,8 +1838,22 @@
           <a:p>
             <a:r>
               <a:rPr lang="en-CA" baseline="0" dirty="0" smtClean="0"/>
-              <a:t>hint: See the 'Note about fast-forwards' in 'git push --help' for details.</a:t>
-            </a:r>
+              <a:t>hint: See the 'Note about fast-forwards' in 'git push --help' for details</a:t>
+            </a:r>
+            <a:r>
+              <a:rPr lang="en-CA" baseline="0" dirty="0" smtClean="0"/>
+              <a:t>.</a:t>
+            </a:r>
+          </a:p>
+          <a:p>
+            <a:endParaRPr lang="en-CA" baseline="0" dirty="0" smtClean="0"/>
+          </a:p>
+          <a:p>
+            <a:r>
+              <a:rPr lang="en-CA" baseline="0" dirty="0" smtClean="0"/>
+              <a:t>*** Don’t pull just yet.</a:t>
+            </a:r>
+            <a:endParaRPr lang="en-CA" baseline="0" dirty="0" smtClean="0"/>
           </a:p>
         </p:txBody>
       </p:sp>
@@ -2597,15 +2595,27 @@
             </a:r>
             <a:r>
               <a:rPr lang="en-CA" baseline="0" dirty="0" smtClean="0"/>
-              <a:t>, though as you can see it is used very differently: with GIT you will be using branches to track your work items, not just entire projects. Rolling back a feature in this case is a simple exercise in locating the branch it was implemented in and rolling back the merge commit for it. One does not need to know what the change is, or even where it is, in order to undo it</a:t>
+              <a:t>, though as you can see it is used very differently: with GIT you will be using branches to track your </a:t>
             </a:r>
             <a:r>
               <a:rPr lang="en-CA" baseline="0" dirty="0" smtClean="0"/>
-              <a:t>. Also, that features can be re-merged at some point in the future, bring </a:t>
-            </a:r>
-            <a:r>
-              <a:rPr lang="en-CA" baseline="0" smtClean="0"/>
-              <a:t>it </a:t>
+              <a:t>personal work </a:t>
+            </a:r>
+            <a:r>
+              <a:rPr lang="en-CA" baseline="0" dirty="0" smtClean="0"/>
+              <a:t>items, not </a:t>
+            </a:r>
+            <a:r>
+              <a:rPr lang="en-CA" baseline="0" dirty="0" smtClean="0"/>
+              <a:t>simply </a:t>
+            </a:r>
+            <a:r>
+              <a:rPr lang="en-CA" baseline="0" dirty="0" smtClean="0"/>
+              <a:t>entire projects. Rolling back a feature in this case is a simple exercise in locating the branch it was implemented in and rolling back the merge commit for it. One does not need to know what the change is, or even where it is, in order to undo it. Also, that features can be re-merged at some point in the future, bring it </a:t>
+            </a:r>
+            <a:r>
+              <a:rPr lang="en-CA" baseline="0" dirty="0" smtClean="0"/>
+              <a:t>back.</a:t>
             </a:r>
             <a:endParaRPr lang="en-CA" baseline="0" dirty="0" smtClean="0"/>
           </a:p>
@@ -2615,7 +2625,23 @@
           <a:p>
             <a:r>
               <a:rPr lang="en-CA" baseline="0" dirty="0" smtClean="0"/>
-              <a:t>What is the main branch? This is the branch your GIT repository is first created with. It is called “master”. What is special about it? Nothing, it was just the first branch created. There is nothing to say you have to always merge to it, though this is the accepted practice.</a:t>
+              <a:t>What is the main branch? This is the branch your GIT repository is first created with. It is </a:t>
+            </a:r>
+            <a:r>
+              <a:rPr lang="en-CA" baseline="0" dirty="0" smtClean="0"/>
+              <a:t>usually called </a:t>
+            </a:r>
+            <a:r>
+              <a:rPr lang="en-CA" baseline="0" dirty="0" smtClean="0"/>
+              <a:t>“master”. What is special about it? Nothing, it was just the first branch created. There is nothing to say you have to always </a:t>
+            </a:r>
+            <a:r>
+              <a:rPr lang="en-CA" baseline="0" dirty="0" smtClean="0"/>
+              <a:t>ultimately merge </a:t>
+            </a:r>
+            <a:r>
+              <a:rPr lang="en-CA" baseline="0" dirty="0" smtClean="0"/>
+              <a:t>to it, though this is the accepted practice.</a:t>
             </a:r>
           </a:p>
         </p:txBody>
@@ -2702,8 +2728,29 @@
           <a:p>
             <a:r>
               <a:rPr lang="en-CA" baseline="0" dirty="0" smtClean="0"/>
-              <a:t>I rolled back a merge before, which effectively deleted the commits performed after my branch’s sync point at the time. Ouch! What happens to the GIT repository that pushed them now? Nothing, it is fine and well, but an attempt to sync again yields something rather interesting.</a:t>
-            </a:r>
+              <a:t>I rolled back a merge before, which effectively deleted the commits performed after my branch’s sync point at the time. Ouch! What happens to the GIT repository that pushed them now? Nothing, it is fine and well, </a:t>
+            </a:r>
+            <a:r>
+              <a:rPr lang="en-CA" baseline="0" dirty="0" smtClean="0"/>
+              <a:t>it simply has to be pushed again. An </a:t>
+            </a:r>
+            <a:r>
+              <a:rPr lang="en-CA" baseline="0" dirty="0" smtClean="0"/>
+              <a:t>attempt to </a:t>
+            </a:r>
+            <a:r>
+              <a:rPr lang="en-CA" baseline="0" dirty="0" smtClean="0"/>
+              <a:t>do so </a:t>
+            </a:r>
+            <a:r>
+              <a:rPr lang="en-CA" baseline="0" dirty="0" smtClean="0"/>
+              <a:t>yields something rather </a:t>
+            </a:r>
+            <a:r>
+              <a:rPr lang="en-CA" baseline="0" dirty="0" smtClean="0"/>
+              <a:t>interesting:</a:t>
+            </a:r>
+            <a:endParaRPr lang="en-CA" baseline="0" dirty="0" smtClean="0"/>
           </a:p>
           <a:p>
             <a:endParaRPr lang="en-CA" baseline="0" dirty="0" smtClean="0"/>
@@ -2784,6 +2831,33 @@
             <a:endParaRPr lang="en-CA" dirty="0" smtClean="0"/>
           </a:p>
           <a:p>
+            <a:endParaRPr lang="en-CA" dirty="0" smtClean="0"/>
+          </a:p>
+          <a:p>
+            <a:r>
+              <a:rPr lang="en-CA" dirty="0" smtClean="0"/>
+              <a:t>I</a:t>
+            </a:r>
+            <a:r>
+              <a:rPr lang="en-CA" baseline="0" dirty="0" smtClean="0"/>
+              <a:t> have created a local branch. And this is how I push it to the world</a:t>
+            </a:r>
+          </a:p>
+          <a:p>
+            <a:endParaRPr lang="en-CA" baseline="0" dirty="0" smtClean="0"/>
+          </a:p>
+          <a:p>
+            <a:r>
+              <a:rPr lang="en-CA" dirty="0" smtClean="0"/>
+              <a:t>$ git push origin </a:t>
+            </a:r>
+            <a:r>
+              <a:rPr lang="en-CA" dirty="0" err="1" smtClean="0"/>
+              <a:t>testbranch</a:t>
+            </a:r>
+            <a:endParaRPr lang="en-CA" dirty="0" smtClean="0"/>
+          </a:p>
+          <a:p>
             <a:r>
               <a:rPr lang="en-CA" dirty="0" smtClean="0"/>
               <a:t>To </a:t>
@@ -2827,39 +2901,72 @@
           <a:p>
             <a:r>
               <a:rPr lang="en-CA" dirty="0" smtClean="0"/>
-              <a:t>I</a:t>
-            </a:r>
-            <a:r>
-              <a:rPr lang="en-CA" baseline="0" dirty="0" smtClean="0"/>
-              <a:t> have created a local branch. And this is how I push it to the world</a:t>
-            </a:r>
-          </a:p>
-          <a:p>
-            <a:endParaRPr lang="en-CA" baseline="0" dirty="0" smtClean="0"/>
-          </a:p>
-          <a:p>
-            <a:r>
-              <a:rPr lang="en-CA" dirty="0" smtClean="0"/>
-              <a:t>$ git push origin </a:t>
+              <a:t>No </a:t>
+            </a:r>
+            <a:r>
+              <a:rPr lang="en-CA" dirty="0" smtClean="0"/>
+              <a:t>conflict </a:t>
+            </a:r>
+            <a:r>
+              <a:rPr lang="en-CA" dirty="0" smtClean="0"/>
+              <a:t>now, at least not in my </a:t>
             </a:r>
             <a:r>
               <a:rPr lang="en-CA" dirty="0" err="1" smtClean="0"/>
               <a:t>testbranch</a:t>
             </a:r>
-            <a:endParaRPr lang="en-CA" dirty="0" smtClean="0"/>
-          </a:p>
-          <a:p>
-            <a:endParaRPr lang="en-CA" dirty="0" smtClean="0"/>
-          </a:p>
-          <a:p>
-            <a:r>
-              <a:rPr lang="en-CA" dirty="0" smtClean="0"/>
-              <a:t>No conflict now. I haven’t avoided it, though,</a:t>
+            <a:r>
+              <a:rPr lang="en-CA" dirty="0" smtClean="0"/>
+              <a:t>. </a:t>
+            </a:r>
+            <a:r>
+              <a:rPr lang="en-CA" dirty="0" smtClean="0"/>
+              <a:t>I haven’t avoided it, though,</a:t>
             </a:r>
             <a:r>
               <a:rPr lang="en-CA" baseline="0" dirty="0" smtClean="0"/>
-              <a:t> I have simply created an alternative development flow. I am free to develop in my own separate branch, until I try to merge my branch to the master. That conflict will happen all over again then.</a:t>
-            </a:r>
+              <a:t> I have simply created an alternative development flow. I am free to develop in my own separate branch, until I try to merge my branch to the master. That conflict will happen all over again then</a:t>
+            </a:r>
+            <a:r>
+              <a:rPr lang="en-CA" baseline="0" dirty="0" smtClean="0"/>
+              <a:t>.</a:t>
+            </a:r>
+          </a:p>
+          <a:p>
+            <a:endParaRPr lang="en-CA" baseline="0" dirty="0" smtClean="0"/>
+          </a:p>
+          <a:p>
+            <a:r>
+              <a:rPr lang="en-CA" baseline="0" dirty="0" smtClean="0"/>
+              <a:t>G:\github\demo&gt;git fetch origin master</a:t>
+            </a:r>
+          </a:p>
+          <a:p>
+            <a:r>
+              <a:rPr lang="en-CA" baseline="0" dirty="0" smtClean="0"/>
+              <a:t>From </a:t>
+            </a:r>
+            <a:r>
+              <a:rPr lang="en-CA" baseline="0" dirty="0" err="1" smtClean="0"/>
+              <a:t>github.com:kangelov</a:t>
+            </a:r>
+            <a:r>
+              <a:rPr lang="en-CA" baseline="0" dirty="0" smtClean="0"/>
+              <a:t>/demo</a:t>
+            </a:r>
+          </a:p>
+          <a:p>
+            <a:r>
+              <a:rPr lang="en-CA" baseline="0" dirty="0" smtClean="0"/>
+              <a:t> * branch            master     -&gt; FETCH_HEAD</a:t>
+            </a:r>
+          </a:p>
+          <a:p>
+            <a:r>
+              <a:rPr lang="en-CA" baseline="0" dirty="0" smtClean="0"/>
+              <a:t>G:\github\demo&gt;git log --all --branches --decorate --graph</a:t>
+            </a:r>
+            <a:endParaRPr lang="en-CA" baseline="0" dirty="0" smtClean="0"/>
           </a:p>
           <a:p>
             <a:endParaRPr lang="en-CA" baseline="0" dirty="0" smtClean="0"/>
@@ -2956,6 +3063,50 @@
           <a:bodyPr/>
           <a:lstStyle/>
           <a:p>
+            <a:r>
+              <a:rPr lang="en-CA" dirty="0" smtClean="0"/>
+              <a:t>Time to bite the bullet and</a:t>
+            </a:r>
+            <a:r>
+              <a:rPr lang="en-CA" baseline="0" dirty="0" smtClean="0"/>
+              <a:t> fix my conflict.</a:t>
+            </a:r>
+          </a:p>
+          <a:p>
+            <a:endParaRPr lang="en-CA" baseline="0" dirty="0" smtClean="0"/>
+          </a:p>
+          <a:p>
+            <a:r>
+              <a:rPr lang="en-CA" baseline="0" dirty="0" smtClean="0"/>
+              <a:t>git checkout master</a:t>
+            </a:r>
+          </a:p>
+          <a:p>
+            <a:r>
+              <a:rPr lang="en-CA" baseline="0" dirty="0" smtClean="0"/>
+              <a:t>git merge </a:t>
+            </a:r>
+            <a:r>
+              <a:rPr lang="en-CA" baseline="0" dirty="0" err="1" smtClean="0"/>
+              <a:t>testbranch</a:t>
+            </a:r>
+            <a:endParaRPr lang="en-CA" baseline="0" dirty="0" smtClean="0"/>
+          </a:p>
+          <a:p>
+            <a:r>
+              <a:rPr lang="en-CA" dirty="0" smtClean="0"/>
+              <a:t>git</a:t>
+            </a:r>
+            <a:r>
+              <a:rPr lang="en-CA" baseline="0" dirty="0" smtClean="0"/>
+              <a:t> add test.txt</a:t>
+            </a:r>
+          </a:p>
+          <a:p>
+            <a:r>
+              <a:rPr lang="en-CA" baseline="0" dirty="0" smtClean="0"/>
+              <a:t>git commit</a:t>
+            </a:r>
             <a:endParaRPr lang="en-CA" dirty="0"/>
           </a:p>
         </p:txBody>
@@ -2987,6 +3138,728 @@
     <p:extLst>
       <p:ext uri="{BB962C8B-B14F-4D97-AF65-F5344CB8AC3E}">
         <p14:creationId xmlns:p14="http://schemas.microsoft.com/office/powerpoint/2010/main" val="714024740"/>
+      </p:ext>
+    </p:extLst>
+  </p:cSld>
+  <p:clrMapOvr>
+    <a:masterClrMapping/>
+  </p:clrMapOvr>
+</p:notes>
+</file>
+
+<file path=ppt/notesSlides/notesSlide23.xml><?xml version="1.0" encoding="utf-8"?>
+<p:notes xmlns:a="http://schemas.openxmlformats.org/drawingml/2006/main" xmlns:r="http://schemas.openxmlformats.org/officeDocument/2006/relationships" xmlns:p="http://schemas.openxmlformats.org/presentationml/2006/main">
+  <p:cSld>
+    <p:spTree>
+      <p:nvGrpSpPr>
+        <p:cNvPr id="1" name=""/>
+        <p:cNvGrpSpPr/>
+        <p:nvPr/>
+      </p:nvGrpSpPr>
+      <p:grpSpPr>
+        <a:xfrm>
+          <a:off x="0" y="0"/>
+          <a:ext cx="0" cy="0"/>
+          <a:chOff x="0" y="0"/>
+          <a:chExt cx="0" cy="0"/>
+        </a:xfrm>
+      </p:grpSpPr>
+      <p:sp>
+        <p:nvSpPr>
+          <p:cNvPr id="2" name="Slide Image Placeholder 1"/>
+          <p:cNvSpPr>
+            <a:spLocks noGrp="1" noRot="1" noChangeAspect="1"/>
+          </p:cNvSpPr>
+          <p:nvPr>
+            <p:ph type="sldImg"/>
+          </p:nvPr>
+        </p:nvSpPr>
+        <p:spPr/>
+      </p:sp>
+      <p:sp>
+        <p:nvSpPr>
+          <p:cNvPr id="3" name="Notes Placeholder 2"/>
+          <p:cNvSpPr>
+            <a:spLocks noGrp="1"/>
+          </p:cNvSpPr>
+          <p:nvPr>
+            <p:ph type="body" idx="1"/>
+          </p:nvPr>
+        </p:nvSpPr>
+        <p:spPr/>
+        <p:txBody>
+          <a:bodyPr/>
+          <a:lstStyle/>
+          <a:p>
+            <a:r>
+              <a:rPr lang="en-CA" dirty="0" smtClean="0"/>
+              <a:t>You should only really consider doing this to rid a repository of abandoned branches as part of an effort to trim</a:t>
+            </a:r>
+            <a:r>
+              <a:rPr lang="en-CA" baseline="0" dirty="0" smtClean="0"/>
+              <a:t> it down. Under normal circumstances a developer should not be doing this.</a:t>
+            </a:r>
+            <a:endParaRPr lang="en-CA" dirty="0" smtClean="0"/>
+          </a:p>
+          <a:p>
+            <a:endParaRPr lang="en-CA" dirty="0" smtClean="0"/>
+          </a:p>
+          <a:p>
+            <a:r>
+              <a:rPr lang="en-CA" dirty="0" smtClean="0"/>
+              <a:t>G:\gitdemo&gt;git branch -D test</a:t>
+            </a:r>
+          </a:p>
+          <a:p>
+            <a:r>
+              <a:rPr lang="en-CA" dirty="0" smtClean="0"/>
+              <a:t>Deleted branch test (was c0cbc0d).</a:t>
+            </a:r>
+          </a:p>
+          <a:p>
+            <a:endParaRPr lang="en-CA" dirty="0" smtClean="0"/>
+          </a:p>
+          <a:p>
+            <a:r>
+              <a:rPr lang="en-CA" dirty="0" smtClean="0"/>
+              <a:t>G:\gitdemo&gt;git push origin :test</a:t>
+            </a:r>
+          </a:p>
+          <a:p>
+            <a:r>
+              <a:rPr lang="en-CA" dirty="0" smtClean="0"/>
+              <a:t>To </a:t>
+            </a:r>
+            <a:r>
+              <a:rPr lang="en-CA" dirty="0" err="1" smtClean="0"/>
+              <a:t>git@github.com:kangelov</a:t>
+            </a:r>
+            <a:r>
+              <a:rPr lang="en-CA" dirty="0" smtClean="0"/>
+              <a:t>/</a:t>
+            </a:r>
+            <a:r>
+              <a:rPr lang="en-CA" dirty="0" err="1" smtClean="0"/>
+              <a:t>gitdemo.git</a:t>
+            </a:r>
+            <a:endParaRPr lang="en-CA" dirty="0" smtClean="0"/>
+          </a:p>
+          <a:p>
+            <a:r>
+              <a:rPr lang="en-CA" dirty="0" smtClean="0"/>
+              <a:t> - [deleted]         test</a:t>
+            </a:r>
+          </a:p>
+          <a:p>
+            <a:endParaRPr lang="en-CA" dirty="0"/>
+          </a:p>
+        </p:txBody>
+      </p:sp>
+      <p:sp>
+        <p:nvSpPr>
+          <p:cNvPr id="4" name="Slide Number Placeholder 3"/>
+          <p:cNvSpPr>
+            <a:spLocks noGrp="1"/>
+          </p:cNvSpPr>
+          <p:nvPr>
+            <p:ph type="sldNum" sz="quarter" idx="10"/>
+          </p:nvPr>
+        </p:nvSpPr>
+        <p:spPr/>
+        <p:txBody>
+          <a:bodyPr/>
+          <a:lstStyle/>
+          <a:p>
+            <a:fld id="{CB55E3E3-40A9-4EFD-94DF-114BB2F8C3AE}" type="slidenum">
+              <a:rPr lang="en-CA" smtClean="0"/>
+              <a:t>27</a:t>
+            </a:fld>
+            <a:endParaRPr lang="en-CA"/>
+          </a:p>
+        </p:txBody>
+      </p:sp>
+    </p:spTree>
+    <p:extLst>
+      <p:ext uri="{BB962C8B-B14F-4D97-AF65-F5344CB8AC3E}">
+        <p14:creationId xmlns:p14="http://schemas.microsoft.com/office/powerpoint/2010/main" val="1739495290"/>
+      </p:ext>
+    </p:extLst>
+  </p:cSld>
+  <p:clrMapOvr>
+    <a:masterClrMapping/>
+  </p:clrMapOvr>
+</p:notes>
+</file>
+
+<file path=ppt/notesSlides/notesSlide24.xml><?xml version="1.0" encoding="utf-8"?>
+<p:notes xmlns:a="http://schemas.openxmlformats.org/drawingml/2006/main" xmlns:r="http://schemas.openxmlformats.org/officeDocument/2006/relationships" xmlns:p="http://schemas.openxmlformats.org/presentationml/2006/main">
+  <p:cSld>
+    <p:spTree>
+      <p:nvGrpSpPr>
+        <p:cNvPr id="1" name=""/>
+        <p:cNvGrpSpPr/>
+        <p:nvPr/>
+      </p:nvGrpSpPr>
+      <p:grpSpPr>
+        <a:xfrm>
+          <a:off x="0" y="0"/>
+          <a:ext cx="0" cy="0"/>
+          <a:chOff x="0" y="0"/>
+          <a:chExt cx="0" cy="0"/>
+        </a:xfrm>
+      </p:grpSpPr>
+      <p:sp>
+        <p:nvSpPr>
+          <p:cNvPr id="2" name="Slide Image Placeholder 1"/>
+          <p:cNvSpPr>
+            <a:spLocks noGrp="1" noRot="1" noChangeAspect="1"/>
+          </p:cNvSpPr>
+          <p:nvPr>
+            <p:ph type="sldImg"/>
+          </p:nvPr>
+        </p:nvSpPr>
+        <p:spPr/>
+      </p:sp>
+      <p:sp>
+        <p:nvSpPr>
+          <p:cNvPr id="3" name="Notes Placeholder 2"/>
+          <p:cNvSpPr>
+            <a:spLocks noGrp="1"/>
+          </p:cNvSpPr>
+          <p:nvPr>
+            <p:ph type="body" idx="1"/>
+          </p:nvPr>
+        </p:nvSpPr>
+        <p:spPr/>
+        <p:txBody>
+          <a:bodyPr/>
+          <a:lstStyle/>
+          <a:p>
+            <a:r>
+              <a:rPr lang="en-CA" dirty="0" smtClean="0"/>
+              <a:t>Ok, so I am going to go back in time and create a branch at a point in the past just before I create this whole</a:t>
+            </a:r>
+            <a:r>
+              <a:rPr lang="en-CA" baseline="0" dirty="0" smtClean="0"/>
+              <a:t> test.txt mess:</a:t>
+            </a:r>
+            <a:endParaRPr lang="en-CA" dirty="0" smtClean="0"/>
+          </a:p>
+          <a:p>
+            <a:endParaRPr lang="en-CA" dirty="0" smtClean="0"/>
+          </a:p>
+          <a:p>
+            <a:r>
+              <a:rPr lang="en-CA" dirty="0" smtClean="0"/>
+              <a:t>G:\github\demo2&gt;git checkout 33665c94ac59497813a2338f7fd3993ad6f445d0</a:t>
+            </a:r>
+          </a:p>
+          <a:p>
+            <a:endParaRPr lang="en-CA" dirty="0" smtClean="0"/>
+          </a:p>
+          <a:p>
+            <a:r>
+              <a:rPr lang="en-CA" dirty="0" smtClean="0"/>
+              <a:t>I am now going to create</a:t>
+            </a:r>
+            <a:r>
+              <a:rPr lang="en-CA" baseline="0" dirty="0" smtClean="0"/>
+              <a:t> a branch there:</a:t>
+            </a:r>
+          </a:p>
+          <a:p>
+            <a:endParaRPr lang="en-CA" baseline="0" dirty="0" smtClean="0"/>
+          </a:p>
+          <a:p>
+            <a:r>
+              <a:rPr lang="en-CA" dirty="0" smtClean="0"/>
+              <a:t>G:\github\demo2&gt;git checkout -b </a:t>
+            </a:r>
+            <a:r>
+              <a:rPr lang="en-CA" dirty="0" err="1" smtClean="0"/>
+              <a:t>cherrypickbranch</a:t>
+            </a:r>
+            <a:endParaRPr lang="en-CA" dirty="0" smtClean="0"/>
+          </a:p>
+          <a:p>
+            <a:r>
+              <a:rPr lang="en-CA" dirty="0" smtClean="0"/>
+              <a:t>Switched to a new branch '</a:t>
+            </a:r>
+            <a:r>
+              <a:rPr lang="en-CA" dirty="0" err="1" smtClean="0"/>
+              <a:t>cherrypickbranch</a:t>
+            </a:r>
+            <a:r>
+              <a:rPr lang="en-CA" dirty="0" smtClean="0"/>
+              <a:t>'</a:t>
+            </a:r>
+          </a:p>
+          <a:p>
+            <a:endParaRPr lang="en-CA" dirty="0" smtClean="0"/>
+          </a:p>
+          <a:p>
+            <a:r>
+              <a:rPr lang="en-CA" dirty="0" smtClean="0"/>
+              <a:t>G:\github\demo2&gt;git push origin </a:t>
+            </a:r>
+            <a:r>
+              <a:rPr lang="en-CA" dirty="0" err="1" smtClean="0"/>
+              <a:t>cherrypickbranch</a:t>
+            </a:r>
+            <a:endParaRPr lang="en-CA" dirty="0" smtClean="0"/>
+          </a:p>
+          <a:p>
+            <a:r>
+              <a:rPr lang="en-CA" dirty="0" smtClean="0"/>
+              <a:t>Total 0 (delta 0), reused 0 (delta 0)</a:t>
+            </a:r>
+          </a:p>
+          <a:p>
+            <a:r>
+              <a:rPr lang="en-CA" dirty="0" smtClean="0"/>
+              <a:t>To </a:t>
+            </a:r>
+            <a:r>
+              <a:rPr lang="en-CA" dirty="0" err="1" smtClean="0"/>
+              <a:t>git@github.com:kangelov</a:t>
+            </a:r>
+            <a:r>
+              <a:rPr lang="en-CA" dirty="0" smtClean="0"/>
+              <a:t>/</a:t>
+            </a:r>
+            <a:r>
+              <a:rPr lang="en-CA" dirty="0" err="1" smtClean="0"/>
+              <a:t>demo.git</a:t>
+            </a:r>
+            <a:endParaRPr lang="en-CA" dirty="0" smtClean="0"/>
+          </a:p>
+          <a:p>
+            <a:r>
+              <a:rPr lang="en-CA" dirty="0" smtClean="0"/>
+              <a:t> * [new branch]      </a:t>
+            </a:r>
+            <a:r>
+              <a:rPr lang="en-CA" dirty="0" err="1" smtClean="0"/>
+              <a:t>cherrypickbranch</a:t>
+            </a:r>
+            <a:r>
+              <a:rPr lang="en-CA" dirty="0" smtClean="0"/>
+              <a:t> -&gt; </a:t>
+            </a:r>
+            <a:r>
+              <a:rPr lang="en-CA" dirty="0" err="1" smtClean="0"/>
+              <a:t>cherrypickbranch</a:t>
+            </a:r>
+            <a:endParaRPr lang="en-CA" dirty="0" smtClean="0"/>
+          </a:p>
+          <a:p>
+            <a:endParaRPr lang="en-CA" dirty="0" smtClean="0"/>
+          </a:p>
+          <a:p>
+            <a:r>
+              <a:rPr lang="en-CA" dirty="0" smtClean="0"/>
+              <a:t>Suppose I want</a:t>
+            </a:r>
+            <a:r>
+              <a:rPr lang="en-CA" baseline="0" dirty="0" smtClean="0"/>
+              <a:t> to go back to the commit I merged into a new branch:</a:t>
+            </a:r>
+            <a:endParaRPr lang="en-CA" dirty="0" smtClean="0"/>
+          </a:p>
+          <a:p>
+            <a:endParaRPr lang="en-CA" dirty="0" smtClean="0"/>
+          </a:p>
+          <a:p>
+            <a:r>
+              <a:rPr lang="en-CA" dirty="0" smtClean="0"/>
+              <a:t>G:\github\demo2&gt;git cherry-pick 1db7049636410d93ef4a4e38110ac86a36bd5c9c</a:t>
+            </a:r>
+          </a:p>
+          <a:p>
+            <a:r>
+              <a:rPr lang="en-CA" dirty="0" smtClean="0"/>
+              <a:t>G:\github\demo2&gt;git push</a:t>
+            </a:r>
+          </a:p>
+          <a:p>
+            <a:r>
+              <a:rPr lang="en-CA" dirty="0" smtClean="0"/>
+              <a:t>G:\github\demo2&gt;git log --all --branches --decorate --graph</a:t>
+            </a:r>
+          </a:p>
+          <a:p>
+            <a:endParaRPr lang="en-CA" dirty="0" smtClean="0"/>
+          </a:p>
+          <a:p>
+            <a:r>
+              <a:rPr lang="en-CA" dirty="0" smtClean="0"/>
+              <a:t>I now have the unmerged test.txt into a branch of its own. I have effectively recreated</a:t>
+            </a:r>
+            <a:r>
+              <a:rPr lang="en-CA" baseline="0" dirty="0" smtClean="0"/>
+              <a:t> the </a:t>
+            </a:r>
+            <a:r>
+              <a:rPr lang="en-CA" baseline="0" dirty="0" err="1" smtClean="0"/>
+              <a:t>testbranch</a:t>
+            </a:r>
+            <a:r>
+              <a:rPr lang="en-CA" baseline="0" dirty="0" smtClean="0"/>
+              <a:t> I deleted earlier. </a:t>
+            </a:r>
+          </a:p>
+          <a:p>
+            <a:endParaRPr lang="en-CA" baseline="0" dirty="0" smtClean="0"/>
+          </a:p>
+          <a:p>
+            <a:r>
+              <a:rPr lang="en-CA" baseline="0" dirty="0" smtClean="0"/>
+              <a:t>This trick can be used to merge individual commits from a branch with lots of commits. I have used this trick in the past to create production patches for testing from changes I create against a development artifact.</a:t>
+            </a:r>
+          </a:p>
+          <a:p>
+            <a:endParaRPr lang="en-CA" baseline="0" dirty="0" smtClean="0"/>
+          </a:p>
+          <a:p>
+            <a:r>
+              <a:rPr lang="en-CA" baseline="0" dirty="0" smtClean="0"/>
+              <a:t>This feature should be used lightly: I pluck a </a:t>
+            </a:r>
+            <a:r>
+              <a:rPr lang="en-CA" baseline="0" dirty="0" err="1" smtClean="0"/>
+              <a:t>changeset</a:t>
+            </a:r>
+            <a:r>
+              <a:rPr lang="en-CA" baseline="0" dirty="0" smtClean="0"/>
+              <a:t> out of context and out of order with its peers. Anything at all can happen: maybe the developer never formatted his </a:t>
+            </a:r>
+            <a:r>
+              <a:rPr lang="en-CA" baseline="0" dirty="0" err="1" smtClean="0"/>
+              <a:t>changesets</a:t>
+            </a:r>
+            <a:r>
+              <a:rPr lang="en-CA" baseline="0" dirty="0" smtClean="0"/>
+              <a:t> properly, so the feature spans multiple </a:t>
+            </a:r>
+            <a:r>
+              <a:rPr lang="en-CA" baseline="0" dirty="0" err="1" smtClean="0"/>
+              <a:t>changesets</a:t>
+            </a:r>
+            <a:r>
+              <a:rPr lang="en-CA" baseline="0" dirty="0" smtClean="0"/>
+              <a:t>, or is mixed with other unrelated changes in a </a:t>
+            </a:r>
+            <a:r>
+              <a:rPr lang="en-CA" baseline="0" dirty="0" err="1" smtClean="0"/>
+              <a:t>changeset</a:t>
+            </a:r>
+            <a:r>
+              <a:rPr lang="en-CA" baseline="0" dirty="0" smtClean="0"/>
+              <a:t>. I can’t cherry-pick half of a </a:t>
+            </a:r>
+            <a:r>
+              <a:rPr lang="en-CA" baseline="0" dirty="0" err="1" smtClean="0"/>
+              <a:t>changeset</a:t>
+            </a:r>
+            <a:r>
+              <a:rPr lang="en-CA" baseline="0" dirty="0" smtClean="0"/>
+              <a:t>, it’s all or nothing. Development etiquette is to keep </a:t>
+            </a:r>
+            <a:r>
+              <a:rPr lang="en-CA" baseline="0" dirty="0" err="1" smtClean="0"/>
+              <a:t>changesets</a:t>
+            </a:r>
+            <a:r>
+              <a:rPr lang="en-CA" baseline="0" dirty="0" smtClean="0"/>
+              <a:t> self-contained, but GIT is not enforcing that. GIT simply trusts you know best.</a:t>
+            </a:r>
+          </a:p>
+          <a:p>
+            <a:endParaRPr lang="en-CA" baseline="0" dirty="0" smtClean="0"/>
+          </a:p>
+          <a:p>
+            <a:r>
+              <a:rPr lang="en-CA" baseline="0" dirty="0" smtClean="0"/>
+              <a:t>With great power comes great responsibility.</a:t>
+            </a:r>
+            <a:endParaRPr lang="en-CA" dirty="0"/>
+          </a:p>
+        </p:txBody>
+      </p:sp>
+      <p:sp>
+        <p:nvSpPr>
+          <p:cNvPr id="4" name="Slide Number Placeholder 3"/>
+          <p:cNvSpPr>
+            <a:spLocks noGrp="1"/>
+          </p:cNvSpPr>
+          <p:nvPr>
+            <p:ph type="sldNum" sz="quarter" idx="10"/>
+          </p:nvPr>
+        </p:nvSpPr>
+        <p:spPr/>
+        <p:txBody>
+          <a:bodyPr/>
+          <a:lstStyle/>
+          <a:p>
+            <a:fld id="{CB55E3E3-40A9-4EFD-94DF-114BB2F8C3AE}" type="slidenum">
+              <a:rPr lang="en-CA" smtClean="0"/>
+              <a:t>28</a:t>
+            </a:fld>
+            <a:endParaRPr lang="en-CA"/>
+          </a:p>
+        </p:txBody>
+      </p:sp>
+    </p:spTree>
+    <p:extLst>
+      <p:ext uri="{BB962C8B-B14F-4D97-AF65-F5344CB8AC3E}">
+        <p14:creationId xmlns:p14="http://schemas.microsoft.com/office/powerpoint/2010/main" val="475285037"/>
+      </p:ext>
+    </p:extLst>
+  </p:cSld>
+  <p:clrMapOvr>
+    <a:masterClrMapping/>
+  </p:clrMapOvr>
+</p:notes>
+</file>
+
+<file path=ppt/notesSlides/notesSlide25.xml><?xml version="1.0" encoding="utf-8"?>
+<p:notes xmlns:a="http://schemas.openxmlformats.org/drawingml/2006/main" xmlns:r="http://schemas.openxmlformats.org/officeDocument/2006/relationships" xmlns:p="http://schemas.openxmlformats.org/presentationml/2006/main">
+  <p:cSld>
+    <p:spTree>
+      <p:nvGrpSpPr>
+        <p:cNvPr id="1" name=""/>
+        <p:cNvGrpSpPr/>
+        <p:nvPr/>
+      </p:nvGrpSpPr>
+      <p:grpSpPr>
+        <a:xfrm>
+          <a:off x="0" y="0"/>
+          <a:ext cx="0" cy="0"/>
+          <a:chOff x="0" y="0"/>
+          <a:chExt cx="0" cy="0"/>
+        </a:xfrm>
+      </p:grpSpPr>
+      <p:sp>
+        <p:nvSpPr>
+          <p:cNvPr id="2" name="Slide Image Placeholder 1"/>
+          <p:cNvSpPr>
+            <a:spLocks noGrp="1" noRot="1" noChangeAspect="1"/>
+          </p:cNvSpPr>
+          <p:nvPr>
+            <p:ph type="sldImg"/>
+          </p:nvPr>
+        </p:nvSpPr>
+        <p:spPr/>
+      </p:sp>
+      <p:sp>
+        <p:nvSpPr>
+          <p:cNvPr id="3" name="Notes Placeholder 2"/>
+          <p:cNvSpPr>
+            <a:spLocks noGrp="1"/>
+          </p:cNvSpPr>
+          <p:nvPr>
+            <p:ph type="body" idx="1"/>
+          </p:nvPr>
+        </p:nvSpPr>
+        <p:spPr/>
+        <p:txBody>
+          <a:bodyPr/>
+          <a:lstStyle/>
+          <a:p>
+            <a:r>
+              <a:rPr lang="en-CA" dirty="0" smtClean="0"/>
+              <a:t>G:\github\demo2&gt;git tag "SILLY_TAG“</a:t>
+            </a:r>
+          </a:p>
+          <a:p>
+            <a:endParaRPr lang="en-CA" dirty="0" smtClean="0"/>
+          </a:p>
+          <a:p>
+            <a:r>
+              <a:rPr lang="en-CA" dirty="0" smtClean="0"/>
+              <a:t>G:\github\demo2&gt;git push --tag</a:t>
+            </a:r>
+          </a:p>
+          <a:p>
+            <a:r>
+              <a:rPr lang="en-CA" dirty="0" smtClean="0"/>
+              <a:t>Total 0 (delta 0), reused 0 (delta 0)</a:t>
+            </a:r>
+          </a:p>
+          <a:p>
+            <a:r>
+              <a:rPr lang="en-CA" dirty="0" smtClean="0"/>
+              <a:t>To </a:t>
+            </a:r>
+            <a:r>
+              <a:rPr lang="en-CA" dirty="0" err="1" smtClean="0"/>
+              <a:t>git@github.com:kangelov</a:t>
+            </a:r>
+            <a:r>
+              <a:rPr lang="en-CA" dirty="0" smtClean="0"/>
+              <a:t>/</a:t>
+            </a:r>
+            <a:r>
+              <a:rPr lang="en-CA" dirty="0" err="1" smtClean="0"/>
+              <a:t>demo.git</a:t>
+            </a:r>
+            <a:endParaRPr lang="en-CA" dirty="0" smtClean="0"/>
+          </a:p>
+          <a:p>
+            <a:r>
+              <a:rPr lang="en-CA" dirty="0" smtClean="0"/>
+              <a:t> * [new tag]         SILLY_TAG -&gt; SILLY_TAG</a:t>
+            </a:r>
+          </a:p>
+          <a:p>
+            <a:endParaRPr lang="en-CA" dirty="0" smtClean="0"/>
+          </a:p>
+          <a:p>
+            <a:r>
+              <a:rPr lang="en-CA" dirty="0" smtClean="0"/>
+              <a:t>Only</a:t>
+            </a:r>
+            <a:r>
+              <a:rPr lang="en-CA" baseline="0" dirty="0" smtClean="0"/>
+              <a:t> little caveat: GIT does not push or pull tags automatically. It needs to be told to do so.</a:t>
+            </a:r>
+          </a:p>
+          <a:p>
+            <a:endParaRPr lang="en-CA" baseline="0" dirty="0" smtClean="0"/>
+          </a:p>
+          <a:p>
+            <a:r>
+              <a:rPr lang="en-CA" dirty="0" smtClean="0"/>
+              <a:t>G:\github\demo&gt;git pull –-tags</a:t>
+            </a:r>
+          </a:p>
+          <a:p>
+            <a:r>
+              <a:rPr lang="en-CA" dirty="0" smtClean="0"/>
+              <a:t>remote: Counting objects: 3, done.</a:t>
+            </a:r>
+          </a:p>
+          <a:p>
+            <a:r>
+              <a:rPr lang="en-CA" dirty="0" smtClean="0"/>
+              <a:t>remote: Compressing objects: 100% (2/2), done.</a:t>
+            </a:r>
+          </a:p>
+          <a:p>
+            <a:r>
+              <a:rPr lang="en-CA" dirty="0" smtClean="0"/>
+              <a:t>remote: Total 3 (delta 0), reused 3 (delta 0), pack-reused 0</a:t>
+            </a:r>
+          </a:p>
+          <a:p>
+            <a:r>
+              <a:rPr lang="en-CA" dirty="0" smtClean="0"/>
+              <a:t>Unpacking objects: 100% (3/3), done.</a:t>
+            </a:r>
+          </a:p>
+          <a:p>
+            <a:r>
+              <a:rPr lang="en-CA" dirty="0" smtClean="0"/>
+              <a:t>From </a:t>
+            </a:r>
+            <a:r>
+              <a:rPr lang="en-CA" dirty="0" err="1" smtClean="0"/>
+              <a:t>github.com:kangelov</a:t>
+            </a:r>
+            <a:r>
+              <a:rPr lang="en-CA" dirty="0" smtClean="0"/>
+              <a:t>/demo</a:t>
+            </a:r>
+          </a:p>
+          <a:p>
+            <a:r>
+              <a:rPr lang="en-CA" dirty="0" smtClean="0"/>
+              <a:t> * [new branch]      </a:t>
+            </a:r>
+            <a:r>
+              <a:rPr lang="en-CA" dirty="0" err="1" smtClean="0"/>
+              <a:t>cherrypickbranch</a:t>
+            </a:r>
+            <a:r>
+              <a:rPr lang="en-CA" dirty="0" smtClean="0"/>
+              <a:t> -&gt; origin/</a:t>
+            </a:r>
+            <a:r>
+              <a:rPr lang="en-CA" dirty="0" err="1" smtClean="0"/>
+              <a:t>cherrypickbranch</a:t>
+            </a:r>
+            <a:endParaRPr lang="en-CA" dirty="0" smtClean="0"/>
+          </a:p>
+          <a:p>
+            <a:r>
+              <a:rPr lang="en-CA" dirty="0" smtClean="0"/>
+              <a:t> * [new tag]         SILLY_TAG  -&gt; SILLY_TAG</a:t>
+            </a:r>
+          </a:p>
+          <a:p>
+            <a:r>
+              <a:rPr lang="en-CA" dirty="0" smtClean="0"/>
+              <a:t>Already up-to-date.</a:t>
+            </a:r>
+          </a:p>
+          <a:p>
+            <a:endParaRPr lang="en-CA" dirty="0" smtClean="0"/>
+          </a:p>
+          <a:p>
+            <a:r>
+              <a:rPr lang="en-CA" dirty="0" smtClean="0"/>
+              <a:t>Of course, I can checkout a tag directly:</a:t>
+            </a:r>
+          </a:p>
+          <a:p>
+            <a:endParaRPr lang="en-CA" dirty="0" smtClean="0"/>
+          </a:p>
+          <a:p>
+            <a:r>
+              <a:rPr lang="en-CA" dirty="0" smtClean="0"/>
+              <a:t>G:\github\demo&gt;git checkout SILLY_TAG</a:t>
+            </a:r>
+          </a:p>
+          <a:p>
+            <a:endParaRPr lang="en-CA" dirty="0" smtClean="0"/>
+          </a:p>
+          <a:p>
+            <a:r>
+              <a:rPr lang="en-CA" dirty="0" smtClean="0"/>
+              <a:t>And this is what tags are good for.</a:t>
+            </a:r>
+            <a:endParaRPr lang="en-CA" dirty="0"/>
+          </a:p>
+        </p:txBody>
+      </p:sp>
+      <p:sp>
+        <p:nvSpPr>
+          <p:cNvPr id="4" name="Slide Number Placeholder 3"/>
+          <p:cNvSpPr>
+            <a:spLocks noGrp="1"/>
+          </p:cNvSpPr>
+          <p:nvPr>
+            <p:ph type="sldNum" sz="quarter" idx="10"/>
+          </p:nvPr>
+        </p:nvSpPr>
+        <p:spPr/>
+        <p:txBody>
+          <a:bodyPr/>
+          <a:lstStyle/>
+          <a:p>
+            <a:fld id="{CB55E3E3-40A9-4EFD-94DF-114BB2F8C3AE}" type="slidenum">
+              <a:rPr lang="en-CA" smtClean="0"/>
+              <a:t>29</a:t>
+            </a:fld>
+            <a:endParaRPr lang="en-CA"/>
+          </a:p>
+        </p:txBody>
+      </p:sp>
+    </p:spTree>
+    <p:extLst>
+      <p:ext uri="{BB962C8B-B14F-4D97-AF65-F5344CB8AC3E}">
+        <p14:creationId xmlns:p14="http://schemas.microsoft.com/office/powerpoint/2010/main" val="1361929206"/>
       </p:ext>
     </p:extLst>
   </p:cSld>
@@ -3063,19 +3936,7 @@
             </a:r>
             <a:r>
               <a:rPr lang="en-CA" baseline="0" dirty="0" smtClean="0"/>
-              <a:t> is built for the </a:t>
-            </a:r>
-            <a:r>
-              <a:rPr lang="en-CA" baseline="0" dirty="0" smtClean="0"/>
-              <a:t>traditional enterprise</a:t>
-            </a:r>
-            <a:r>
-              <a:rPr lang="en-CA" baseline="0" dirty="0" smtClean="0"/>
-              <a:t>: it is there to make sure you follow the rules of the enterprise. It assumes certain workflow and then tries to impose it on you: follow the process, or else. This is why it is so successful for waterfall development</a:t>
-            </a:r>
-            <a:r>
-              <a:rPr lang="en-CA" baseline="0" dirty="0" smtClean="0"/>
-              <a:t>.</a:t>
+              <a:t> is built for the traditional enterprise: it is there to make sure you follow the rules of the enterprise. It assumes certain workflow and then tries to impose it on you: follow the process, or else. This is why it is so successful for waterfall development.</a:t>
             </a:r>
             <a:endParaRPr lang="en-CA" dirty="0" smtClean="0"/>
           </a:p>
@@ -3131,37 +3992,8 @@
             </a:r>
             <a:r>
               <a:rPr lang="en-CA" baseline="0" dirty="0" smtClean="0"/>
-              <a:t> is there to enable you to do anything you may need to do, up until you try to merge your code. This is where most of the governance happens. This is very appropriate for </a:t>
-            </a:r>
-            <a:r>
-              <a:rPr lang="en-CA" baseline="0" dirty="0" smtClean="0"/>
-              <a:t>Agile development, </a:t>
-            </a:r>
-            <a:r>
-              <a:rPr lang="en-CA" baseline="0" dirty="0" smtClean="0"/>
-              <a:t>where </a:t>
-            </a:r>
-            <a:r>
-              <a:rPr lang="en-CA" baseline="0" dirty="0" smtClean="0"/>
-              <a:t>developers </a:t>
-            </a:r>
-            <a:r>
-              <a:rPr lang="en-CA" baseline="0" dirty="0" smtClean="0"/>
-              <a:t>are very loosely </a:t>
-            </a:r>
-            <a:r>
-              <a:rPr lang="en-CA" baseline="0" dirty="0" smtClean="0"/>
-              <a:t>organized </a:t>
-            </a:r>
-            <a:r>
-              <a:rPr lang="en-CA" baseline="0" dirty="0" smtClean="0"/>
-              <a:t>and scattered all over the world</a:t>
-            </a:r>
-            <a:r>
-              <a:rPr lang="en-CA" baseline="0" dirty="0" smtClean="0"/>
-              <a:t>. It is the go-to source control for many open-source projects.</a:t>
-            </a:r>
-            <a:endParaRPr lang="en-CA" baseline="0" dirty="0" smtClean="0"/>
+              <a:t> is there to enable you to do anything you may need to do, up until you try to merge your code. This is where most of the governance happens. This is very appropriate for Agile development, where developers are very loosely organized and scattered all over the world. It is the go-to source control for many open-source projects.</a:t>
+            </a:r>
           </a:p>
           <a:p>
             <a:endParaRPr lang="en-CA" baseline="0" dirty="0" smtClean="0"/>
@@ -3180,7 +4012,6 @@
               <a:rPr lang="en-CA" baseline="0" dirty="0" smtClean="0"/>
               <a:t>Which one is best? Best for what?</a:t>
             </a:r>
-            <a:endParaRPr lang="en-CA" baseline="0" dirty="0" smtClean="0"/>
           </a:p>
         </p:txBody>
       </p:sp>
@@ -3283,59 +4114,17 @@
             </a:pPr>
             <a:r>
               <a:rPr lang="en-CA" baseline="0" dirty="0" smtClean="0"/>
-              <a:t>GIT imposes no constraints on how developers work. There is no “preferred workflow” everyone should follow. Developers can synchronize their code developer-to-developer directly, or even </a:t>
-            </a:r>
+              <a:t>GIT imposes no constraints on how developers work. There is no “preferred workflow” everyone should follow. Developers can synchronize their code developer-to-developer directly, or even create intermediate “feature masters”, which then get merged into the “master”. The merge operation is the gatekeeper: at that point conflicts and other merge issues are identified and are being resolved. Some open-source projects introduce a full-blown code review process at this time! Does this sound like Agile to anyone?</a:t>
+            </a:r>
+          </a:p>
+          <a:p>
+            <a:endParaRPr lang="en-CA" baseline="0" dirty="0" smtClean="0"/>
+          </a:p>
+          <a:p>
             <a:r>
               <a:rPr lang="en-CA" baseline="0" dirty="0" smtClean="0"/>
-              <a:t>create intermediate </a:t>
-            </a:r>
-            <a:r>
-              <a:rPr lang="en-CA" baseline="0" dirty="0" smtClean="0"/>
-              <a:t>“feature </a:t>
-            </a:r>
-            <a:r>
-              <a:rPr lang="en-CA" baseline="0" dirty="0" smtClean="0"/>
-              <a:t>masters”, </a:t>
-            </a:r>
-            <a:r>
-              <a:rPr lang="en-CA" baseline="0" dirty="0" smtClean="0"/>
-              <a:t>which then </a:t>
-            </a:r>
-            <a:r>
-              <a:rPr lang="en-CA" baseline="0" dirty="0" smtClean="0"/>
-              <a:t>get </a:t>
-            </a:r>
-            <a:r>
-              <a:rPr lang="en-CA" baseline="0" dirty="0" smtClean="0"/>
-              <a:t>merged into </a:t>
-            </a:r>
-            <a:r>
-              <a:rPr lang="en-CA" baseline="0" dirty="0" smtClean="0"/>
-              <a:t>the “master</a:t>
-            </a:r>
-            <a:r>
-              <a:rPr lang="en-CA" baseline="0" dirty="0" smtClean="0"/>
-              <a:t>”. The merge operation is the gatekeeper: at that point conflicts and other merge issues are identified and are being resolved. Some open-source projects introduce a full-blown code review process at this time</a:t>
-            </a:r>
-            <a:r>
-              <a:rPr lang="en-CA" baseline="0" dirty="0" smtClean="0"/>
-              <a:t>! Does this sound like Agile to anyone?</a:t>
-            </a:r>
-            <a:endParaRPr lang="en-CA" baseline="0" dirty="0" smtClean="0"/>
-          </a:p>
-          <a:p>
-            <a:endParaRPr lang="en-CA" baseline="0" dirty="0" smtClean="0"/>
-          </a:p>
-          <a:p>
-            <a:r>
-              <a:rPr lang="en-CA" baseline="0" dirty="0" smtClean="0"/>
-              <a:t>The downside? With great power comes great responsibility</a:t>
-            </a:r>
-            <a:r>
-              <a:rPr lang="en-CA" baseline="0" dirty="0" smtClean="0"/>
-              <a:t>. Here is a tool that can do wonders with no effort at all and keeps out of your way no matter what you are doing. Is this a good thing? What you do with it will make or break your development.</a:t>
-            </a:r>
-            <a:endParaRPr lang="en-CA" baseline="0" dirty="0" smtClean="0"/>
+              <a:t>The downside? With great power comes great responsibility. Here is a tool that can do wonders with no effort at all and keeps out of your way no matter what you are doing. Is this a good thing? What you do with it will make or break your development.</a:t>
+            </a:r>
           </a:p>
           <a:p>
             <a:endParaRPr lang="en-CA" baseline="0" dirty="0" smtClean="0"/>
@@ -3565,15 +4354,7 @@
             </a:r>
             <a:r>
               <a:rPr lang="en-CA" baseline="0" dirty="0" smtClean="0"/>
-              <a:t>, but also on their </a:t>
-            </a:r>
-            <a:r>
-              <a:rPr lang="en-CA" baseline="0" dirty="0" smtClean="0"/>
-              <a:t>position. </a:t>
-            </a:r>
-            <a:r>
-              <a:rPr lang="en-CA" baseline="0" dirty="0" smtClean="0"/>
-              <a:t>My </a:t>
+              <a:t>, but also on their position. My </a:t>
             </a:r>
             <a:r>
               <a:rPr lang="en-CA" baseline="0" dirty="0" err="1" smtClean="0"/>
@@ -3597,19 +4378,7 @@
             </a:r>
             <a:r>
               <a:rPr lang="en-CA" baseline="0" dirty="0" smtClean="0"/>
-              <a:t> into my </a:t>
-            </a:r>
-            <a:r>
-              <a:rPr lang="en-CA" baseline="0" dirty="0" smtClean="0"/>
-              <a:t>repository first, </a:t>
-            </a:r>
-            <a:r>
-              <a:rPr lang="en-CA" baseline="0" dirty="0" smtClean="0"/>
-              <a:t>thus pushing your change before mine, and then attempt to sync again. Alternatively, I have to </a:t>
-            </a:r>
-            <a:r>
-              <a:rPr lang="en-CA" baseline="0" dirty="0" smtClean="0"/>
-              <a:t>rollback your </a:t>
+              <a:t> into my repository first, thus pushing your change before mine, and then attempt to sync again. Alternatively, I have to rollback your </a:t>
             </a:r>
             <a:r>
               <a:rPr lang="en-CA" baseline="0" dirty="0" err="1" smtClean="0"/>
@@ -3617,11 +4386,7 @@
             </a:r>
             <a:r>
               <a:rPr lang="en-CA" baseline="0" dirty="0" smtClean="0"/>
-              <a:t> from </a:t>
-            </a:r>
-            <a:r>
-              <a:rPr lang="en-CA" baseline="0" dirty="0" smtClean="0"/>
-              <a:t>master, sync my change and then ask you to re-sync yours, thus pushing your </a:t>
+              <a:t> from master, sync my change and then ask you to re-sync yours, thus pushing your </a:t>
             </a:r>
             <a:r>
               <a:rPr lang="en-CA" baseline="0" dirty="0" err="1" smtClean="0"/>
@@ -3631,27 +4396,14 @@
               <a:rPr lang="en-CA" baseline="0" dirty="0" smtClean="0"/>
               <a:t> after mine.</a:t>
             </a:r>
+          </a:p>
+          <a:p>
             <a:endParaRPr lang="en-CA" baseline="0" dirty="0" smtClean="0"/>
           </a:p>
           <a:p>
-            <a:endParaRPr lang="en-CA" baseline="0" dirty="0" smtClean="0"/>
-          </a:p>
-          <a:p>
             <a:r>
               <a:rPr lang="en-CA" baseline="0" dirty="0" smtClean="0"/>
-              <a:t>Needless to say a GIT repository with a very large code base stored inside would be very difficult to work </a:t>
-            </a:r>
-            <a:r>
-              <a:rPr lang="en-CA" baseline="0" dirty="0" smtClean="0"/>
-              <a:t>with: there will be merge conflicts abound, sync operations will take forever and everyone will get very annoyed very quickly. This is </a:t>
-            </a:r>
-            <a:r>
-              <a:rPr lang="en-CA" baseline="0" dirty="0" smtClean="0"/>
-              <a:t>something </a:t>
-            </a:r>
-            <a:r>
-              <a:rPr lang="en-CA" baseline="0" dirty="0" smtClean="0"/>
-              <a:t>both </a:t>
+              <a:t>Needless to say a GIT repository with a very large code base stored inside would be very difficult to work with: there will be merge conflicts abound, sync operations will take forever and everyone will get very annoyed very quickly. This is something both </a:t>
             </a:r>
             <a:r>
               <a:rPr lang="en-CA" baseline="0" dirty="0" err="1" smtClean="0"/>
@@ -3659,17 +4411,8 @@
             </a:r>
             <a:r>
               <a:rPr lang="en-CA" baseline="0" dirty="0" smtClean="0"/>
-              <a:t> and TFS have </a:t>
-            </a:r>
-            <a:r>
-              <a:rPr lang="en-CA" baseline="0" dirty="0" smtClean="0"/>
-              <a:t>no trouble </a:t>
-            </a:r>
-            <a:r>
-              <a:rPr lang="en-CA" baseline="0" dirty="0" smtClean="0"/>
-              <a:t>with, but then they are meant for a different type of development.</a:t>
-            </a:r>
-            <a:endParaRPr lang="en-CA" baseline="0" dirty="0" smtClean="0"/>
+              <a:t> and TFS have no trouble with, but then they are meant for a different type of development.</a:t>
+            </a:r>
           </a:p>
         </p:txBody>
       </p:sp>
@@ -3767,11 +4510,7 @@
             </a:r>
             <a:r>
               <a:rPr lang="en-CA" baseline="0" dirty="0" smtClean="0"/>
-              <a:t> server’s hard drive</a:t>
-            </a:r>
-            <a:r>
-              <a:rPr lang="en-CA" baseline="0" dirty="0" smtClean="0"/>
-              <a:t>. I walk away with a </a:t>
+              <a:t> server’s hard drive. I walk away with a </a:t>
             </a:r>
             <a:r>
               <a:rPr lang="en-CA" baseline="0" dirty="0" err="1" smtClean="0"/>
@@ -3779,17 +4518,8 @@
             </a:r>
             <a:r>
               <a:rPr lang="en-CA" baseline="0" dirty="0" smtClean="0"/>
-              <a:t> instance I can use independently. </a:t>
-            </a:r>
-            <a:r>
-              <a:rPr lang="en-CA" baseline="0" dirty="0" smtClean="0"/>
-              <a:t>Needless to say GIT performs at its best when the individual repositories are kept very small</a:t>
-            </a:r>
-            <a:r>
-              <a:rPr lang="en-CA" baseline="0" dirty="0" smtClean="0"/>
-              <a:t>. In general, large code bases will be structured as lots of very small repositories, which interact by some means.</a:t>
-            </a:r>
-            <a:endParaRPr lang="en-CA" baseline="0" dirty="0" smtClean="0"/>
+              <a:t> instance I can use independently. Needless to say GIT performs at its best when the individual repositories are kept very small. In general, large code bases will be structured as lots of very small repositories, which interact by some means.</a:t>
+            </a:r>
           </a:p>
           <a:p>
             <a:endParaRPr lang="en-CA" baseline="0" dirty="0" smtClean="0"/>
@@ -3805,23 +4535,7 @@
             </a:r>
             <a:r>
               <a:rPr lang="en-CA" baseline="0" dirty="0" smtClean="0"/>
-              <a:t> of the file that ever was. Furthermore it does not recover even if I delete the checked-in artifact, since </a:t>
-            </a:r>
-            <a:r>
-              <a:rPr lang="en-CA" baseline="0" dirty="0" smtClean="0"/>
-              <a:t>the </a:t>
-            </a:r>
-            <a:r>
-              <a:rPr lang="en-CA" baseline="0" dirty="0" smtClean="0"/>
-              <a:t>file lives </a:t>
-            </a:r>
-            <a:r>
-              <a:rPr lang="en-CA" baseline="0" dirty="0" smtClean="0"/>
-              <a:t>on in </a:t>
-            </a:r>
-            <a:r>
-              <a:rPr lang="en-CA" baseline="0" dirty="0" smtClean="0"/>
-              <a:t>the </a:t>
+              <a:t> of the file that ever was. Furthermore it does not recover even if I delete the checked-in artifact, since the file lives on in the </a:t>
             </a:r>
             <a:r>
               <a:rPr lang="en-CA" baseline="0" dirty="0" err="1" smtClean="0"/>
@@ -7479,8 +8193,8 @@
           <a:lstStyle/>
           <a:p>
             <a:r>
-              <a:rPr lang="en-CA" dirty="0" smtClean="0"/>
-              <a:t>Structure of a GIT Repository</a:t>
+              <a:rPr lang="en-CA" dirty="0"/>
+              <a:t>STRUCTURE OF A GIT REPOSITORY</a:t>
             </a:r>
             <a:endParaRPr lang="en-CA" dirty="0"/>
           </a:p>
@@ -7624,8 +8338,8 @@
           <a:lstStyle/>
           <a:p>
             <a:r>
-              <a:rPr lang="en-CA" dirty="0" smtClean="0"/>
-              <a:t>Structure of a GIT Repository</a:t>
+              <a:rPr lang="en-CA" dirty="0"/>
+              <a:t>STRUCTURE OF A GIT REPOSITORY</a:t>
             </a:r>
             <a:endParaRPr lang="en-CA" dirty="0"/>
           </a:p>
@@ -8009,9 +8723,10 @@
           <a:lstStyle/>
           <a:p>
             <a:r>
-              <a:rPr lang="en-CA" dirty="0"/>
-              <a:t>Structure of a GIT Repository</a:t>
-            </a:r>
+              <a:rPr lang="en-CA" dirty="0" smtClean="0"/>
+              <a:t>STRUCTURE OF A GIT REPOSITORY</a:t>
+            </a:r>
+            <a:endParaRPr lang="en-CA" dirty="0"/>
           </a:p>
         </p:txBody>
       </p:sp>
@@ -8653,7 +9368,7 @@
           <a:p>
             <a:r>
               <a:rPr lang="en-CA" dirty="0" smtClean="0"/>
-              <a:t>The Tools</a:t>
+              <a:t>THE TOOLS</a:t>
             </a:r>
             <a:endParaRPr lang="en-CA" dirty="0"/>
           </a:p>
@@ -8753,7 +9468,7 @@
           <a:p>
             <a:r>
               <a:rPr lang="en-CA" dirty="0" smtClean="0"/>
-              <a:t>The Tools</a:t>
+              <a:t>THE TOOLS</a:t>
             </a:r>
             <a:endParaRPr lang="en-CA" dirty="0"/>
           </a:p>
@@ -8986,12 +9701,8 @@
           <a:lstStyle/>
           <a:p>
             <a:r>
-              <a:rPr lang="en-CA" dirty="0" err="1" smtClean="0"/>
-              <a:t>Init</a:t>
-            </a:r>
-            <a:r>
-              <a:rPr lang="en-CA" dirty="0" smtClean="0"/>
-              <a:t>/Clone/Add/Commit</a:t>
+              <a:rPr lang="en-CA" dirty="0" smtClean="0"/>
+              <a:t>INIT / CLONE / ADD / COMMIT</a:t>
             </a:r>
             <a:endParaRPr lang="en-CA" dirty="0"/>
           </a:p>
@@ -9031,13 +9742,8 @@
             </a:r>
             <a:r>
               <a:rPr lang="en-CA" dirty="0" smtClean="0"/>
-              <a:t> – creates a brand new GIT repository from scratch. Use when you do not intend to synchronize your repository anywhere else, or you wish to create a new master </a:t>
-            </a:r>
-            <a:r>
-              <a:rPr lang="en-CA" dirty="0" smtClean="0"/>
-              <a:t>repository others will synchronize into.</a:t>
-            </a:r>
-            <a:endParaRPr lang="en-CA" dirty="0" smtClean="0"/>
+              <a:t> – creates a brand new GIT repository from scratch. Use when you do not intend to synchronize your repository anywhere else, or you wish to create a new master repository others will synchronize into.</a:t>
+            </a:r>
           </a:p>
           <a:p>
             <a:r>
@@ -9125,7 +9831,7 @@
           <a:p>
             <a:r>
               <a:rPr lang="en-CA" dirty="0" smtClean="0"/>
-              <a:t>Push/Pull</a:t>
+              <a:t>PUSH / PULL</a:t>
             </a:r>
             <a:endParaRPr lang="en-CA" dirty="0"/>
           </a:p>
@@ -9456,7 +10162,11 @@
           <a:p>
             <a:r>
               <a:rPr lang="en-CA" dirty="0" smtClean="0"/>
-              <a:t>What I am going to cover</a:t>
+              <a:t>What I am going to </a:t>
+            </a:r>
+            <a:r>
+              <a:rPr lang="en-CA" dirty="0" smtClean="0"/>
+              <a:t>cover here</a:t>
             </a:r>
             <a:endParaRPr lang="en-CA" dirty="0"/>
           </a:p>
@@ -9594,8 +10304,20 @@
             <a:pPr lvl="1"/>
             <a:r>
               <a:rPr lang="en-CA" sz="1600" dirty="0" smtClean="0"/>
-              <a:t>Merging a branch</a:t>
-            </a:r>
+              <a:t>Merging a </a:t>
+            </a:r>
+            <a:r>
+              <a:rPr lang="en-CA" sz="1600" dirty="0" smtClean="0"/>
+              <a:t>branch</a:t>
+            </a:r>
+          </a:p>
+          <a:p>
+            <a:pPr lvl="1"/>
+            <a:r>
+              <a:rPr lang="en-CA" sz="1600" dirty="0" smtClean="0"/>
+              <a:t>Deleting a branch</a:t>
+            </a:r>
+            <a:endParaRPr lang="en-CA" sz="1600" dirty="0" smtClean="0"/>
           </a:p>
           <a:p>
             <a:pPr lvl="1"/>
@@ -10284,33 +11006,13 @@
           <a:p>
             <a:r>
               <a:rPr lang="en-CA" dirty="0" smtClean="0"/>
-              <a:t>You have created one or more commits, but </a:t>
-            </a:r>
-            <a:r>
-              <a:rPr lang="en-CA" dirty="0" smtClean="0"/>
-              <a:t>have </a:t>
-            </a:r>
-            <a:r>
-              <a:rPr lang="en-CA" dirty="0" smtClean="0"/>
-              <a:t>not </a:t>
-            </a:r>
-            <a:r>
-              <a:rPr lang="en-CA" dirty="0" smtClean="0"/>
-              <a:t>yet pushed them.</a:t>
-            </a:r>
-          </a:p>
-          <a:p>
-            <a:r>
-              <a:rPr lang="en-CA" dirty="0" smtClean="0"/>
-              <a:t>You </a:t>
-            </a:r>
-            <a:r>
-              <a:rPr lang="en-CA" dirty="0" smtClean="0"/>
-              <a:t>have created one or more commits and have pushed them to </a:t>
-            </a:r>
-            <a:r>
-              <a:rPr lang="en-CA" dirty="0" smtClean="0"/>
-              <a:t>remote: you need to force the remote repository to discard the affected </a:t>
+              <a:t>You have created one or more commits, but have not yet pushed them.</a:t>
+            </a:r>
+          </a:p>
+          <a:p>
+            <a:r>
+              <a:rPr lang="en-CA" dirty="0" smtClean="0"/>
+              <a:t>You have created one or more commits and have pushed them to remote: you need to force the remote repository to discard the affected </a:t>
             </a:r>
             <a:r>
               <a:rPr lang="en-CA" dirty="0" err="1" smtClean="0"/>
@@ -10386,7 +11088,6 @@
               <a:rPr lang="en-CA" dirty="0" smtClean="0"/>
               <a:t>Needless to say these two operations are administrative, are highly destructive if used incorrectly, and should never be used lightly.</a:t>
             </a:r>
-            <a:endParaRPr lang="en-CA" dirty="0" smtClean="0"/>
           </a:p>
         </p:txBody>
       </p:sp>
@@ -11311,6 +12012,13 @@
   <p:clrMapOvr>
     <a:masterClrMapping/>
   </p:clrMapOvr>
+  <p:timing>
+    <p:tnLst>
+      <p:par>
+        <p:cTn id="1" dur="indefinite" restart="never" nodeType="tmRoot"/>
+      </p:par>
+    </p:tnLst>
+  </p:timing>
 </p:sld>
 </file>
 
@@ -11390,14 +12098,7 @@
                 <a:latin typeface="+mj-lt"/>
                 <a:cs typeface="Courier New" panose="02070309020205020404" pitchFamily="49" charset="0"/>
               </a:rPr>
-              <a:t>You </a:t>
-            </a:r>
-            <a:r>
-              <a:rPr lang="en-CA" dirty="0" smtClean="0">
-                <a:latin typeface="+mj-lt"/>
-                <a:cs typeface="Courier New" panose="02070309020205020404" pitchFamily="49" charset="0"/>
-              </a:rPr>
-              <a:t>are not required to push every branch you create.</a:t>
+              <a:t>You are not required to push every branch you create.</a:t>
             </a:r>
           </a:p>
           <a:p>
@@ -11434,6 +12135,13 @@
   <p:clrMapOvr>
     <a:masterClrMapping/>
   </p:clrMapOvr>
+  <p:timing>
+    <p:tnLst>
+      <p:par>
+        <p:cTn id="1" dur="indefinite" restart="never" nodeType="tmRoot"/>
+      </p:par>
+    </p:tnLst>
+  </p:timing>
 </p:sld>
 </file>
 
@@ -12302,6 +13010,13 @@
   <p:clrMapOvr>
     <a:masterClrMapping/>
   </p:clrMapOvr>
+  <p:timing>
+    <p:tnLst>
+      <p:par>
+        <p:cTn id="1" dur="indefinite" restart="never" nodeType="tmRoot"/>
+      </p:par>
+    </p:tnLst>
+  </p:timing>
 </p:sld>
 </file>
 
@@ -12339,6 +13054,948 @@
           <a:p>
             <a:r>
               <a:rPr lang="en-CA" dirty="0" smtClean="0"/>
+              <a:t>DELETING A BRANCH</a:t>
+            </a:r>
+            <a:endParaRPr lang="en-CA" dirty="0"/>
+          </a:p>
+        </p:txBody>
+      </p:sp>
+      <p:cxnSp>
+        <p:nvCxnSpPr>
+          <p:cNvPr id="4" name="Elbow Connector 3"/>
+          <p:cNvCxnSpPr/>
+          <p:nvPr/>
+        </p:nvCxnSpPr>
+        <p:spPr>
+          <a:xfrm flipV="1">
+            <a:off x="1619672" y="1484784"/>
+            <a:ext cx="3780420" cy="2053952"/>
+          </a:xfrm>
+          <a:prstGeom prst="bentConnector3">
+            <a:avLst>
+              <a:gd name="adj1" fmla="val 100145"/>
+            </a:avLst>
+          </a:prstGeom>
+          <a:ln w="44450">
+            <a:tailEnd type="arrow"/>
+          </a:ln>
+        </p:spPr>
+        <p:style>
+          <a:lnRef idx="1">
+            <a:schemeClr val="accent1"/>
+          </a:lnRef>
+          <a:fillRef idx="0">
+            <a:schemeClr val="accent1"/>
+          </a:fillRef>
+          <a:effectRef idx="0">
+            <a:schemeClr val="accent1"/>
+          </a:effectRef>
+          <a:fontRef idx="minor">
+            <a:schemeClr val="tx1"/>
+          </a:fontRef>
+        </p:style>
+      </p:cxnSp>
+      <p:cxnSp>
+        <p:nvCxnSpPr>
+          <p:cNvPr id="5" name="Straight Arrow Connector 4"/>
+          <p:cNvCxnSpPr/>
+          <p:nvPr/>
+        </p:nvCxnSpPr>
+        <p:spPr>
+          <a:xfrm flipH="1" flipV="1">
+            <a:off x="1619672" y="1412776"/>
+            <a:ext cx="108012" cy="5184576"/>
+          </a:xfrm>
+          <a:prstGeom prst="straightConnector1">
+            <a:avLst/>
+          </a:prstGeom>
+          <a:ln w="44450">
+            <a:tailEnd type="arrow"/>
+          </a:ln>
+        </p:spPr>
+        <p:style>
+          <a:lnRef idx="1">
+            <a:schemeClr val="accent1"/>
+          </a:lnRef>
+          <a:fillRef idx="0">
+            <a:schemeClr val="accent1"/>
+          </a:fillRef>
+          <a:effectRef idx="0">
+            <a:schemeClr val="accent1"/>
+          </a:effectRef>
+          <a:fontRef idx="minor">
+            <a:schemeClr val="tx1"/>
+          </a:fontRef>
+        </p:style>
+      </p:cxnSp>
+      <p:sp>
+        <p:nvSpPr>
+          <p:cNvPr id="6" name="Trapezoid 5"/>
+          <p:cNvSpPr/>
+          <p:nvPr/>
+        </p:nvSpPr>
+        <p:spPr>
+          <a:xfrm>
+            <a:off x="467544" y="5190404"/>
+            <a:ext cx="2520280" cy="1152128"/>
+          </a:xfrm>
+          <a:prstGeom prst="trapezoid">
+            <a:avLst/>
+          </a:prstGeom>
+        </p:spPr>
+        <p:style>
+          <a:lnRef idx="2">
+            <a:schemeClr val="accent1">
+              <a:shade val="50000"/>
+            </a:schemeClr>
+          </a:lnRef>
+          <a:fillRef idx="1">
+            <a:schemeClr val="accent1"/>
+          </a:fillRef>
+          <a:effectRef idx="0">
+            <a:schemeClr val="accent1"/>
+          </a:effectRef>
+          <a:fontRef idx="minor">
+            <a:schemeClr val="lt1"/>
+          </a:fontRef>
+        </p:style>
+        <p:txBody>
+          <a:bodyPr rtlCol="0" anchor="ctr"/>
+          <a:lstStyle/>
+          <a:p>
+            <a:r>
+              <a:rPr lang="en-CA" dirty="0" smtClean="0">
+                <a:ln w="18415" cmpd="sng">
+                  <a:solidFill>
+                    <a:srgbClr val="FFFFFF"/>
+                  </a:solidFill>
+                  <a:prstDash val="solid"/>
+                </a:ln>
+                <a:solidFill>
+                  <a:srgbClr val="FFFFFF"/>
+                </a:solidFill>
+                <a:latin typeface="Courier New" panose="02070309020205020404" pitchFamily="49" charset="0"/>
+                <a:cs typeface="Courier New" panose="02070309020205020404" pitchFamily="49" charset="0"/>
+              </a:rPr>
+              <a:t>Repository</a:t>
+            </a:r>
+          </a:p>
+          <a:p>
+            <a:r>
+              <a:rPr lang="en-CA" dirty="0" smtClean="0">
+                <a:ln w="18415" cmpd="sng">
+                  <a:solidFill>
+                    <a:srgbClr val="FFFFFF"/>
+                  </a:solidFill>
+                  <a:prstDash val="solid"/>
+                </a:ln>
+                <a:solidFill>
+                  <a:srgbClr val="FFFFFF"/>
+                </a:solidFill>
+                <a:latin typeface="Courier New" panose="02070309020205020404" pitchFamily="49" charset="0"/>
+                <a:cs typeface="Courier New" panose="02070309020205020404" pitchFamily="49" charset="0"/>
+              </a:rPr>
+              <a:t> | +</a:t>
+            </a:r>
+            <a:r>
+              <a:rPr lang="en-CA" dirty="0" err="1" smtClean="0">
+                <a:ln w="18415" cmpd="sng">
+                  <a:solidFill>
+                    <a:srgbClr val="FFFFFF"/>
+                  </a:solidFill>
+                  <a:prstDash val="solid"/>
+                </a:ln>
+                <a:solidFill>
+                  <a:srgbClr val="FFFFFF"/>
+                </a:solidFill>
+                <a:latin typeface="Courier New" panose="02070309020205020404" pitchFamily="49" charset="0"/>
+                <a:cs typeface="Courier New" panose="02070309020205020404" pitchFamily="49" charset="0"/>
+              </a:rPr>
+              <a:t>dir</a:t>
+            </a:r>
+            <a:r>
+              <a:rPr lang="en-CA" dirty="0" smtClean="0">
+                <a:ln w="18415" cmpd="sng">
+                  <a:solidFill>
+                    <a:srgbClr val="FFFFFF"/>
+                  </a:solidFill>
+                  <a:prstDash val="solid"/>
+                </a:ln>
+                <a:solidFill>
+                  <a:srgbClr val="FFFFFF"/>
+                </a:solidFill>
+                <a:latin typeface="Courier New" panose="02070309020205020404" pitchFamily="49" charset="0"/>
+                <a:cs typeface="Courier New" panose="02070309020205020404" pitchFamily="49" charset="0"/>
+              </a:rPr>
+              <a:t> 1</a:t>
+            </a:r>
+          </a:p>
+        </p:txBody>
+      </p:sp>
+      <p:sp>
+        <p:nvSpPr>
+          <p:cNvPr id="7" name="Trapezoid 6"/>
+          <p:cNvSpPr/>
+          <p:nvPr/>
+        </p:nvSpPr>
+        <p:spPr>
+          <a:xfrm>
+            <a:off x="467544" y="4149080"/>
+            <a:ext cx="2520280" cy="1152128"/>
+          </a:xfrm>
+          <a:prstGeom prst="trapezoid">
+            <a:avLst/>
+          </a:prstGeom>
+        </p:spPr>
+        <p:style>
+          <a:lnRef idx="2">
+            <a:schemeClr val="accent1">
+              <a:shade val="50000"/>
+            </a:schemeClr>
+          </a:lnRef>
+          <a:fillRef idx="1">
+            <a:schemeClr val="accent1"/>
+          </a:fillRef>
+          <a:effectRef idx="0">
+            <a:schemeClr val="accent1"/>
+          </a:effectRef>
+          <a:fontRef idx="minor">
+            <a:schemeClr val="lt1"/>
+          </a:fontRef>
+        </p:style>
+        <p:txBody>
+          <a:bodyPr rtlCol="0" anchor="ctr"/>
+          <a:lstStyle/>
+          <a:p>
+            <a:r>
+              <a:rPr lang="en-CA" dirty="0" smtClean="0">
+                <a:ln w="18415" cmpd="sng">
+                  <a:solidFill>
+                    <a:srgbClr val="FFFFFF"/>
+                  </a:solidFill>
+                  <a:prstDash val="solid"/>
+                </a:ln>
+                <a:solidFill>
+                  <a:srgbClr val="FFFFFF"/>
+                </a:solidFill>
+                <a:latin typeface="Courier New" panose="02070309020205020404" pitchFamily="49" charset="0"/>
+                <a:cs typeface="Courier New" panose="02070309020205020404" pitchFamily="49" charset="0"/>
+              </a:rPr>
+              <a:t>Repository</a:t>
+            </a:r>
+          </a:p>
+          <a:p>
+            <a:r>
+              <a:rPr lang="en-CA" dirty="0">
+                <a:ln w="18415" cmpd="sng">
+                  <a:solidFill>
+                    <a:srgbClr val="FFFFFF"/>
+                  </a:solidFill>
+                  <a:prstDash val="solid"/>
+                </a:ln>
+                <a:solidFill>
+                  <a:srgbClr val="FFFFFF"/>
+                </a:solidFill>
+                <a:latin typeface="Courier New" panose="02070309020205020404" pitchFamily="49" charset="0"/>
+                <a:cs typeface="Courier New" panose="02070309020205020404" pitchFamily="49" charset="0"/>
+              </a:rPr>
+              <a:t> </a:t>
+            </a:r>
+            <a:r>
+              <a:rPr lang="en-CA" dirty="0" smtClean="0">
+                <a:ln w="18415" cmpd="sng">
+                  <a:solidFill>
+                    <a:srgbClr val="FFFFFF"/>
+                  </a:solidFill>
+                  <a:prstDash val="solid"/>
+                </a:ln>
+                <a:solidFill>
+                  <a:srgbClr val="FFFFFF"/>
+                </a:solidFill>
+                <a:latin typeface="Courier New" panose="02070309020205020404" pitchFamily="49" charset="0"/>
+                <a:cs typeface="Courier New" panose="02070309020205020404" pitchFamily="49" charset="0"/>
+              </a:rPr>
+              <a:t>| *</a:t>
+            </a:r>
+            <a:r>
+              <a:rPr lang="en-CA" dirty="0" err="1" smtClean="0">
+                <a:ln w="18415" cmpd="sng">
+                  <a:solidFill>
+                    <a:srgbClr val="FFFFFF"/>
+                  </a:solidFill>
+                  <a:prstDash val="solid"/>
+                </a:ln>
+                <a:solidFill>
+                  <a:srgbClr val="FFFFFF"/>
+                </a:solidFill>
+                <a:latin typeface="Courier New" panose="02070309020205020404" pitchFamily="49" charset="0"/>
+                <a:cs typeface="Courier New" panose="02070309020205020404" pitchFamily="49" charset="0"/>
+              </a:rPr>
+              <a:t>dir</a:t>
+            </a:r>
+            <a:r>
+              <a:rPr lang="en-CA" dirty="0" smtClean="0">
+                <a:ln w="18415" cmpd="sng">
+                  <a:solidFill>
+                    <a:srgbClr val="FFFFFF"/>
+                  </a:solidFill>
+                  <a:prstDash val="solid"/>
+                </a:ln>
+                <a:solidFill>
+                  <a:srgbClr val="FFFFFF"/>
+                </a:solidFill>
+                <a:latin typeface="Courier New" panose="02070309020205020404" pitchFamily="49" charset="0"/>
+                <a:cs typeface="Courier New" panose="02070309020205020404" pitchFamily="49" charset="0"/>
+              </a:rPr>
+              <a:t> 1</a:t>
+            </a:r>
+          </a:p>
+          <a:p>
+            <a:r>
+              <a:rPr lang="en-CA" dirty="0">
+                <a:ln w="18415" cmpd="sng">
+                  <a:solidFill>
+                    <a:srgbClr val="FFFFFF"/>
+                  </a:solidFill>
+                  <a:prstDash val="solid"/>
+                </a:ln>
+                <a:solidFill>
+                  <a:srgbClr val="FFFFFF"/>
+                </a:solidFill>
+                <a:latin typeface="Courier New" panose="02070309020205020404" pitchFamily="49" charset="0"/>
+                <a:cs typeface="Courier New" panose="02070309020205020404" pitchFamily="49" charset="0"/>
+              </a:rPr>
+              <a:t> </a:t>
+            </a:r>
+            <a:r>
+              <a:rPr lang="en-CA" dirty="0" smtClean="0">
+                <a:ln w="18415" cmpd="sng">
+                  <a:solidFill>
+                    <a:srgbClr val="FFFFFF"/>
+                  </a:solidFill>
+                  <a:prstDash val="solid"/>
+                </a:ln>
+                <a:solidFill>
+                  <a:srgbClr val="FFFFFF"/>
+                </a:solidFill>
+                <a:latin typeface="Courier New" panose="02070309020205020404" pitchFamily="49" charset="0"/>
+                <a:cs typeface="Courier New" panose="02070309020205020404" pitchFamily="49" charset="0"/>
+              </a:rPr>
+              <a:t>  \ +file 1</a:t>
+            </a:r>
+          </a:p>
+        </p:txBody>
+      </p:sp>
+      <p:sp>
+        <p:nvSpPr>
+          <p:cNvPr id="8" name="Trapezoid 7"/>
+          <p:cNvSpPr/>
+          <p:nvPr/>
+        </p:nvSpPr>
+        <p:spPr>
+          <a:xfrm>
+            <a:off x="467544" y="2996952"/>
+            <a:ext cx="2520280" cy="1152128"/>
+          </a:xfrm>
+          <a:prstGeom prst="trapezoid">
+            <a:avLst/>
+          </a:prstGeom>
+          <a:solidFill>
+            <a:srgbClr val="92D050"/>
+          </a:solidFill>
+        </p:spPr>
+        <p:style>
+          <a:lnRef idx="2">
+            <a:schemeClr val="accent1">
+              <a:shade val="50000"/>
+            </a:schemeClr>
+          </a:lnRef>
+          <a:fillRef idx="1">
+            <a:schemeClr val="accent1"/>
+          </a:fillRef>
+          <a:effectRef idx="0">
+            <a:schemeClr val="accent1"/>
+          </a:effectRef>
+          <a:fontRef idx="minor">
+            <a:schemeClr val="lt1"/>
+          </a:fontRef>
+        </p:style>
+        <p:txBody>
+          <a:bodyPr rtlCol="0" anchor="ctr"/>
+          <a:lstStyle/>
+          <a:p>
+            <a:r>
+              <a:rPr lang="en-CA" dirty="0" smtClean="0">
+                <a:ln w="18415" cmpd="sng">
+                  <a:solidFill>
+                    <a:srgbClr val="FFFFFF"/>
+                  </a:solidFill>
+                  <a:prstDash val="solid"/>
+                </a:ln>
+                <a:solidFill>
+                  <a:srgbClr val="FFFFFF"/>
+                </a:solidFill>
+                <a:latin typeface="Courier New" panose="02070309020205020404" pitchFamily="49" charset="0"/>
+                <a:cs typeface="Courier New" panose="02070309020205020404" pitchFamily="49" charset="0"/>
+              </a:rPr>
+              <a:t>Repository</a:t>
+            </a:r>
+          </a:p>
+          <a:p>
+            <a:r>
+              <a:rPr lang="en-CA" dirty="0" smtClean="0">
+                <a:ln w="18415" cmpd="sng">
+                  <a:solidFill>
+                    <a:srgbClr val="FFFFFF"/>
+                  </a:solidFill>
+                  <a:prstDash val="solid"/>
+                </a:ln>
+                <a:solidFill>
+                  <a:srgbClr val="FFFFFF"/>
+                </a:solidFill>
+                <a:latin typeface="Courier New" panose="02070309020205020404" pitchFamily="49" charset="0"/>
+                <a:cs typeface="Courier New" panose="02070309020205020404" pitchFamily="49" charset="0"/>
+              </a:rPr>
+              <a:t> |  </a:t>
+            </a:r>
+          </a:p>
+          <a:p>
+            <a:r>
+              <a:rPr lang="en-CA" dirty="0" smtClean="0">
+                <a:ln w="18415" cmpd="sng">
+                  <a:solidFill>
+                    <a:srgbClr val="FFFFFF"/>
+                  </a:solidFill>
+                  <a:prstDash val="solid"/>
+                </a:ln>
+                <a:solidFill>
+                  <a:srgbClr val="FFFFFF"/>
+                </a:solidFill>
+                <a:latin typeface="Courier New" panose="02070309020205020404" pitchFamily="49" charset="0"/>
+                <a:cs typeface="Courier New" panose="02070309020205020404" pitchFamily="49" charset="0"/>
+              </a:rPr>
+              <a:t> |  </a:t>
+            </a:r>
+          </a:p>
+          <a:p>
+            <a:r>
+              <a:rPr lang="en-CA" dirty="0" smtClean="0">
+                <a:ln w="18415" cmpd="sng">
+                  <a:solidFill>
+                    <a:srgbClr val="FFFFFF"/>
+                  </a:solidFill>
+                  <a:prstDash val="solid"/>
+                </a:ln>
+                <a:solidFill>
+                  <a:srgbClr val="FFFFFF"/>
+                </a:solidFill>
+                <a:latin typeface="Courier New" panose="02070309020205020404" pitchFamily="49" charset="0"/>
+                <a:cs typeface="Courier New" panose="02070309020205020404" pitchFamily="49" charset="0"/>
+              </a:rPr>
+              <a:t> | +</a:t>
+            </a:r>
+            <a:r>
+              <a:rPr lang="en-CA" dirty="0" err="1" smtClean="0">
+                <a:ln w="18415" cmpd="sng">
+                  <a:solidFill>
+                    <a:srgbClr val="FFFFFF"/>
+                  </a:solidFill>
+                  <a:prstDash val="solid"/>
+                </a:ln>
+                <a:solidFill>
+                  <a:srgbClr val="FFFFFF"/>
+                </a:solidFill>
+                <a:latin typeface="Courier New" panose="02070309020205020404" pitchFamily="49" charset="0"/>
+                <a:cs typeface="Courier New" panose="02070309020205020404" pitchFamily="49" charset="0"/>
+              </a:rPr>
+              <a:t>dir</a:t>
+            </a:r>
+            <a:r>
+              <a:rPr lang="en-CA" dirty="0" smtClean="0">
+                <a:ln w="18415" cmpd="sng">
+                  <a:solidFill>
+                    <a:srgbClr val="FFFFFF"/>
+                  </a:solidFill>
+                  <a:prstDash val="solid"/>
+                </a:ln>
+                <a:solidFill>
+                  <a:srgbClr val="FFFFFF"/>
+                </a:solidFill>
+                <a:latin typeface="Courier New" panose="02070309020205020404" pitchFamily="49" charset="0"/>
+                <a:cs typeface="Courier New" panose="02070309020205020404" pitchFamily="49" charset="0"/>
+              </a:rPr>
+              <a:t> 2</a:t>
+            </a:r>
+          </a:p>
+        </p:txBody>
+      </p:sp>
+      <p:sp>
+        <p:nvSpPr>
+          <p:cNvPr id="9" name="Trapezoid 8"/>
+          <p:cNvSpPr/>
+          <p:nvPr/>
+        </p:nvSpPr>
+        <p:spPr>
+          <a:xfrm>
+            <a:off x="4139952" y="1844824"/>
+            <a:ext cx="2520280" cy="1152128"/>
+          </a:xfrm>
+          <a:prstGeom prst="trapezoid">
+            <a:avLst/>
+          </a:prstGeom>
+          <a:solidFill>
+            <a:srgbClr val="FF0000"/>
+          </a:solidFill>
+        </p:spPr>
+        <p:style>
+          <a:lnRef idx="2">
+            <a:schemeClr val="accent1">
+              <a:shade val="50000"/>
+            </a:schemeClr>
+          </a:lnRef>
+          <a:fillRef idx="1">
+            <a:schemeClr val="accent1"/>
+          </a:fillRef>
+          <a:effectRef idx="0">
+            <a:schemeClr val="accent1"/>
+          </a:effectRef>
+          <a:fontRef idx="minor">
+            <a:schemeClr val="lt1"/>
+          </a:fontRef>
+        </p:style>
+        <p:txBody>
+          <a:bodyPr rtlCol="0" anchor="ctr"/>
+          <a:lstStyle/>
+          <a:p>
+            <a:r>
+              <a:rPr lang="en-CA" dirty="0" smtClean="0">
+                <a:ln w="18415" cmpd="sng">
+                  <a:solidFill>
+                    <a:srgbClr val="FFFFFF"/>
+                  </a:solidFill>
+                  <a:prstDash val="solid"/>
+                </a:ln>
+                <a:solidFill>
+                  <a:srgbClr val="FFFFFF"/>
+                </a:solidFill>
+                <a:latin typeface="Courier New" panose="02070309020205020404" pitchFamily="49" charset="0"/>
+                <a:cs typeface="Courier New" panose="02070309020205020404" pitchFamily="49" charset="0"/>
+              </a:rPr>
+              <a:t>Repository</a:t>
+            </a:r>
+          </a:p>
+          <a:p>
+            <a:r>
+              <a:rPr lang="en-CA" dirty="0" smtClean="0">
+                <a:ln w="18415" cmpd="sng">
+                  <a:solidFill>
+                    <a:srgbClr val="FFFFFF"/>
+                  </a:solidFill>
+                  <a:prstDash val="solid"/>
+                </a:ln>
+                <a:solidFill>
+                  <a:srgbClr val="FFFFFF"/>
+                </a:solidFill>
+                <a:latin typeface="Courier New" panose="02070309020205020404" pitchFamily="49" charset="0"/>
+                <a:cs typeface="Courier New" panose="02070309020205020404" pitchFamily="49" charset="0"/>
+              </a:rPr>
+              <a:t> | </a:t>
+            </a:r>
+            <a:r>
+              <a:rPr lang="en-CA" dirty="0" err="1" smtClean="0">
+                <a:ln w="18415" cmpd="sng">
+                  <a:solidFill>
+                    <a:srgbClr val="FFFFFF"/>
+                  </a:solidFill>
+                  <a:prstDash val="solid"/>
+                </a:ln>
+                <a:solidFill>
+                  <a:srgbClr val="FFFFFF"/>
+                </a:solidFill>
+                <a:latin typeface="Courier New" panose="02070309020205020404" pitchFamily="49" charset="0"/>
+                <a:cs typeface="Courier New" panose="02070309020205020404" pitchFamily="49" charset="0"/>
+              </a:rPr>
+              <a:t>dir</a:t>
+            </a:r>
+            <a:r>
+              <a:rPr lang="en-CA" dirty="0" smtClean="0">
+                <a:ln w="18415" cmpd="sng">
+                  <a:solidFill>
+                    <a:srgbClr val="FFFFFF"/>
+                  </a:solidFill>
+                  <a:prstDash val="solid"/>
+                </a:ln>
+                <a:solidFill>
+                  <a:srgbClr val="FFFFFF"/>
+                </a:solidFill>
+                <a:latin typeface="Courier New" panose="02070309020205020404" pitchFamily="49" charset="0"/>
+                <a:cs typeface="Courier New" panose="02070309020205020404" pitchFamily="49" charset="0"/>
+              </a:rPr>
+              <a:t> 1 </a:t>
+            </a:r>
+          </a:p>
+          <a:p>
+            <a:r>
+              <a:rPr lang="en-CA" dirty="0" smtClean="0">
+                <a:ln w="18415" cmpd="sng">
+                  <a:solidFill>
+                    <a:srgbClr val="FFFFFF"/>
+                  </a:solidFill>
+                  <a:prstDash val="solid"/>
+                </a:ln>
+                <a:solidFill>
+                  <a:srgbClr val="FFFFFF"/>
+                </a:solidFill>
+                <a:latin typeface="Courier New" panose="02070309020205020404" pitchFamily="49" charset="0"/>
+                <a:cs typeface="Courier New" panose="02070309020205020404" pitchFamily="49" charset="0"/>
+              </a:rPr>
+              <a:t>   \ *file 1</a:t>
+            </a:r>
+          </a:p>
+        </p:txBody>
+      </p:sp>
+      <p:sp>
+        <p:nvSpPr>
+          <p:cNvPr id="10" name="Trapezoid 9"/>
+          <p:cNvSpPr/>
+          <p:nvPr/>
+        </p:nvSpPr>
+        <p:spPr>
+          <a:xfrm>
+            <a:off x="467544" y="1844824"/>
+            <a:ext cx="2520280" cy="1152128"/>
+          </a:xfrm>
+          <a:prstGeom prst="trapezoid">
+            <a:avLst/>
+          </a:prstGeom>
+          <a:solidFill>
+            <a:srgbClr val="FF0000"/>
+          </a:solidFill>
+        </p:spPr>
+        <p:style>
+          <a:lnRef idx="2">
+            <a:schemeClr val="accent1">
+              <a:shade val="50000"/>
+            </a:schemeClr>
+          </a:lnRef>
+          <a:fillRef idx="1">
+            <a:schemeClr val="accent1"/>
+          </a:fillRef>
+          <a:effectRef idx="0">
+            <a:schemeClr val="accent1"/>
+          </a:effectRef>
+          <a:fontRef idx="minor">
+            <a:schemeClr val="lt1"/>
+          </a:fontRef>
+        </p:style>
+        <p:txBody>
+          <a:bodyPr rtlCol="0" anchor="ctr"/>
+          <a:lstStyle/>
+          <a:p>
+            <a:r>
+              <a:rPr lang="en-CA" dirty="0" smtClean="0">
+                <a:ln w="18415" cmpd="sng">
+                  <a:solidFill>
+                    <a:srgbClr val="FFFFFF"/>
+                  </a:solidFill>
+                  <a:prstDash val="solid"/>
+                </a:ln>
+                <a:solidFill>
+                  <a:srgbClr val="FFFFFF"/>
+                </a:solidFill>
+                <a:latin typeface="Courier New" panose="02070309020205020404" pitchFamily="49" charset="0"/>
+                <a:cs typeface="Courier New" panose="02070309020205020404" pitchFamily="49" charset="0"/>
+              </a:rPr>
+              <a:t>Repository</a:t>
+            </a:r>
+          </a:p>
+          <a:p>
+            <a:r>
+              <a:rPr lang="en-CA" dirty="0" smtClean="0">
+                <a:ln w="18415" cmpd="sng">
+                  <a:solidFill>
+                    <a:srgbClr val="FFFFFF"/>
+                  </a:solidFill>
+                  <a:prstDash val="solid"/>
+                </a:ln>
+                <a:solidFill>
+                  <a:srgbClr val="FFFFFF"/>
+                </a:solidFill>
+                <a:latin typeface="Courier New" panose="02070309020205020404" pitchFamily="49" charset="0"/>
+                <a:cs typeface="Courier New" panose="02070309020205020404" pitchFamily="49" charset="0"/>
+              </a:rPr>
+              <a:t> | </a:t>
+            </a:r>
+            <a:r>
+              <a:rPr lang="en-CA" dirty="0" err="1" smtClean="0">
+                <a:ln w="18415" cmpd="sng">
+                  <a:solidFill>
+                    <a:srgbClr val="FFFFFF"/>
+                  </a:solidFill>
+                  <a:prstDash val="solid"/>
+                </a:ln>
+                <a:solidFill>
+                  <a:srgbClr val="FFFFFF"/>
+                </a:solidFill>
+                <a:latin typeface="Courier New" panose="02070309020205020404" pitchFamily="49" charset="0"/>
+                <a:cs typeface="Courier New" panose="02070309020205020404" pitchFamily="49" charset="0"/>
+              </a:rPr>
+              <a:t>dir</a:t>
+            </a:r>
+            <a:r>
+              <a:rPr lang="en-CA" dirty="0" smtClean="0">
+                <a:ln w="18415" cmpd="sng">
+                  <a:solidFill>
+                    <a:srgbClr val="FFFFFF"/>
+                  </a:solidFill>
+                  <a:prstDash val="solid"/>
+                </a:ln>
+                <a:solidFill>
+                  <a:srgbClr val="FFFFFF"/>
+                </a:solidFill>
+                <a:latin typeface="Courier New" panose="02070309020205020404" pitchFamily="49" charset="0"/>
+                <a:cs typeface="Courier New" panose="02070309020205020404" pitchFamily="49" charset="0"/>
+              </a:rPr>
+              <a:t> 1 </a:t>
+            </a:r>
+          </a:p>
+          <a:p>
+            <a:r>
+              <a:rPr lang="en-CA" dirty="0" smtClean="0">
+                <a:ln w="18415" cmpd="sng">
+                  <a:solidFill>
+                    <a:srgbClr val="FFFFFF"/>
+                  </a:solidFill>
+                  <a:prstDash val="solid"/>
+                </a:ln>
+                <a:solidFill>
+                  <a:srgbClr val="FFFFFF"/>
+                </a:solidFill>
+                <a:latin typeface="Courier New" panose="02070309020205020404" pitchFamily="49" charset="0"/>
+                <a:cs typeface="Courier New" panose="02070309020205020404" pitchFamily="49" charset="0"/>
+              </a:rPr>
+              <a:t>   \ -file 1</a:t>
+            </a:r>
+          </a:p>
+        </p:txBody>
+      </p:sp>
+      <p:cxnSp>
+        <p:nvCxnSpPr>
+          <p:cNvPr id="12" name="Straight Connector 11"/>
+          <p:cNvCxnSpPr/>
+          <p:nvPr/>
+        </p:nvCxnSpPr>
+        <p:spPr>
+          <a:xfrm>
+            <a:off x="3707904" y="1484784"/>
+            <a:ext cx="3672408" cy="1944216"/>
+          </a:xfrm>
+          <a:prstGeom prst="line">
+            <a:avLst/>
+          </a:prstGeom>
+          <a:ln w="127000">
+            <a:solidFill>
+              <a:schemeClr val="tx1"/>
+            </a:solidFill>
+          </a:ln>
+        </p:spPr>
+        <p:style>
+          <a:lnRef idx="1">
+            <a:schemeClr val="accent1"/>
+          </a:lnRef>
+          <a:fillRef idx="0">
+            <a:schemeClr val="accent1"/>
+          </a:fillRef>
+          <a:effectRef idx="0">
+            <a:schemeClr val="accent1"/>
+          </a:effectRef>
+          <a:fontRef idx="minor">
+            <a:schemeClr val="tx1"/>
+          </a:fontRef>
+        </p:style>
+      </p:cxnSp>
+      <p:cxnSp>
+        <p:nvCxnSpPr>
+          <p:cNvPr id="14" name="Straight Connector 13"/>
+          <p:cNvCxnSpPr/>
+          <p:nvPr/>
+        </p:nvCxnSpPr>
+        <p:spPr>
+          <a:xfrm flipV="1">
+            <a:off x="3707904" y="1484784"/>
+            <a:ext cx="3096344" cy="1800200"/>
+          </a:xfrm>
+          <a:prstGeom prst="line">
+            <a:avLst/>
+          </a:prstGeom>
+          <a:ln w="127000">
+            <a:solidFill>
+              <a:schemeClr val="tx1"/>
+            </a:solidFill>
+          </a:ln>
+        </p:spPr>
+        <p:style>
+          <a:lnRef idx="1">
+            <a:schemeClr val="accent1"/>
+          </a:lnRef>
+          <a:fillRef idx="0">
+            <a:schemeClr val="accent1"/>
+          </a:fillRef>
+          <a:effectRef idx="0">
+            <a:schemeClr val="accent1"/>
+          </a:effectRef>
+          <a:fontRef idx="minor">
+            <a:schemeClr val="tx1"/>
+          </a:fontRef>
+        </p:style>
+      </p:cxnSp>
+      <p:sp>
+        <p:nvSpPr>
+          <p:cNvPr id="15" name="TextBox 14"/>
+          <p:cNvSpPr txBox="1"/>
+          <p:nvPr/>
+        </p:nvSpPr>
+        <p:spPr>
+          <a:xfrm>
+            <a:off x="3131840" y="3779748"/>
+            <a:ext cx="5832648" cy="2585323"/>
+          </a:xfrm>
+          <a:prstGeom prst="rect">
+            <a:avLst/>
+          </a:prstGeom>
+          <a:noFill/>
+        </p:spPr>
+        <p:txBody>
+          <a:bodyPr wrap="square" rtlCol="0">
+            <a:spAutoFit/>
+          </a:bodyPr>
+          <a:lstStyle/>
+          <a:p>
+            <a:r>
+              <a:rPr lang="en-CA" dirty="0" smtClean="0"/>
+              <a:t>Deleting a branch removes the development pointer from the GIT repository. Any </a:t>
+            </a:r>
+            <a:r>
+              <a:rPr lang="en-CA" dirty="0" err="1" smtClean="0"/>
+              <a:t>changesets</a:t>
+            </a:r>
+            <a:r>
+              <a:rPr lang="en-CA" dirty="0" smtClean="0"/>
+              <a:t> not yet merged elsewhere are lost. Any </a:t>
+            </a:r>
+            <a:r>
+              <a:rPr lang="en-CA" dirty="0" err="1" smtClean="0"/>
+              <a:t>changesets</a:t>
+            </a:r>
+            <a:r>
+              <a:rPr lang="en-CA" dirty="0" smtClean="0"/>
+              <a:t> merged to other branches, remain in that branch only.</a:t>
+            </a:r>
+          </a:p>
+          <a:p>
+            <a:endParaRPr lang="en-CA" dirty="0"/>
+          </a:p>
+          <a:p>
+            <a:r>
+              <a:rPr lang="en-CA" dirty="0" smtClean="0"/>
+              <a:t>Two cases again: </a:t>
+            </a:r>
+          </a:p>
+          <a:p>
+            <a:pPr marL="285750" indent="-285750">
+              <a:buFont typeface="Arial" panose="020B0604020202020204" pitchFamily="34" charset="0"/>
+              <a:buChar char="•"/>
+            </a:pPr>
+            <a:r>
+              <a:rPr lang="en-CA" dirty="0" smtClean="0"/>
+              <a:t>you delete a local branch you have not yet pushed</a:t>
+            </a:r>
+          </a:p>
+          <a:p>
+            <a:pPr marL="285750" indent="-285750">
+              <a:buFont typeface="Arial" panose="020B0604020202020204" pitchFamily="34" charset="0"/>
+              <a:buChar char="•"/>
+            </a:pPr>
+            <a:r>
+              <a:rPr lang="en-CA" dirty="0" smtClean="0"/>
+              <a:t>You delete a branch already pushed (</a:t>
+            </a:r>
+            <a:r>
+              <a:rPr lang="en-CA" b="1" dirty="0" smtClean="0">
+                <a:solidFill>
+                  <a:srgbClr val="FF0000"/>
+                </a:solidFill>
+              </a:rPr>
+              <a:t>destructive!!!</a:t>
+            </a:r>
+            <a:r>
+              <a:rPr lang="en-CA" dirty="0" smtClean="0"/>
+              <a:t>)</a:t>
+            </a:r>
+          </a:p>
+          <a:p>
+            <a:r>
+              <a:rPr lang="en-CA" dirty="0" smtClean="0"/>
+              <a:t>In both cases, there is no going back from this.</a:t>
+            </a:r>
+            <a:endParaRPr lang="en-CA" dirty="0"/>
+          </a:p>
+        </p:txBody>
+      </p:sp>
+    </p:spTree>
+    <p:extLst>
+      <p:ext uri="{BB962C8B-B14F-4D97-AF65-F5344CB8AC3E}">
+        <p14:creationId xmlns:p14="http://schemas.microsoft.com/office/powerpoint/2010/main" val="251038345"/>
+      </p:ext>
+    </p:extLst>
+  </p:cSld>
+  <p:clrMapOvr>
+    <a:masterClrMapping/>
+  </p:clrMapOvr>
+  <p:timing>
+    <p:tnLst>
+      <p:par>
+        <p:cTn id="1" dur="indefinite" restart="never" nodeType="tmRoot"/>
+      </p:par>
+    </p:tnLst>
+  </p:timing>
+</p:sld>
+</file>
+
+<file path=ppt/slides/slide28.xml><?xml version="1.0" encoding="utf-8"?>
+<p:sld xmlns:a="http://schemas.openxmlformats.org/drawingml/2006/main" xmlns:r="http://schemas.openxmlformats.org/officeDocument/2006/relationships" xmlns:p="http://schemas.openxmlformats.org/presentationml/2006/main">
+  <p:cSld>
+    <p:spTree>
+      <p:nvGrpSpPr>
+        <p:cNvPr id="1" name=""/>
+        <p:cNvGrpSpPr/>
+        <p:nvPr/>
+      </p:nvGrpSpPr>
+      <p:grpSpPr>
+        <a:xfrm>
+          <a:off x="0" y="0"/>
+          <a:ext cx="0" cy="0"/>
+          <a:chOff x="0" y="0"/>
+          <a:chExt cx="0" cy="0"/>
+        </a:xfrm>
+      </p:grpSpPr>
+      <p:sp>
+        <p:nvSpPr>
+          <p:cNvPr id="2" name="Title 1"/>
+          <p:cNvSpPr>
+            <a:spLocks noGrp="1"/>
+          </p:cNvSpPr>
+          <p:nvPr>
+            <p:ph type="title"/>
+          </p:nvPr>
+        </p:nvSpPr>
+        <p:spPr/>
+        <p:txBody>
+          <a:bodyPr/>
+          <a:lstStyle/>
+          <a:p>
+            <a:r>
+              <a:rPr lang="en-CA" dirty="0" smtClean="0"/>
               <a:t>CHERRY-PICKING</a:t>
             </a:r>
             <a:endParaRPr lang="en-CA" dirty="0"/>
@@ -12355,9 +14012,16 @@
             <p:ph idx="1"/>
           </p:nvPr>
         </p:nvSpPr>
-        <p:spPr/>
-        <p:txBody>
-          <a:bodyPr/>
+        <p:spPr>
+          <a:xfrm>
+            <a:off x="457200" y="1600201"/>
+            <a:ext cx="3178696" cy="4493096"/>
+          </a:xfrm>
+        </p:spPr>
+        <p:txBody>
+          <a:bodyPr>
+            <a:normAutofit fontScale="92500" lnSpcReduction="20000"/>
+          </a:bodyPr>
           <a:lstStyle/>
           <a:p>
             <a:pPr marL="0" indent="0">
@@ -12373,16 +14037,215 @@
             </a:r>
             <a:r>
               <a:rPr lang="en-CA" dirty="0" smtClean="0"/>
-              <a:t>(s) from another branch into yours, without merging the rest of the branch.</a:t>
-            </a:r>
+              <a:t>(s) from another branch into yours, without merging the rest of the branch</a:t>
+            </a:r>
+            <a:r>
+              <a:rPr lang="en-CA" dirty="0" smtClean="0"/>
+              <a:t>. The </a:t>
+            </a:r>
+            <a:r>
+              <a:rPr lang="en-CA" dirty="0" err="1" smtClean="0"/>
+              <a:t>changesets</a:t>
+            </a:r>
+            <a:r>
+              <a:rPr lang="en-CA" dirty="0" smtClean="0"/>
+              <a:t> I have cherry-picked get a new GUID.</a:t>
+            </a:r>
+          </a:p>
+          <a:p>
+            <a:pPr marL="0" indent="0">
+              <a:buNone/>
+            </a:pPr>
             <a:endParaRPr lang="en-CA" dirty="0"/>
           </a:p>
-        </p:txBody>
-      </p:sp>
+          <a:p>
+            <a:pPr marL="0" indent="0">
+              <a:buNone/>
+            </a:pPr>
+            <a:endParaRPr lang="en-CA" dirty="0"/>
+          </a:p>
+        </p:txBody>
+      </p:sp>
+      <p:pic>
+        <p:nvPicPr>
+          <p:cNvPr id="1027" name="Picture 3"/>
+          <p:cNvPicPr>
+            <a:picLocks noChangeAspect="1" noChangeArrowheads="1"/>
+          </p:cNvPicPr>
+          <p:nvPr/>
+        </p:nvPicPr>
+        <p:blipFill>
+          <a:blip r:embed="rId3">
+            <a:extLst>
+              <a:ext uri="{28A0092B-C50C-407E-A947-70E740481C1C}">
+                <a14:useLocalDpi xmlns:a14="http://schemas.microsoft.com/office/drawing/2010/main" val="0"/>
+              </a:ext>
+            </a:extLst>
+          </a:blip>
+          <a:srcRect/>
+          <a:stretch>
+            <a:fillRect/>
+          </a:stretch>
+        </p:blipFill>
+        <p:spPr bwMode="auto">
+          <a:xfrm>
+            <a:off x="3779912" y="1484784"/>
+            <a:ext cx="4944729" cy="4464496"/>
+          </a:xfrm>
+          <a:prstGeom prst="rect">
+            <a:avLst/>
+          </a:prstGeom>
+          <a:noFill/>
+          <a:ln>
+            <a:noFill/>
+          </a:ln>
+          <a:effectLst/>
+          <a:extLst>
+            <a:ext uri="{909E8E84-426E-40DD-AFC4-6F175D3DCCD1}">
+              <a14:hiddenFill xmlns:a14="http://schemas.microsoft.com/office/drawing/2010/main">
+                <a:solidFill>
+                  <a:schemeClr val="accent1"/>
+                </a:solidFill>
+              </a14:hiddenFill>
+            </a:ext>
+            <a:ext uri="{91240B29-F687-4F45-9708-019B960494DF}">
+              <a14:hiddenLine xmlns:a14="http://schemas.microsoft.com/office/drawing/2010/main" w="9525">
+                <a:solidFill>
+                  <a:schemeClr val="tx1"/>
+                </a:solidFill>
+                <a:miter lim="800000"/>
+                <a:headEnd/>
+                <a:tailEnd/>
+              </a14:hiddenLine>
+            </a:ext>
+            <a:ext uri="{AF507438-7753-43E0-B8FC-AC1667EBCBE1}">
+              <a14:hiddenEffects xmlns:a14="http://schemas.microsoft.com/office/drawing/2010/main">
+                <a:effectLst>
+                  <a:outerShdw dist="35921" dir="2700000" algn="ctr" rotWithShape="0">
+                    <a:schemeClr val="bg2"/>
+                  </a:outerShdw>
+                </a:effectLst>
+              </a14:hiddenEffects>
+            </a:ext>
+          </a:extLst>
+        </p:spPr>
+      </p:pic>
     </p:spTree>
     <p:extLst>
       <p:ext uri="{BB962C8B-B14F-4D97-AF65-F5344CB8AC3E}">
         <p14:creationId xmlns:p14="http://schemas.microsoft.com/office/powerpoint/2010/main" val="2958468915"/>
+      </p:ext>
+    </p:extLst>
+  </p:cSld>
+  <p:clrMapOvr>
+    <a:masterClrMapping/>
+  </p:clrMapOvr>
+  <p:timing>
+    <p:tnLst>
+      <p:par>
+        <p:cTn id="1" dur="indefinite" restart="never" nodeType="tmRoot"/>
+      </p:par>
+    </p:tnLst>
+  </p:timing>
+</p:sld>
+</file>
+
+<file path=ppt/slides/slide29.xml><?xml version="1.0" encoding="utf-8"?>
+<p:sld xmlns:a="http://schemas.openxmlformats.org/drawingml/2006/main" xmlns:r="http://schemas.openxmlformats.org/officeDocument/2006/relationships" xmlns:p="http://schemas.openxmlformats.org/presentationml/2006/main">
+  <p:cSld>
+    <p:spTree>
+      <p:nvGrpSpPr>
+        <p:cNvPr id="1" name=""/>
+        <p:cNvGrpSpPr/>
+        <p:nvPr/>
+      </p:nvGrpSpPr>
+      <p:grpSpPr>
+        <a:xfrm>
+          <a:off x="0" y="0"/>
+          <a:ext cx="0" cy="0"/>
+          <a:chOff x="0" y="0"/>
+          <a:chExt cx="0" cy="0"/>
+        </a:xfrm>
+      </p:grpSpPr>
+      <p:sp>
+        <p:nvSpPr>
+          <p:cNvPr id="2" name="Title 1"/>
+          <p:cNvSpPr>
+            <a:spLocks noGrp="1"/>
+          </p:cNvSpPr>
+          <p:nvPr>
+            <p:ph type="title"/>
+          </p:nvPr>
+        </p:nvSpPr>
+        <p:spPr/>
+        <p:txBody>
+          <a:bodyPr/>
+          <a:lstStyle/>
+          <a:p>
+            <a:r>
+              <a:rPr lang="en-CA" dirty="0" smtClean="0"/>
+              <a:t>WHAT GOOD ARE TAGS ANYWAY?</a:t>
+            </a:r>
+            <a:endParaRPr lang="en-CA" dirty="0"/>
+          </a:p>
+        </p:txBody>
+      </p:sp>
+      <p:sp>
+        <p:nvSpPr>
+          <p:cNvPr id="3" name="Content Placeholder 2"/>
+          <p:cNvSpPr>
+            <a:spLocks noGrp="1"/>
+          </p:cNvSpPr>
+          <p:nvPr>
+            <p:ph idx="1"/>
+          </p:nvPr>
+        </p:nvSpPr>
+        <p:spPr/>
+        <p:txBody>
+          <a:bodyPr/>
+          <a:lstStyle/>
+          <a:p>
+            <a:r>
+              <a:rPr lang="en-CA" dirty="0" smtClean="0"/>
+              <a:t>Tags are a equivalent to </a:t>
+            </a:r>
+            <a:r>
+              <a:rPr lang="en-CA" dirty="0" err="1" smtClean="0"/>
+              <a:t>ClearCase</a:t>
+            </a:r>
+            <a:r>
+              <a:rPr lang="en-CA" dirty="0" smtClean="0"/>
+              <a:t> labels: a piece of text serving to mark a particular build with something that makes sense to the developer.</a:t>
+            </a:r>
+          </a:p>
+          <a:p>
+            <a:r>
+              <a:rPr lang="en-CA" dirty="0" smtClean="0"/>
+              <a:t>Very </a:t>
+            </a:r>
+            <a:r>
+              <a:rPr lang="en-CA" dirty="0" err="1" smtClean="0"/>
+              <a:t>VERY</a:t>
+            </a:r>
+            <a:r>
+              <a:rPr lang="en-CA" dirty="0" smtClean="0"/>
+              <a:t> useful to mark the </a:t>
+            </a:r>
+            <a:r>
+              <a:rPr lang="en-CA" dirty="0" err="1" smtClean="0"/>
+              <a:t>changesets</a:t>
+            </a:r>
+            <a:r>
+              <a:rPr lang="en-CA" dirty="0" smtClean="0"/>
+              <a:t> for your builds. You can reproduce any build ever created.</a:t>
+            </a:r>
+          </a:p>
+        </p:txBody>
+      </p:sp>
+    </p:spTree>
+    <p:extLst>
+      <p:ext uri="{BB962C8B-B14F-4D97-AF65-F5344CB8AC3E}">
+        <p14:creationId xmlns:p14="http://schemas.microsoft.com/office/powerpoint/2010/main" val="3907325129"/>
       </p:ext>
     </p:extLst>
   </p:cSld>
@@ -12504,8 +14367,8 @@
           <a:lstStyle/>
           <a:p>
             <a:r>
-              <a:rPr lang="en-CA" dirty="0" smtClean="0"/>
-              <a:t>A GIT Repository</a:t>
+              <a:rPr lang="en-CA" dirty="0"/>
+              <a:t>A GIT REPOSITORY</a:t>
             </a:r>
             <a:endParaRPr lang="en-CA" dirty="0"/>
           </a:p>
@@ -12663,8 +14526,8 @@
           <a:lstStyle/>
           <a:p>
             <a:r>
-              <a:rPr lang="en-CA" dirty="0" smtClean="0"/>
-              <a:t>A GIT Repository</a:t>
+              <a:rPr lang="en-CA" dirty="0"/>
+              <a:t>A GIT REPOSITORY</a:t>
             </a:r>
             <a:endParaRPr lang="en-CA" dirty="0"/>
           </a:p>
@@ -12775,8 +14638,8 @@
           <a:lstStyle/>
           <a:p>
             <a:r>
-              <a:rPr lang="en-CA" dirty="0" smtClean="0"/>
-              <a:t>A GIT Repository</a:t>
+              <a:rPr lang="en-CA" dirty="0"/>
+              <a:t>A GIT REPOSITORY</a:t>
             </a:r>
             <a:endParaRPr lang="en-CA" dirty="0"/>
           </a:p>
@@ -13515,8 +15378,8 @@
           <a:lstStyle/>
           <a:p>
             <a:r>
-              <a:rPr lang="en-CA" dirty="0" smtClean="0"/>
-              <a:t>A GIT Repository</a:t>
+              <a:rPr lang="en-CA" dirty="0"/>
+              <a:t>A GIT REPOSITORY</a:t>
             </a:r>
             <a:endParaRPr lang="en-CA" dirty="0"/>
           </a:p>
@@ -14580,7 +16443,7 @@
           <a:p>
             <a:r>
               <a:rPr lang="en-CA" dirty="0" smtClean="0"/>
-              <a:t>A GIT Repository</a:t>
+              <a:t>A GIT REPOSITORY</a:t>
             </a:r>
             <a:endParaRPr lang="en-CA" dirty="0"/>
           </a:p>
@@ -15786,7 +17649,7 @@
           <a:p>
             <a:r>
               <a:rPr lang="en-CA" dirty="0" smtClean="0"/>
-              <a:t>Which Version Is The Latest?</a:t>
+              <a:t>WHICH VERSION IS THE LATEST?</a:t>
             </a:r>
             <a:endParaRPr lang="en-CA" dirty="0"/>
           </a:p>

--- a/powerpoint/An Introduction to GIT.pptx
+++ b/powerpoint/An Introduction to GIT.pptx
@@ -5,7 +5,7 @@
     <p:sldMasterId id="2147483648" r:id="rId1"/>
   </p:sldMasterIdLst>
   <p:notesMasterIdLst>
-    <p:notesMasterId r:id="rId31"/>
+    <p:notesMasterId r:id="rId40"/>
   </p:notesMasterIdLst>
   <p:sldIdLst>
     <p:sldId id="256" r:id="rId2"/>
@@ -37,6 +37,15 @@
     <p:sldId id="283" r:id="rId28"/>
     <p:sldId id="281" r:id="rId29"/>
     <p:sldId id="284" r:id="rId30"/>
+    <p:sldId id="287" r:id="rId31"/>
+    <p:sldId id="286" r:id="rId32"/>
+    <p:sldId id="285" r:id="rId33"/>
+    <p:sldId id="288" r:id="rId34"/>
+    <p:sldId id="289" r:id="rId35"/>
+    <p:sldId id="290" r:id="rId36"/>
+    <p:sldId id="291" r:id="rId37"/>
+    <p:sldId id="293" r:id="rId38"/>
+    <p:sldId id="292" r:id="rId39"/>
   </p:sldIdLst>
   <p:sldSz cx="9144000" cy="6858000" type="screen4x3"/>
   <p:notesSz cx="6858000" cy="9144000"/>
@@ -543,7 +552,24 @@
           <a:p>
             <a:r>
               <a:rPr lang="en-CA" dirty="0" smtClean="0"/>
-              <a:t>I don’t claim</a:t>
+              <a:t>I have been working with</a:t>
+            </a:r>
+            <a:r>
+              <a:rPr lang="en-CA" baseline="0" dirty="0" smtClean="0"/>
+              <a:t> GIT for more than 3 years now. Most of the 3 years I’ve been helping other developers with their GIT problems.</a:t>
+            </a:r>
+          </a:p>
+          <a:p>
+            <a:endParaRPr lang="en-CA" baseline="0" dirty="0" smtClean="0"/>
+          </a:p>
+          <a:p>
+            <a:r>
+              <a:rPr lang="en-CA" dirty="0" smtClean="0"/>
+              <a:t>I </a:t>
+            </a:r>
+            <a:r>
+              <a:rPr lang="en-CA" dirty="0" smtClean="0"/>
+              <a:t>don’t claim</a:t>
             </a:r>
             <a:r>
               <a:rPr lang="en-CA" baseline="0" dirty="0" smtClean="0"/>
@@ -1685,11 +1711,7 @@
             </a:pPr>
             <a:r>
               <a:rPr lang="en-CA" dirty="0" smtClean="0"/>
-              <a:t>G</a:t>
-            </a:r>
-            <a:r>
-              <a:rPr lang="en-CA" dirty="0" smtClean="0"/>
-              <a:t>:\temp\gitdemo&gt;git push</a:t>
+              <a:t>G:\temp\gitdemo&gt;git push</a:t>
             </a:r>
           </a:p>
           <a:p>
@@ -1838,11 +1860,7 @@
           <a:p>
             <a:r>
               <a:rPr lang="en-CA" baseline="0" dirty="0" smtClean="0"/>
-              <a:t>hint: See the 'Note about fast-forwards' in 'git push --help' for details</a:t>
-            </a:r>
-            <a:r>
-              <a:rPr lang="en-CA" baseline="0" dirty="0" smtClean="0"/>
-              <a:t>.</a:t>
+              <a:t>hint: See the 'Note about fast-forwards' in 'git push --help' for details.</a:t>
             </a:r>
           </a:p>
           <a:p>
@@ -1853,7 +1871,6 @@
               <a:rPr lang="en-CA" baseline="0" dirty="0" smtClean="0"/>
               <a:t>*** Don’t pull just yet.</a:t>
             </a:r>
-            <a:endParaRPr lang="en-CA" baseline="0" dirty="0" smtClean="0"/>
           </a:p>
         </p:txBody>
       </p:sp>
@@ -2595,53 +2612,16 @@
             </a:r>
             <a:r>
               <a:rPr lang="en-CA" baseline="0" dirty="0" smtClean="0"/>
-              <a:t>, though as you can see it is used very differently: with GIT you will be using branches to track your </a:t>
-            </a:r>
-            <a:r>
-              <a:rPr lang="en-CA" baseline="0" dirty="0" smtClean="0"/>
-              <a:t>personal work </a:t>
-            </a:r>
-            <a:r>
-              <a:rPr lang="en-CA" baseline="0" dirty="0" smtClean="0"/>
-              <a:t>items, not </a:t>
-            </a:r>
-            <a:r>
-              <a:rPr lang="en-CA" baseline="0" dirty="0" smtClean="0"/>
-              <a:t>simply </a:t>
-            </a:r>
-            <a:r>
-              <a:rPr lang="en-CA" baseline="0" dirty="0" smtClean="0"/>
-              <a:t>entire projects. Rolling back a feature in this case is a simple exercise in locating the branch it was implemented in and rolling back the merge commit for it. One does not need to know what the change is, or even where it is, in order to undo it. Also, that features can be re-merged at some point in the future, bring it </a:t>
-            </a:r>
-            <a:r>
-              <a:rPr lang="en-CA" baseline="0" dirty="0" smtClean="0"/>
-              <a:t>back.</a:t>
-            </a:r>
+              <a:t>, though as you can see it is used very differently: with GIT you will be using branches to track your personal work items, not simply entire projects. Rolling back a feature in this case is a simple exercise in locating the branch it was implemented in and rolling back the merge commit for it. One does not need to know what the change is, or even where it is, in order to undo it. Also, that features can be re-merged at some point in the future, bring it back.</a:t>
+            </a:r>
+          </a:p>
+          <a:p>
             <a:endParaRPr lang="en-CA" baseline="0" dirty="0" smtClean="0"/>
           </a:p>
           <a:p>
-            <a:endParaRPr lang="en-CA" baseline="0" dirty="0" smtClean="0"/>
-          </a:p>
-          <a:p>
-            <a:r>
-              <a:rPr lang="en-CA" baseline="0" dirty="0" smtClean="0"/>
-              <a:t>What is the main branch? This is the branch your GIT repository is first created with. It is </a:t>
-            </a:r>
-            <a:r>
-              <a:rPr lang="en-CA" baseline="0" dirty="0" smtClean="0"/>
-              <a:t>usually called </a:t>
-            </a:r>
-            <a:r>
-              <a:rPr lang="en-CA" baseline="0" dirty="0" smtClean="0"/>
-              <a:t>“master”. What is special about it? Nothing, it was just the first branch created. There is nothing to say you have to always </a:t>
-            </a:r>
-            <a:r>
-              <a:rPr lang="en-CA" baseline="0" dirty="0" smtClean="0"/>
-              <a:t>ultimately merge </a:t>
-            </a:r>
-            <a:r>
-              <a:rPr lang="en-CA" baseline="0" dirty="0" smtClean="0"/>
-              <a:t>to it, though this is the accepted practice.</a:t>
+            <a:r>
+              <a:rPr lang="en-CA" baseline="0" dirty="0" smtClean="0"/>
+              <a:t>What is the main branch? This is the branch your GIT repository is first created with. It is usually called “master”. What is special about it? Nothing, it was just the first branch created. There is nothing to say you have to always ultimately merge to it, though this is the accepted practice.</a:t>
             </a:r>
           </a:p>
         </p:txBody>
@@ -2728,29 +2708,8 @@
           <a:p>
             <a:r>
               <a:rPr lang="en-CA" baseline="0" dirty="0" smtClean="0"/>
-              <a:t>I rolled back a merge before, which effectively deleted the commits performed after my branch’s sync point at the time. Ouch! What happens to the GIT repository that pushed them now? Nothing, it is fine and well, </a:t>
-            </a:r>
-            <a:r>
-              <a:rPr lang="en-CA" baseline="0" dirty="0" smtClean="0"/>
-              <a:t>it simply has to be pushed again. An </a:t>
-            </a:r>
-            <a:r>
-              <a:rPr lang="en-CA" baseline="0" dirty="0" smtClean="0"/>
-              <a:t>attempt to </a:t>
-            </a:r>
-            <a:r>
-              <a:rPr lang="en-CA" baseline="0" dirty="0" smtClean="0"/>
-              <a:t>do so </a:t>
-            </a:r>
-            <a:r>
-              <a:rPr lang="en-CA" baseline="0" dirty="0" smtClean="0"/>
-              <a:t>yields something rather </a:t>
-            </a:r>
-            <a:r>
-              <a:rPr lang="en-CA" baseline="0" dirty="0" smtClean="0"/>
-              <a:t>interesting:</a:t>
-            </a:r>
-            <a:endParaRPr lang="en-CA" baseline="0" dirty="0" smtClean="0"/>
+              <a:t>I rolled back a merge before, which effectively deleted the commits performed after my branch’s sync point at the time. Ouch! What happens to the GIT repository that pushed them now? Nothing, it is fine and well, it simply has to be pushed again. An attempt to do so yields something rather interesting:</a:t>
+            </a:r>
           </a:p>
           <a:p>
             <a:endParaRPr lang="en-CA" baseline="0" dirty="0" smtClean="0"/>
@@ -2901,15 +2860,7 @@
           <a:p>
             <a:r>
               <a:rPr lang="en-CA" dirty="0" smtClean="0"/>
-              <a:t>No </a:t>
-            </a:r>
-            <a:r>
-              <a:rPr lang="en-CA" dirty="0" smtClean="0"/>
-              <a:t>conflict </a:t>
-            </a:r>
-            <a:r>
-              <a:rPr lang="en-CA" dirty="0" smtClean="0"/>
-              <a:t>now, at least not in my </a:t>
+              <a:t>No conflict now, at least not in my </a:t>
             </a:r>
             <a:r>
               <a:rPr lang="en-CA" dirty="0" err="1" smtClean="0"/>
@@ -2917,19 +2868,11 @@
             </a:r>
             <a:r>
               <a:rPr lang="en-CA" dirty="0" smtClean="0"/>
-              <a:t>. </a:t>
-            </a:r>
-            <a:r>
-              <a:rPr lang="en-CA" dirty="0" smtClean="0"/>
-              <a:t>I haven’t avoided it, though,</a:t>
-            </a:r>
-            <a:r>
-              <a:rPr lang="en-CA" baseline="0" dirty="0" smtClean="0"/>
-              <a:t> I have simply created an alternative development flow. I am free to develop in my own separate branch, until I try to merge my branch to the master. That conflict will happen all over again then</a:t>
-            </a:r>
-            <a:r>
-              <a:rPr lang="en-CA" baseline="0" dirty="0" smtClean="0"/>
-              <a:t>.</a:t>
+              <a:t>. I haven’t avoided it, though,</a:t>
+            </a:r>
+            <a:r>
+              <a:rPr lang="en-CA" baseline="0" dirty="0" smtClean="0"/>
+              <a:t> I have simply created an alternative development flow. I am free to develop in my own separate branch, until I try to merge my branch to the master. That conflict will happen all over again then.</a:t>
             </a:r>
           </a:p>
           <a:p>
@@ -2966,7 +2909,6 @@
               <a:rPr lang="en-CA" baseline="0" dirty="0" smtClean="0"/>
               <a:t>G:\github\demo&gt;git log --all --branches --decorate --graph</a:t>
             </a:r>
-            <a:endParaRPr lang="en-CA" baseline="0" dirty="0" smtClean="0"/>
           </a:p>
           <a:p>
             <a:endParaRPr lang="en-CA" baseline="0" dirty="0" smtClean="0"/>
@@ -3869,6 +3811,600 @@
 </p:notes>
 </file>
 
+<file path=ppt/notesSlides/notesSlide26.xml><?xml version="1.0" encoding="utf-8"?>
+<p:notes xmlns:a="http://schemas.openxmlformats.org/drawingml/2006/main" xmlns:r="http://schemas.openxmlformats.org/officeDocument/2006/relationships" xmlns:p="http://schemas.openxmlformats.org/presentationml/2006/main">
+  <p:cSld>
+    <p:spTree>
+      <p:nvGrpSpPr>
+        <p:cNvPr id="1" name=""/>
+        <p:cNvGrpSpPr/>
+        <p:nvPr/>
+      </p:nvGrpSpPr>
+      <p:grpSpPr>
+        <a:xfrm>
+          <a:off x="0" y="0"/>
+          <a:ext cx="0" cy="0"/>
+          <a:chOff x="0" y="0"/>
+          <a:chExt cx="0" cy="0"/>
+        </a:xfrm>
+      </p:grpSpPr>
+      <p:sp>
+        <p:nvSpPr>
+          <p:cNvPr id="2" name="Slide Image Placeholder 1"/>
+          <p:cNvSpPr>
+            <a:spLocks noGrp="1" noRot="1" noChangeAspect="1"/>
+          </p:cNvSpPr>
+          <p:nvPr>
+            <p:ph type="sldImg"/>
+          </p:nvPr>
+        </p:nvSpPr>
+        <p:spPr/>
+      </p:sp>
+      <p:sp>
+        <p:nvSpPr>
+          <p:cNvPr id="3" name="Notes Placeholder 2"/>
+          <p:cNvSpPr>
+            <a:spLocks noGrp="1"/>
+          </p:cNvSpPr>
+          <p:nvPr>
+            <p:ph type="body" idx="1"/>
+          </p:nvPr>
+        </p:nvSpPr>
+        <p:spPr/>
+        <p:txBody>
+          <a:bodyPr/>
+          <a:lstStyle/>
+          <a:p>
+            <a:r>
+              <a:rPr lang="en-CA" dirty="0" smtClean="0"/>
+              <a:t>This is the beginning of the more advanced section of this presentation.</a:t>
+            </a:r>
+          </a:p>
+          <a:p>
+            <a:endParaRPr lang="en-CA" dirty="0" smtClean="0"/>
+          </a:p>
+          <a:p>
+            <a:r>
+              <a:rPr lang="en-CA" dirty="0" smtClean="0"/>
+              <a:t>I am going to start discuss</a:t>
+            </a:r>
+            <a:r>
+              <a:rPr lang="en-CA" baseline="0" dirty="0" smtClean="0"/>
+              <a:t> some fairly advanced topics I have noticed my team members are having problems with. This has to do with structuring a GIT repository, something most developers rarely have to deal with. Things are going to get somewhat abstract very quickly from here on. My experience introducing new developers to GIT is I should stop here and let my developers get some days/weeks of hands-on experience with GIT before exposing them to this.</a:t>
+            </a:r>
+          </a:p>
+          <a:p>
+            <a:endParaRPr lang="en-CA" baseline="0" dirty="0" smtClean="0"/>
+          </a:p>
+          <a:p>
+            <a:r>
+              <a:rPr lang="en-CA" baseline="0" dirty="0" smtClean="0"/>
+              <a:t>Depending on how (un)comfortable you are with what you saw so far, this might be a good time to stop and tackle any other topics you wish to see instead of this.</a:t>
+            </a:r>
+          </a:p>
+          <a:p>
+            <a:endParaRPr lang="en-CA" baseline="0" dirty="0" smtClean="0"/>
+          </a:p>
+          <a:p>
+            <a:endParaRPr lang="en-CA" baseline="0" dirty="0" smtClean="0"/>
+          </a:p>
+          <a:p>
+            <a:endParaRPr lang="en-CA" dirty="0"/>
+          </a:p>
+        </p:txBody>
+      </p:sp>
+      <p:sp>
+        <p:nvSpPr>
+          <p:cNvPr id="4" name="Slide Number Placeholder 3"/>
+          <p:cNvSpPr>
+            <a:spLocks noGrp="1"/>
+          </p:cNvSpPr>
+          <p:nvPr>
+            <p:ph type="sldNum" sz="quarter" idx="10"/>
+          </p:nvPr>
+        </p:nvSpPr>
+        <p:spPr/>
+        <p:txBody>
+          <a:bodyPr/>
+          <a:lstStyle/>
+          <a:p>
+            <a:fld id="{CB55E3E3-40A9-4EFD-94DF-114BB2F8C3AE}" type="slidenum">
+              <a:rPr lang="en-CA" smtClean="0"/>
+              <a:t>30</a:t>
+            </a:fld>
+            <a:endParaRPr lang="en-CA"/>
+          </a:p>
+        </p:txBody>
+      </p:sp>
+    </p:spTree>
+    <p:extLst>
+      <p:ext uri="{BB962C8B-B14F-4D97-AF65-F5344CB8AC3E}">
+        <p14:creationId xmlns:p14="http://schemas.microsoft.com/office/powerpoint/2010/main" val="260239133"/>
+      </p:ext>
+    </p:extLst>
+  </p:cSld>
+  <p:clrMapOvr>
+    <a:masterClrMapping/>
+  </p:clrMapOvr>
+</p:notes>
+</file>
+
+<file path=ppt/notesSlides/notesSlide27.xml><?xml version="1.0" encoding="utf-8"?>
+<p:notes xmlns:a="http://schemas.openxmlformats.org/drawingml/2006/main" xmlns:r="http://schemas.openxmlformats.org/officeDocument/2006/relationships" xmlns:p="http://schemas.openxmlformats.org/presentationml/2006/main">
+  <p:cSld>
+    <p:spTree>
+      <p:nvGrpSpPr>
+        <p:cNvPr id="1" name=""/>
+        <p:cNvGrpSpPr/>
+        <p:nvPr/>
+      </p:nvGrpSpPr>
+      <p:grpSpPr>
+        <a:xfrm>
+          <a:off x="0" y="0"/>
+          <a:ext cx="0" cy="0"/>
+          <a:chOff x="0" y="0"/>
+          <a:chExt cx="0" cy="0"/>
+        </a:xfrm>
+      </p:grpSpPr>
+      <p:sp>
+        <p:nvSpPr>
+          <p:cNvPr id="2" name="Slide Image Placeholder 1"/>
+          <p:cNvSpPr>
+            <a:spLocks noGrp="1" noRot="1" noChangeAspect="1"/>
+          </p:cNvSpPr>
+          <p:nvPr>
+            <p:ph type="sldImg"/>
+          </p:nvPr>
+        </p:nvSpPr>
+        <p:spPr/>
+      </p:sp>
+      <p:sp>
+        <p:nvSpPr>
+          <p:cNvPr id="3" name="Notes Placeholder 2"/>
+          <p:cNvSpPr>
+            <a:spLocks noGrp="1"/>
+          </p:cNvSpPr>
+          <p:nvPr>
+            <p:ph type="body" idx="1"/>
+          </p:nvPr>
+        </p:nvSpPr>
+        <p:spPr/>
+        <p:txBody>
+          <a:bodyPr/>
+          <a:lstStyle/>
+          <a:p>
+            <a:r>
+              <a:rPr lang="en-CA" dirty="0" smtClean="0"/>
+              <a:t>This is the beginning of the more advanced section of this presentation.</a:t>
+            </a:r>
+          </a:p>
+          <a:p>
+            <a:endParaRPr lang="en-CA" dirty="0" smtClean="0"/>
+          </a:p>
+          <a:p>
+            <a:r>
+              <a:rPr lang="en-CA" dirty="0" smtClean="0"/>
+              <a:t>I am going to discuss</a:t>
+            </a:r>
+            <a:r>
+              <a:rPr lang="en-CA" baseline="0" dirty="0" smtClean="0"/>
+              <a:t> some fairly advanced topics I have noticed my team members are having problems with. This has to do with structuring a GIT repository, something most developers don’t have to deal with. Things are going to get very abstract very quickly as I am going to have nested GIT repositories and people tend to get very confused.</a:t>
+            </a:r>
+          </a:p>
+          <a:p>
+            <a:endParaRPr lang="en-CA" baseline="0" dirty="0" smtClean="0"/>
+          </a:p>
+          <a:p>
+            <a:r>
+              <a:rPr lang="en-CA" baseline="0" dirty="0" smtClean="0"/>
+              <a:t>Depending on how (un)comfortable you are with what you saw so far, this might be a good time to stop and tackle any other topics you wish to see instead of this.</a:t>
+            </a:r>
+          </a:p>
+          <a:p>
+            <a:endParaRPr lang="en-CA" baseline="0" dirty="0" smtClean="0"/>
+          </a:p>
+          <a:p>
+            <a:r>
+              <a:rPr lang="en-CA" baseline="0" dirty="0" smtClean="0"/>
+              <a:t>Or I can keep going.</a:t>
+            </a:r>
+          </a:p>
+          <a:p>
+            <a:endParaRPr lang="en-CA" baseline="0" dirty="0" smtClean="0"/>
+          </a:p>
+          <a:p>
+            <a:endParaRPr lang="en-CA" dirty="0"/>
+          </a:p>
+        </p:txBody>
+      </p:sp>
+      <p:sp>
+        <p:nvSpPr>
+          <p:cNvPr id="4" name="Slide Number Placeholder 3"/>
+          <p:cNvSpPr>
+            <a:spLocks noGrp="1"/>
+          </p:cNvSpPr>
+          <p:nvPr>
+            <p:ph type="sldNum" sz="quarter" idx="10"/>
+          </p:nvPr>
+        </p:nvSpPr>
+        <p:spPr/>
+        <p:txBody>
+          <a:bodyPr/>
+          <a:lstStyle/>
+          <a:p>
+            <a:fld id="{CB55E3E3-40A9-4EFD-94DF-114BB2F8C3AE}" type="slidenum">
+              <a:rPr lang="en-CA" smtClean="0"/>
+              <a:t>31</a:t>
+            </a:fld>
+            <a:endParaRPr lang="en-CA"/>
+          </a:p>
+        </p:txBody>
+      </p:sp>
+    </p:spTree>
+    <p:extLst>
+      <p:ext uri="{BB962C8B-B14F-4D97-AF65-F5344CB8AC3E}">
+        <p14:creationId xmlns:p14="http://schemas.microsoft.com/office/powerpoint/2010/main" val="260239133"/>
+      </p:ext>
+    </p:extLst>
+  </p:cSld>
+  <p:clrMapOvr>
+    <a:masterClrMapping/>
+  </p:clrMapOvr>
+</p:notes>
+</file>
+
+<file path=ppt/notesSlides/notesSlide28.xml><?xml version="1.0" encoding="utf-8"?>
+<p:notes xmlns:a="http://schemas.openxmlformats.org/drawingml/2006/main" xmlns:r="http://schemas.openxmlformats.org/officeDocument/2006/relationships" xmlns:p="http://schemas.openxmlformats.org/presentationml/2006/main">
+  <p:cSld>
+    <p:spTree>
+      <p:nvGrpSpPr>
+        <p:cNvPr id="1" name=""/>
+        <p:cNvGrpSpPr/>
+        <p:nvPr/>
+      </p:nvGrpSpPr>
+      <p:grpSpPr>
+        <a:xfrm>
+          <a:off x="0" y="0"/>
+          <a:ext cx="0" cy="0"/>
+          <a:chOff x="0" y="0"/>
+          <a:chExt cx="0" cy="0"/>
+        </a:xfrm>
+      </p:grpSpPr>
+      <p:sp>
+        <p:nvSpPr>
+          <p:cNvPr id="2" name="Slide Image Placeholder 1"/>
+          <p:cNvSpPr>
+            <a:spLocks noGrp="1" noRot="1" noChangeAspect="1"/>
+          </p:cNvSpPr>
+          <p:nvPr>
+            <p:ph type="sldImg"/>
+          </p:nvPr>
+        </p:nvSpPr>
+        <p:spPr/>
+      </p:sp>
+      <p:sp>
+        <p:nvSpPr>
+          <p:cNvPr id="3" name="Notes Placeholder 2"/>
+          <p:cNvSpPr>
+            <a:spLocks noGrp="1"/>
+          </p:cNvSpPr>
+          <p:nvPr>
+            <p:ph type="body" idx="1"/>
+          </p:nvPr>
+        </p:nvSpPr>
+        <p:spPr/>
+        <p:txBody>
+          <a:bodyPr/>
+          <a:lstStyle/>
+          <a:p>
+            <a:r>
+              <a:rPr lang="en-CA" dirty="0" smtClean="0"/>
+              <a:t>A larger code base is the undoing of GIT.</a:t>
+            </a:r>
+            <a:r>
+              <a:rPr lang="en-CA" baseline="0" dirty="0" smtClean="0"/>
+              <a:t> Unlike </a:t>
+            </a:r>
+            <a:r>
+              <a:rPr lang="en-CA" baseline="0" dirty="0" err="1" smtClean="0"/>
+              <a:t>ClearCase</a:t>
+            </a:r>
+            <a:r>
+              <a:rPr lang="en-CA" baseline="0" dirty="0" smtClean="0"/>
+              <a:t> and TFS, all operations are on repository level, meaning the larger the repository is, the slower GIT gets.</a:t>
+            </a:r>
+          </a:p>
+          <a:p>
+            <a:r>
+              <a:rPr lang="en-CA" dirty="0" smtClean="0"/>
+              <a:t> </a:t>
+            </a:r>
+          </a:p>
+          <a:p>
+            <a:r>
+              <a:rPr lang="en-CA" dirty="0" smtClean="0"/>
+              <a:t>More files means larger</a:t>
+            </a:r>
+            <a:r>
+              <a:rPr lang="en-CA" baseline="0" dirty="0" smtClean="0"/>
+              <a:t> (or more than one) development teams working on it, in turn resulting in more </a:t>
+            </a:r>
+            <a:r>
+              <a:rPr lang="en-CA" baseline="0" dirty="0" err="1" smtClean="0"/>
+              <a:t>changesets</a:t>
+            </a:r>
+            <a:r>
+              <a:rPr lang="en-CA" baseline="0" dirty="0" smtClean="0"/>
+              <a:t> being pushed. Every time someone pushes, everyone else has to pull before they can push their changes.</a:t>
+            </a:r>
+          </a:p>
+          <a:p>
+            <a:r>
+              <a:rPr lang="en-CA" baseline="0" dirty="0" smtClean="0"/>
+              <a:t>A simple clone operation will take much longer, especially when used over a slow network connection (e.g. cellular network)</a:t>
+            </a:r>
+          </a:p>
+          <a:p>
+            <a:pPr marL="0" marR="0" indent="0" algn="l" defTabSz="914400" rtl="0" eaLnBrk="1" fontAlgn="auto" latinLnBrk="0" hangingPunct="1">
+              <a:lnSpc>
+                <a:spcPct val="100000"/>
+              </a:lnSpc>
+              <a:spcBef>
+                <a:spcPts val="0"/>
+              </a:spcBef>
+              <a:spcAft>
+                <a:spcPts val="0"/>
+              </a:spcAft>
+              <a:buClrTx/>
+              <a:buSzTx/>
+              <a:buFontTx/>
+              <a:buNone/>
+              <a:tabLst/>
+              <a:defRPr/>
+            </a:pPr>
+            <a:r>
+              <a:rPr lang="en-CA" dirty="0" smtClean="0"/>
+              <a:t>Merges will take longer as there will be more </a:t>
+            </a:r>
+            <a:r>
+              <a:rPr lang="en-CA" dirty="0" err="1" smtClean="0"/>
+              <a:t>changesets</a:t>
+            </a:r>
+            <a:r>
+              <a:rPr lang="en-CA" dirty="0" smtClean="0"/>
+              <a:t> to merge.</a:t>
+            </a:r>
+            <a:r>
+              <a:rPr lang="en-CA" baseline="0" dirty="0" smtClean="0"/>
+              <a:t> Those </a:t>
+            </a:r>
+            <a:r>
+              <a:rPr lang="en-CA" baseline="0" dirty="0" err="1" smtClean="0"/>
+              <a:t>changesets</a:t>
+            </a:r>
+            <a:r>
+              <a:rPr lang="en-CA" baseline="0" dirty="0" smtClean="0"/>
+              <a:t>, in turn, will impact more files.</a:t>
+            </a:r>
+            <a:r>
+              <a:rPr lang="en-CA" baseline="0" dirty="0" smtClean="0"/>
+              <a:t> </a:t>
+            </a:r>
+          </a:p>
+          <a:p>
+            <a:pPr marL="0" marR="0" indent="0" algn="l" defTabSz="914400" rtl="0" eaLnBrk="1" fontAlgn="auto" latinLnBrk="0" hangingPunct="1">
+              <a:lnSpc>
+                <a:spcPct val="100000"/>
+              </a:lnSpc>
+              <a:spcBef>
+                <a:spcPts val="0"/>
+              </a:spcBef>
+              <a:spcAft>
+                <a:spcPts val="0"/>
+              </a:spcAft>
+              <a:buClrTx/>
+              <a:buSzTx/>
+              <a:buFontTx/>
+              <a:buNone/>
+              <a:tabLst/>
+              <a:defRPr/>
+            </a:pPr>
+            <a:r>
+              <a:rPr lang="en-CA" baseline="0" dirty="0" smtClean="0"/>
+              <a:t>The internal GIT repository is indexed with a hash function: the efficiency of the internal database goes down significantly as the load coefficient becomes high.</a:t>
+            </a:r>
+            <a:endParaRPr lang="en-CA" baseline="0" dirty="0" smtClean="0"/>
+          </a:p>
+          <a:p>
+            <a:r>
+              <a:rPr lang="en-CA" baseline="0" dirty="0" smtClean="0"/>
+              <a:t>Conflicts are inevitable and more files means more conflicts.</a:t>
+            </a:r>
+          </a:p>
+          <a:p>
+            <a:r>
+              <a:rPr lang="en-CA" baseline="0" dirty="0" smtClean="0"/>
+              <a:t>It is much harder to keep a repository clean with more people touching it.</a:t>
+            </a:r>
+          </a:p>
+          <a:p>
+            <a:r>
+              <a:rPr lang="en-CA" baseline="0" dirty="0" smtClean="0"/>
+              <a:t>Branching becomes a nightmare as each one will contain multiple components, with only a small percentage of them actually changing. The purpose of the branch gets lost in the sea of files. Then, the branch itself is now harder to locate out of the big list of branches to inevitably get created.</a:t>
+            </a:r>
+          </a:p>
+          <a:p>
+            <a:endParaRPr lang="en-CA" baseline="0" dirty="0" smtClean="0"/>
+          </a:p>
+          <a:p>
+            <a:r>
+              <a:rPr lang="en-CA" baseline="0" dirty="0" smtClean="0"/>
+              <a:t>A large GIT repository is an </a:t>
+            </a:r>
+            <a:r>
+              <a:rPr lang="en-CA" baseline="0" dirty="0" err="1" smtClean="0"/>
+              <a:t>antipattern</a:t>
+            </a:r>
+            <a:r>
+              <a:rPr lang="en-CA" baseline="0" dirty="0" smtClean="0"/>
+              <a:t>.</a:t>
+            </a:r>
+          </a:p>
+        </p:txBody>
+      </p:sp>
+      <p:sp>
+        <p:nvSpPr>
+          <p:cNvPr id="4" name="Slide Number Placeholder 3"/>
+          <p:cNvSpPr>
+            <a:spLocks noGrp="1"/>
+          </p:cNvSpPr>
+          <p:nvPr>
+            <p:ph type="sldNum" sz="quarter" idx="10"/>
+          </p:nvPr>
+        </p:nvSpPr>
+        <p:spPr/>
+        <p:txBody>
+          <a:bodyPr/>
+          <a:lstStyle/>
+          <a:p>
+            <a:fld id="{CB55E3E3-40A9-4EFD-94DF-114BB2F8C3AE}" type="slidenum">
+              <a:rPr lang="en-CA" smtClean="0"/>
+              <a:t>32</a:t>
+            </a:fld>
+            <a:endParaRPr lang="en-CA"/>
+          </a:p>
+        </p:txBody>
+      </p:sp>
+    </p:spTree>
+    <p:extLst>
+      <p:ext uri="{BB962C8B-B14F-4D97-AF65-F5344CB8AC3E}">
+        <p14:creationId xmlns:p14="http://schemas.microsoft.com/office/powerpoint/2010/main" val="6600554"/>
+      </p:ext>
+    </p:extLst>
+  </p:cSld>
+  <p:clrMapOvr>
+    <a:masterClrMapping/>
+  </p:clrMapOvr>
+</p:notes>
+</file>
+
+<file path=ppt/notesSlides/notesSlide29.xml><?xml version="1.0" encoding="utf-8"?>
+<p:notes xmlns:a="http://schemas.openxmlformats.org/drawingml/2006/main" xmlns:r="http://schemas.openxmlformats.org/officeDocument/2006/relationships" xmlns:p="http://schemas.openxmlformats.org/presentationml/2006/main">
+  <p:cSld>
+    <p:spTree>
+      <p:nvGrpSpPr>
+        <p:cNvPr id="1" name=""/>
+        <p:cNvGrpSpPr/>
+        <p:nvPr/>
+      </p:nvGrpSpPr>
+      <p:grpSpPr>
+        <a:xfrm>
+          <a:off x="0" y="0"/>
+          <a:ext cx="0" cy="0"/>
+          <a:chOff x="0" y="0"/>
+          <a:chExt cx="0" cy="0"/>
+        </a:xfrm>
+      </p:grpSpPr>
+      <p:sp>
+        <p:nvSpPr>
+          <p:cNvPr id="2" name="Slide Image Placeholder 1"/>
+          <p:cNvSpPr>
+            <a:spLocks noGrp="1" noRot="1" noChangeAspect="1"/>
+          </p:cNvSpPr>
+          <p:nvPr>
+            <p:ph type="sldImg"/>
+          </p:nvPr>
+        </p:nvSpPr>
+        <p:spPr/>
+      </p:sp>
+      <p:sp>
+        <p:nvSpPr>
+          <p:cNvPr id="3" name="Notes Placeholder 2"/>
+          <p:cNvSpPr>
+            <a:spLocks noGrp="1"/>
+          </p:cNvSpPr>
+          <p:nvPr>
+            <p:ph type="body" idx="1"/>
+          </p:nvPr>
+        </p:nvSpPr>
+        <p:spPr/>
+        <p:txBody>
+          <a:bodyPr/>
+          <a:lstStyle/>
+          <a:p>
+            <a:r>
+              <a:rPr lang="en-CA" dirty="0" smtClean="0"/>
+              <a:t>Idea is to break down your project into lots of small ones, each in its own repository.</a:t>
+            </a:r>
+            <a:r>
+              <a:rPr lang="en-CA" baseline="0" dirty="0" smtClean="0"/>
+              <a:t> This is encouraged as a good practice: smaller modules are less risky to change, tend to be single-purpose and sport a clearly-defined interface.</a:t>
+            </a:r>
+          </a:p>
+          <a:p>
+            <a:endParaRPr lang="en-CA" baseline="0" dirty="0" smtClean="0"/>
+          </a:p>
+          <a:p>
+            <a:r>
+              <a:rPr lang="en-CA" baseline="0" dirty="0" smtClean="0"/>
+              <a:t>The code within a GIT repositories can define a build dependency on binaries generated by other GIT projects. This is why GIT is so often used with Maven and </a:t>
+            </a:r>
+            <a:r>
+              <a:rPr lang="en-CA" baseline="0" dirty="0" err="1" smtClean="0"/>
+              <a:t>Gradle</a:t>
+            </a:r>
+            <a:r>
+              <a:rPr lang="en-CA" baseline="0" dirty="0" smtClean="0"/>
+              <a:t>!</a:t>
+            </a:r>
+          </a:p>
+          <a:p>
+            <a:endParaRPr lang="en-CA" baseline="0" dirty="0" smtClean="0"/>
+          </a:p>
+          <a:p>
+            <a:r>
+              <a:rPr lang="en-CA" baseline="0" dirty="0" smtClean="0"/>
+              <a:t>Build tools such as Jenkins can defined composite builds, where one build kicks off another, which kicks off a third, until all components of the single application get built one at a time or in parallel.</a:t>
+            </a:r>
+          </a:p>
+        </p:txBody>
+      </p:sp>
+      <p:sp>
+        <p:nvSpPr>
+          <p:cNvPr id="4" name="Slide Number Placeholder 3"/>
+          <p:cNvSpPr>
+            <a:spLocks noGrp="1"/>
+          </p:cNvSpPr>
+          <p:nvPr>
+            <p:ph type="sldNum" sz="quarter" idx="10"/>
+          </p:nvPr>
+        </p:nvSpPr>
+        <p:spPr/>
+        <p:txBody>
+          <a:bodyPr/>
+          <a:lstStyle/>
+          <a:p>
+            <a:fld id="{CB55E3E3-40A9-4EFD-94DF-114BB2F8C3AE}" type="slidenum">
+              <a:rPr lang="en-CA" smtClean="0"/>
+              <a:t>33</a:t>
+            </a:fld>
+            <a:endParaRPr lang="en-CA"/>
+          </a:p>
+        </p:txBody>
+      </p:sp>
+    </p:spTree>
+    <p:extLst>
+      <p:ext uri="{BB962C8B-B14F-4D97-AF65-F5344CB8AC3E}">
+        <p14:creationId xmlns:p14="http://schemas.microsoft.com/office/powerpoint/2010/main" val="1075529859"/>
+      </p:ext>
+    </p:extLst>
+  </p:cSld>
+  <p:clrMapOvr>
+    <a:masterClrMapping/>
+  </p:clrMapOvr>
+</p:notes>
+</file>
+
 <file path=ppt/notesSlides/notesSlide3.xml><?xml version="1.0" encoding="utf-8"?>
 <p:notes xmlns:a="http://schemas.openxmlformats.org/drawingml/2006/main" xmlns:r="http://schemas.openxmlformats.org/officeDocument/2006/relationships" xmlns:p="http://schemas.openxmlformats.org/presentationml/2006/main">
   <p:cSld>
@@ -4042,6 +4578,1008 @@
     <p:extLst>
       <p:ext uri="{BB962C8B-B14F-4D97-AF65-F5344CB8AC3E}">
         <p14:creationId xmlns:p14="http://schemas.microsoft.com/office/powerpoint/2010/main" val="202790416"/>
+      </p:ext>
+    </p:extLst>
+  </p:cSld>
+  <p:clrMapOvr>
+    <a:masterClrMapping/>
+  </p:clrMapOvr>
+</p:notes>
+</file>
+
+<file path=ppt/notesSlides/notesSlide30.xml><?xml version="1.0" encoding="utf-8"?>
+<p:notes xmlns:a="http://schemas.openxmlformats.org/drawingml/2006/main" xmlns:r="http://schemas.openxmlformats.org/officeDocument/2006/relationships" xmlns:p="http://schemas.openxmlformats.org/presentationml/2006/main">
+  <p:cSld>
+    <p:spTree>
+      <p:nvGrpSpPr>
+        <p:cNvPr id="1" name=""/>
+        <p:cNvGrpSpPr/>
+        <p:nvPr/>
+      </p:nvGrpSpPr>
+      <p:grpSpPr>
+        <a:xfrm>
+          <a:off x="0" y="0"/>
+          <a:ext cx="0" cy="0"/>
+          <a:chOff x="0" y="0"/>
+          <a:chExt cx="0" cy="0"/>
+        </a:xfrm>
+      </p:grpSpPr>
+      <p:sp>
+        <p:nvSpPr>
+          <p:cNvPr id="2" name="Slide Image Placeholder 1"/>
+          <p:cNvSpPr>
+            <a:spLocks noGrp="1" noRot="1" noChangeAspect="1"/>
+          </p:cNvSpPr>
+          <p:nvPr>
+            <p:ph type="sldImg"/>
+          </p:nvPr>
+        </p:nvSpPr>
+        <p:spPr/>
+      </p:sp>
+      <p:sp>
+        <p:nvSpPr>
+          <p:cNvPr id="3" name="Notes Placeholder 2"/>
+          <p:cNvSpPr>
+            <a:spLocks noGrp="1"/>
+          </p:cNvSpPr>
+          <p:nvPr>
+            <p:ph type="body" idx="1"/>
+          </p:nvPr>
+        </p:nvSpPr>
+        <p:spPr/>
+        <p:txBody>
+          <a:bodyPr/>
+          <a:lstStyle/>
+          <a:p>
+            <a:r>
+              <a:rPr lang="en-CA" baseline="0" dirty="0" smtClean="0"/>
+              <a:t>Of course, many legacy projects are too far gone for refactoring to be feasible anymore. For this reason GIT is often considered for new development. </a:t>
+            </a:r>
+          </a:p>
+          <a:p>
+            <a:endParaRPr lang="en-CA" baseline="0" dirty="0" smtClean="0"/>
+          </a:p>
+          <a:p>
+            <a:r>
+              <a:rPr lang="en-CA" baseline="0" dirty="0" smtClean="0"/>
+              <a:t>There are other remedies, though.</a:t>
+            </a:r>
+          </a:p>
+          <a:p>
+            <a:endParaRPr lang="en-CA" dirty="0" smtClean="0"/>
+          </a:p>
+          <a:p>
+            <a:r>
+              <a:rPr lang="en-CA" dirty="0" smtClean="0"/>
+              <a:t>What you are about to see next is deprecated. None of it is a good idea, but is sometimes necessary.</a:t>
+            </a:r>
+            <a:endParaRPr lang="en-CA" dirty="0"/>
+          </a:p>
+        </p:txBody>
+      </p:sp>
+      <p:sp>
+        <p:nvSpPr>
+          <p:cNvPr id="4" name="Slide Number Placeholder 3"/>
+          <p:cNvSpPr>
+            <a:spLocks noGrp="1"/>
+          </p:cNvSpPr>
+          <p:nvPr>
+            <p:ph type="sldNum" sz="quarter" idx="10"/>
+          </p:nvPr>
+        </p:nvSpPr>
+        <p:spPr/>
+        <p:txBody>
+          <a:bodyPr/>
+          <a:lstStyle/>
+          <a:p>
+            <a:fld id="{CB55E3E3-40A9-4EFD-94DF-114BB2F8C3AE}" type="slidenum">
+              <a:rPr lang="en-CA" smtClean="0"/>
+              <a:t>34</a:t>
+            </a:fld>
+            <a:endParaRPr lang="en-CA"/>
+          </a:p>
+        </p:txBody>
+      </p:sp>
+    </p:spTree>
+    <p:extLst>
+      <p:ext uri="{BB962C8B-B14F-4D97-AF65-F5344CB8AC3E}">
+        <p14:creationId xmlns:p14="http://schemas.microsoft.com/office/powerpoint/2010/main" val="442740094"/>
+      </p:ext>
+    </p:extLst>
+  </p:cSld>
+  <p:clrMapOvr>
+    <a:masterClrMapping/>
+  </p:clrMapOvr>
+</p:notes>
+</file>
+
+<file path=ppt/notesSlides/notesSlide31.xml><?xml version="1.0" encoding="utf-8"?>
+<p:notes xmlns:a="http://schemas.openxmlformats.org/drawingml/2006/main" xmlns:r="http://schemas.openxmlformats.org/officeDocument/2006/relationships" xmlns:p="http://schemas.openxmlformats.org/presentationml/2006/main">
+  <p:cSld>
+    <p:spTree>
+      <p:nvGrpSpPr>
+        <p:cNvPr id="1" name=""/>
+        <p:cNvGrpSpPr/>
+        <p:nvPr/>
+      </p:nvGrpSpPr>
+      <p:grpSpPr>
+        <a:xfrm>
+          <a:off x="0" y="0"/>
+          <a:ext cx="0" cy="0"/>
+          <a:chOff x="0" y="0"/>
+          <a:chExt cx="0" cy="0"/>
+        </a:xfrm>
+      </p:grpSpPr>
+      <p:sp>
+        <p:nvSpPr>
+          <p:cNvPr id="2" name="Slide Image Placeholder 1"/>
+          <p:cNvSpPr>
+            <a:spLocks noGrp="1" noRot="1" noChangeAspect="1"/>
+          </p:cNvSpPr>
+          <p:nvPr>
+            <p:ph type="sldImg"/>
+          </p:nvPr>
+        </p:nvSpPr>
+        <p:spPr/>
+      </p:sp>
+      <p:sp>
+        <p:nvSpPr>
+          <p:cNvPr id="3" name="Notes Placeholder 2"/>
+          <p:cNvSpPr>
+            <a:spLocks noGrp="1"/>
+          </p:cNvSpPr>
+          <p:nvPr>
+            <p:ph type="body" idx="1"/>
+          </p:nvPr>
+        </p:nvSpPr>
+        <p:spPr/>
+        <p:txBody>
+          <a:bodyPr/>
+          <a:lstStyle/>
+          <a:p>
+            <a:r>
+              <a:rPr lang="en-CA" dirty="0" smtClean="0"/>
+              <a:t>Repository 2 is a subtree for Repository 1. Everything in “</a:t>
+            </a:r>
+            <a:r>
+              <a:rPr lang="en-CA" dirty="0" err="1" smtClean="0"/>
+              <a:t>dir</a:t>
+            </a:r>
+            <a:r>
+              <a:rPr lang="en-CA" dirty="0" smtClean="0"/>
+              <a:t> 1” in Repository 1 is really located in Repository 2. Repository 2 does not</a:t>
+            </a:r>
+            <a:r>
+              <a:rPr lang="en-CA" baseline="0" dirty="0" smtClean="0"/>
+              <a:t> build on its own, but Repository 1 fails to build without it. The only reason the code is split between two repositories is to work around GIT’s limitation. </a:t>
+            </a:r>
+          </a:p>
+          <a:p>
+            <a:pPr marL="0" marR="0" indent="0" algn="l" defTabSz="914400" rtl="0" eaLnBrk="1" fontAlgn="auto" latinLnBrk="0" hangingPunct="1">
+              <a:lnSpc>
+                <a:spcPct val="100000"/>
+              </a:lnSpc>
+              <a:spcBef>
+                <a:spcPts val="0"/>
+              </a:spcBef>
+              <a:spcAft>
+                <a:spcPts val="0"/>
+              </a:spcAft>
+              <a:buClrTx/>
+              <a:buSzTx/>
+              <a:buFontTx/>
+              <a:buNone/>
+              <a:tabLst/>
+              <a:defRPr/>
+            </a:pPr>
+            <a:endParaRPr lang="en-CA" baseline="0" dirty="0" smtClean="0"/>
+          </a:p>
+          <a:p>
+            <a:pPr marL="0" marR="0" indent="0" algn="l" defTabSz="914400" rtl="0" eaLnBrk="1" fontAlgn="auto" latinLnBrk="0" hangingPunct="1">
+              <a:lnSpc>
+                <a:spcPct val="100000"/>
+              </a:lnSpc>
+              <a:spcBef>
+                <a:spcPts val="0"/>
+              </a:spcBef>
+              <a:spcAft>
+                <a:spcPts val="0"/>
+              </a:spcAft>
+              <a:buClrTx/>
+              <a:buSzTx/>
+              <a:buFontTx/>
+              <a:buNone/>
+              <a:tabLst/>
+              <a:defRPr/>
+            </a:pPr>
+            <a:r>
+              <a:rPr lang="en-CA" baseline="0" dirty="0" smtClean="0"/>
+              <a:t>Problem with this is the following:</a:t>
+            </a:r>
+          </a:p>
+          <a:p>
+            <a:endParaRPr lang="en-CA" baseline="0" dirty="0" smtClean="0"/>
+          </a:p>
+          <a:p>
+            <a:pPr marL="171450" indent="-171450">
+              <a:buFont typeface="Arial" charset="0"/>
+              <a:buChar char="•"/>
+            </a:pPr>
+            <a:r>
+              <a:rPr lang="en-CA" baseline="0" dirty="0" smtClean="0"/>
+              <a:t>A subtree is a pointer to another GIT repository at a specific branch. Any changes to Repository 2 are seen by Repository 1 the next time someone remembers to merge them.</a:t>
+            </a:r>
+          </a:p>
+          <a:p>
+            <a:pPr marL="171450" indent="-171450">
+              <a:buFont typeface="Arial" charset="0"/>
+              <a:buChar char="•"/>
+            </a:pPr>
+            <a:r>
+              <a:rPr lang="en-CA" baseline="0" dirty="0" smtClean="0"/>
+              <a:t>Changes are hard to keep track of now as it is not immediately obvious what state of Repository 2 a certain </a:t>
+            </a:r>
+            <a:r>
+              <a:rPr lang="en-CA" baseline="0" dirty="0" err="1" smtClean="0"/>
+              <a:t>changeset</a:t>
+            </a:r>
+            <a:r>
+              <a:rPr lang="en-CA" baseline="0" dirty="0" smtClean="0"/>
+              <a:t> of Repository 1 was coded against.</a:t>
+            </a:r>
+          </a:p>
+          <a:p>
+            <a:pPr marL="171450" indent="-171450">
+              <a:buFont typeface="Arial" charset="0"/>
+              <a:buChar char="•"/>
+            </a:pPr>
+            <a:r>
+              <a:rPr lang="en-CA" baseline="0" dirty="0" smtClean="0"/>
+              <a:t>Branching becomes a major chore: creating a branch in Repository 1 does not do so for Repository 2. The same branch may need to be defined in Repository 2 as well, meaning now someone has to keep track which branch was merged and where, and which one was not. Probability of someone making a mistake merging climbs exponentially.</a:t>
+            </a:r>
+          </a:p>
+          <a:p>
+            <a:endParaRPr lang="en-CA" baseline="0" dirty="0" smtClean="0"/>
+          </a:p>
+          <a:p>
+            <a:pPr marL="0" indent="0">
+              <a:buFont typeface="Arial" panose="020B0604020202020204" pitchFamily="34" charset="0"/>
+              <a:buNone/>
+            </a:pPr>
+            <a:r>
+              <a:rPr lang="en-CA" dirty="0" smtClean="0"/>
+              <a:t>But if you need it, you</a:t>
+            </a:r>
+            <a:r>
+              <a:rPr lang="en-CA" baseline="0" dirty="0" smtClean="0"/>
+              <a:t> have it.</a:t>
+            </a:r>
+          </a:p>
+          <a:p>
+            <a:pPr marL="0" indent="0">
+              <a:buFont typeface="Arial" panose="020B0604020202020204" pitchFamily="34" charset="0"/>
+              <a:buNone/>
+            </a:pPr>
+            <a:endParaRPr lang="en-CA" baseline="0" dirty="0" smtClean="0"/>
+          </a:p>
+          <a:p>
+            <a:pPr marL="0" indent="0">
+              <a:buFont typeface="Arial" panose="020B0604020202020204" pitchFamily="34" charset="0"/>
+              <a:buNone/>
+            </a:pPr>
+            <a:r>
+              <a:rPr lang="en-CA" baseline="0" dirty="0" smtClean="0"/>
+              <a:t>git subtree add --prefix presentation </a:t>
+            </a:r>
+            <a:r>
+              <a:rPr lang="en-CA" baseline="0" dirty="0" err="1" smtClean="0"/>
+              <a:t>git@github.com:kangelov</a:t>
+            </a:r>
+            <a:r>
+              <a:rPr lang="en-CA" baseline="0" dirty="0" smtClean="0"/>
+              <a:t>/</a:t>
+            </a:r>
+            <a:r>
+              <a:rPr lang="en-CA" baseline="0" dirty="0" err="1" smtClean="0"/>
+              <a:t>gitdemo.git</a:t>
+            </a:r>
+            <a:r>
+              <a:rPr lang="en-CA" baseline="0" dirty="0" smtClean="0"/>
+              <a:t> master --</a:t>
+            </a:r>
+            <a:r>
+              <a:rPr lang="en-CA" baseline="0" dirty="0" err="1" smtClean="0"/>
+              <a:t>sqash</a:t>
+            </a:r>
+            <a:endParaRPr lang="en-CA" baseline="0" dirty="0" smtClean="0"/>
+          </a:p>
+          <a:p>
+            <a:pPr marL="0" indent="0">
+              <a:buFont typeface="Arial" panose="020B0604020202020204" pitchFamily="34" charset="0"/>
+              <a:buNone/>
+            </a:pPr>
+            <a:endParaRPr lang="en-CA" baseline="0" dirty="0" smtClean="0"/>
+          </a:p>
+          <a:p>
+            <a:pPr marL="0" indent="0">
+              <a:buFont typeface="Arial" panose="020B0604020202020204" pitchFamily="34" charset="0"/>
+              <a:buNone/>
+            </a:pPr>
+            <a:r>
+              <a:rPr lang="en-CA" baseline="0" dirty="0" smtClean="0"/>
+              <a:t>Now I have my </a:t>
+            </a:r>
+            <a:r>
+              <a:rPr lang="en-CA" baseline="0" dirty="0" err="1" smtClean="0"/>
+              <a:t>powerpoint</a:t>
+            </a:r>
+            <a:r>
+              <a:rPr lang="en-CA" baseline="0" dirty="0" smtClean="0"/>
+              <a:t> presentation defined as a “presentation” directory on my “demo” repository. Every time that repository changes, I have to say:</a:t>
+            </a:r>
+          </a:p>
+          <a:p>
+            <a:pPr marL="0" indent="0">
+              <a:buFont typeface="Arial" panose="020B0604020202020204" pitchFamily="34" charset="0"/>
+              <a:buNone/>
+            </a:pPr>
+            <a:endParaRPr lang="en-CA" baseline="0" dirty="0" smtClean="0"/>
+          </a:p>
+          <a:p>
+            <a:pPr marL="0" indent="0">
+              <a:buFont typeface="Arial" panose="020B0604020202020204" pitchFamily="34" charset="0"/>
+              <a:buNone/>
+            </a:pPr>
+            <a:r>
+              <a:rPr lang="en-CA" baseline="0" dirty="0" smtClean="0"/>
+              <a:t>git subtree pull --prefix presentation </a:t>
+            </a:r>
+            <a:r>
+              <a:rPr lang="en-CA" baseline="0" dirty="0" err="1" smtClean="0"/>
+              <a:t>git@github.com:kangelov</a:t>
+            </a:r>
+            <a:r>
+              <a:rPr lang="en-CA" baseline="0" dirty="0" smtClean="0"/>
+              <a:t>/</a:t>
+            </a:r>
+            <a:r>
+              <a:rPr lang="en-CA" baseline="0" dirty="0" err="1" smtClean="0"/>
+              <a:t>gitdemo.git</a:t>
+            </a:r>
+            <a:r>
+              <a:rPr lang="en-CA" baseline="0" dirty="0" smtClean="0"/>
+              <a:t> master --squash</a:t>
+            </a:r>
+          </a:p>
+          <a:p>
+            <a:pPr marL="0" indent="0">
+              <a:buFont typeface="Arial" panose="020B0604020202020204" pitchFamily="34" charset="0"/>
+              <a:buNone/>
+            </a:pPr>
+            <a:endParaRPr lang="en-CA" baseline="0" dirty="0" smtClean="0"/>
+          </a:p>
+          <a:p>
+            <a:pPr marL="0" indent="0">
+              <a:buFont typeface="Arial" panose="020B0604020202020204" pitchFamily="34" charset="0"/>
+              <a:buNone/>
+            </a:pPr>
+            <a:r>
+              <a:rPr lang="en-CA" baseline="0" dirty="0" smtClean="0"/>
+              <a:t>Which merges the subtree commits into Repository 1, collapsing them into a single commit.</a:t>
+            </a:r>
+          </a:p>
+          <a:p>
+            <a:pPr marL="0" indent="0">
+              <a:buFont typeface="Arial" panose="020B0604020202020204" pitchFamily="34" charset="0"/>
+              <a:buNone/>
+            </a:pPr>
+            <a:endParaRPr lang="en-CA" baseline="0" dirty="0" smtClean="0"/>
+          </a:p>
+          <a:p>
+            <a:pPr marL="0" indent="0">
+              <a:buFont typeface="Arial" panose="020B0604020202020204" pitchFamily="34" charset="0"/>
+              <a:buNone/>
+            </a:pPr>
+            <a:r>
+              <a:rPr lang="en-CA" baseline="0" dirty="0" smtClean="0"/>
+              <a:t>I don’t know very much about this, but the Internet is littered with horror stories from people shooting themselves in the foot with this and asking for advice.</a:t>
+            </a:r>
+          </a:p>
+        </p:txBody>
+      </p:sp>
+      <p:sp>
+        <p:nvSpPr>
+          <p:cNvPr id="4" name="Slide Number Placeholder 3"/>
+          <p:cNvSpPr>
+            <a:spLocks noGrp="1"/>
+          </p:cNvSpPr>
+          <p:nvPr>
+            <p:ph type="sldNum" sz="quarter" idx="10"/>
+          </p:nvPr>
+        </p:nvSpPr>
+        <p:spPr/>
+        <p:txBody>
+          <a:bodyPr/>
+          <a:lstStyle/>
+          <a:p>
+            <a:fld id="{CB55E3E3-40A9-4EFD-94DF-114BB2F8C3AE}" type="slidenum">
+              <a:rPr lang="en-CA" smtClean="0"/>
+              <a:t>35</a:t>
+            </a:fld>
+            <a:endParaRPr lang="en-CA"/>
+          </a:p>
+        </p:txBody>
+      </p:sp>
+    </p:spTree>
+    <p:extLst>
+      <p:ext uri="{BB962C8B-B14F-4D97-AF65-F5344CB8AC3E}">
+        <p14:creationId xmlns:p14="http://schemas.microsoft.com/office/powerpoint/2010/main" val="3117347024"/>
+      </p:ext>
+    </p:extLst>
+  </p:cSld>
+  <p:clrMapOvr>
+    <a:masterClrMapping/>
+  </p:clrMapOvr>
+</p:notes>
+</file>
+
+<file path=ppt/notesSlides/notesSlide32.xml><?xml version="1.0" encoding="utf-8"?>
+<p:notes xmlns:a="http://schemas.openxmlformats.org/drawingml/2006/main" xmlns:r="http://schemas.openxmlformats.org/officeDocument/2006/relationships" xmlns:p="http://schemas.openxmlformats.org/presentationml/2006/main">
+  <p:cSld>
+    <p:spTree>
+      <p:nvGrpSpPr>
+        <p:cNvPr id="1" name=""/>
+        <p:cNvGrpSpPr/>
+        <p:nvPr/>
+      </p:nvGrpSpPr>
+      <p:grpSpPr>
+        <a:xfrm>
+          <a:off x="0" y="0"/>
+          <a:ext cx="0" cy="0"/>
+          <a:chOff x="0" y="0"/>
+          <a:chExt cx="0" cy="0"/>
+        </a:xfrm>
+      </p:grpSpPr>
+      <p:sp>
+        <p:nvSpPr>
+          <p:cNvPr id="2" name="Slide Image Placeholder 1"/>
+          <p:cNvSpPr>
+            <a:spLocks noGrp="1" noRot="1" noChangeAspect="1"/>
+          </p:cNvSpPr>
+          <p:nvPr>
+            <p:ph type="sldImg"/>
+          </p:nvPr>
+        </p:nvSpPr>
+        <p:spPr/>
+      </p:sp>
+      <p:sp>
+        <p:nvSpPr>
+          <p:cNvPr id="3" name="Notes Placeholder 2"/>
+          <p:cNvSpPr>
+            <a:spLocks noGrp="1"/>
+          </p:cNvSpPr>
+          <p:nvPr>
+            <p:ph type="body" idx="1"/>
+          </p:nvPr>
+        </p:nvSpPr>
+        <p:spPr/>
+        <p:txBody>
+          <a:bodyPr/>
+          <a:lstStyle/>
+          <a:p>
+            <a:r>
+              <a:rPr lang="en-CA" dirty="0" smtClean="0"/>
+              <a:t>Submodule is very much like a subtree, except that now the reference</a:t>
+            </a:r>
+            <a:r>
+              <a:rPr lang="en-CA" baseline="0" dirty="0" smtClean="0"/>
+              <a:t> to the other repository is no longer by branch, but by a </a:t>
+            </a:r>
+            <a:r>
+              <a:rPr lang="en-CA" baseline="0" dirty="0" err="1" smtClean="0"/>
+              <a:t>changeset</a:t>
+            </a:r>
+            <a:r>
+              <a:rPr lang="en-CA" baseline="0" dirty="0" smtClean="0"/>
+              <a:t>. In a nutshell, both repositories are free to change as they please, however Repository 1 holds a pointer to a </a:t>
+            </a:r>
+            <a:r>
+              <a:rPr lang="en-CA" baseline="0" dirty="0" err="1" smtClean="0"/>
+              <a:t>changeset</a:t>
+            </a:r>
+            <a:r>
+              <a:rPr lang="en-CA" baseline="0" dirty="0" smtClean="0"/>
+              <a:t> in Repository 2, which needs to be maintained. Doesn’t sound like much?</a:t>
+            </a:r>
+          </a:p>
+          <a:p>
+            <a:endParaRPr lang="en-CA" baseline="0" dirty="0" smtClean="0"/>
+          </a:p>
+          <a:p>
+            <a:r>
+              <a:rPr lang="en-CA" baseline="0" dirty="0" smtClean="0"/>
+              <a:t>Having a submodule is like having a repository within a repository. Maintaining one repository involves managing a local repository and pushing to a remote repository. Maintaining one repository with a submodule involves managing 4 repositories:</a:t>
+            </a:r>
+          </a:p>
+          <a:p>
+            <a:pPr marL="171450" indent="-171450">
+              <a:buFont typeface="Arial" charset="0"/>
+              <a:buChar char="•"/>
+            </a:pPr>
+            <a:r>
+              <a:rPr lang="en-CA" baseline="0" dirty="0" smtClean="0"/>
+              <a:t>Remote</a:t>
+            </a:r>
+          </a:p>
+          <a:p>
+            <a:pPr marL="171450" indent="-171450">
+              <a:buFont typeface="Arial" charset="0"/>
+              <a:buChar char="•"/>
+            </a:pPr>
+            <a:r>
+              <a:rPr lang="en-CA" baseline="0" dirty="0" smtClean="0"/>
+              <a:t>Remote submodule</a:t>
+            </a:r>
+          </a:p>
+          <a:p>
+            <a:pPr marL="171450" indent="-171450">
+              <a:buFont typeface="Arial" charset="0"/>
+              <a:buChar char="•"/>
+            </a:pPr>
+            <a:r>
+              <a:rPr lang="en-CA" baseline="0" dirty="0" smtClean="0"/>
+              <a:t>Local</a:t>
+            </a:r>
+          </a:p>
+          <a:p>
+            <a:pPr marL="171450" indent="-171450">
+              <a:buFont typeface="Arial" charset="0"/>
+              <a:buChar char="•"/>
+            </a:pPr>
+            <a:r>
+              <a:rPr lang="en-CA" baseline="0" dirty="0" smtClean="0"/>
+              <a:t>Local submodule</a:t>
+            </a:r>
+          </a:p>
+          <a:p>
+            <a:pPr marL="171450" indent="-171450">
+              <a:buFont typeface="Arial" charset="0"/>
+              <a:buChar char="•"/>
+            </a:pPr>
+            <a:endParaRPr lang="en-CA" baseline="0" dirty="0" smtClean="0"/>
+          </a:p>
+          <a:p>
+            <a:pPr marL="0" indent="0">
+              <a:buFont typeface="Arial" charset="0"/>
+              <a:buNone/>
+            </a:pPr>
+            <a:r>
+              <a:rPr lang="en-CA" baseline="0" dirty="0" smtClean="0"/>
+              <a:t>Confused yet?</a:t>
+            </a:r>
+          </a:p>
+          <a:p>
+            <a:pPr marL="0" indent="0">
+              <a:buFont typeface="Arial" charset="0"/>
+              <a:buNone/>
+            </a:pPr>
+            <a:endParaRPr lang="en-CA" baseline="0" dirty="0" smtClean="0"/>
+          </a:p>
+          <a:p>
+            <a:pPr marL="0" indent="0">
+              <a:buFont typeface="Arial" charset="0"/>
+              <a:buNone/>
+            </a:pPr>
+            <a:r>
+              <a:rPr lang="en-CA" baseline="0" dirty="0" smtClean="0"/>
+              <a:t>Consider this: I make a change to Repository 2, commit and push. When I run the build against Repository 1, will it pick up my change?</a:t>
+            </a:r>
+          </a:p>
+          <a:p>
+            <a:pPr marL="0" indent="0">
+              <a:buFont typeface="Arial" charset="0"/>
+              <a:buNone/>
+            </a:pPr>
+            <a:endParaRPr lang="en-CA" baseline="0" dirty="0" smtClean="0"/>
+          </a:p>
+          <a:p>
+            <a:pPr marL="0" indent="0">
+              <a:buFont typeface="Arial" charset="0"/>
+              <a:buNone/>
+            </a:pPr>
+            <a:r>
+              <a:rPr lang="en-CA" baseline="0" dirty="0" smtClean="0"/>
+              <a:t>No, it will not.</a:t>
+            </a:r>
+          </a:p>
+          <a:p>
+            <a:pPr marL="0" indent="0">
+              <a:buFont typeface="Arial" charset="0"/>
+              <a:buNone/>
+            </a:pPr>
+            <a:endParaRPr lang="en-CA" baseline="0" dirty="0" smtClean="0"/>
+          </a:p>
+          <a:p>
+            <a:pPr marL="0" indent="0">
+              <a:buFont typeface="Arial" charset="0"/>
+              <a:buNone/>
+            </a:pPr>
+            <a:r>
+              <a:rPr lang="en-CA" baseline="0" dirty="0" smtClean="0"/>
+              <a:t>Modifying a submodule changes that repository, but a submodule is a reference to a CHANGESET. Adding another one thus changes the “</a:t>
+            </a:r>
+            <a:r>
+              <a:rPr lang="en-CA" baseline="0" dirty="0" err="1" smtClean="0"/>
+              <a:t>dir</a:t>
+            </a:r>
+            <a:r>
+              <a:rPr lang="en-CA" baseline="0" dirty="0" smtClean="0"/>
+              <a:t> 1” reference in Repository 1, so I have to remember to add and commit that one as well in order for my central build to pick up my change to Repository 2.</a:t>
+            </a:r>
+          </a:p>
+          <a:p>
+            <a:pPr marL="0" indent="0">
+              <a:buFont typeface="Arial" charset="0"/>
+              <a:buNone/>
+            </a:pPr>
+            <a:endParaRPr lang="en-CA" baseline="0" dirty="0" smtClean="0"/>
+          </a:p>
+          <a:p>
+            <a:pPr marL="0" indent="0">
+              <a:buFont typeface="Arial" charset="0"/>
+              <a:buNone/>
+            </a:pPr>
+            <a:r>
+              <a:rPr lang="en-CA" baseline="0" dirty="0" smtClean="0"/>
+              <a:t>In general, making a change to the submodule involves the following:</a:t>
+            </a:r>
+          </a:p>
+          <a:p>
+            <a:pPr marL="0" indent="0">
+              <a:buFont typeface="Arial" charset="0"/>
+              <a:buNone/>
+            </a:pPr>
+            <a:endParaRPr lang="en-CA" baseline="0" dirty="0" smtClean="0"/>
+          </a:p>
+          <a:p>
+            <a:pPr marL="228600" indent="-228600">
+              <a:buFont typeface="Arial" charset="0"/>
+              <a:buAutoNum type="arabicParenR"/>
+            </a:pPr>
+            <a:r>
+              <a:rPr lang="en-CA" baseline="0" dirty="0" smtClean="0"/>
+              <a:t>Update the submodule to the latest </a:t>
+            </a:r>
+            <a:r>
+              <a:rPr lang="en-CA" baseline="0" dirty="0" err="1" smtClean="0"/>
+              <a:t>changeset</a:t>
+            </a:r>
+            <a:r>
+              <a:rPr lang="en-CA" baseline="0" dirty="0" smtClean="0"/>
+              <a:t> (or else create a branch there at the commit I am at so that I can add another </a:t>
+            </a:r>
+            <a:r>
+              <a:rPr lang="en-CA" baseline="0" dirty="0" err="1" smtClean="0"/>
+              <a:t>changeset</a:t>
+            </a:r>
+            <a:r>
+              <a:rPr lang="en-CA" baseline="0" dirty="0" smtClean="0"/>
+              <a:t> directly there)</a:t>
+            </a:r>
+          </a:p>
+          <a:p>
+            <a:pPr marL="228600" indent="-228600">
+              <a:buFont typeface="Arial" charset="0"/>
+              <a:buAutoNum type="arabicParenR"/>
+            </a:pPr>
+            <a:r>
+              <a:rPr lang="en-CA" baseline="0" dirty="0" smtClean="0"/>
+              <a:t>Make the change</a:t>
+            </a:r>
+          </a:p>
+          <a:p>
+            <a:pPr marL="228600" indent="-228600">
+              <a:buFont typeface="Arial" charset="0"/>
+              <a:buAutoNum type="arabicParenR"/>
+            </a:pPr>
+            <a:r>
+              <a:rPr lang="en-CA" baseline="0" dirty="0" smtClean="0"/>
+              <a:t>Add and commit the change</a:t>
+            </a:r>
+          </a:p>
+          <a:p>
+            <a:pPr marL="228600" indent="-228600">
+              <a:buFont typeface="Arial" charset="0"/>
+              <a:buAutoNum type="arabicParenR"/>
+            </a:pPr>
+            <a:r>
+              <a:rPr lang="en-CA" baseline="0" dirty="0" smtClean="0"/>
+              <a:t>Push the submodule</a:t>
+            </a:r>
+          </a:p>
+          <a:p>
+            <a:pPr marL="228600" indent="-228600">
+              <a:buFont typeface="Arial" charset="0"/>
+              <a:buAutoNum type="arabicParenR"/>
+            </a:pPr>
+            <a:r>
+              <a:rPr lang="en-CA" baseline="0" dirty="0" smtClean="0"/>
+              <a:t>Go back to Repository 1</a:t>
+            </a:r>
+          </a:p>
+          <a:p>
+            <a:pPr marL="228600" indent="-228600">
+              <a:buFont typeface="Arial" charset="0"/>
+              <a:buAutoNum type="arabicParenR"/>
+            </a:pPr>
+            <a:r>
+              <a:rPr lang="en-CA" baseline="0" dirty="0" smtClean="0"/>
+              <a:t>Add and commit “</a:t>
+            </a:r>
+            <a:r>
+              <a:rPr lang="en-CA" baseline="0" dirty="0" err="1" smtClean="0"/>
+              <a:t>dir</a:t>
+            </a:r>
+            <a:r>
+              <a:rPr lang="en-CA" baseline="0" dirty="0" smtClean="0"/>
+              <a:t> 1”</a:t>
+            </a:r>
+          </a:p>
+          <a:p>
+            <a:pPr marL="228600" indent="-228600">
+              <a:buFont typeface="Arial" charset="0"/>
+              <a:buAutoNum type="arabicParenR"/>
+            </a:pPr>
+            <a:r>
+              <a:rPr lang="en-CA" dirty="0" smtClean="0"/>
+              <a:t>Push Repository</a:t>
+            </a:r>
+            <a:r>
+              <a:rPr lang="en-CA" baseline="0" dirty="0" smtClean="0"/>
+              <a:t> 1.</a:t>
+            </a:r>
+          </a:p>
+          <a:p>
+            <a:pPr marL="228600" indent="-228600">
+              <a:buFont typeface="Arial" charset="0"/>
+              <a:buAutoNum type="arabicParenR"/>
+            </a:pPr>
+            <a:endParaRPr lang="en-CA" baseline="0" dirty="0" smtClean="0"/>
+          </a:p>
+          <a:p>
+            <a:pPr marL="0" indent="0">
+              <a:buFont typeface="Arial" charset="0"/>
+              <a:buNone/>
+            </a:pPr>
+            <a:r>
+              <a:rPr lang="en-CA" baseline="0" dirty="0" smtClean="0"/>
+              <a:t>And if you forget any of that, you are up for a nasty surprise. AND THAT’S JUST ONE SUBMODULE! A second submodule increases the number of repositories you have to manage to 6. If it happened to be a sub-submodule, the number is 8. This solution does not scale.</a:t>
+            </a:r>
+          </a:p>
+          <a:p>
+            <a:pPr marL="0" indent="0">
+              <a:buFont typeface="Arial" charset="0"/>
+              <a:buNone/>
+            </a:pPr>
+            <a:endParaRPr lang="en-CA" baseline="0" dirty="0" smtClean="0"/>
+          </a:p>
+          <a:p>
+            <a:pPr marL="0" indent="0">
+              <a:buFont typeface="Arial" charset="0"/>
+              <a:buNone/>
+            </a:pPr>
+            <a:r>
+              <a:rPr lang="en-CA" baseline="0" dirty="0" smtClean="0"/>
+              <a:t>git submodule add -b master </a:t>
+            </a:r>
+            <a:r>
+              <a:rPr lang="en-CA" baseline="0" dirty="0" err="1" smtClean="0"/>
+              <a:t>git@github.com:kangelov</a:t>
+            </a:r>
+            <a:r>
+              <a:rPr lang="en-CA" baseline="0" dirty="0" smtClean="0"/>
+              <a:t>/</a:t>
+            </a:r>
+            <a:r>
+              <a:rPr lang="en-CA" baseline="0" dirty="0" err="1" smtClean="0"/>
+              <a:t>gitdemo.git</a:t>
+            </a:r>
+            <a:endParaRPr lang="en-CA" baseline="0" dirty="0" smtClean="0"/>
+          </a:p>
+          <a:p>
+            <a:pPr marL="0" indent="0">
+              <a:buFont typeface="Arial" charset="0"/>
+              <a:buNone/>
+            </a:pPr>
+            <a:endParaRPr lang="en-CA" baseline="0" dirty="0" smtClean="0"/>
+          </a:p>
+          <a:p>
+            <a:pPr marL="0" indent="0">
+              <a:buFont typeface="Arial" charset="0"/>
+              <a:buNone/>
+            </a:pPr>
+            <a:r>
+              <a:rPr lang="en-CA" baseline="0" dirty="0" smtClean="0"/>
+              <a:t>I am putting the tip of master as a submodule called “</a:t>
+            </a:r>
+            <a:r>
+              <a:rPr lang="en-CA" baseline="0" dirty="0" err="1" smtClean="0"/>
+              <a:t>gitdemo</a:t>
+            </a:r>
+            <a:r>
+              <a:rPr lang="en-CA" baseline="0" dirty="0" smtClean="0"/>
+              <a:t>” under my repository.</a:t>
+            </a:r>
+          </a:p>
+          <a:p>
+            <a:pPr marL="0" indent="0">
+              <a:buFont typeface="Arial" charset="0"/>
+              <a:buNone/>
+            </a:pPr>
+            <a:endParaRPr lang="en-CA" baseline="0" dirty="0" smtClean="0"/>
+          </a:p>
+          <a:p>
+            <a:pPr marL="0" indent="0">
+              <a:buFont typeface="Arial" charset="0"/>
+              <a:buNone/>
+            </a:pPr>
+            <a:r>
+              <a:rPr lang="en-CA" baseline="0" dirty="0" smtClean="0"/>
+              <a:t>I have personal experience with this one. When I first started looking at GIT for the </a:t>
+            </a:r>
+            <a:r>
+              <a:rPr lang="en-CA" baseline="0" dirty="0" err="1" smtClean="0"/>
+              <a:t>SelfServe</a:t>
+            </a:r>
+            <a:r>
+              <a:rPr lang="en-CA" baseline="0" dirty="0" smtClean="0"/>
+              <a:t> team, I introduced Fawzy to it and this become an integral part of our code sharing strategy between web services. It worked, however my team never managed to figure the submodule out how to maintain it and merge it. In retrospect that submodule was a dreadful idea. I will be happy to show you how I solved the same problem for </a:t>
+            </a:r>
+            <a:r>
+              <a:rPr lang="en-CA" baseline="0" dirty="0" err="1" smtClean="0"/>
+              <a:t>ClientAPI</a:t>
+            </a:r>
+            <a:r>
+              <a:rPr lang="en-CA" baseline="0" dirty="0" smtClean="0"/>
+              <a:t>.</a:t>
+            </a:r>
+          </a:p>
+          <a:p>
+            <a:pPr marL="0" indent="0">
+              <a:buFont typeface="Arial" charset="0"/>
+              <a:buNone/>
+            </a:pPr>
+            <a:endParaRPr lang="en-CA" baseline="0" dirty="0" smtClean="0"/>
+          </a:p>
+        </p:txBody>
+      </p:sp>
+      <p:sp>
+        <p:nvSpPr>
+          <p:cNvPr id="4" name="Slide Number Placeholder 3"/>
+          <p:cNvSpPr>
+            <a:spLocks noGrp="1"/>
+          </p:cNvSpPr>
+          <p:nvPr>
+            <p:ph type="sldNum" sz="quarter" idx="10"/>
+          </p:nvPr>
+        </p:nvSpPr>
+        <p:spPr/>
+        <p:txBody>
+          <a:bodyPr/>
+          <a:lstStyle/>
+          <a:p>
+            <a:fld id="{CB55E3E3-40A9-4EFD-94DF-114BB2F8C3AE}" type="slidenum">
+              <a:rPr lang="en-CA" smtClean="0"/>
+              <a:t>36</a:t>
+            </a:fld>
+            <a:endParaRPr lang="en-CA"/>
+          </a:p>
+        </p:txBody>
+      </p:sp>
+    </p:spTree>
+    <p:extLst>
+      <p:ext uri="{BB962C8B-B14F-4D97-AF65-F5344CB8AC3E}">
+        <p14:creationId xmlns:p14="http://schemas.microsoft.com/office/powerpoint/2010/main" val="3150243427"/>
+      </p:ext>
+    </p:extLst>
+  </p:cSld>
+  <p:clrMapOvr>
+    <a:masterClrMapping/>
+  </p:clrMapOvr>
+</p:notes>
+</file>
+
+<file path=ppt/notesSlides/notesSlide33.xml><?xml version="1.0" encoding="utf-8"?>
+<p:notes xmlns:a="http://schemas.openxmlformats.org/drawingml/2006/main" xmlns:r="http://schemas.openxmlformats.org/officeDocument/2006/relationships" xmlns:p="http://schemas.openxmlformats.org/presentationml/2006/main">
+  <p:cSld>
+    <p:spTree>
+      <p:nvGrpSpPr>
+        <p:cNvPr id="1" name=""/>
+        <p:cNvGrpSpPr/>
+        <p:nvPr/>
+      </p:nvGrpSpPr>
+      <p:grpSpPr>
+        <a:xfrm>
+          <a:off x="0" y="0"/>
+          <a:ext cx="0" cy="0"/>
+          <a:chOff x="0" y="0"/>
+          <a:chExt cx="0" cy="0"/>
+        </a:xfrm>
+      </p:grpSpPr>
+      <p:sp>
+        <p:nvSpPr>
+          <p:cNvPr id="2" name="Slide Image Placeholder 1"/>
+          <p:cNvSpPr>
+            <a:spLocks noGrp="1" noRot="1" noChangeAspect="1"/>
+          </p:cNvSpPr>
+          <p:nvPr>
+            <p:ph type="sldImg"/>
+          </p:nvPr>
+        </p:nvSpPr>
+        <p:spPr/>
+      </p:sp>
+      <p:sp>
+        <p:nvSpPr>
+          <p:cNvPr id="3" name="Notes Placeholder 2"/>
+          <p:cNvSpPr>
+            <a:spLocks noGrp="1"/>
+          </p:cNvSpPr>
+          <p:nvPr>
+            <p:ph type="body" idx="1"/>
+          </p:nvPr>
+        </p:nvSpPr>
+        <p:spPr/>
+        <p:txBody>
+          <a:bodyPr/>
+          <a:lstStyle/>
+          <a:p>
+            <a:r>
+              <a:rPr lang="en-CA" dirty="0" smtClean="0"/>
+              <a:t>I</a:t>
+            </a:r>
+            <a:r>
+              <a:rPr lang="en-CA" baseline="0" dirty="0" smtClean="0"/>
+              <a:t> am going to show you how I managed to get GIT to work with a native TFS repository. This is how I work every day. This has been tested and is working rather well even in some rather extreme situations.</a:t>
+            </a:r>
+          </a:p>
+          <a:p>
+            <a:endParaRPr lang="en-CA" baseline="0" dirty="0" smtClean="0"/>
+          </a:p>
+          <a:p>
+            <a:r>
+              <a:rPr lang="en-CA" baseline="0" dirty="0" smtClean="0"/>
+              <a:t>Credits for discovering this tool goes to Fawzy, though he denies any knowledge of it.</a:t>
+            </a:r>
+          </a:p>
+        </p:txBody>
+      </p:sp>
+      <p:sp>
+        <p:nvSpPr>
+          <p:cNvPr id="4" name="Slide Number Placeholder 3"/>
+          <p:cNvSpPr>
+            <a:spLocks noGrp="1"/>
+          </p:cNvSpPr>
+          <p:nvPr>
+            <p:ph type="sldNum" sz="quarter" idx="10"/>
+          </p:nvPr>
+        </p:nvSpPr>
+        <p:spPr/>
+        <p:txBody>
+          <a:bodyPr/>
+          <a:lstStyle/>
+          <a:p>
+            <a:fld id="{CB55E3E3-40A9-4EFD-94DF-114BB2F8C3AE}" type="slidenum">
+              <a:rPr lang="en-CA" smtClean="0"/>
+              <a:t>37</a:t>
+            </a:fld>
+            <a:endParaRPr lang="en-CA"/>
+          </a:p>
+        </p:txBody>
+      </p:sp>
+    </p:spTree>
+    <p:extLst>
+      <p:ext uri="{BB962C8B-B14F-4D97-AF65-F5344CB8AC3E}">
+        <p14:creationId xmlns:p14="http://schemas.microsoft.com/office/powerpoint/2010/main" val="260239133"/>
       </p:ext>
     </p:extLst>
   </p:cSld>
@@ -8196,7 +9734,6 @@
               <a:rPr lang="en-CA" dirty="0"/>
               <a:t>STRUCTURE OF A GIT REPOSITORY</a:t>
             </a:r>
-            <a:endParaRPr lang="en-CA" dirty="0"/>
           </a:p>
         </p:txBody>
       </p:sp>
@@ -8341,7 +9878,6 @@
               <a:rPr lang="en-CA" dirty="0"/>
               <a:t>STRUCTURE OF A GIT REPOSITORY</a:t>
             </a:r>
-            <a:endParaRPr lang="en-CA" dirty="0"/>
           </a:p>
         </p:txBody>
       </p:sp>
@@ -10162,11 +11698,7 @@
           <a:p>
             <a:r>
               <a:rPr lang="en-CA" dirty="0" smtClean="0"/>
-              <a:t>What I am going to </a:t>
-            </a:r>
-            <a:r>
-              <a:rPr lang="en-CA" dirty="0" smtClean="0"/>
-              <a:t>cover here</a:t>
+              <a:t>What I am going to cover here</a:t>
             </a:r>
             <a:endParaRPr lang="en-CA" dirty="0"/>
           </a:p>
@@ -10304,11 +11836,7 @@
             <a:pPr lvl="1"/>
             <a:r>
               <a:rPr lang="en-CA" sz="1600" dirty="0" smtClean="0"/>
-              <a:t>Merging a </a:t>
-            </a:r>
-            <a:r>
-              <a:rPr lang="en-CA" sz="1600" dirty="0" smtClean="0"/>
-              <a:t>branch</a:t>
+              <a:t>Merging a branch</a:t>
             </a:r>
           </a:p>
           <a:p>
@@ -10317,7 +11845,6 @@
               <a:rPr lang="en-CA" sz="1600" dirty="0" smtClean="0"/>
               <a:t>Deleting a branch</a:t>
             </a:r>
-            <a:endParaRPr lang="en-CA" sz="1600" dirty="0" smtClean="0"/>
           </a:p>
           <a:p>
             <a:pPr lvl="1"/>
@@ -10335,35 +11862,79 @@
           </a:p>
           <a:p>
             <a:r>
+              <a:rPr lang="en-CA" sz="1600" b="1" dirty="0"/>
+              <a:t>Any other topic you </a:t>
+            </a:r>
+            <a:r>
+              <a:rPr lang="en-CA" sz="1600" b="1" dirty="0" smtClean="0"/>
+              <a:t>wish me to discuss?</a:t>
+            </a:r>
+            <a:endParaRPr lang="en-CA" sz="2000" b="1" dirty="0"/>
+          </a:p>
+          <a:p>
+            <a:pPr marL="0" indent="0">
+              <a:buNone/>
+            </a:pPr>
+            <a:endParaRPr lang="en-CA" sz="1600" dirty="0"/>
+          </a:p>
+          <a:p>
+            <a:pPr marL="0" indent="0">
+              <a:buNone/>
+            </a:pPr>
+            <a:r>
               <a:rPr lang="en-CA" sz="1600" dirty="0" smtClean="0"/>
-              <a:t>How to manage a large application with GIT</a:t>
+              <a:t>OPTIONAL SECTIONS:</a:t>
+            </a:r>
+            <a:endParaRPr lang="en-CA" sz="1600" dirty="0"/>
+          </a:p>
+          <a:p>
+            <a:endParaRPr lang="en-CA" sz="1600" dirty="0" smtClean="0"/>
+          </a:p>
+          <a:p>
+            <a:r>
+              <a:rPr lang="en-CA" sz="1600" dirty="0" smtClean="0"/>
+              <a:t>How </a:t>
+            </a:r>
+            <a:r>
+              <a:rPr lang="en-CA" sz="1600" dirty="0" smtClean="0"/>
+              <a:t>to manage a large application with </a:t>
+            </a:r>
+            <a:r>
+              <a:rPr lang="en-CA" sz="1600" dirty="0" smtClean="0"/>
+              <a:t>GIT</a:t>
             </a:r>
           </a:p>
           <a:p>
             <a:pPr lvl="1"/>
             <a:r>
               <a:rPr lang="en-CA" sz="1600" dirty="0" smtClean="0"/>
-              <a:t>Subtree</a:t>
+              <a:t>Git and large code bases</a:t>
             </a:r>
           </a:p>
           <a:p>
             <a:pPr lvl="1"/>
             <a:r>
               <a:rPr lang="en-CA" sz="1600" dirty="0" smtClean="0"/>
-              <a:t>Submodule</a:t>
-            </a:r>
-          </a:p>
-          <a:p>
+              <a:t>When all else fails: Subtree</a:t>
+            </a:r>
+            <a:endParaRPr lang="en-CA" sz="1600" dirty="0" smtClean="0"/>
+          </a:p>
+          <a:p>
+            <a:pPr lvl="1"/>
             <a:r>
               <a:rPr lang="en-CA" sz="1600" dirty="0" smtClean="0"/>
-              <a:t>Any other topic you may be interested in?</a:t>
-            </a:r>
-            <a:endParaRPr lang="en-CA" sz="2000" dirty="0" smtClean="0"/>
+              <a:t>When all else fails: Submodule</a:t>
+            </a:r>
+            <a:endParaRPr lang="en-CA" sz="1600" dirty="0" smtClean="0"/>
           </a:p>
           <a:p>
             <a:r>
               <a:rPr lang="en-CA" sz="1600" dirty="0" smtClean="0"/>
-              <a:t>GIT and TFS</a:t>
+              <a:t>GIT </a:t>
+            </a:r>
+            <a:r>
+              <a:rPr lang="en-CA" sz="1600" dirty="0" smtClean="0"/>
+              <a:t>and TFS</a:t>
             </a:r>
           </a:p>
           <a:p>
@@ -14037,11 +15608,7 @@
             </a:r>
             <a:r>
               <a:rPr lang="en-CA" dirty="0" smtClean="0"/>
-              <a:t>(s) from another branch into yours, without merging the rest of the branch</a:t>
-            </a:r>
-            <a:r>
-              <a:rPr lang="en-CA" dirty="0" smtClean="0"/>
-              <a:t>. The </a:t>
+              <a:t>(s) from another branch into yours, without merging the rest of the branch. The </a:t>
             </a:r>
             <a:r>
               <a:rPr lang="en-CA" dirty="0" err="1" smtClean="0"/>
@@ -14334,6 +15901,2714 @@
 </p:sld>
 </file>
 
+<file path=ppt/slides/slide30.xml><?xml version="1.0" encoding="utf-8"?>
+<p:sld xmlns:a="http://schemas.openxmlformats.org/drawingml/2006/main" xmlns:r="http://schemas.openxmlformats.org/officeDocument/2006/relationships" xmlns:p="http://schemas.openxmlformats.org/presentationml/2006/main">
+  <p:cSld>
+    <p:spTree>
+      <p:nvGrpSpPr>
+        <p:cNvPr id="1" name=""/>
+        <p:cNvGrpSpPr/>
+        <p:nvPr/>
+      </p:nvGrpSpPr>
+      <p:grpSpPr>
+        <a:xfrm>
+          <a:off x="0" y="0"/>
+          <a:ext cx="0" cy="0"/>
+          <a:chOff x="0" y="0"/>
+          <a:chExt cx="0" cy="0"/>
+        </a:xfrm>
+      </p:grpSpPr>
+      <p:sp>
+        <p:nvSpPr>
+          <p:cNvPr id="2" name="Title 1"/>
+          <p:cNvSpPr>
+            <a:spLocks noGrp="1"/>
+          </p:cNvSpPr>
+          <p:nvPr>
+            <p:ph type="title"/>
+          </p:nvPr>
+        </p:nvSpPr>
+        <p:spPr/>
+        <p:txBody>
+          <a:bodyPr/>
+          <a:lstStyle/>
+          <a:p>
+            <a:r>
+              <a:rPr lang="en-CA" dirty="0" smtClean="0"/>
+              <a:t>Any Other topics you WISH ME TO discuss?</a:t>
+            </a:r>
+            <a:endParaRPr lang="en-CA" dirty="0"/>
+          </a:p>
+        </p:txBody>
+      </p:sp>
+      <p:sp>
+        <p:nvSpPr>
+          <p:cNvPr id="3" name="Text Placeholder 2"/>
+          <p:cNvSpPr>
+            <a:spLocks noGrp="1"/>
+          </p:cNvSpPr>
+          <p:nvPr>
+            <p:ph type="body" idx="1"/>
+          </p:nvPr>
+        </p:nvSpPr>
+        <p:spPr/>
+        <p:txBody>
+          <a:bodyPr/>
+          <a:lstStyle/>
+          <a:p>
+            <a:endParaRPr lang="en-CA"/>
+          </a:p>
+        </p:txBody>
+      </p:sp>
+    </p:spTree>
+    <p:extLst>
+      <p:ext uri="{BB962C8B-B14F-4D97-AF65-F5344CB8AC3E}">
+        <p14:creationId xmlns:p14="http://schemas.microsoft.com/office/powerpoint/2010/main" val="1454847279"/>
+      </p:ext>
+    </p:extLst>
+  </p:cSld>
+  <p:clrMapOvr>
+    <a:masterClrMapping/>
+  </p:clrMapOvr>
+  <p:timing>
+    <p:tnLst>
+      <p:par>
+        <p:cTn id="1" dur="indefinite" restart="never" nodeType="tmRoot"/>
+      </p:par>
+    </p:tnLst>
+  </p:timing>
+</p:sld>
+</file>
+
+<file path=ppt/slides/slide31.xml><?xml version="1.0" encoding="utf-8"?>
+<p:sld xmlns:a="http://schemas.openxmlformats.org/drawingml/2006/main" xmlns:r="http://schemas.openxmlformats.org/officeDocument/2006/relationships" xmlns:p="http://schemas.openxmlformats.org/presentationml/2006/main">
+  <p:cSld>
+    <p:spTree>
+      <p:nvGrpSpPr>
+        <p:cNvPr id="1" name=""/>
+        <p:cNvGrpSpPr/>
+        <p:nvPr/>
+      </p:nvGrpSpPr>
+      <p:grpSpPr>
+        <a:xfrm>
+          <a:off x="0" y="0"/>
+          <a:ext cx="0" cy="0"/>
+          <a:chOff x="0" y="0"/>
+          <a:chExt cx="0" cy="0"/>
+        </a:xfrm>
+      </p:grpSpPr>
+      <p:sp>
+        <p:nvSpPr>
+          <p:cNvPr id="2" name="Title 1"/>
+          <p:cNvSpPr>
+            <a:spLocks noGrp="1"/>
+          </p:cNvSpPr>
+          <p:nvPr>
+            <p:ph type="title"/>
+          </p:nvPr>
+        </p:nvSpPr>
+        <p:spPr/>
+        <p:txBody>
+          <a:bodyPr/>
+          <a:lstStyle/>
+          <a:p>
+            <a:r>
+              <a:rPr lang="en-CA" dirty="0" smtClean="0"/>
+              <a:t>HOW TO MANAGE A LARGE APPLICATION WITH GIT</a:t>
+            </a:r>
+            <a:endParaRPr lang="en-CA" dirty="0"/>
+          </a:p>
+        </p:txBody>
+      </p:sp>
+      <p:sp>
+        <p:nvSpPr>
+          <p:cNvPr id="3" name="Text Placeholder 2"/>
+          <p:cNvSpPr>
+            <a:spLocks noGrp="1"/>
+          </p:cNvSpPr>
+          <p:nvPr>
+            <p:ph type="body" idx="1"/>
+          </p:nvPr>
+        </p:nvSpPr>
+        <p:spPr/>
+        <p:txBody>
+          <a:bodyPr/>
+          <a:lstStyle/>
+          <a:p>
+            <a:endParaRPr lang="en-CA"/>
+          </a:p>
+        </p:txBody>
+      </p:sp>
+    </p:spTree>
+    <p:extLst>
+      <p:ext uri="{BB962C8B-B14F-4D97-AF65-F5344CB8AC3E}">
+        <p14:creationId xmlns:p14="http://schemas.microsoft.com/office/powerpoint/2010/main" val="19414260"/>
+      </p:ext>
+    </p:extLst>
+  </p:cSld>
+  <p:clrMapOvr>
+    <a:masterClrMapping/>
+  </p:clrMapOvr>
+  <p:timing>
+    <p:tnLst>
+      <p:par>
+        <p:cTn id="1" dur="indefinite" restart="never" nodeType="tmRoot"/>
+      </p:par>
+    </p:tnLst>
+  </p:timing>
+</p:sld>
+</file>
+
+<file path=ppt/slides/slide32.xml><?xml version="1.0" encoding="utf-8"?>
+<p:sld xmlns:a="http://schemas.openxmlformats.org/drawingml/2006/main" xmlns:r="http://schemas.openxmlformats.org/officeDocument/2006/relationships" xmlns:p="http://schemas.openxmlformats.org/presentationml/2006/main">
+  <p:cSld>
+    <p:spTree>
+      <p:nvGrpSpPr>
+        <p:cNvPr id="1" name=""/>
+        <p:cNvGrpSpPr/>
+        <p:nvPr/>
+      </p:nvGrpSpPr>
+      <p:grpSpPr>
+        <a:xfrm>
+          <a:off x="0" y="0"/>
+          <a:ext cx="0" cy="0"/>
+          <a:chOff x="0" y="0"/>
+          <a:chExt cx="0" cy="0"/>
+        </a:xfrm>
+      </p:grpSpPr>
+      <p:sp>
+        <p:nvSpPr>
+          <p:cNvPr id="2" name="Title 1"/>
+          <p:cNvSpPr>
+            <a:spLocks noGrp="1"/>
+          </p:cNvSpPr>
+          <p:nvPr>
+            <p:ph type="title"/>
+          </p:nvPr>
+        </p:nvSpPr>
+        <p:spPr/>
+        <p:txBody>
+          <a:bodyPr/>
+          <a:lstStyle/>
+          <a:p>
+            <a:r>
+              <a:rPr lang="en-CA" dirty="0" smtClean="0"/>
+              <a:t>GIT AND LAGE CODE BASES</a:t>
+            </a:r>
+            <a:endParaRPr lang="en-CA" dirty="0"/>
+          </a:p>
+        </p:txBody>
+      </p:sp>
+      <p:sp>
+        <p:nvSpPr>
+          <p:cNvPr id="3" name="Content Placeholder 2"/>
+          <p:cNvSpPr>
+            <a:spLocks noGrp="1"/>
+          </p:cNvSpPr>
+          <p:nvPr>
+            <p:ph idx="1"/>
+          </p:nvPr>
+        </p:nvSpPr>
+        <p:spPr/>
+        <p:txBody>
+          <a:bodyPr/>
+          <a:lstStyle/>
+          <a:p>
+            <a:pPr marL="0" indent="0">
+              <a:buNone/>
+            </a:pPr>
+            <a:r>
+              <a:rPr lang="en-CA" dirty="0" smtClean="0"/>
+              <a:t>Large code bases cause the following problems to a GIT repository:</a:t>
+            </a:r>
+          </a:p>
+          <a:p>
+            <a:r>
+              <a:rPr lang="en-CA" dirty="0" smtClean="0"/>
+              <a:t>More </a:t>
+            </a:r>
+            <a:r>
+              <a:rPr lang="en-CA" dirty="0" err="1" smtClean="0"/>
+              <a:t>changesets</a:t>
+            </a:r>
+            <a:r>
+              <a:rPr lang="en-CA" dirty="0" smtClean="0"/>
+              <a:t>, making it harder to store a significant history for your repository.</a:t>
+            </a:r>
+          </a:p>
+          <a:p>
+            <a:r>
+              <a:rPr lang="en-CA" dirty="0" smtClean="0"/>
+              <a:t>More files to download</a:t>
+            </a:r>
+          </a:p>
+          <a:p>
+            <a:r>
+              <a:rPr lang="en-CA" dirty="0" smtClean="0"/>
+              <a:t>Longer merges</a:t>
+            </a:r>
+          </a:p>
+          <a:p>
+            <a:r>
+              <a:rPr lang="en-CA" dirty="0" smtClean="0"/>
+              <a:t>More frequent and harder to resolve conflicts</a:t>
+            </a:r>
+          </a:p>
+          <a:p>
+            <a:r>
+              <a:rPr lang="en-CA" dirty="0" smtClean="0"/>
+              <a:t>Branches becomes hard to work with</a:t>
+            </a:r>
+          </a:p>
+          <a:p>
+            <a:pPr marL="0" indent="0">
+              <a:buNone/>
+            </a:pPr>
+            <a:endParaRPr lang="en-CA" dirty="0"/>
+          </a:p>
+        </p:txBody>
+      </p:sp>
+    </p:spTree>
+    <p:extLst>
+      <p:ext uri="{BB962C8B-B14F-4D97-AF65-F5344CB8AC3E}">
+        <p14:creationId xmlns:p14="http://schemas.microsoft.com/office/powerpoint/2010/main" val="2727086813"/>
+      </p:ext>
+    </p:extLst>
+  </p:cSld>
+  <p:clrMapOvr>
+    <a:masterClrMapping/>
+  </p:clrMapOvr>
+</p:sld>
+</file>
+
+<file path=ppt/slides/slide33.xml><?xml version="1.0" encoding="utf-8"?>
+<p:sld xmlns:a="http://schemas.openxmlformats.org/drawingml/2006/main" xmlns:r="http://schemas.openxmlformats.org/officeDocument/2006/relationships" xmlns:p="http://schemas.openxmlformats.org/presentationml/2006/main">
+  <p:cSld>
+    <p:spTree>
+      <p:nvGrpSpPr>
+        <p:cNvPr id="1" name=""/>
+        <p:cNvGrpSpPr/>
+        <p:nvPr/>
+      </p:nvGrpSpPr>
+      <p:grpSpPr>
+        <a:xfrm>
+          <a:off x="0" y="0"/>
+          <a:ext cx="0" cy="0"/>
+          <a:chOff x="0" y="0"/>
+          <a:chExt cx="0" cy="0"/>
+        </a:xfrm>
+      </p:grpSpPr>
+      <p:sp>
+        <p:nvSpPr>
+          <p:cNvPr id="2" name="Title 1"/>
+          <p:cNvSpPr>
+            <a:spLocks noGrp="1"/>
+          </p:cNvSpPr>
+          <p:nvPr>
+            <p:ph type="title"/>
+          </p:nvPr>
+        </p:nvSpPr>
+        <p:spPr/>
+        <p:txBody>
+          <a:bodyPr/>
+          <a:lstStyle/>
+          <a:p>
+            <a:r>
+              <a:rPr lang="en-CA" dirty="0" smtClean="0"/>
+              <a:t>GIT AND LARGE CODE BASES</a:t>
+            </a:r>
+            <a:endParaRPr lang="en-CA" dirty="0"/>
+          </a:p>
+        </p:txBody>
+      </p:sp>
+      <p:sp>
+        <p:nvSpPr>
+          <p:cNvPr id="3" name="Content Placeholder 2"/>
+          <p:cNvSpPr>
+            <a:spLocks noGrp="1"/>
+          </p:cNvSpPr>
+          <p:nvPr>
+            <p:ph idx="1"/>
+          </p:nvPr>
+        </p:nvSpPr>
+        <p:spPr/>
+        <p:txBody>
+          <a:bodyPr>
+            <a:normAutofit fontScale="92500" lnSpcReduction="20000"/>
+          </a:bodyPr>
+          <a:lstStyle/>
+          <a:p>
+            <a:pPr marL="0" indent="0">
+              <a:buNone/>
+            </a:pPr>
+            <a:r>
+              <a:rPr lang="en-CA" dirty="0" smtClean="0"/>
+              <a:t>What to do about it:</a:t>
+            </a:r>
+          </a:p>
+          <a:p>
+            <a:pPr marL="0" indent="0">
+              <a:buNone/>
+            </a:pPr>
+            <a:endParaRPr lang="en-CA" dirty="0" smtClean="0"/>
+          </a:p>
+          <a:p>
+            <a:r>
+              <a:rPr lang="en-CA" dirty="0" smtClean="0"/>
+              <a:t>Divide and Conquer: refactor large code bases into separate independent projects, each in its own repository.</a:t>
+            </a:r>
+          </a:p>
+          <a:p>
+            <a:r>
+              <a:rPr lang="en-CA" dirty="0" smtClean="0"/>
+              <a:t>Use your favourite build tool to define dependencies on binary artifacts generated by other GIT repositories.</a:t>
+            </a:r>
+          </a:p>
+          <a:p>
+            <a:r>
+              <a:rPr lang="en-CA" dirty="0" smtClean="0"/>
+              <a:t>Employ a multi-stage build process, where your GIT repositories are built in order and the binaries are used as binary dependencies.</a:t>
+            </a:r>
+          </a:p>
+          <a:p>
+            <a:pPr marL="0" indent="0">
+              <a:buNone/>
+            </a:pPr>
+            <a:endParaRPr lang="en-CA" dirty="0"/>
+          </a:p>
+          <a:p>
+            <a:pPr marL="0" indent="0">
+              <a:buNone/>
+            </a:pPr>
+            <a:endParaRPr lang="en-CA" dirty="0" smtClean="0"/>
+          </a:p>
+          <a:p>
+            <a:endParaRPr lang="en-CA" dirty="0"/>
+          </a:p>
+        </p:txBody>
+      </p:sp>
+    </p:spTree>
+    <p:extLst>
+      <p:ext uri="{BB962C8B-B14F-4D97-AF65-F5344CB8AC3E}">
+        <p14:creationId xmlns:p14="http://schemas.microsoft.com/office/powerpoint/2010/main" val="2307458371"/>
+      </p:ext>
+    </p:extLst>
+  </p:cSld>
+  <p:clrMapOvr>
+    <a:masterClrMapping/>
+  </p:clrMapOvr>
+</p:sld>
+</file>
+
+<file path=ppt/slides/slide34.xml><?xml version="1.0" encoding="utf-8"?>
+<p:sld xmlns:a="http://schemas.openxmlformats.org/drawingml/2006/main" xmlns:r="http://schemas.openxmlformats.org/officeDocument/2006/relationships" xmlns:p="http://schemas.openxmlformats.org/presentationml/2006/main">
+  <p:cSld>
+    <p:spTree>
+      <p:nvGrpSpPr>
+        <p:cNvPr id="1" name=""/>
+        <p:cNvGrpSpPr/>
+        <p:nvPr/>
+      </p:nvGrpSpPr>
+      <p:grpSpPr>
+        <a:xfrm>
+          <a:off x="0" y="0"/>
+          <a:ext cx="0" cy="0"/>
+          <a:chOff x="0" y="0"/>
+          <a:chExt cx="0" cy="0"/>
+        </a:xfrm>
+      </p:grpSpPr>
+      <p:sp>
+        <p:nvSpPr>
+          <p:cNvPr id="2" name="Title 1"/>
+          <p:cNvSpPr>
+            <a:spLocks noGrp="1"/>
+          </p:cNvSpPr>
+          <p:nvPr>
+            <p:ph type="title"/>
+          </p:nvPr>
+        </p:nvSpPr>
+        <p:spPr/>
+        <p:txBody>
+          <a:bodyPr/>
+          <a:lstStyle/>
+          <a:p>
+            <a:r>
+              <a:rPr lang="en-CA" dirty="0"/>
+              <a:t>GIT AND LARGE CODE BASES</a:t>
+            </a:r>
+          </a:p>
+        </p:txBody>
+      </p:sp>
+      <p:sp>
+        <p:nvSpPr>
+          <p:cNvPr id="3" name="Content Placeholder 2"/>
+          <p:cNvSpPr>
+            <a:spLocks noGrp="1"/>
+          </p:cNvSpPr>
+          <p:nvPr>
+            <p:ph idx="1"/>
+          </p:nvPr>
+        </p:nvSpPr>
+        <p:spPr/>
+        <p:txBody>
+          <a:bodyPr/>
+          <a:lstStyle/>
+          <a:p>
+            <a:endParaRPr lang="en-CA" dirty="0" smtClean="0"/>
+          </a:p>
+          <a:p>
+            <a:pPr marL="0" indent="0">
+              <a:buNone/>
+            </a:pPr>
+            <a:r>
+              <a:rPr lang="en-CA" dirty="0" smtClean="0"/>
+              <a:t>Sometimes your component is just too large and cannot be feasibly broken down.</a:t>
+            </a:r>
+            <a:endParaRPr lang="en-CA" dirty="0"/>
+          </a:p>
+          <a:p>
+            <a:endParaRPr lang="en-CA" dirty="0" smtClean="0"/>
+          </a:p>
+          <a:p>
+            <a:pPr marL="0" indent="0" algn="ctr">
+              <a:buNone/>
+            </a:pPr>
+            <a:r>
+              <a:rPr lang="en-CA" dirty="0" smtClean="0"/>
+              <a:t>And this is where things get ugly.</a:t>
+            </a:r>
+            <a:endParaRPr lang="en-CA" dirty="0"/>
+          </a:p>
+        </p:txBody>
+      </p:sp>
+    </p:spTree>
+    <p:extLst>
+      <p:ext uri="{BB962C8B-B14F-4D97-AF65-F5344CB8AC3E}">
+        <p14:creationId xmlns:p14="http://schemas.microsoft.com/office/powerpoint/2010/main" val="3006666438"/>
+      </p:ext>
+    </p:extLst>
+  </p:cSld>
+  <p:clrMapOvr>
+    <a:masterClrMapping/>
+  </p:clrMapOvr>
+</p:sld>
+</file>
+
+<file path=ppt/slides/slide35.xml><?xml version="1.0" encoding="utf-8"?>
+<p:sld xmlns:a="http://schemas.openxmlformats.org/drawingml/2006/main" xmlns:r="http://schemas.openxmlformats.org/officeDocument/2006/relationships" xmlns:p="http://schemas.openxmlformats.org/presentationml/2006/main">
+  <p:cSld>
+    <p:spTree>
+      <p:nvGrpSpPr>
+        <p:cNvPr id="1" name=""/>
+        <p:cNvGrpSpPr/>
+        <p:nvPr/>
+      </p:nvGrpSpPr>
+      <p:grpSpPr>
+        <a:xfrm>
+          <a:off x="0" y="0"/>
+          <a:ext cx="0" cy="0"/>
+          <a:chOff x="0" y="0"/>
+          <a:chExt cx="0" cy="0"/>
+        </a:xfrm>
+      </p:grpSpPr>
+      <p:sp>
+        <p:nvSpPr>
+          <p:cNvPr id="2" name="Title 1"/>
+          <p:cNvSpPr>
+            <a:spLocks noGrp="1"/>
+          </p:cNvSpPr>
+          <p:nvPr>
+            <p:ph type="title"/>
+          </p:nvPr>
+        </p:nvSpPr>
+        <p:spPr/>
+        <p:txBody>
+          <a:bodyPr/>
+          <a:lstStyle/>
+          <a:p>
+            <a:r>
+              <a:rPr lang="en-CA" dirty="0" smtClean="0"/>
+              <a:t>WHEN ALL ELSE FAILS: SUBTREE</a:t>
+            </a:r>
+            <a:endParaRPr lang="en-CA" dirty="0"/>
+          </a:p>
+        </p:txBody>
+      </p:sp>
+      <p:sp>
+        <p:nvSpPr>
+          <p:cNvPr id="3" name="Content Placeholder 2"/>
+          <p:cNvSpPr>
+            <a:spLocks noGrp="1"/>
+          </p:cNvSpPr>
+          <p:nvPr>
+            <p:ph idx="1"/>
+          </p:nvPr>
+        </p:nvSpPr>
+        <p:spPr>
+          <a:xfrm>
+            <a:off x="395536" y="1168152"/>
+            <a:ext cx="8229600" cy="1036712"/>
+          </a:xfrm>
+        </p:spPr>
+        <p:txBody>
+          <a:bodyPr>
+            <a:normAutofit lnSpcReduction="10000"/>
+          </a:bodyPr>
+          <a:lstStyle/>
+          <a:p>
+            <a:pPr marL="0" indent="0">
+              <a:buNone/>
+            </a:pPr>
+            <a:r>
+              <a:rPr lang="en-CA" dirty="0" smtClean="0"/>
+              <a:t>Subtree is a mechanism to put a GIT repository as a directory of a GIT repository.</a:t>
+            </a:r>
+            <a:endParaRPr lang="en-CA" dirty="0"/>
+          </a:p>
+        </p:txBody>
+      </p:sp>
+      <p:sp>
+        <p:nvSpPr>
+          <p:cNvPr id="4" name="Trapezoid 3"/>
+          <p:cNvSpPr/>
+          <p:nvPr/>
+        </p:nvSpPr>
+        <p:spPr>
+          <a:xfrm>
+            <a:off x="286653" y="5550444"/>
+            <a:ext cx="2520280" cy="1152128"/>
+          </a:xfrm>
+          <a:prstGeom prst="trapezoid">
+            <a:avLst/>
+          </a:prstGeom>
+        </p:spPr>
+        <p:style>
+          <a:lnRef idx="2">
+            <a:schemeClr val="accent1">
+              <a:shade val="50000"/>
+            </a:schemeClr>
+          </a:lnRef>
+          <a:fillRef idx="1">
+            <a:schemeClr val="accent1"/>
+          </a:fillRef>
+          <a:effectRef idx="0">
+            <a:schemeClr val="accent1"/>
+          </a:effectRef>
+          <a:fontRef idx="minor">
+            <a:schemeClr val="lt1"/>
+          </a:fontRef>
+        </p:style>
+        <p:txBody>
+          <a:bodyPr rtlCol="0" anchor="ctr"/>
+          <a:lstStyle/>
+          <a:p>
+            <a:r>
+              <a:rPr lang="en-CA" dirty="0" smtClean="0">
+                <a:ln w="18415" cmpd="sng">
+                  <a:solidFill>
+                    <a:srgbClr val="FFFFFF"/>
+                  </a:solidFill>
+                  <a:prstDash val="solid"/>
+                </a:ln>
+                <a:solidFill>
+                  <a:srgbClr val="FFFFFF"/>
+                </a:solidFill>
+                <a:latin typeface="Courier New" panose="02070309020205020404" pitchFamily="49" charset="0"/>
+                <a:cs typeface="Courier New" panose="02070309020205020404" pitchFamily="49" charset="0"/>
+              </a:rPr>
+              <a:t>Repository 1</a:t>
+            </a:r>
+            <a:endParaRPr lang="en-CA" dirty="0" smtClean="0">
+              <a:ln w="18415" cmpd="sng">
+                <a:solidFill>
+                  <a:srgbClr val="FFFFFF"/>
+                </a:solidFill>
+                <a:prstDash val="solid"/>
+              </a:ln>
+              <a:solidFill>
+                <a:srgbClr val="FFFFFF"/>
+              </a:solidFill>
+              <a:latin typeface="Courier New" panose="02070309020205020404" pitchFamily="49" charset="0"/>
+              <a:cs typeface="Courier New" panose="02070309020205020404" pitchFamily="49" charset="0"/>
+            </a:endParaRPr>
+          </a:p>
+          <a:p>
+            <a:r>
+              <a:rPr lang="en-CA" dirty="0" smtClean="0">
+                <a:ln w="18415" cmpd="sng">
+                  <a:solidFill>
+                    <a:srgbClr val="FFFFFF"/>
+                  </a:solidFill>
+                  <a:prstDash val="solid"/>
+                </a:ln>
+                <a:solidFill>
+                  <a:srgbClr val="FFFFFF"/>
+                </a:solidFill>
+                <a:latin typeface="Courier New" panose="02070309020205020404" pitchFamily="49" charset="0"/>
+                <a:cs typeface="Courier New" panose="02070309020205020404" pitchFamily="49" charset="0"/>
+              </a:rPr>
+              <a:t>  </a:t>
+            </a:r>
+            <a:r>
+              <a:rPr lang="en-CA" dirty="0" smtClean="0">
+                <a:ln w="18415" cmpd="sng">
+                  <a:solidFill>
+                    <a:srgbClr val="FFFFFF"/>
+                  </a:solidFill>
+                  <a:prstDash val="solid"/>
+                </a:ln>
+                <a:solidFill>
+                  <a:srgbClr val="FFFFFF"/>
+                </a:solidFill>
+                <a:latin typeface="Courier New" panose="02070309020205020404" pitchFamily="49" charset="0"/>
+                <a:cs typeface="Courier New" panose="02070309020205020404" pitchFamily="49" charset="0"/>
+              </a:rPr>
+              <a:t>| +</a:t>
+            </a:r>
+            <a:r>
+              <a:rPr lang="en-CA" dirty="0" err="1" smtClean="0">
+                <a:ln w="18415" cmpd="sng">
+                  <a:solidFill>
+                    <a:srgbClr val="FFFFFF"/>
+                  </a:solidFill>
+                  <a:prstDash val="solid"/>
+                </a:ln>
+                <a:solidFill>
+                  <a:srgbClr val="FFFFFF"/>
+                </a:solidFill>
+                <a:latin typeface="Courier New" panose="02070309020205020404" pitchFamily="49" charset="0"/>
+                <a:cs typeface="Courier New" panose="02070309020205020404" pitchFamily="49" charset="0"/>
+              </a:rPr>
+              <a:t>dir</a:t>
+            </a:r>
+            <a:r>
+              <a:rPr lang="en-CA" dirty="0" smtClean="0">
+                <a:ln w="18415" cmpd="sng">
+                  <a:solidFill>
+                    <a:srgbClr val="FFFFFF"/>
+                  </a:solidFill>
+                  <a:prstDash val="solid"/>
+                </a:ln>
+                <a:solidFill>
+                  <a:srgbClr val="FFFFFF"/>
+                </a:solidFill>
+                <a:latin typeface="Courier New" panose="02070309020205020404" pitchFamily="49" charset="0"/>
+                <a:cs typeface="Courier New" panose="02070309020205020404" pitchFamily="49" charset="0"/>
+              </a:rPr>
+              <a:t> 1</a:t>
+            </a:r>
+          </a:p>
+        </p:txBody>
+      </p:sp>
+      <p:sp>
+        <p:nvSpPr>
+          <p:cNvPr id="5" name="Trapezoid 4"/>
+          <p:cNvSpPr/>
+          <p:nvPr/>
+        </p:nvSpPr>
+        <p:spPr>
+          <a:xfrm>
+            <a:off x="286653" y="4509120"/>
+            <a:ext cx="2520280" cy="1152128"/>
+          </a:xfrm>
+          <a:prstGeom prst="trapezoid">
+            <a:avLst/>
+          </a:prstGeom>
+        </p:spPr>
+        <p:style>
+          <a:lnRef idx="2">
+            <a:schemeClr val="accent1">
+              <a:shade val="50000"/>
+            </a:schemeClr>
+          </a:lnRef>
+          <a:fillRef idx="1">
+            <a:schemeClr val="accent1"/>
+          </a:fillRef>
+          <a:effectRef idx="0">
+            <a:schemeClr val="accent1"/>
+          </a:effectRef>
+          <a:fontRef idx="minor">
+            <a:schemeClr val="lt1"/>
+          </a:fontRef>
+        </p:style>
+        <p:txBody>
+          <a:bodyPr rtlCol="0" anchor="ctr"/>
+          <a:lstStyle/>
+          <a:p>
+            <a:r>
+              <a:rPr lang="en-CA" dirty="0" smtClean="0">
+                <a:ln w="18415" cmpd="sng">
+                  <a:solidFill>
+                    <a:srgbClr val="FFFFFF"/>
+                  </a:solidFill>
+                  <a:prstDash val="solid"/>
+                </a:ln>
+                <a:solidFill>
+                  <a:srgbClr val="FFFFFF"/>
+                </a:solidFill>
+                <a:latin typeface="Courier New" panose="02070309020205020404" pitchFamily="49" charset="0"/>
+                <a:cs typeface="Courier New" panose="02070309020205020404" pitchFamily="49" charset="0"/>
+              </a:rPr>
+              <a:t>Repository 1</a:t>
+            </a:r>
+            <a:endParaRPr lang="en-CA" dirty="0" smtClean="0">
+              <a:ln w="18415" cmpd="sng">
+                <a:solidFill>
+                  <a:srgbClr val="FFFFFF"/>
+                </a:solidFill>
+                <a:prstDash val="solid"/>
+              </a:ln>
+              <a:solidFill>
+                <a:srgbClr val="FFFFFF"/>
+              </a:solidFill>
+              <a:latin typeface="Courier New" panose="02070309020205020404" pitchFamily="49" charset="0"/>
+              <a:cs typeface="Courier New" panose="02070309020205020404" pitchFamily="49" charset="0"/>
+            </a:endParaRPr>
+          </a:p>
+        </p:txBody>
+      </p:sp>
+      <p:sp>
+        <p:nvSpPr>
+          <p:cNvPr id="6" name="Trapezoid 5"/>
+          <p:cNvSpPr/>
+          <p:nvPr/>
+        </p:nvSpPr>
+        <p:spPr>
+          <a:xfrm>
+            <a:off x="286653" y="3356992"/>
+            <a:ext cx="2520280" cy="1152128"/>
+          </a:xfrm>
+          <a:prstGeom prst="trapezoid">
+            <a:avLst/>
+          </a:prstGeom>
+        </p:spPr>
+        <p:style>
+          <a:lnRef idx="2">
+            <a:schemeClr val="accent1">
+              <a:shade val="50000"/>
+            </a:schemeClr>
+          </a:lnRef>
+          <a:fillRef idx="1">
+            <a:schemeClr val="accent1"/>
+          </a:fillRef>
+          <a:effectRef idx="0">
+            <a:schemeClr val="accent1"/>
+          </a:effectRef>
+          <a:fontRef idx="minor">
+            <a:schemeClr val="lt1"/>
+          </a:fontRef>
+        </p:style>
+        <p:txBody>
+          <a:bodyPr rtlCol="0" anchor="ctr"/>
+          <a:lstStyle/>
+          <a:p>
+            <a:r>
+              <a:rPr lang="en-CA" dirty="0" smtClean="0">
+                <a:ln w="18415" cmpd="sng">
+                  <a:solidFill>
+                    <a:srgbClr val="FFFFFF"/>
+                  </a:solidFill>
+                  <a:prstDash val="solid"/>
+                </a:ln>
+                <a:solidFill>
+                  <a:srgbClr val="FFFFFF"/>
+                </a:solidFill>
+                <a:latin typeface="Courier New" panose="02070309020205020404" pitchFamily="49" charset="0"/>
+                <a:cs typeface="Courier New" panose="02070309020205020404" pitchFamily="49" charset="0"/>
+              </a:rPr>
+              <a:t>Repository 1</a:t>
+            </a:r>
+            <a:endParaRPr lang="en-CA" dirty="0" smtClean="0">
+              <a:ln w="18415" cmpd="sng">
+                <a:solidFill>
+                  <a:srgbClr val="FFFFFF"/>
+                </a:solidFill>
+                <a:prstDash val="solid"/>
+              </a:ln>
+              <a:solidFill>
+                <a:srgbClr val="FFFFFF"/>
+              </a:solidFill>
+              <a:latin typeface="Courier New" panose="02070309020205020404" pitchFamily="49" charset="0"/>
+              <a:cs typeface="Courier New" panose="02070309020205020404" pitchFamily="49" charset="0"/>
+            </a:endParaRPr>
+          </a:p>
+        </p:txBody>
+      </p:sp>
+      <p:sp>
+        <p:nvSpPr>
+          <p:cNvPr id="7" name="Trapezoid 6"/>
+          <p:cNvSpPr/>
+          <p:nvPr/>
+        </p:nvSpPr>
+        <p:spPr>
+          <a:xfrm>
+            <a:off x="3959061" y="5550444"/>
+            <a:ext cx="2520280" cy="1152128"/>
+          </a:xfrm>
+          <a:prstGeom prst="trapezoid">
+            <a:avLst/>
+          </a:prstGeom>
+          <a:solidFill>
+            <a:srgbClr val="00B050"/>
+          </a:solidFill>
+        </p:spPr>
+        <p:style>
+          <a:lnRef idx="2">
+            <a:schemeClr val="accent1">
+              <a:shade val="50000"/>
+            </a:schemeClr>
+          </a:lnRef>
+          <a:fillRef idx="1">
+            <a:schemeClr val="accent1"/>
+          </a:fillRef>
+          <a:effectRef idx="0">
+            <a:schemeClr val="accent1"/>
+          </a:effectRef>
+          <a:fontRef idx="minor">
+            <a:schemeClr val="lt1"/>
+          </a:fontRef>
+        </p:style>
+        <p:txBody>
+          <a:bodyPr rtlCol="0" anchor="ctr"/>
+          <a:lstStyle/>
+          <a:p>
+            <a:r>
+              <a:rPr lang="en-CA" dirty="0" smtClean="0">
+                <a:ln w="18415" cmpd="sng">
+                  <a:solidFill>
+                    <a:srgbClr val="FFFFFF"/>
+                  </a:solidFill>
+                  <a:prstDash val="solid"/>
+                </a:ln>
+                <a:solidFill>
+                  <a:srgbClr val="FFFFFF"/>
+                </a:solidFill>
+                <a:latin typeface="Courier New" panose="02070309020205020404" pitchFamily="49" charset="0"/>
+                <a:cs typeface="Courier New" panose="02070309020205020404" pitchFamily="49" charset="0"/>
+              </a:rPr>
+              <a:t>Repository 2</a:t>
+            </a:r>
+            <a:endParaRPr lang="en-CA" dirty="0" smtClean="0">
+              <a:ln w="18415" cmpd="sng">
+                <a:solidFill>
+                  <a:srgbClr val="FFFFFF"/>
+                </a:solidFill>
+                <a:prstDash val="solid"/>
+              </a:ln>
+              <a:solidFill>
+                <a:srgbClr val="FFFFFF"/>
+              </a:solidFill>
+              <a:latin typeface="Courier New" panose="02070309020205020404" pitchFamily="49" charset="0"/>
+              <a:cs typeface="Courier New" panose="02070309020205020404" pitchFamily="49" charset="0"/>
+            </a:endParaRPr>
+          </a:p>
+          <a:p>
+            <a:r>
+              <a:rPr lang="en-CA" dirty="0" smtClean="0">
+                <a:ln w="18415" cmpd="sng">
+                  <a:solidFill>
+                    <a:srgbClr val="FFFFFF"/>
+                  </a:solidFill>
+                  <a:prstDash val="solid"/>
+                </a:ln>
+                <a:solidFill>
+                  <a:srgbClr val="FFFFFF"/>
+                </a:solidFill>
+                <a:latin typeface="Courier New" panose="02070309020205020404" pitchFamily="49" charset="0"/>
+                <a:cs typeface="Courier New" panose="02070309020205020404" pitchFamily="49" charset="0"/>
+              </a:rPr>
+              <a:t> | </a:t>
+            </a:r>
+            <a:r>
+              <a:rPr lang="en-CA" dirty="0" smtClean="0">
+                <a:ln w="18415" cmpd="sng">
+                  <a:solidFill>
+                    <a:srgbClr val="FFFFFF"/>
+                  </a:solidFill>
+                  <a:prstDash val="solid"/>
+                </a:ln>
+                <a:solidFill>
+                  <a:srgbClr val="FFFFFF"/>
+                </a:solidFill>
+                <a:latin typeface="Courier New" panose="02070309020205020404" pitchFamily="49" charset="0"/>
+                <a:cs typeface="Courier New" panose="02070309020205020404" pitchFamily="49" charset="0"/>
+              </a:rPr>
+              <a:t>file 1</a:t>
+            </a:r>
+          </a:p>
+          <a:p>
+            <a:r>
+              <a:rPr lang="en-CA" dirty="0">
+                <a:ln w="18415" cmpd="sng">
+                  <a:solidFill>
+                    <a:srgbClr val="FFFFFF"/>
+                  </a:solidFill>
+                  <a:prstDash val="solid"/>
+                </a:ln>
+                <a:solidFill>
+                  <a:srgbClr val="FFFFFF"/>
+                </a:solidFill>
+                <a:latin typeface="Courier New" panose="02070309020205020404" pitchFamily="49" charset="0"/>
+                <a:cs typeface="Courier New" panose="02070309020205020404" pitchFamily="49" charset="0"/>
+              </a:rPr>
+              <a:t> </a:t>
+            </a:r>
+            <a:r>
+              <a:rPr lang="en-CA" dirty="0" smtClean="0">
+                <a:ln w="18415" cmpd="sng">
+                  <a:solidFill>
+                    <a:srgbClr val="FFFFFF"/>
+                  </a:solidFill>
+                  <a:prstDash val="solid"/>
+                </a:ln>
+                <a:solidFill>
+                  <a:srgbClr val="FFFFFF"/>
+                </a:solidFill>
+                <a:latin typeface="Courier New" panose="02070309020205020404" pitchFamily="49" charset="0"/>
+                <a:cs typeface="Courier New" panose="02070309020205020404" pitchFamily="49" charset="0"/>
+              </a:rPr>
+              <a:t>| file 2</a:t>
+            </a:r>
+            <a:endParaRPr lang="en-CA" dirty="0" smtClean="0">
+              <a:ln w="18415" cmpd="sng">
+                <a:solidFill>
+                  <a:srgbClr val="FFFFFF"/>
+                </a:solidFill>
+                <a:prstDash val="solid"/>
+              </a:ln>
+              <a:solidFill>
+                <a:srgbClr val="FFFFFF"/>
+              </a:solidFill>
+              <a:latin typeface="Courier New" panose="02070309020205020404" pitchFamily="49" charset="0"/>
+              <a:cs typeface="Courier New" panose="02070309020205020404" pitchFamily="49" charset="0"/>
+            </a:endParaRPr>
+          </a:p>
+        </p:txBody>
+      </p:sp>
+      <p:sp>
+        <p:nvSpPr>
+          <p:cNvPr id="8" name="Trapezoid 7"/>
+          <p:cNvSpPr/>
+          <p:nvPr/>
+        </p:nvSpPr>
+        <p:spPr>
+          <a:xfrm>
+            <a:off x="3959061" y="4509120"/>
+            <a:ext cx="2520280" cy="1152128"/>
+          </a:xfrm>
+          <a:prstGeom prst="trapezoid">
+            <a:avLst/>
+          </a:prstGeom>
+          <a:solidFill>
+            <a:srgbClr val="00B050"/>
+          </a:solidFill>
+        </p:spPr>
+        <p:style>
+          <a:lnRef idx="2">
+            <a:schemeClr val="accent1">
+              <a:shade val="50000"/>
+            </a:schemeClr>
+          </a:lnRef>
+          <a:fillRef idx="1">
+            <a:schemeClr val="accent1"/>
+          </a:fillRef>
+          <a:effectRef idx="0">
+            <a:schemeClr val="accent1"/>
+          </a:effectRef>
+          <a:fontRef idx="minor">
+            <a:schemeClr val="lt1"/>
+          </a:fontRef>
+        </p:style>
+        <p:txBody>
+          <a:bodyPr rtlCol="0" anchor="ctr"/>
+          <a:lstStyle/>
+          <a:p>
+            <a:r>
+              <a:rPr lang="en-CA" dirty="0" smtClean="0">
+                <a:ln w="18415" cmpd="sng">
+                  <a:solidFill>
+                    <a:srgbClr val="FFFFFF"/>
+                  </a:solidFill>
+                  <a:prstDash val="solid"/>
+                </a:ln>
+                <a:solidFill>
+                  <a:srgbClr val="FFFFFF"/>
+                </a:solidFill>
+                <a:latin typeface="Courier New" panose="02070309020205020404" pitchFamily="49" charset="0"/>
+                <a:cs typeface="Courier New" panose="02070309020205020404" pitchFamily="49" charset="0"/>
+              </a:rPr>
+              <a:t>Repository 2</a:t>
+            </a:r>
+            <a:endParaRPr lang="en-CA" dirty="0" smtClean="0">
+              <a:ln w="18415" cmpd="sng">
+                <a:solidFill>
+                  <a:srgbClr val="FFFFFF"/>
+                </a:solidFill>
+                <a:prstDash val="solid"/>
+              </a:ln>
+              <a:solidFill>
+                <a:srgbClr val="FFFFFF"/>
+              </a:solidFill>
+              <a:latin typeface="Courier New" panose="02070309020205020404" pitchFamily="49" charset="0"/>
+              <a:cs typeface="Courier New" panose="02070309020205020404" pitchFamily="49" charset="0"/>
+            </a:endParaRPr>
+          </a:p>
+          <a:p>
+            <a:r>
+              <a:rPr lang="en-CA" dirty="0">
+                <a:ln w="18415" cmpd="sng">
+                  <a:solidFill>
+                    <a:srgbClr val="FFFFFF"/>
+                  </a:solidFill>
+                  <a:prstDash val="solid"/>
+                </a:ln>
+                <a:solidFill>
+                  <a:srgbClr val="FFFFFF"/>
+                </a:solidFill>
+                <a:latin typeface="Courier New" panose="02070309020205020404" pitchFamily="49" charset="0"/>
+                <a:cs typeface="Courier New" panose="02070309020205020404" pitchFamily="49" charset="0"/>
+              </a:rPr>
+              <a:t> </a:t>
+            </a:r>
+            <a:r>
+              <a:rPr lang="en-CA" dirty="0" smtClean="0">
+                <a:ln w="18415" cmpd="sng">
+                  <a:solidFill>
+                    <a:srgbClr val="FFFFFF"/>
+                  </a:solidFill>
+                  <a:prstDash val="solid"/>
+                </a:ln>
+                <a:solidFill>
+                  <a:srgbClr val="FFFFFF"/>
+                </a:solidFill>
+                <a:latin typeface="Courier New" panose="02070309020205020404" pitchFamily="49" charset="0"/>
+                <a:cs typeface="Courier New" panose="02070309020205020404" pitchFamily="49" charset="0"/>
+              </a:rPr>
+              <a:t>| </a:t>
+            </a:r>
+            <a:r>
+              <a:rPr lang="en-CA" dirty="0" smtClean="0">
+                <a:ln w="18415" cmpd="sng">
+                  <a:solidFill>
+                    <a:srgbClr val="FFFFFF"/>
+                  </a:solidFill>
+                  <a:prstDash val="solid"/>
+                </a:ln>
+                <a:solidFill>
+                  <a:srgbClr val="FFFFFF"/>
+                </a:solidFill>
+                <a:latin typeface="Courier New" panose="02070309020205020404" pitchFamily="49" charset="0"/>
+                <a:cs typeface="Courier New" panose="02070309020205020404" pitchFamily="49" charset="0"/>
+              </a:rPr>
+              <a:t>file 1</a:t>
+            </a:r>
+          </a:p>
+          <a:p>
+            <a:r>
+              <a:rPr lang="en-CA" dirty="0" smtClean="0">
+                <a:ln w="18415" cmpd="sng">
+                  <a:solidFill>
+                    <a:srgbClr val="FFFFFF"/>
+                  </a:solidFill>
+                  <a:prstDash val="solid"/>
+                </a:ln>
+                <a:solidFill>
+                  <a:srgbClr val="FFFFFF"/>
+                </a:solidFill>
+                <a:latin typeface="Courier New" panose="02070309020205020404" pitchFamily="49" charset="0"/>
+                <a:cs typeface="Courier New" panose="02070309020205020404" pitchFamily="49" charset="0"/>
+              </a:rPr>
+              <a:t> | file 2</a:t>
+            </a:r>
+            <a:endParaRPr lang="en-CA" dirty="0" smtClean="0">
+              <a:ln w="18415" cmpd="sng">
+                <a:solidFill>
+                  <a:srgbClr val="FFFFFF"/>
+                </a:solidFill>
+                <a:prstDash val="solid"/>
+              </a:ln>
+              <a:solidFill>
+                <a:srgbClr val="FFFFFF"/>
+              </a:solidFill>
+              <a:latin typeface="Courier New" panose="02070309020205020404" pitchFamily="49" charset="0"/>
+              <a:cs typeface="Courier New" panose="02070309020205020404" pitchFamily="49" charset="0"/>
+            </a:endParaRPr>
+          </a:p>
+        </p:txBody>
+      </p:sp>
+      <p:sp>
+        <p:nvSpPr>
+          <p:cNvPr id="9" name="Trapezoid 8"/>
+          <p:cNvSpPr/>
+          <p:nvPr/>
+        </p:nvSpPr>
+        <p:spPr>
+          <a:xfrm>
+            <a:off x="3959061" y="3356992"/>
+            <a:ext cx="2520280" cy="1152128"/>
+          </a:xfrm>
+          <a:prstGeom prst="trapezoid">
+            <a:avLst/>
+          </a:prstGeom>
+          <a:solidFill>
+            <a:srgbClr val="00B050"/>
+          </a:solidFill>
+        </p:spPr>
+        <p:style>
+          <a:lnRef idx="2">
+            <a:schemeClr val="accent1">
+              <a:shade val="50000"/>
+            </a:schemeClr>
+          </a:lnRef>
+          <a:fillRef idx="1">
+            <a:schemeClr val="accent1"/>
+          </a:fillRef>
+          <a:effectRef idx="0">
+            <a:schemeClr val="accent1"/>
+          </a:effectRef>
+          <a:fontRef idx="minor">
+            <a:schemeClr val="lt1"/>
+          </a:fontRef>
+        </p:style>
+        <p:txBody>
+          <a:bodyPr rtlCol="0" anchor="ctr"/>
+          <a:lstStyle/>
+          <a:p>
+            <a:r>
+              <a:rPr lang="en-CA" dirty="0" smtClean="0">
+                <a:ln w="18415" cmpd="sng">
+                  <a:solidFill>
+                    <a:srgbClr val="FFFFFF"/>
+                  </a:solidFill>
+                  <a:prstDash val="solid"/>
+                </a:ln>
+                <a:solidFill>
+                  <a:srgbClr val="FFFFFF"/>
+                </a:solidFill>
+                <a:latin typeface="Courier New" panose="02070309020205020404" pitchFamily="49" charset="0"/>
+                <a:cs typeface="Courier New" panose="02070309020205020404" pitchFamily="49" charset="0"/>
+              </a:rPr>
+              <a:t>Repository 2</a:t>
+            </a:r>
+            <a:endParaRPr lang="en-CA" dirty="0" smtClean="0">
+              <a:ln w="18415" cmpd="sng">
+                <a:solidFill>
+                  <a:srgbClr val="FFFFFF"/>
+                </a:solidFill>
+                <a:prstDash val="solid"/>
+              </a:ln>
+              <a:solidFill>
+                <a:srgbClr val="FFFFFF"/>
+              </a:solidFill>
+              <a:latin typeface="Courier New" panose="02070309020205020404" pitchFamily="49" charset="0"/>
+              <a:cs typeface="Courier New" panose="02070309020205020404" pitchFamily="49" charset="0"/>
+            </a:endParaRPr>
+          </a:p>
+          <a:p>
+            <a:r>
+              <a:rPr lang="en-CA" dirty="0" smtClean="0">
+                <a:ln w="18415" cmpd="sng">
+                  <a:solidFill>
+                    <a:srgbClr val="FFFFFF"/>
+                  </a:solidFill>
+                  <a:prstDash val="solid"/>
+                </a:ln>
+                <a:solidFill>
+                  <a:srgbClr val="FFFFFF"/>
+                </a:solidFill>
+                <a:latin typeface="Courier New" panose="02070309020205020404" pitchFamily="49" charset="0"/>
+                <a:cs typeface="Courier New" panose="02070309020205020404" pitchFamily="49" charset="0"/>
+              </a:rPr>
+              <a:t> | </a:t>
+            </a:r>
+            <a:r>
+              <a:rPr lang="en-CA" dirty="0" smtClean="0">
+                <a:ln w="18415" cmpd="sng">
+                  <a:solidFill>
+                    <a:srgbClr val="FFFFFF"/>
+                  </a:solidFill>
+                  <a:prstDash val="solid"/>
+                </a:ln>
+                <a:solidFill>
+                  <a:srgbClr val="FFFFFF"/>
+                </a:solidFill>
+                <a:latin typeface="Courier New" panose="02070309020205020404" pitchFamily="49" charset="0"/>
+                <a:cs typeface="Courier New" panose="02070309020205020404" pitchFamily="49" charset="0"/>
+              </a:rPr>
+              <a:t>file 1</a:t>
+            </a:r>
+            <a:endParaRPr lang="en-CA" dirty="0" smtClean="0">
+              <a:ln w="18415" cmpd="sng">
+                <a:solidFill>
+                  <a:srgbClr val="FFFFFF"/>
+                </a:solidFill>
+                <a:prstDash val="solid"/>
+              </a:ln>
+              <a:solidFill>
+                <a:srgbClr val="FFFFFF"/>
+              </a:solidFill>
+              <a:latin typeface="Courier New" panose="02070309020205020404" pitchFamily="49" charset="0"/>
+              <a:cs typeface="Courier New" panose="02070309020205020404" pitchFamily="49" charset="0"/>
+            </a:endParaRPr>
+          </a:p>
+          <a:p>
+            <a:r>
+              <a:rPr lang="en-CA" dirty="0" smtClean="0">
+                <a:ln w="18415" cmpd="sng">
+                  <a:solidFill>
+                    <a:srgbClr val="FFFFFF"/>
+                  </a:solidFill>
+                  <a:prstDash val="solid"/>
+                </a:ln>
+                <a:solidFill>
+                  <a:srgbClr val="FFFFFF"/>
+                </a:solidFill>
+                <a:latin typeface="Courier New" panose="02070309020205020404" pitchFamily="49" charset="0"/>
+                <a:cs typeface="Courier New" panose="02070309020205020404" pitchFamily="49" charset="0"/>
+              </a:rPr>
+              <a:t> | </a:t>
+            </a:r>
+            <a:r>
+              <a:rPr lang="en-CA" dirty="0" smtClean="0">
+                <a:ln w="18415" cmpd="sng">
+                  <a:solidFill>
+                    <a:srgbClr val="FFFFFF"/>
+                  </a:solidFill>
+                  <a:prstDash val="solid"/>
+                </a:ln>
+                <a:solidFill>
+                  <a:srgbClr val="FFFFFF"/>
+                </a:solidFill>
+                <a:latin typeface="Courier New" panose="02070309020205020404" pitchFamily="49" charset="0"/>
+                <a:cs typeface="Courier New" panose="02070309020205020404" pitchFamily="49" charset="0"/>
+              </a:rPr>
+              <a:t>file 2</a:t>
+            </a:r>
+            <a:endParaRPr lang="en-CA" dirty="0" smtClean="0">
+              <a:ln w="18415" cmpd="sng">
+                <a:solidFill>
+                  <a:srgbClr val="FFFFFF"/>
+                </a:solidFill>
+                <a:prstDash val="solid"/>
+              </a:ln>
+              <a:solidFill>
+                <a:srgbClr val="FFFFFF"/>
+              </a:solidFill>
+              <a:latin typeface="Courier New" panose="02070309020205020404" pitchFamily="49" charset="0"/>
+              <a:cs typeface="Courier New" panose="02070309020205020404" pitchFamily="49" charset="0"/>
+            </a:endParaRPr>
+          </a:p>
+        </p:txBody>
+      </p:sp>
+      <p:cxnSp>
+        <p:nvCxnSpPr>
+          <p:cNvPr id="18" name="Straight Connector 17"/>
+          <p:cNvCxnSpPr/>
+          <p:nvPr/>
+        </p:nvCxnSpPr>
+        <p:spPr>
+          <a:xfrm>
+            <a:off x="2123728" y="6309320"/>
+            <a:ext cx="1224136" cy="0"/>
+          </a:xfrm>
+          <a:prstGeom prst="line">
+            <a:avLst/>
+          </a:prstGeom>
+          <a:ln w="44450">
+            <a:solidFill>
+              <a:srgbClr val="FF0000"/>
+            </a:solidFill>
+          </a:ln>
+        </p:spPr>
+        <p:style>
+          <a:lnRef idx="1">
+            <a:schemeClr val="accent1"/>
+          </a:lnRef>
+          <a:fillRef idx="0">
+            <a:schemeClr val="accent1"/>
+          </a:fillRef>
+          <a:effectRef idx="0">
+            <a:schemeClr val="accent1"/>
+          </a:effectRef>
+          <a:fontRef idx="minor">
+            <a:schemeClr val="tx1"/>
+          </a:fontRef>
+        </p:style>
+      </p:cxnSp>
+      <p:cxnSp>
+        <p:nvCxnSpPr>
+          <p:cNvPr id="20" name="Straight Connector 19"/>
+          <p:cNvCxnSpPr/>
+          <p:nvPr/>
+        </p:nvCxnSpPr>
+        <p:spPr>
+          <a:xfrm flipV="1">
+            <a:off x="3347864" y="2564904"/>
+            <a:ext cx="0" cy="3744416"/>
+          </a:xfrm>
+          <a:prstGeom prst="line">
+            <a:avLst/>
+          </a:prstGeom>
+          <a:ln w="44450">
+            <a:solidFill>
+              <a:srgbClr val="FF0000"/>
+            </a:solidFill>
+          </a:ln>
+        </p:spPr>
+        <p:style>
+          <a:lnRef idx="1">
+            <a:schemeClr val="accent1"/>
+          </a:lnRef>
+          <a:fillRef idx="0">
+            <a:schemeClr val="accent1"/>
+          </a:fillRef>
+          <a:effectRef idx="0">
+            <a:schemeClr val="accent1"/>
+          </a:effectRef>
+          <a:fontRef idx="minor">
+            <a:schemeClr val="tx1"/>
+          </a:fontRef>
+        </p:style>
+      </p:cxnSp>
+      <p:cxnSp>
+        <p:nvCxnSpPr>
+          <p:cNvPr id="22" name="Straight Connector 21"/>
+          <p:cNvCxnSpPr/>
+          <p:nvPr/>
+        </p:nvCxnSpPr>
+        <p:spPr>
+          <a:xfrm>
+            <a:off x="3347864" y="2564904"/>
+            <a:ext cx="1584176" cy="0"/>
+          </a:xfrm>
+          <a:prstGeom prst="line">
+            <a:avLst/>
+          </a:prstGeom>
+          <a:ln w="44450">
+            <a:solidFill>
+              <a:srgbClr val="FF0000"/>
+            </a:solidFill>
+          </a:ln>
+        </p:spPr>
+        <p:style>
+          <a:lnRef idx="1">
+            <a:schemeClr val="accent1"/>
+          </a:lnRef>
+          <a:fillRef idx="0">
+            <a:schemeClr val="accent1"/>
+          </a:fillRef>
+          <a:effectRef idx="0">
+            <a:schemeClr val="accent1"/>
+          </a:effectRef>
+          <a:fontRef idx="minor">
+            <a:schemeClr val="tx1"/>
+          </a:fontRef>
+        </p:style>
+      </p:cxnSp>
+      <p:cxnSp>
+        <p:nvCxnSpPr>
+          <p:cNvPr id="24" name="Straight Arrow Connector 23"/>
+          <p:cNvCxnSpPr/>
+          <p:nvPr/>
+        </p:nvCxnSpPr>
+        <p:spPr>
+          <a:xfrm>
+            <a:off x="4932040" y="2564904"/>
+            <a:ext cx="0" cy="648072"/>
+          </a:xfrm>
+          <a:prstGeom prst="straightConnector1">
+            <a:avLst/>
+          </a:prstGeom>
+          <a:ln w="44450">
+            <a:solidFill>
+              <a:srgbClr val="FF0000"/>
+            </a:solidFill>
+            <a:tailEnd type="arrow"/>
+          </a:ln>
+        </p:spPr>
+        <p:style>
+          <a:lnRef idx="1">
+            <a:schemeClr val="accent1"/>
+          </a:lnRef>
+          <a:fillRef idx="0">
+            <a:schemeClr val="accent1"/>
+          </a:fillRef>
+          <a:effectRef idx="0">
+            <a:schemeClr val="accent1"/>
+          </a:effectRef>
+          <a:fontRef idx="minor">
+            <a:schemeClr val="tx1"/>
+          </a:fontRef>
+        </p:style>
+      </p:cxnSp>
+    </p:spTree>
+    <p:extLst>
+      <p:ext uri="{BB962C8B-B14F-4D97-AF65-F5344CB8AC3E}">
+        <p14:creationId xmlns:p14="http://schemas.microsoft.com/office/powerpoint/2010/main" val="1984053427"/>
+      </p:ext>
+    </p:extLst>
+  </p:cSld>
+  <p:clrMapOvr>
+    <a:masterClrMapping/>
+  </p:clrMapOvr>
+</p:sld>
+</file>
+
+<file path=ppt/slides/slide36.xml><?xml version="1.0" encoding="utf-8"?>
+<p:sld xmlns:a="http://schemas.openxmlformats.org/drawingml/2006/main" xmlns:r="http://schemas.openxmlformats.org/officeDocument/2006/relationships" xmlns:p="http://schemas.openxmlformats.org/presentationml/2006/main">
+  <p:cSld>
+    <p:spTree>
+      <p:nvGrpSpPr>
+        <p:cNvPr id="1" name=""/>
+        <p:cNvGrpSpPr/>
+        <p:nvPr/>
+      </p:nvGrpSpPr>
+      <p:grpSpPr>
+        <a:xfrm>
+          <a:off x="0" y="0"/>
+          <a:ext cx="0" cy="0"/>
+          <a:chOff x="0" y="0"/>
+          <a:chExt cx="0" cy="0"/>
+        </a:xfrm>
+      </p:grpSpPr>
+      <p:sp>
+        <p:nvSpPr>
+          <p:cNvPr id="2" name="Title 1"/>
+          <p:cNvSpPr>
+            <a:spLocks noGrp="1"/>
+          </p:cNvSpPr>
+          <p:nvPr>
+            <p:ph type="title"/>
+          </p:nvPr>
+        </p:nvSpPr>
+        <p:spPr/>
+        <p:txBody>
+          <a:bodyPr>
+            <a:normAutofit fontScale="90000"/>
+          </a:bodyPr>
+          <a:lstStyle/>
+          <a:p>
+            <a:r>
+              <a:rPr lang="en-CA" dirty="0" smtClean="0"/>
+              <a:t>WHEN ALL ELSE FAILS: SUBMODULES</a:t>
+            </a:r>
+            <a:endParaRPr lang="en-CA" dirty="0"/>
+          </a:p>
+        </p:txBody>
+      </p:sp>
+      <p:sp>
+        <p:nvSpPr>
+          <p:cNvPr id="3" name="Content Placeholder 2"/>
+          <p:cNvSpPr>
+            <a:spLocks noGrp="1"/>
+          </p:cNvSpPr>
+          <p:nvPr>
+            <p:ph idx="1"/>
+          </p:nvPr>
+        </p:nvSpPr>
+        <p:spPr>
+          <a:xfrm>
+            <a:off x="457200" y="1600201"/>
+            <a:ext cx="8229600" cy="1540767"/>
+          </a:xfrm>
+        </p:spPr>
+        <p:txBody>
+          <a:bodyPr>
+            <a:normAutofit fontScale="85000" lnSpcReduction="20000"/>
+          </a:bodyPr>
+          <a:lstStyle/>
+          <a:p>
+            <a:pPr marL="0" indent="0">
+              <a:buNone/>
+            </a:pPr>
+            <a:r>
+              <a:rPr lang="en-CA" dirty="0" smtClean="0"/>
+              <a:t>Submodule is another mechanism to put an entire GIT repository as a directory another GIT repository. Unlike subtree, the reference is to a particular </a:t>
+            </a:r>
+            <a:r>
+              <a:rPr lang="en-CA" dirty="0" err="1" smtClean="0"/>
+              <a:t>changeset</a:t>
+            </a:r>
+            <a:r>
+              <a:rPr lang="en-CA" dirty="0" smtClean="0"/>
+              <a:t>, not a branch. Many people find this infuriating and confusing.</a:t>
+            </a:r>
+            <a:endParaRPr lang="en-CA" dirty="0"/>
+          </a:p>
+        </p:txBody>
+      </p:sp>
+      <p:sp>
+        <p:nvSpPr>
+          <p:cNvPr id="4" name="Trapezoid 3"/>
+          <p:cNvSpPr/>
+          <p:nvPr/>
+        </p:nvSpPr>
+        <p:spPr>
+          <a:xfrm>
+            <a:off x="286653" y="5550444"/>
+            <a:ext cx="2520280" cy="1152128"/>
+          </a:xfrm>
+          <a:prstGeom prst="trapezoid">
+            <a:avLst/>
+          </a:prstGeom>
+        </p:spPr>
+        <p:style>
+          <a:lnRef idx="2">
+            <a:schemeClr val="accent1">
+              <a:shade val="50000"/>
+            </a:schemeClr>
+          </a:lnRef>
+          <a:fillRef idx="1">
+            <a:schemeClr val="accent1"/>
+          </a:fillRef>
+          <a:effectRef idx="0">
+            <a:schemeClr val="accent1"/>
+          </a:effectRef>
+          <a:fontRef idx="minor">
+            <a:schemeClr val="lt1"/>
+          </a:fontRef>
+        </p:style>
+        <p:txBody>
+          <a:bodyPr rtlCol="0" anchor="ctr"/>
+          <a:lstStyle/>
+          <a:p>
+            <a:r>
+              <a:rPr lang="en-CA" dirty="0" smtClean="0">
+                <a:ln w="18415" cmpd="sng">
+                  <a:solidFill>
+                    <a:srgbClr val="FFFFFF"/>
+                  </a:solidFill>
+                  <a:prstDash val="solid"/>
+                </a:ln>
+                <a:solidFill>
+                  <a:srgbClr val="FFFFFF"/>
+                </a:solidFill>
+                <a:latin typeface="Courier New" panose="02070309020205020404" pitchFamily="49" charset="0"/>
+                <a:cs typeface="Courier New" panose="02070309020205020404" pitchFamily="49" charset="0"/>
+              </a:rPr>
+              <a:t>Repository 1</a:t>
+            </a:r>
+            <a:endParaRPr lang="en-CA" dirty="0" smtClean="0">
+              <a:ln w="18415" cmpd="sng">
+                <a:solidFill>
+                  <a:srgbClr val="FFFFFF"/>
+                </a:solidFill>
+                <a:prstDash val="solid"/>
+              </a:ln>
+              <a:solidFill>
+                <a:srgbClr val="FFFFFF"/>
+              </a:solidFill>
+              <a:latin typeface="Courier New" panose="02070309020205020404" pitchFamily="49" charset="0"/>
+              <a:cs typeface="Courier New" panose="02070309020205020404" pitchFamily="49" charset="0"/>
+            </a:endParaRPr>
+          </a:p>
+          <a:p>
+            <a:r>
+              <a:rPr lang="en-CA" dirty="0" smtClean="0">
+                <a:ln w="18415" cmpd="sng">
+                  <a:solidFill>
+                    <a:srgbClr val="FFFFFF"/>
+                  </a:solidFill>
+                  <a:prstDash val="solid"/>
+                </a:ln>
+                <a:solidFill>
+                  <a:srgbClr val="FFFFFF"/>
+                </a:solidFill>
+                <a:latin typeface="Courier New" panose="02070309020205020404" pitchFamily="49" charset="0"/>
+                <a:cs typeface="Courier New" panose="02070309020205020404" pitchFamily="49" charset="0"/>
+              </a:rPr>
+              <a:t>  </a:t>
+            </a:r>
+            <a:r>
+              <a:rPr lang="en-CA" dirty="0" smtClean="0">
+                <a:ln w="18415" cmpd="sng">
+                  <a:solidFill>
+                    <a:srgbClr val="FFFFFF"/>
+                  </a:solidFill>
+                  <a:prstDash val="solid"/>
+                </a:ln>
+                <a:solidFill>
+                  <a:srgbClr val="FFFFFF"/>
+                </a:solidFill>
+                <a:latin typeface="Courier New" panose="02070309020205020404" pitchFamily="49" charset="0"/>
+                <a:cs typeface="Courier New" panose="02070309020205020404" pitchFamily="49" charset="0"/>
+              </a:rPr>
+              <a:t>| +</a:t>
+            </a:r>
+            <a:r>
+              <a:rPr lang="en-CA" dirty="0" err="1" smtClean="0">
+                <a:ln w="18415" cmpd="sng">
+                  <a:solidFill>
+                    <a:srgbClr val="FFFFFF"/>
+                  </a:solidFill>
+                  <a:prstDash val="solid"/>
+                </a:ln>
+                <a:solidFill>
+                  <a:srgbClr val="FFFFFF"/>
+                </a:solidFill>
+                <a:latin typeface="Courier New" panose="02070309020205020404" pitchFamily="49" charset="0"/>
+                <a:cs typeface="Courier New" panose="02070309020205020404" pitchFamily="49" charset="0"/>
+              </a:rPr>
+              <a:t>dir</a:t>
+            </a:r>
+            <a:r>
+              <a:rPr lang="en-CA" dirty="0" smtClean="0">
+                <a:ln w="18415" cmpd="sng">
+                  <a:solidFill>
+                    <a:srgbClr val="FFFFFF"/>
+                  </a:solidFill>
+                  <a:prstDash val="solid"/>
+                </a:ln>
+                <a:solidFill>
+                  <a:srgbClr val="FFFFFF"/>
+                </a:solidFill>
+                <a:latin typeface="Courier New" panose="02070309020205020404" pitchFamily="49" charset="0"/>
+                <a:cs typeface="Courier New" panose="02070309020205020404" pitchFamily="49" charset="0"/>
+              </a:rPr>
+              <a:t> 1</a:t>
+            </a:r>
+          </a:p>
+        </p:txBody>
+      </p:sp>
+      <p:sp>
+        <p:nvSpPr>
+          <p:cNvPr id="5" name="Trapezoid 4"/>
+          <p:cNvSpPr/>
+          <p:nvPr/>
+        </p:nvSpPr>
+        <p:spPr>
+          <a:xfrm>
+            <a:off x="286653" y="4509120"/>
+            <a:ext cx="2520280" cy="1152128"/>
+          </a:xfrm>
+          <a:prstGeom prst="trapezoid">
+            <a:avLst/>
+          </a:prstGeom>
+        </p:spPr>
+        <p:style>
+          <a:lnRef idx="2">
+            <a:schemeClr val="accent1">
+              <a:shade val="50000"/>
+            </a:schemeClr>
+          </a:lnRef>
+          <a:fillRef idx="1">
+            <a:schemeClr val="accent1"/>
+          </a:fillRef>
+          <a:effectRef idx="0">
+            <a:schemeClr val="accent1"/>
+          </a:effectRef>
+          <a:fontRef idx="minor">
+            <a:schemeClr val="lt1"/>
+          </a:fontRef>
+        </p:style>
+        <p:txBody>
+          <a:bodyPr rtlCol="0" anchor="ctr"/>
+          <a:lstStyle/>
+          <a:p>
+            <a:r>
+              <a:rPr lang="en-CA" dirty="0" smtClean="0">
+                <a:ln w="18415" cmpd="sng">
+                  <a:solidFill>
+                    <a:srgbClr val="FFFFFF"/>
+                  </a:solidFill>
+                  <a:prstDash val="solid"/>
+                </a:ln>
+                <a:solidFill>
+                  <a:srgbClr val="FFFFFF"/>
+                </a:solidFill>
+                <a:latin typeface="Courier New" panose="02070309020205020404" pitchFamily="49" charset="0"/>
+                <a:cs typeface="Courier New" panose="02070309020205020404" pitchFamily="49" charset="0"/>
+              </a:rPr>
+              <a:t>Repository 1</a:t>
+            </a:r>
+            <a:endParaRPr lang="en-CA" dirty="0" smtClean="0">
+              <a:ln w="18415" cmpd="sng">
+                <a:solidFill>
+                  <a:srgbClr val="FFFFFF"/>
+                </a:solidFill>
+                <a:prstDash val="solid"/>
+              </a:ln>
+              <a:solidFill>
+                <a:srgbClr val="FFFFFF"/>
+              </a:solidFill>
+              <a:latin typeface="Courier New" panose="02070309020205020404" pitchFamily="49" charset="0"/>
+              <a:cs typeface="Courier New" panose="02070309020205020404" pitchFamily="49" charset="0"/>
+            </a:endParaRPr>
+          </a:p>
+        </p:txBody>
+      </p:sp>
+      <p:sp>
+        <p:nvSpPr>
+          <p:cNvPr id="6" name="Trapezoid 5"/>
+          <p:cNvSpPr/>
+          <p:nvPr/>
+        </p:nvSpPr>
+        <p:spPr>
+          <a:xfrm>
+            <a:off x="286653" y="3356992"/>
+            <a:ext cx="2520280" cy="1152128"/>
+          </a:xfrm>
+          <a:prstGeom prst="trapezoid">
+            <a:avLst/>
+          </a:prstGeom>
+        </p:spPr>
+        <p:style>
+          <a:lnRef idx="2">
+            <a:schemeClr val="accent1">
+              <a:shade val="50000"/>
+            </a:schemeClr>
+          </a:lnRef>
+          <a:fillRef idx="1">
+            <a:schemeClr val="accent1"/>
+          </a:fillRef>
+          <a:effectRef idx="0">
+            <a:schemeClr val="accent1"/>
+          </a:effectRef>
+          <a:fontRef idx="minor">
+            <a:schemeClr val="lt1"/>
+          </a:fontRef>
+        </p:style>
+        <p:txBody>
+          <a:bodyPr rtlCol="0" anchor="ctr"/>
+          <a:lstStyle/>
+          <a:p>
+            <a:r>
+              <a:rPr lang="en-CA" dirty="0" smtClean="0">
+                <a:ln w="18415" cmpd="sng">
+                  <a:solidFill>
+                    <a:srgbClr val="FFFFFF"/>
+                  </a:solidFill>
+                  <a:prstDash val="solid"/>
+                </a:ln>
+                <a:solidFill>
+                  <a:srgbClr val="FFFFFF"/>
+                </a:solidFill>
+                <a:latin typeface="Courier New" panose="02070309020205020404" pitchFamily="49" charset="0"/>
+                <a:cs typeface="Courier New" panose="02070309020205020404" pitchFamily="49" charset="0"/>
+              </a:rPr>
+              <a:t>Repository 1</a:t>
+            </a:r>
+          </a:p>
+          <a:p>
+            <a:r>
+              <a:rPr lang="en-CA" dirty="0">
+                <a:ln w="18415" cmpd="sng">
+                  <a:solidFill>
+                    <a:srgbClr val="FFFFFF"/>
+                  </a:solidFill>
+                  <a:prstDash val="solid"/>
+                </a:ln>
+                <a:solidFill>
+                  <a:srgbClr val="FFFFFF"/>
+                </a:solidFill>
+                <a:latin typeface="Courier New" panose="02070309020205020404" pitchFamily="49" charset="0"/>
+                <a:cs typeface="Courier New" panose="02070309020205020404" pitchFamily="49" charset="0"/>
+              </a:rPr>
+              <a:t> </a:t>
+            </a:r>
+            <a:r>
+              <a:rPr lang="en-CA" dirty="0" smtClean="0">
+                <a:ln w="18415" cmpd="sng">
+                  <a:solidFill>
+                    <a:srgbClr val="FFFFFF"/>
+                  </a:solidFill>
+                  <a:prstDash val="solid"/>
+                </a:ln>
+                <a:solidFill>
+                  <a:srgbClr val="FFFFFF"/>
+                </a:solidFill>
+                <a:latin typeface="Courier New" panose="02070309020205020404" pitchFamily="49" charset="0"/>
+                <a:cs typeface="Courier New" panose="02070309020205020404" pitchFamily="49" charset="0"/>
+              </a:rPr>
+              <a:t> | *</a:t>
+            </a:r>
+            <a:r>
+              <a:rPr lang="en-CA" dirty="0" err="1" smtClean="0">
+                <a:ln w="18415" cmpd="sng">
+                  <a:solidFill>
+                    <a:srgbClr val="FFFFFF"/>
+                  </a:solidFill>
+                  <a:prstDash val="solid"/>
+                </a:ln>
+                <a:solidFill>
+                  <a:srgbClr val="FFFFFF"/>
+                </a:solidFill>
+                <a:latin typeface="Courier New" panose="02070309020205020404" pitchFamily="49" charset="0"/>
+                <a:cs typeface="Courier New" panose="02070309020205020404" pitchFamily="49" charset="0"/>
+              </a:rPr>
+              <a:t>dir</a:t>
+            </a:r>
+            <a:r>
+              <a:rPr lang="en-CA" dirty="0" smtClean="0">
+                <a:ln w="18415" cmpd="sng">
+                  <a:solidFill>
+                    <a:srgbClr val="FFFFFF"/>
+                  </a:solidFill>
+                  <a:prstDash val="solid"/>
+                </a:ln>
+                <a:solidFill>
+                  <a:srgbClr val="FFFFFF"/>
+                </a:solidFill>
+                <a:latin typeface="Courier New" panose="02070309020205020404" pitchFamily="49" charset="0"/>
+                <a:cs typeface="Courier New" panose="02070309020205020404" pitchFamily="49" charset="0"/>
+              </a:rPr>
+              <a:t> 1</a:t>
+            </a:r>
+            <a:endParaRPr lang="en-CA" dirty="0" smtClean="0">
+              <a:ln w="18415" cmpd="sng">
+                <a:solidFill>
+                  <a:srgbClr val="FFFFFF"/>
+                </a:solidFill>
+                <a:prstDash val="solid"/>
+              </a:ln>
+              <a:solidFill>
+                <a:srgbClr val="FFFFFF"/>
+              </a:solidFill>
+              <a:latin typeface="Courier New" panose="02070309020205020404" pitchFamily="49" charset="0"/>
+              <a:cs typeface="Courier New" panose="02070309020205020404" pitchFamily="49" charset="0"/>
+            </a:endParaRPr>
+          </a:p>
+        </p:txBody>
+      </p:sp>
+      <p:sp>
+        <p:nvSpPr>
+          <p:cNvPr id="7" name="Trapezoid 6"/>
+          <p:cNvSpPr/>
+          <p:nvPr/>
+        </p:nvSpPr>
+        <p:spPr>
+          <a:xfrm>
+            <a:off x="3959061" y="5550444"/>
+            <a:ext cx="2520280" cy="1152128"/>
+          </a:xfrm>
+          <a:prstGeom prst="trapezoid">
+            <a:avLst/>
+          </a:prstGeom>
+          <a:solidFill>
+            <a:srgbClr val="00B050"/>
+          </a:solidFill>
+        </p:spPr>
+        <p:style>
+          <a:lnRef idx="2">
+            <a:schemeClr val="accent1">
+              <a:shade val="50000"/>
+            </a:schemeClr>
+          </a:lnRef>
+          <a:fillRef idx="1">
+            <a:schemeClr val="accent1"/>
+          </a:fillRef>
+          <a:effectRef idx="0">
+            <a:schemeClr val="accent1"/>
+          </a:effectRef>
+          <a:fontRef idx="minor">
+            <a:schemeClr val="lt1"/>
+          </a:fontRef>
+        </p:style>
+        <p:txBody>
+          <a:bodyPr rtlCol="0" anchor="ctr"/>
+          <a:lstStyle/>
+          <a:p>
+            <a:r>
+              <a:rPr lang="en-CA" dirty="0" smtClean="0">
+                <a:ln w="18415" cmpd="sng">
+                  <a:solidFill>
+                    <a:srgbClr val="FFFFFF"/>
+                  </a:solidFill>
+                  <a:prstDash val="solid"/>
+                </a:ln>
+                <a:solidFill>
+                  <a:srgbClr val="FFFFFF"/>
+                </a:solidFill>
+                <a:latin typeface="Courier New" panose="02070309020205020404" pitchFamily="49" charset="0"/>
+                <a:cs typeface="Courier New" panose="02070309020205020404" pitchFamily="49" charset="0"/>
+              </a:rPr>
+              <a:t>Repository 2</a:t>
+            </a:r>
+            <a:endParaRPr lang="en-CA" dirty="0" smtClean="0">
+              <a:ln w="18415" cmpd="sng">
+                <a:solidFill>
+                  <a:srgbClr val="FFFFFF"/>
+                </a:solidFill>
+                <a:prstDash val="solid"/>
+              </a:ln>
+              <a:solidFill>
+                <a:srgbClr val="FFFFFF"/>
+              </a:solidFill>
+              <a:latin typeface="Courier New" panose="02070309020205020404" pitchFamily="49" charset="0"/>
+              <a:cs typeface="Courier New" panose="02070309020205020404" pitchFamily="49" charset="0"/>
+            </a:endParaRPr>
+          </a:p>
+          <a:p>
+            <a:r>
+              <a:rPr lang="en-CA" dirty="0" smtClean="0">
+                <a:ln w="18415" cmpd="sng">
+                  <a:solidFill>
+                    <a:srgbClr val="FFFFFF"/>
+                  </a:solidFill>
+                  <a:prstDash val="solid"/>
+                </a:ln>
+                <a:solidFill>
+                  <a:srgbClr val="FFFFFF"/>
+                </a:solidFill>
+                <a:latin typeface="Courier New" panose="02070309020205020404" pitchFamily="49" charset="0"/>
+                <a:cs typeface="Courier New" panose="02070309020205020404" pitchFamily="49" charset="0"/>
+              </a:rPr>
+              <a:t> | </a:t>
+            </a:r>
+            <a:r>
+              <a:rPr lang="en-CA" dirty="0" smtClean="0">
+                <a:ln w="18415" cmpd="sng">
+                  <a:solidFill>
+                    <a:srgbClr val="FFFFFF"/>
+                  </a:solidFill>
+                  <a:prstDash val="solid"/>
+                </a:ln>
+                <a:solidFill>
+                  <a:srgbClr val="FFFFFF"/>
+                </a:solidFill>
+                <a:latin typeface="Courier New" panose="02070309020205020404" pitchFamily="49" charset="0"/>
+                <a:cs typeface="Courier New" panose="02070309020205020404" pitchFamily="49" charset="0"/>
+              </a:rPr>
+              <a:t>file 1</a:t>
+            </a:r>
+          </a:p>
+          <a:p>
+            <a:r>
+              <a:rPr lang="en-CA" dirty="0">
+                <a:ln w="18415" cmpd="sng">
+                  <a:solidFill>
+                    <a:srgbClr val="FFFFFF"/>
+                  </a:solidFill>
+                  <a:prstDash val="solid"/>
+                </a:ln>
+                <a:solidFill>
+                  <a:srgbClr val="FFFFFF"/>
+                </a:solidFill>
+                <a:latin typeface="Courier New" panose="02070309020205020404" pitchFamily="49" charset="0"/>
+                <a:cs typeface="Courier New" panose="02070309020205020404" pitchFamily="49" charset="0"/>
+              </a:rPr>
+              <a:t> </a:t>
+            </a:r>
+            <a:r>
+              <a:rPr lang="en-CA" dirty="0" smtClean="0">
+                <a:ln w="18415" cmpd="sng">
+                  <a:solidFill>
+                    <a:srgbClr val="FFFFFF"/>
+                  </a:solidFill>
+                  <a:prstDash val="solid"/>
+                </a:ln>
+                <a:solidFill>
+                  <a:srgbClr val="FFFFFF"/>
+                </a:solidFill>
+                <a:latin typeface="Courier New" panose="02070309020205020404" pitchFamily="49" charset="0"/>
+                <a:cs typeface="Courier New" panose="02070309020205020404" pitchFamily="49" charset="0"/>
+              </a:rPr>
+              <a:t>| file 2</a:t>
+            </a:r>
+            <a:endParaRPr lang="en-CA" dirty="0" smtClean="0">
+              <a:ln w="18415" cmpd="sng">
+                <a:solidFill>
+                  <a:srgbClr val="FFFFFF"/>
+                </a:solidFill>
+                <a:prstDash val="solid"/>
+              </a:ln>
+              <a:solidFill>
+                <a:srgbClr val="FFFFFF"/>
+              </a:solidFill>
+              <a:latin typeface="Courier New" panose="02070309020205020404" pitchFamily="49" charset="0"/>
+              <a:cs typeface="Courier New" panose="02070309020205020404" pitchFamily="49" charset="0"/>
+            </a:endParaRPr>
+          </a:p>
+        </p:txBody>
+      </p:sp>
+      <p:sp>
+        <p:nvSpPr>
+          <p:cNvPr id="8" name="Trapezoid 7"/>
+          <p:cNvSpPr/>
+          <p:nvPr/>
+        </p:nvSpPr>
+        <p:spPr>
+          <a:xfrm>
+            <a:off x="3959061" y="4509120"/>
+            <a:ext cx="2520280" cy="1152128"/>
+          </a:xfrm>
+          <a:prstGeom prst="trapezoid">
+            <a:avLst/>
+          </a:prstGeom>
+          <a:solidFill>
+            <a:srgbClr val="00B050"/>
+          </a:solidFill>
+        </p:spPr>
+        <p:style>
+          <a:lnRef idx="2">
+            <a:schemeClr val="accent1">
+              <a:shade val="50000"/>
+            </a:schemeClr>
+          </a:lnRef>
+          <a:fillRef idx="1">
+            <a:schemeClr val="accent1"/>
+          </a:fillRef>
+          <a:effectRef idx="0">
+            <a:schemeClr val="accent1"/>
+          </a:effectRef>
+          <a:fontRef idx="minor">
+            <a:schemeClr val="lt1"/>
+          </a:fontRef>
+        </p:style>
+        <p:txBody>
+          <a:bodyPr rtlCol="0" anchor="ctr"/>
+          <a:lstStyle/>
+          <a:p>
+            <a:r>
+              <a:rPr lang="en-CA" dirty="0" smtClean="0">
+                <a:ln w="18415" cmpd="sng">
+                  <a:solidFill>
+                    <a:srgbClr val="FFFFFF"/>
+                  </a:solidFill>
+                  <a:prstDash val="solid"/>
+                </a:ln>
+                <a:solidFill>
+                  <a:srgbClr val="FFFFFF"/>
+                </a:solidFill>
+                <a:latin typeface="Courier New" panose="02070309020205020404" pitchFamily="49" charset="0"/>
+                <a:cs typeface="Courier New" panose="02070309020205020404" pitchFamily="49" charset="0"/>
+              </a:rPr>
+              <a:t>Repository 2</a:t>
+            </a:r>
+            <a:endParaRPr lang="en-CA" dirty="0" smtClean="0">
+              <a:ln w="18415" cmpd="sng">
+                <a:solidFill>
+                  <a:srgbClr val="FFFFFF"/>
+                </a:solidFill>
+                <a:prstDash val="solid"/>
+              </a:ln>
+              <a:solidFill>
+                <a:srgbClr val="FFFFFF"/>
+              </a:solidFill>
+              <a:latin typeface="Courier New" panose="02070309020205020404" pitchFamily="49" charset="0"/>
+              <a:cs typeface="Courier New" panose="02070309020205020404" pitchFamily="49" charset="0"/>
+            </a:endParaRPr>
+          </a:p>
+          <a:p>
+            <a:r>
+              <a:rPr lang="en-CA" dirty="0">
+                <a:ln w="18415" cmpd="sng">
+                  <a:solidFill>
+                    <a:srgbClr val="FFFFFF"/>
+                  </a:solidFill>
+                  <a:prstDash val="solid"/>
+                </a:ln>
+                <a:solidFill>
+                  <a:srgbClr val="FFFFFF"/>
+                </a:solidFill>
+                <a:latin typeface="Courier New" panose="02070309020205020404" pitchFamily="49" charset="0"/>
+                <a:cs typeface="Courier New" panose="02070309020205020404" pitchFamily="49" charset="0"/>
+              </a:rPr>
+              <a:t> </a:t>
+            </a:r>
+            <a:r>
+              <a:rPr lang="en-CA" dirty="0" smtClean="0">
+                <a:ln w="18415" cmpd="sng">
+                  <a:solidFill>
+                    <a:srgbClr val="FFFFFF"/>
+                  </a:solidFill>
+                  <a:prstDash val="solid"/>
+                </a:ln>
+                <a:solidFill>
+                  <a:srgbClr val="FFFFFF"/>
+                </a:solidFill>
+                <a:latin typeface="Courier New" panose="02070309020205020404" pitchFamily="49" charset="0"/>
+                <a:cs typeface="Courier New" panose="02070309020205020404" pitchFamily="49" charset="0"/>
+              </a:rPr>
+              <a:t>| </a:t>
+            </a:r>
+            <a:r>
+              <a:rPr lang="en-CA" dirty="0" smtClean="0">
+                <a:ln w="18415" cmpd="sng">
+                  <a:solidFill>
+                    <a:srgbClr val="FFFFFF"/>
+                  </a:solidFill>
+                  <a:prstDash val="solid"/>
+                </a:ln>
+                <a:solidFill>
+                  <a:srgbClr val="FFFFFF"/>
+                </a:solidFill>
+                <a:latin typeface="Courier New" panose="02070309020205020404" pitchFamily="49" charset="0"/>
+                <a:cs typeface="Courier New" panose="02070309020205020404" pitchFamily="49" charset="0"/>
+              </a:rPr>
+              <a:t>file 1</a:t>
+            </a:r>
+          </a:p>
+          <a:p>
+            <a:r>
+              <a:rPr lang="en-CA" dirty="0" smtClean="0">
+                <a:ln w="18415" cmpd="sng">
+                  <a:solidFill>
+                    <a:srgbClr val="FFFFFF"/>
+                  </a:solidFill>
+                  <a:prstDash val="solid"/>
+                </a:ln>
+                <a:solidFill>
+                  <a:srgbClr val="FFFFFF"/>
+                </a:solidFill>
+                <a:latin typeface="Courier New" panose="02070309020205020404" pitchFamily="49" charset="0"/>
+                <a:cs typeface="Courier New" panose="02070309020205020404" pitchFamily="49" charset="0"/>
+              </a:rPr>
+              <a:t> | file 2</a:t>
+            </a:r>
+            <a:endParaRPr lang="en-CA" dirty="0" smtClean="0">
+              <a:ln w="18415" cmpd="sng">
+                <a:solidFill>
+                  <a:srgbClr val="FFFFFF"/>
+                </a:solidFill>
+                <a:prstDash val="solid"/>
+              </a:ln>
+              <a:solidFill>
+                <a:srgbClr val="FFFFFF"/>
+              </a:solidFill>
+              <a:latin typeface="Courier New" panose="02070309020205020404" pitchFamily="49" charset="0"/>
+              <a:cs typeface="Courier New" panose="02070309020205020404" pitchFamily="49" charset="0"/>
+            </a:endParaRPr>
+          </a:p>
+        </p:txBody>
+      </p:sp>
+      <p:sp>
+        <p:nvSpPr>
+          <p:cNvPr id="9" name="Trapezoid 8"/>
+          <p:cNvSpPr/>
+          <p:nvPr/>
+        </p:nvSpPr>
+        <p:spPr>
+          <a:xfrm>
+            <a:off x="3959061" y="3356992"/>
+            <a:ext cx="2520280" cy="1152128"/>
+          </a:xfrm>
+          <a:prstGeom prst="trapezoid">
+            <a:avLst/>
+          </a:prstGeom>
+          <a:solidFill>
+            <a:srgbClr val="00B050"/>
+          </a:solidFill>
+        </p:spPr>
+        <p:style>
+          <a:lnRef idx="2">
+            <a:schemeClr val="accent1">
+              <a:shade val="50000"/>
+            </a:schemeClr>
+          </a:lnRef>
+          <a:fillRef idx="1">
+            <a:schemeClr val="accent1"/>
+          </a:fillRef>
+          <a:effectRef idx="0">
+            <a:schemeClr val="accent1"/>
+          </a:effectRef>
+          <a:fontRef idx="minor">
+            <a:schemeClr val="lt1"/>
+          </a:fontRef>
+        </p:style>
+        <p:txBody>
+          <a:bodyPr rtlCol="0" anchor="ctr"/>
+          <a:lstStyle/>
+          <a:p>
+            <a:r>
+              <a:rPr lang="en-CA" dirty="0" smtClean="0">
+                <a:ln w="18415" cmpd="sng">
+                  <a:solidFill>
+                    <a:srgbClr val="FFFFFF"/>
+                  </a:solidFill>
+                  <a:prstDash val="solid"/>
+                </a:ln>
+                <a:solidFill>
+                  <a:srgbClr val="FFFFFF"/>
+                </a:solidFill>
+                <a:latin typeface="Courier New" panose="02070309020205020404" pitchFamily="49" charset="0"/>
+                <a:cs typeface="Courier New" panose="02070309020205020404" pitchFamily="49" charset="0"/>
+              </a:rPr>
+              <a:t>Repository 2</a:t>
+            </a:r>
+            <a:endParaRPr lang="en-CA" dirty="0" smtClean="0">
+              <a:ln w="18415" cmpd="sng">
+                <a:solidFill>
+                  <a:srgbClr val="FFFFFF"/>
+                </a:solidFill>
+                <a:prstDash val="solid"/>
+              </a:ln>
+              <a:solidFill>
+                <a:srgbClr val="FFFFFF"/>
+              </a:solidFill>
+              <a:latin typeface="Courier New" panose="02070309020205020404" pitchFamily="49" charset="0"/>
+              <a:cs typeface="Courier New" panose="02070309020205020404" pitchFamily="49" charset="0"/>
+            </a:endParaRPr>
+          </a:p>
+          <a:p>
+            <a:r>
+              <a:rPr lang="en-CA" dirty="0" smtClean="0">
+                <a:ln w="18415" cmpd="sng">
+                  <a:solidFill>
+                    <a:srgbClr val="FFFFFF"/>
+                  </a:solidFill>
+                  <a:prstDash val="solid"/>
+                </a:ln>
+                <a:solidFill>
+                  <a:srgbClr val="FFFFFF"/>
+                </a:solidFill>
+                <a:latin typeface="Courier New" panose="02070309020205020404" pitchFamily="49" charset="0"/>
+                <a:cs typeface="Courier New" panose="02070309020205020404" pitchFamily="49" charset="0"/>
+              </a:rPr>
+              <a:t> | </a:t>
+            </a:r>
+            <a:r>
+              <a:rPr lang="en-CA" dirty="0" smtClean="0">
+                <a:ln w="18415" cmpd="sng">
+                  <a:solidFill>
+                    <a:srgbClr val="FFFFFF"/>
+                  </a:solidFill>
+                  <a:prstDash val="solid"/>
+                </a:ln>
+                <a:solidFill>
+                  <a:srgbClr val="FFFFFF"/>
+                </a:solidFill>
+                <a:latin typeface="Courier New" panose="02070309020205020404" pitchFamily="49" charset="0"/>
+                <a:cs typeface="Courier New" panose="02070309020205020404" pitchFamily="49" charset="0"/>
+              </a:rPr>
+              <a:t>*file 1</a:t>
+            </a:r>
+            <a:endParaRPr lang="en-CA" dirty="0" smtClean="0">
+              <a:ln w="18415" cmpd="sng">
+                <a:solidFill>
+                  <a:srgbClr val="FFFFFF"/>
+                </a:solidFill>
+                <a:prstDash val="solid"/>
+              </a:ln>
+              <a:solidFill>
+                <a:srgbClr val="FFFFFF"/>
+              </a:solidFill>
+              <a:latin typeface="Courier New" panose="02070309020205020404" pitchFamily="49" charset="0"/>
+              <a:cs typeface="Courier New" panose="02070309020205020404" pitchFamily="49" charset="0"/>
+            </a:endParaRPr>
+          </a:p>
+          <a:p>
+            <a:r>
+              <a:rPr lang="en-CA" dirty="0" smtClean="0">
+                <a:ln w="18415" cmpd="sng">
+                  <a:solidFill>
+                    <a:srgbClr val="FFFFFF"/>
+                  </a:solidFill>
+                  <a:prstDash val="solid"/>
+                </a:ln>
+                <a:solidFill>
+                  <a:srgbClr val="FFFFFF"/>
+                </a:solidFill>
+                <a:latin typeface="Courier New" panose="02070309020205020404" pitchFamily="49" charset="0"/>
+                <a:cs typeface="Courier New" panose="02070309020205020404" pitchFamily="49" charset="0"/>
+              </a:rPr>
+              <a:t> | </a:t>
+            </a:r>
+            <a:r>
+              <a:rPr lang="en-CA" dirty="0" smtClean="0">
+                <a:ln w="18415" cmpd="sng">
+                  <a:solidFill>
+                    <a:srgbClr val="FFFFFF"/>
+                  </a:solidFill>
+                  <a:prstDash val="solid"/>
+                </a:ln>
+                <a:solidFill>
+                  <a:srgbClr val="FFFFFF"/>
+                </a:solidFill>
+                <a:latin typeface="Courier New" panose="02070309020205020404" pitchFamily="49" charset="0"/>
+                <a:cs typeface="Courier New" panose="02070309020205020404" pitchFamily="49" charset="0"/>
+              </a:rPr>
+              <a:t>file 2</a:t>
+            </a:r>
+            <a:endParaRPr lang="en-CA" dirty="0" smtClean="0">
+              <a:ln w="18415" cmpd="sng">
+                <a:solidFill>
+                  <a:srgbClr val="FFFFFF"/>
+                </a:solidFill>
+                <a:prstDash val="solid"/>
+              </a:ln>
+              <a:solidFill>
+                <a:srgbClr val="FFFFFF"/>
+              </a:solidFill>
+              <a:latin typeface="Courier New" panose="02070309020205020404" pitchFamily="49" charset="0"/>
+              <a:cs typeface="Courier New" panose="02070309020205020404" pitchFamily="49" charset="0"/>
+            </a:endParaRPr>
+          </a:p>
+        </p:txBody>
+      </p:sp>
+      <p:cxnSp>
+        <p:nvCxnSpPr>
+          <p:cNvPr id="11" name="Straight Connector 10"/>
+          <p:cNvCxnSpPr/>
+          <p:nvPr/>
+        </p:nvCxnSpPr>
+        <p:spPr>
+          <a:xfrm>
+            <a:off x="2051720" y="6309320"/>
+            <a:ext cx="1224136" cy="0"/>
+          </a:xfrm>
+          <a:prstGeom prst="line">
+            <a:avLst/>
+          </a:prstGeom>
+          <a:ln w="44450">
+            <a:solidFill>
+              <a:srgbClr val="FF0000"/>
+            </a:solidFill>
+          </a:ln>
+        </p:spPr>
+        <p:style>
+          <a:lnRef idx="1">
+            <a:schemeClr val="accent1"/>
+          </a:lnRef>
+          <a:fillRef idx="0">
+            <a:schemeClr val="accent1"/>
+          </a:fillRef>
+          <a:effectRef idx="0">
+            <a:schemeClr val="accent1"/>
+          </a:effectRef>
+          <a:fontRef idx="minor">
+            <a:schemeClr val="tx1"/>
+          </a:fontRef>
+        </p:style>
+      </p:cxnSp>
+      <p:cxnSp>
+        <p:nvCxnSpPr>
+          <p:cNvPr id="13" name="Straight Connector 12"/>
+          <p:cNvCxnSpPr/>
+          <p:nvPr/>
+        </p:nvCxnSpPr>
+        <p:spPr>
+          <a:xfrm flipV="1">
+            <a:off x="3275856" y="5085184"/>
+            <a:ext cx="0" cy="1224136"/>
+          </a:xfrm>
+          <a:prstGeom prst="line">
+            <a:avLst/>
+          </a:prstGeom>
+          <a:ln w="44450">
+            <a:solidFill>
+              <a:srgbClr val="FF0000"/>
+            </a:solidFill>
+          </a:ln>
+        </p:spPr>
+        <p:style>
+          <a:lnRef idx="1">
+            <a:schemeClr val="accent1"/>
+          </a:lnRef>
+          <a:fillRef idx="0">
+            <a:schemeClr val="accent1"/>
+          </a:fillRef>
+          <a:effectRef idx="0">
+            <a:schemeClr val="accent1"/>
+          </a:effectRef>
+          <a:fontRef idx="minor">
+            <a:schemeClr val="tx1"/>
+          </a:fontRef>
+        </p:style>
+      </p:cxnSp>
+      <p:cxnSp>
+        <p:nvCxnSpPr>
+          <p:cNvPr id="17" name="Straight Arrow Connector 16"/>
+          <p:cNvCxnSpPr/>
+          <p:nvPr/>
+        </p:nvCxnSpPr>
+        <p:spPr>
+          <a:xfrm>
+            <a:off x="3275856" y="5085184"/>
+            <a:ext cx="576064" cy="0"/>
+          </a:xfrm>
+          <a:prstGeom prst="straightConnector1">
+            <a:avLst/>
+          </a:prstGeom>
+          <a:ln w="44450">
+            <a:solidFill>
+              <a:srgbClr val="FF0000"/>
+            </a:solidFill>
+            <a:tailEnd type="arrow"/>
+          </a:ln>
+        </p:spPr>
+        <p:style>
+          <a:lnRef idx="1">
+            <a:schemeClr val="accent1"/>
+          </a:lnRef>
+          <a:fillRef idx="0">
+            <a:schemeClr val="accent1"/>
+          </a:fillRef>
+          <a:effectRef idx="0">
+            <a:schemeClr val="accent1"/>
+          </a:effectRef>
+          <a:fontRef idx="minor">
+            <a:schemeClr val="tx1"/>
+          </a:fontRef>
+        </p:style>
+      </p:cxnSp>
+      <p:cxnSp>
+        <p:nvCxnSpPr>
+          <p:cNvPr id="19" name="Straight Arrow Connector 18"/>
+          <p:cNvCxnSpPr/>
+          <p:nvPr/>
+        </p:nvCxnSpPr>
+        <p:spPr>
+          <a:xfrm>
+            <a:off x="2051720" y="4077072"/>
+            <a:ext cx="1800200" cy="0"/>
+          </a:xfrm>
+          <a:prstGeom prst="straightConnector1">
+            <a:avLst/>
+          </a:prstGeom>
+          <a:ln w="44450">
+            <a:solidFill>
+              <a:srgbClr val="FF0000"/>
+            </a:solidFill>
+            <a:tailEnd type="arrow"/>
+          </a:ln>
+        </p:spPr>
+        <p:style>
+          <a:lnRef idx="1">
+            <a:schemeClr val="accent1"/>
+          </a:lnRef>
+          <a:fillRef idx="0">
+            <a:schemeClr val="accent1"/>
+          </a:fillRef>
+          <a:effectRef idx="0">
+            <a:schemeClr val="accent1"/>
+          </a:effectRef>
+          <a:fontRef idx="minor">
+            <a:schemeClr val="tx1"/>
+          </a:fontRef>
+        </p:style>
+      </p:cxnSp>
+    </p:spTree>
+    <p:extLst>
+      <p:ext uri="{BB962C8B-B14F-4D97-AF65-F5344CB8AC3E}">
+        <p14:creationId xmlns:p14="http://schemas.microsoft.com/office/powerpoint/2010/main" val="1506512412"/>
+      </p:ext>
+    </p:extLst>
+  </p:cSld>
+  <p:clrMapOvr>
+    <a:masterClrMapping/>
+  </p:clrMapOvr>
+</p:sld>
+</file>
+
+<file path=ppt/slides/slide37.xml><?xml version="1.0" encoding="utf-8"?>
+<p:sld xmlns:a="http://schemas.openxmlformats.org/drawingml/2006/main" xmlns:r="http://schemas.openxmlformats.org/officeDocument/2006/relationships" xmlns:p="http://schemas.openxmlformats.org/presentationml/2006/main">
+  <p:cSld>
+    <p:spTree>
+      <p:nvGrpSpPr>
+        <p:cNvPr id="1" name=""/>
+        <p:cNvGrpSpPr/>
+        <p:nvPr/>
+      </p:nvGrpSpPr>
+      <p:grpSpPr>
+        <a:xfrm>
+          <a:off x="0" y="0"/>
+          <a:ext cx="0" cy="0"/>
+          <a:chOff x="0" y="0"/>
+          <a:chExt cx="0" cy="0"/>
+        </a:xfrm>
+      </p:grpSpPr>
+      <p:sp>
+        <p:nvSpPr>
+          <p:cNvPr id="2" name="Title 1"/>
+          <p:cNvSpPr>
+            <a:spLocks noGrp="1"/>
+          </p:cNvSpPr>
+          <p:nvPr>
+            <p:ph type="title"/>
+          </p:nvPr>
+        </p:nvSpPr>
+        <p:spPr/>
+        <p:txBody>
+          <a:bodyPr/>
+          <a:lstStyle/>
+          <a:p>
+            <a:r>
+              <a:rPr lang="en-CA" dirty="0" smtClean="0"/>
+              <a:t>GIT AND TFS</a:t>
+            </a:r>
+            <a:endParaRPr lang="en-CA" dirty="0"/>
+          </a:p>
+        </p:txBody>
+      </p:sp>
+      <p:sp>
+        <p:nvSpPr>
+          <p:cNvPr id="3" name="Text Placeholder 2"/>
+          <p:cNvSpPr>
+            <a:spLocks noGrp="1"/>
+          </p:cNvSpPr>
+          <p:nvPr>
+            <p:ph type="body" idx="1"/>
+          </p:nvPr>
+        </p:nvSpPr>
+        <p:spPr/>
+        <p:txBody>
+          <a:bodyPr/>
+          <a:lstStyle/>
+          <a:p>
+            <a:endParaRPr lang="en-CA"/>
+          </a:p>
+        </p:txBody>
+      </p:sp>
+    </p:spTree>
+    <p:extLst>
+      <p:ext uri="{BB962C8B-B14F-4D97-AF65-F5344CB8AC3E}">
+        <p14:creationId xmlns:p14="http://schemas.microsoft.com/office/powerpoint/2010/main" val="2384397923"/>
+      </p:ext>
+    </p:extLst>
+  </p:cSld>
+  <p:clrMapOvr>
+    <a:masterClrMapping/>
+  </p:clrMapOvr>
+  <p:timing>
+    <p:tnLst>
+      <p:par>
+        <p:cTn id="1" dur="indefinite" restart="never" nodeType="tmRoot"/>
+      </p:par>
+    </p:tnLst>
+  </p:timing>
+</p:sld>
+</file>
+
+<file path=ppt/slides/slide38.xml><?xml version="1.0" encoding="utf-8"?>
+<p:sld xmlns:a="http://schemas.openxmlformats.org/drawingml/2006/main" xmlns:r="http://schemas.openxmlformats.org/officeDocument/2006/relationships" xmlns:p="http://schemas.openxmlformats.org/presentationml/2006/main">
+  <p:cSld>
+    <p:spTree>
+      <p:nvGrpSpPr>
+        <p:cNvPr id="1" name=""/>
+        <p:cNvGrpSpPr/>
+        <p:nvPr/>
+      </p:nvGrpSpPr>
+      <p:grpSpPr>
+        <a:xfrm>
+          <a:off x="0" y="0"/>
+          <a:ext cx="0" cy="0"/>
+          <a:chOff x="0" y="0"/>
+          <a:chExt cx="0" cy="0"/>
+        </a:xfrm>
+      </p:grpSpPr>
+      <p:sp>
+        <p:nvSpPr>
+          <p:cNvPr id="2" name="Title 1"/>
+          <p:cNvSpPr>
+            <a:spLocks noGrp="1"/>
+          </p:cNvSpPr>
+          <p:nvPr>
+            <p:ph type="title"/>
+          </p:nvPr>
+        </p:nvSpPr>
+        <p:spPr/>
+        <p:txBody>
+          <a:bodyPr>
+            <a:normAutofit fontScale="90000"/>
+          </a:bodyPr>
+          <a:lstStyle/>
+          <a:p>
+            <a:r>
+              <a:rPr lang="en-CA" dirty="0" smtClean="0"/>
+              <a:t>HOW TO ACCESS A NATIVE TFS REPOSITORY WITH GIT</a:t>
+            </a:r>
+            <a:endParaRPr lang="en-CA" dirty="0"/>
+          </a:p>
+        </p:txBody>
+      </p:sp>
+      <p:sp>
+        <p:nvSpPr>
+          <p:cNvPr id="3" name="Content Placeholder 2"/>
+          <p:cNvSpPr>
+            <a:spLocks noGrp="1"/>
+          </p:cNvSpPr>
+          <p:nvPr>
+            <p:ph idx="1"/>
+          </p:nvPr>
+        </p:nvSpPr>
+        <p:spPr/>
+        <p:txBody>
+          <a:bodyPr>
+            <a:normAutofit fontScale="92500" lnSpcReduction="20000"/>
+          </a:bodyPr>
+          <a:lstStyle/>
+          <a:p>
+            <a:pPr marL="0" indent="0">
+              <a:buNone/>
+            </a:pPr>
+            <a:r>
+              <a:rPr lang="en-CA" dirty="0" smtClean="0"/>
+              <a:t>GIT-TF tool is located here: </a:t>
+            </a:r>
+            <a:r>
+              <a:rPr lang="en-CA" dirty="0" smtClean="0">
+                <a:hlinkClick r:id="rId2"/>
+              </a:rPr>
+              <a:t>https</a:t>
+            </a:r>
+            <a:r>
+              <a:rPr lang="en-CA" dirty="0">
+                <a:hlinkClick r:id="rId2"/>
+              </a:rPr>
+              <a:t>://gittf.codeplex.com</a:t>
+            </a:r>
+            <a:r>
+              <a:rPr lang="en-CA" dirty="0" smtClean="0">
+                <a:hlinkClick r:id="rId2"/>
+              </a:rPr>
+              <a:t>/</a:t>
+            </a:r>
+            <a:endParaRPr lang="en-CA" dirty="0" smtClean="0"/>
+          </a:p>
+          <a:p>
+            <a:pPr marL="0" indent="0">
+              <a:buNone/>
+            </a:pPr>
+            <a:endParaRPr lang="en-CA" dirty="0"/>
+          </a:p>
+          <a:p>
+            <a:pPr marL="0" indent="0">
+              <a:buNone/>
+            </a:pPr>
+            <a:r>
+              <a:rPr lang="en-CA" dirty="0" smtClean="0"/>
+              <a:t>This tool reads a native TFS repository and formats it as a local GIT repository for me to work with the usual way. The only changes are the push and pull commands, which are no longer working. I have to use the special TFS sync commands.</a:t>
+            </a:r>
+          </a:p>
+          <a:p>
+            <a:pPr marL="0" indent="0">
+              <a:buNone/>
+            </a:pPr>
+            <a:endParaRPr lang="en-CA" dirty="0"/>
+          </a:p>
+          <a:p>
+            <a:pPr marL="0" indent="0">
+              <a:buNone/>
+            </a:pPr>
+            <a:r>
+              <a:rPr lang="en-CA" dirty="0" smtClean="0"/>
+              <a:t>All my GIT commits are squashed as a single TFS commit and my branches become TFS </a:t>
+            </a:r>
+            <a:r>
+              <a:rPr lang="en-CA" dirty="0" err="1" smtClean="0"/>
+              <a:t>shelvesets</a:t>
+            </a:r>
+            <a:r>
+              <a:rPr lang="en-CA" dirty="0" smtClean="0"/>
+              <a:t>.</a:t>
+            </a:r>
+          </a:p>
+        </p:txBody>
+      </p:sp>
+    </p:spTree>
+    <p:extLst>
+      <p:ext uri="{BB962C8B-B14F-4D97-AF65-F5344CB8AC3E}">
+        <p14:creationId xmlns:p14="http://schemas.microsoft.com/office/powerpoint/2010/main" val="3034071520"/>
+      </p:ext>
+    </p:extLst>
+  </p:cSld>
+  <p:clrMapOvr>
+    <a:masterClrMapping/>
+  </p:clrMapOvr>
+</p:sld>
+</file>
+
 <file path=ppt/slides/slide4.xml><?xml version="1.0" encoding="utf-8"?>
 <p:sld xmlns:a="http://schemas.openxmlformats.org/drawingml/2006/main" xmlns:r="http://schemas.openxmlformats.org/officeDocument/2006/relationships" xmlns:p="http://schemas.openxmlformats.org/presentationml/2006/main">
   <p:cSld>
@@ -14370,7 +18645,6 @@
               <a:rPr lang="en-CA" dirty="0"/>
               <a:t>A GIT REPOSITORY</a:t>
             </a:r>
-            <a:endParaRPr lang="en-CA" dirty="0"/>
           </a:p>
         </p:txBody>
       </p:sp>
@@ -14529,7 +18803,6 @@
               <a:rPr lang="en-CA" dirty="0"/>
               <a:t>A GIT REPOSITORY</a:t>
             </a:r>
-            <a:endParaRPr lang="en-CA" dirty="0"/>
           </a:p>
         </p:txBody>
       </p:sp>
@@ -14641,7 +18914,6 @@
               <a:rPr lang="en-CA" dirty="0"/>
               <a:t>A GIT REPOSITORY</a:t>
             </a:r>
-            <a:endParaRPr lang="en-CA" dirty="0"/>
           </a:p>
         </p:txBody>
       </p:sp>
@@ -15381,7 +19653,6 @@
               <a:rPr lang="en-CA" dirty="0"/>
               <a:t>A GIT REPOSITORY</a:t>
             </a:r>
-            <a:endParaRPr lang="en-CA" dirty="0"/>
           </a:p>
         </p:txBody>
       </p:sp>
